--- a/lectures/week4/lecture2/slides/week4_lecture2.pptx
+++ b/lectures/week4/lecture2/slides/week4_lecture2.pptx
@@ -9,18 +9,18 @@
     <p:sldId id="259" r:id="rId3"/>
     <p:sldId id="261" r:id="rId4"/>
     <p:sldId id="326" r:id="rId5"/>
-    <p:sldId id="325" r:id="rId6"/>
-    <p:sldId id="328" r:id="rId7"/>
-    <p:sldId id="267" r:id="rId8"/>
-    <p:sldId id="335" r:id="rId9"/>
-    <p:sldId id="336" r:id="rId10"/>
-    <p:sldId id="339" r:id="rId11"/>
-    <p:sldId id="337" r:id="rId12"/>
-    <p:sldId id="340" r:id="rId13"/>
-    <p:sldId id="338" r:id="rId14"/>
-    <p:sldId id="334" r:id="rId15"/>
-    <p:sldId id="324" r:id="rId16"/>
-    <p:sldId id="341" r:id="rId17"/>
+    <p:sldId id="384" r:id="rId6"/>
+    <p:sldId id="325" r:id="rId7"/>
+    <p:sldId id="328" r:id="rId8"/>
+    <p:sldId id="267" r:id="rId9"/>
+    <p:sldId id="335" r:id="rId10"/>
+    <p:sldId id="336" r:id="rId11"/>
+    <p:sldId id="339" r:id="rId12"/>
+    <p:sldId id="337" r:id="rId13"/>
+    <p:sldId id="340" r:id="rId14"/>
+    <p:sldId id="338" r:id="rId15"/>
+    <p:sldId id="334" r:id="rId16"/>
+    <p:sldId id="324" r:id="rId17"/>
     <p:sldId id="329" r:id="rId18"/>
   </p:sldIdLst>
   <p:sldSz cx="12192000" cy="6858000"/>
@@ -1526,6 +1526,80 @@
       </p:sp>
       <p:sp>
         <p:nvSpPr>
+          <p:cNvPr id="3" name="Content Placeholder 2">
+            <a:extLst>
+              <a:ext uri="{FF2B5EF4-FFF2-40B4-BE49-F238E27FC236}">
+                <a16:creationId xmlns:a16="http://schemas.microsoft.com/office/drawing/2014/main" id="{86B251CA-11BF-441F-8DAF-B316636B94DD}"/>
+              </a:ext>
+            </a:extLst>
+          </p:cNvPr>
+          <p:cNvSpPr>
+            <a:spLocks noGrp="1"/>
+          </p:cNvSpPr>
+          <p:nvPr>
+            <p:ph idx="1"/>
+          </p:nvPr>
+        </p:nvSpPr>
+        <p:spPr>
+          <a:xfrm>
+            <a:off x="838200" y="1825624"/>
+            <a:ext cx="9316453" cy="4900029"/>
+          </a:xfrm>
+        </p:spPr>
+        <p:txBody>
+          <a:bodyPr>
+            <a:normAutofit/>
+          </a:bodyPr>
+          <a:lstStyle/>
+          <a:p>
+            <a:r>
+              <a:rPr lang="en-US" sz="3200" dirty="0"/>
+              <a:t>The user guesses 64</a:t>
+            </a:r>
+            <a:r>
+              <a:rPr lang="en-US" sz="3200" dirty="0">
+                <a:solidFill>
+                  <a:schemeClr val="accent1"/>
+                </a:solidFill>
+              </a:rPr>
+              <a:t>.</a:t>
+            </a:r>
+          </a:p>
+          <a:p>
+            <a:pPr lvl="1"/>
+            <a:r>
+              <a:rPr lang="en-US" sz="2800" dirty="0"/>
+              <a:t>The computer says </a:t>
+            </a:r>
+            <a:r>
+              <a:rPr lang="en-US" sz="2800" b="1" dirty="0">
+                <a:solidFill>
+                  <a:schemeClr val="accent6"/>
+                </a:solidFill>
+              </a:rPr>
+              <a:t>LOWER</a:t>
+            </a:r>
+            <a:r>
+              <a:rPr lang="en-US" sz="2800" dirty="0">
+                <a:solidFill>
+                  <a:schemeClr val="accent1"/>
+                </a:solidFill>
+              </a:rPr>
+              <a:t>.</a:t>
+            </a:r>
+          </a:p>
+          <a:p>
+            <a:pPr lvl="1"/>
+            <a:endParaRPr lang="en-US" sz="2800" dirty="0">
+              <a:solidFill>
+                <a:schemeClr val="accent1"/>
+              </a:solidFill>
+            </a:endParaRPr>
+          </a:p>
+        </p:txBody>
+      </p:sp>
+      <p:sp>
+        <p:nvSpPr>
           <p:cNvPr id="4" name="Arrow: Left-Right 3">
             <a:extLst>
               <a:ext uri="{FF2B5EF4-FFF2-40B4-BE49-F238E27FC236}">
@@ -1624,7 +1698,7 @@
         <p:spPr>
           <a:xfrm>
             <a:off x="10062411" y="5564195"/>
-            <a:ext cx="893193" cy="830997"/>
+            <a:ext cx="1247457" cy="830997"/>
           </a:xfrm>
           <a:prstGeom prst="rect">
             <a:avLst/>
@@ -1643,7 +1717,7 @@
                   <a:srgbClr val="FFFFFF"/>
                 </a:solidFill>
               </a:rPr>
-              <a:t>64</a:t>
+              <a:t>100</a:t>
             </a:r>
           </a:p>
         </p:txBody>
@@ -1736,10 +1810,110 @@
           </a:p>
         </p:txBody>
       </p:sp>
+      <p:sp>
+        <p:nvSpPr>
+          <p:cNvPr id="10" name="Arrow: Down 9">
+            <a:extLst>
+              <a:ext uri="{FF2B5EF4-FFF2-40B4-BE49-F238E27FC236}">
+                <a16:creationId xmlns:a16="http://schemas.microsoft.com/office/drawing/2014/main" id="{C1DDC466-6659-4A36-A754-88725CFDBD2A}"/>
+              </a:ext>
+            </a:extLst>
+          </p:cNvPr>
+          <p:cNvSpPr/>
+          <p:nvPr/>
+        </p:nvSpPr>
+        <p:spPr>
+          <a:xfrm>
+            <a:off x="7680733" y="4914900"/>
+            <a:ext cx="577516" cy="733926"/>
+          </a:xfrm>
+          <a:prstGeom prst="downArrow">
+            <a:avLst/>
+          </a:prstGeom>
+          <a:solidFill>
+            <a:schemeClr val="accent6"/>
+          </a:solidFill>
+        </p:spPr>
+        <p:style>
+          <a:lnRef idx="2">
+            <a:schemeClr val="accent1">
+              <a:shade val="50000"/>
+            </a:schemeClr>
+          </a:lnRef>
+          <a:fillRef idx="1">
+            <a:schemeClr val="accent1"/>
+          </a:fillRef>
+          <a:effectRef idx="0">
+            <a:schemeClr val="accent1"/>
+          </a:effectRef>
+          <a:fontRef idx="minor">
+            <a:schemeClr val="lt1"/>
+          </a:fontRef>
+        </p:style>
+        <p:txBody>
+          <a:bodyPr rtlCol="0" anchor="ctr"/>
+          <a:lstStyle/>
+          <a:p>
+            <a:pPr algn="ctr"/>
+            <a:endParaRPr lang="en-US"/>
+          </a:p>
+        </p:txBody>
+      </p:sp>
+      <p:sp>
+        <p:nvSpPr>
+          <p:cNvPr id="11" name="TextBox 10">
+            <a:extLst>
+              <a:ext uri="{FF2B5EF4-FFF2-40B4-BE49-F238E27FC236}">
+                <a16:creationId xmlns:a16="http://schemas.microsoft.com/office/drawing/2014/main" id="{B195CD0A-AEF3-4DF9-B80C-46CAB58B0EBE}"/>
+              </a:ext>
+            </a:extLst>
+          </p:cNvPr>
+          <p:cNvSpPr txBox="1"/>
+          <p:nvPr/>
+        </p:nvSpPr>
+        <p:spPr>
+          <a:xfrm>
+            <a:off x="7314504" y="3613918"/>
+            <a:ext cx="1309974" cy="1323439"/>
+          </a:xfrm>
+          <a:prstGeom prst="rect">
+            <a:avLst/>
+          </a:prstGeom>
+          <a:noFill/>
+        </p:spPr>
+        <p:txBody>
+          <a:bodyPr wrap="none" rtlCol="0">
+            <a:spAutoFit/>
+          </a:bodyPr>
+          <a:lstStyle/>
+          <a:p>
+            <a:pPr algn="ctr"/>
+            <a:r>
+              <a:rPr lang="en-US" sz="3200" b="1" dirty="0">
+                <a:solidFill>
+                  <a:srgbClr val="FFFFFF"/>
+                </a:solidFill>
+              </a:rPr>
+              <a:t>Guess</a:t>
+            </a:r>
+          </a:p>
+          <a:p>
+            <a:pPr algn="ctr"/>
+            <a:r>
+              <a:rPr lang="en-US" sz="4800" b="1" dirty="0">
+                <a:solidFill>
+                  <a:srgbClr val="FFFFFF"/>
+                </a:solidFill>
+              </a:rPr>
+              <a:t>64</a:t>
+            </a:r>
+          </a:p>
+        </p:txBody>
+      </p:sp>
     </p:spTree>
     <p:extLst>
       <p:ext uri="{BB962C8B-B14F-4D97-AF65-F5344CB8AC3E}">
-        <p14:creationId xmlns:p14="http://schemas.microsoft.com/office/powerpoint/2010/main" val="994667479"/>
+        <p14:creationId xmlns:p14="http://schemas.microsoft.com/office/powerpoint/2010/main" val="3339925704"/>
       </p:ext>
     </p:extLst>
   </p:cSld>
@@ -1803,80 +1977,6 @@
       </p:sp>
       <p:sp>
         <p:nvSpPr>
-          <p:cNvPr id="3" name="Content Placeholder 2">
-            <a:extLst>
-              <a:ext uri="{FF2B5EF4-FFF2-40B4-BE49-F238E27FC236}">
-                <a16:creationId xmlns:a16="http://schemas.microsoft.com/office/drawing/2014/main" id="{86B251CA-11BF-441F-8DAF-B316636B94DD}"/>
-              </a:ext>
-            </a:extLst>
-          </p:cNvPr>
-          <p:cNvSpPr>
-            <a:spLocks noGrp="1"/>
-          </p:cNvSpPr>
-          <p:nvPr>
-            <p:ph idx="1"/>
-          </p:nvPr>
-        </p:nvSpPr>
-        <p:spPr>
-          <a:xfrm>
-            <a:off x="838200" y="1825624"/>
-            <a:ext cx="9316453" cy="4900029"/>
-          </a:xfrm>
-        </p:spPr>
-        <p:txBody>
-          <a:bodyPr>
-            <a:normAutofit/>
-          </a:bodyPr>
-          <a:lstStyle/>
-          <a:p>
-            <a:r>
-              <a:rPr lang="en-US" sz="3200" dirty="0"/>
-              <a:t>The user guesses 40</a:t>
-            </a:r>
-            <a:r>
-              <a:rPr lang="en-US" sz="3200" dirty="0">
-                <a:solidFill>
-                  <a:schemeClr val="accent1"/>
-                </a:solidFill>
-              </a:rPr>
-              <a:t>.</a:t>
-            </a:r>
-          </a:p>
-          <a:p>
-            <a:pPr lvl="1"/>
-            <a:r>
-              <a:rPr lang="en-US" sz="2800" dirty="0"/>
-              <a:t>The computer says </a:t>
-            </a:r>
-            <a:r>
-              <a:rPr lang="en-US" sz="2800" b="1" dirty="0">
-                <a:solidFill>
-                  <a:schemeClr val="accent6"/>
-                </a:solidFill>
-              </a:rPr>
-              <a:t>HIGHER</a:t>
-            </a:r>
-            <a:r>
-              <a:rPr lang="en-US" sz="2800" dirty="0">
-                <a:solidFill>
-                  <a:schemeClr val="accent1"/>
-                </a:solidFill>
-              </a:rPr>
-              <a:t>.</a:t>
-            </a:r>
-          </a:p>
-          <a:p>
-            <a:pPr lvl="1"/>
-            <a:endParaRPr lang="en-US" sz="2800" dirty="0">
-              <a:solidFill>
-                <a:schemeClr val="accent1"/>
-              </a:solidFill>
-            </a:endParaRPr>
-          </a:p>
-        </p:txBody>
-      </p:sp>
-      <p:sp>
-        <p:nvSpPr>
           <p:cNvPr id="4" name="Arrow: Left-Right 3">
             <a:extLst>
               <a:ext uri="{FF2B5EF4-FFF2-40B4-BE49-F238E27FC236}">
@@ -2087,110 +2187,10 @@
           </a:p>
         </p:txBody>
       </p:sp>
-      <p:sp>
-        <p:nvSpPr>
-          <p:cNvPr id="14" name="Arrow: Down 13">
-            <a:extLst>
-              <a:ext uri="{FF2B5EF4-FFF2-40B4-BE49-F238E27FC236}">
-                <a16:creationId xmlns:a16="http://schemas.microsoft.com/office/drawing/2014/main" id="{80967259-EDFC-4AEC-86B9-263E0978450D}"/>
-              </a:ext>
-            </a:extLst>
-          </p:cNvPr>
-          <p:cNvSpPr/>
-          <p:nvPr/>
-        </p:nvSpPr>
-        <p:spPr>
-          <a:xfrm>
-            <a:off x="4913464" y="4914900"/>
-            <a:ext cx="577516" cy="733926"/>
-          </a:xfrm>
-          <a:prstGeom prst="downArrow">
-            <a:avLst/>
-          </a:prstGeom>
-          <a:solidFill>
-            <a:schemeClr val="accent6"/>
-          </a:solidFill>
-        </p:spPr>
-        <p:style>
-          <a:lnRef idx="2">
-            <a:schemeClr val="accent1">
-              <a:shade val="50000"/>
-            </a:schemeClr>
-          </a:lnRef>
-          <a:fillRef idx="1">
-            <a:schemeClr val="accent1"/>
-          </a:fillRef>
-          <a:effectRef idx="0">
-            <a:schemeClr val="accent1"/>
-          </a:effectRef>
-          <a:fontRef idx="minor">
-            <a:schemeClr val="lt1"/>
-          </a:fontRef>
-        </p:style>
-        <p:txBody>
-          <a:bodyPr rtlCol="0" anchor="ctr"/>
-          <a:lstStyle/>
-          <a:p>
-            <a:pPr algn="ctr"/>
-            <a:endParaRPr lang="en-US"/>
-          </a:p>
-        </p:txBody>
-      </p:sp>
-      <p:sp>
-        <p:nvSpPr>
-          <p:cNvPr id="15" name="TextBox 14">
-            <a:extLst>
-              <a:ext uri="{FF2B5EF4-FFF2-40B4-BE49-F238E27FC236}">
-                <a16:creationId xmlns:a16="http://schemas.microsoft.com/office/drawing/2014/main" id="{938612DF-7D67-4673-97CE-D63B0AD6F0EB}"/>
-              </a:ext>
-            </a:extLst>
-          </p:cNvPr>
-          <p:cNvSpPr txBox="1"/>
-          <p:nvPr/>
-        </p:nvSpPr>
-        <p:spPr>
-          <a:xfrm>
-            <a:off x="4547235" y="3613918"/>
-            <a:ext cx="1309974" cy="1323439"/>
-          </a:xfrm>
-          <a:prstGeom prst="rect">
-            <a:avLst/>
-          </a:prstGeom>
-          <a:noFill/>
-        </p:spPr>
-        <p:txBody>
-          <a:bodyPr wrap="none" rtlCol="0">
-            <a:spAutoFit/>
-          </a:bodyPr>
-          <a:lstStyle/>
-          <a:p>
-            <a:pPr algn="ctr"/>
-            <a:r>
-              <a:rPr lang="en-US" sz="3200" b="1" dirty="0">
-                <a:solidFill>
-                  <a:srgbClr val="FFFFFF"/>
-                </a:solidFill>
-              </a:rPr>
-              <a:t>Guess</a:t>
-            </a:r>
-          </a:p>
-          <a:p>
-            <a:pPr algn="ctr"/>
-            <a:r>
-              <a:rPr lang="en-US" sz="4800" b="1" dirty="0">
-                <a:solidFill>
-                  <a:srgbClr val="FFFFFF"/>
-                </a:solidFill>
-              </a:rPr>
-              <a:t>40</a:t>
-            </a:r>
-          </a:p>
-        </p:txBody>
-      </p:sp>
     </p:spTree>
     <p:extLst>
       <p:ext uri="{BB962C8B-B14F-4D97-AF65-F5344CB8AC3E}">
-        <p14:creationId xmlns:p14="http://schemas.microsoft.com/office/powerpoint/2010/main" val="522241011"/>
+        <p14:creationId xmlns:p14="http://schemas.microsoft.com/office/powerpoint/2010/main" val="994667479"/>
       </p:ext>
     </p:extLst>
   </p:cSld>
@@ -2254,6 +2254,80 @@
       </p:sp>
       <p:sp>
         <p:nvSpPr>
+          <p:cNvPr id="3" name="Content Placeholder 2">
+            <a:extLst>
+              <a:ext uri="{FF2B5EF4-FFF2-40B4-BE49-F238E27FC236}">
+                <a16:creationId xmlns:a16="http://schemas.microsoft.com/office/drawing/2014/main" id="{86B251CA-11BF-441F-8DAF-B316636B94DD}"/>
+              </a:ext>
+            </a:extLst>
+          </p:cNvPr>
+          <p:cNvSpPr>
+            <a:spLocks noGrp="1"/>
+          </p:cNvSpPr>
+          <p:nvPr>
+            <p:ph idx="1"/>
+          </p:nvPr>
+        </p:nvSpPr>
+        <p:spPr>
+          <a:xfrm>
+            <a:off x="838200" y="1825624"/>
+            <a:ext cx="9316453" cy="4900029"/>
+          </a:xfrm>
+        </p:spPr>
+        <p:txBody>
+          <a:bodyPr>
+            <a:normAutofit/>
+          </a:bodyPr>
+          <a:lstStyle/>
+          <a:p>
+            <a:r>
+              <a:rPr lang="en-US" sz="3200" dirty="0"/>
+              <a:t>The user guesses 40</a:t>
+            </a:r>
+            <a:r>
+              <a:rPr lang="en-US" sz="3200" dirty="0">
+                <a:solidFill>
+                  <a:schemeClr val="accent1"/>
+                </a:solidFill>
+              </a:rPr>
+              <a:t>.</a:t>
+            </a:r>
+          </a:p>
+          <a:p>
+            <a:pPr lvl="1"/>
+            <a:r>
+              <a:rPr lang="en-US" sz="2800" dirty="0"/>
+              <a:t>The computer says </a:t>
+            </a:r>
+            <a:r>
+              <a:rPr lang="en-US" sz="2800" b="1" dirty="0">
+                <a:solidFill>
+                  <a:schemeClr val="accent6"/>
+                </a:solidFill>
+              </a:rPr>
+              <a:t>HIGHER</a:t>
+            </a:r>
+            <a:r>
+              <a:rPr lang="en-US" sz="2800" dirty="0">
+                <a:solidFill>
+                  <a:schemeClr val="accent1"/>
+                </a:solidFill>
+              </a:rPr>
+              <a:t>.</a:t>
+            </a:r>
+          </a:p>
+          <a:p>
+            <a:pPr lvl="1"/>
+            <a:endParaRPr lang="en-US" sz="2800" dirty="0">
+              <a:solidFill>
+                <a:schemeClr val="accent1"/>
+              </a:solidFill>
+            </a:endParaRPr>
+          </a:p>
+        </p:txBody>
+      </p:sp>
+      <p:sp>
+        <p:nvSpPr>
           <p:cNvPr id="4" name="Arrow: Left-Right 3">
             <a:extLst>
               <a:ext uri="{FF2B5EF4-FFF2-40B4-BE49-F238E27FC236}">
@@ -2312,8 +2386,8 @@
         </p:nvSpPr>
         <p:spPr>
           <a:xfrm>
-            <a:off x="439728" y="5581835"/>
-            <a:ext cx="893193" cy="830997"/>
+            <a:off x="772513" y="5588259"/>
+            <a:ext cx="538930" cy="830997"/>
           </a:xfrm>
           <a:prstGeom prst="rect">
             <a:avLst/>
@@ -2332,7 +2406,7 @@
                   <a:srgbClr val="FFFFFF"/>
                 </a:solidFill>
               </a:rPr>
-              <a:t>40</a:t>
+              <a:t>0</a:t>
             </a:r>
           </a:p>
         </p:txBody>
@@ -2378,10 +2452,10 @@
       </p:sp>
       <p:sp>
         <p:nvSpPr>
-          <p:cNvPr id="9" name="Arrow: Down 8">
-            <a:extLst>
-              <a:ext uri="{FF2B5EF4-FFF2-40B4-BE49-F238E27FC236}">
-                <a16:creationId xmlns:a16="http://schemas.microsoft.com/office/drawing/2014/main" id="{4E85E84E-14DE-40EA-9247-23F52F7B9905}"/>
+          <p:cNvPr id="6" name="Arrow: Down 5">
+            <a:extLst>
+              <a:ext uri="{FF2B5EF4-FFF2-40B4-BE49-F238E27FC236}">
+                <a16:creationId xmlns:a16="http://schemas.microsoft.com/office/drawing/2014/main" id="{733B50B0-CDBA-4289-A206-53669331BC72}"/>
               </a:ext>
             </a:extLst>
           </p:cNvPr>
@@ -2427,10 +2501,10 @@
       </p:sp>
       <p:sp>
         <p:nvSpPr>
-          <p:cNvPr id="10" name="TextBox 9">
-            <a:extLst>
-              <a:ext uri="{FF2B5EF4-FFF2-40B4-BE49-F238E27FC236}">
-                <a16:creationId xmlns:a16="http://schemas.microsoft.com/office/drawing/2014/main" id="{38F8F260-554C-44A4-81BC-AF9C67EB4CCC}"/>
+          <p:cNvPr id="9" name="TextBox 8">
+            <a:extLst>
+              <a:ext uri="{FF2B5EF4-FFF2-40B4-BE49-F238E27FC236}">
+                <a16:creationId xmlns:a16="http://schemas.microsoft.com/office/drawing/2014/main" id="{0447DA6F-ABB0-4FBD-998C-3A0D0F70597C}"/>
               </a:ext>
             </a:extLst>
           </p:cNvPr>
@@ -2464,10 +2538,110 @@
           </a:p>
         </p:txBody>
       </p:sp>
+      <p:sp>
+        <p:nvSpPr>
+          <p:cNvPr id="14" name="Arrow: Down 13">
+            <a:extLst>
+              <a:ext uri="{FF2B5EF4-FFF2-40B4-BE49-F238E27FC236}">
+                <a16:creationId xmlns:a16="http://schemas.microsoft.com/office/drawing/2014/main" id="{80967259-EDFC-4AEC-86B9-263E0978450D}"/>
+              </a:ext>
+            </a:extLst>
+          </p:cNvPr>
+          <p:cNvSpPr/>
+          <p:nvPr/>
+        </p:nvSpPr>
+        <p:spPr>
+          <a:xfrm>
+            <a:off x="4913464" y="4914900"/>
+            <a:ext cx="577516" cy="733926"/>
+          </a:xfrm>
+          <a:prstGeom prst="downArrow">
+            <a:avLst/>
+          </a:prstGeom>
+          <a:solidFill>
+            <a:schemeClr val="accent6"/>
+          </a:solidFill>
+        </p:spPr>
+        <p:style>
+          <a:lnRef idx="2">
+            <a:schemeClr val="accent1">
+              <a:shade val="50000"/>
+            </a:schemeClr>
+          </a:lnRef>
+          <a:fillRef idx="1">
+            <a:schemeClr val="accent1"/>
+          </a:fillRef>
+          <a:effectRef idx="0">
+            <a:schemeClr val="accent1"/>
+          </a:effectRef>
+          <a:fontRef idx="minor">
+            <a:schemeClr val="lt1"/>
+          </a:fontRef>
+        </p:style>
+        <p:txBody>
+          <a:bodyPr rtlCol="0" anchor="ctr"/>
+          <a:lstStyle/>
+          <a:p>
+            <a:pPr algn="ctr"/>
+            <a:endParaRPr lang="en-US"/>
+          </a:p>
+        </p:txBody>
+      </p:sp>
+      <p:sp>
+        <p:nvSpPr>
+          <p:cNvPr id="15" name="TextBox 14">
+            <a:extLst>
+              <a:ext uri="{FF2B5EF4-FFF2-40B4-BE49-F238E27FC236}">
+                <a16:creationId xmlns:a16="http://schemas.microsoft.com/office/drawing/2014/main" id="{938612DF-7D67-4673-97CE-D63B0AD6F0EB}"/>
+              </a:ext>
+            </a:extLst>
+          </p:cNvPr>
+          <p:cNvSpPr txBox="1"/>
+          <p:nvPr/>
+        </p:nvSpPr>
+        <p:spPr>
+          <a:xfrm>
+            <a:off x="4547235" y="3613918"/>
+            <a:ext cx="1309974" cy="1323439"/>
+          </a:xfrm>
+          <a:prstGeom prst="rect">
+            <a:avLst/>
+          </a:prstGeom>
+          <a:noFill/>
+        </p:spPr>
+        <p:txBody>
+          <a:bodyPr wrap="none" rtlCol="0">
+            <a:spAutoFit/>
+          </a:bodyPr>
+          <a:lstStyle/>
+          <a:p>
+            <a:pPr algn="ctr"/>
+            <a:r>
+              <a:rPr lang="en-US" sz="3200" b="1" dirty="0">
+                <a:solidFill>
+                  <a:srgbClr val="FFFFFF"/>
+                </a:solidFill>
+              </a:rPr>
+              <a:t>Guess</a:t>
+            </a:r>
+          </a:p>
+          <a:p>
+            <a:pPr algn="ctr"/>
+            <a:r>
+              <a:rPr lang="en-US" sz="4800" b="1" dirty="0">
+                <a:solidFill>
+                  <a:srgbClr val="FFFFFF"/>
+                </a:solidFill>
+              </a:rPr>
+              <a:t>40</a:t>
+            </a:r>
+          </a:p>
+        </p:txBody>
+      </p:sp>
     </p:spTree>
     <p:extLst>
       <p:ext uri="{BB962C8B-B14F-4D97-AF65-F5344CB8AC3E}">
-        <p14:creationId xmlns:p14="http://schemas.microsoft.com/office/powerpoint/2010/main" val="1472762894"/>
+        <p14:creationId xmlns:p14="http://schemas.microsoft.com/office/powerpoint/2010/main" val="522241011"/>
       </p:ext>
     </p:extLst>
   </p:cSld>
@@ -2531,80 +2705,6 @@
       </p:sp>
       <p:sp>
         <p:nvSpPr>
-          <p:cNvPr id="3" name="Content Placeholder 2">
-            <a:extLst>
-              <a:ext uri="{FF2B5EF4-FFF2-40B4-BE49-F238E27FC236}">
-                <a16:creationId xmlns:a16="http://schemas.microsoft.com/office/drawing/2014/main" id="{86B251CA-11BF-441F-8DAF-B316636B94DD}"/>
-              </a:ext>
-            </a:extLst>
-          </p:cNvPr>
-          <p:cNvSpPr>
-            <a:spLocks noGrp="1"/>
-          </p:cNvSpPr>
-          <p:nvPr>
-            <p:ph idx="1"/>
-          </p:nvPr>
-        </p:nvSpPr>
-        <p:spPr>
-          <a:xfrm>
-            <a:off x="838200" y="1825624"/>
-            <a:ext cx="9316453" cy="4900029"/>
-          </a:xfrm>
-        </p:spPr>
-        <p:txBody>
-          <a:bodyPr>
-            <a:normAutofit/>
-          </a:bodyPr>
-          <a:lstStyle/>
-          <a:p>
-            <a:r>
-              <a:rPr lang="en-US" sz="3200" dirty="0"/>
-              <a:t>The user guesses 45</a:t>
-            </a:r>
-            <a:r>
-              <a:rPr lang="en-US" sz="3200" dirty="0">
-                <a:solidFill>
-                  <a:schemeClr val="accent1"/>
-                </a:solidFill>
-              </a:rPr>
-              <a:t>.</a:t>
-            </a:r>
-          </a:p>
-          <a:p>
-            <a:pPr lvl="1"/>
-            <a:r>
-              <a:rPr lang="en-US" sz="2800" dirty="0"/>
-              <a:t>The computer says </a:t>
-            </a:r>
-            <a:r>
-              <a:rPr lang="en-US" sz="2800" b="1" dirty="0">
-                <a:solidFill>
-                  <a:schemeClr val="accent6"/>
-                </a:solidFill>
-              </a:rPr>
-              <a:t>YOU WIN</a:t>
-            </a:r>
-            <a:r>
-              <a:rPr lang="en-US" sz="2800" dirty="0">
-                <a:solidFill>
-                  <a:schemeClr val="accent1"/>
-                </a:solidFill>
-              </a:rPr>
-              <a:t>.</a:t>
-            </a:r>
-          </a:p>
-          <a:p>
-            <a:pPr lvl="1"/>
-            <a:endParaRPr lang="en-US" sz="2800" dirty="0">
-              <a:solidFill>
-                <a:schemeClr val="accent1"/>
-              </a:solidFill>
-            </a:endParaRPr>
-          </a:p>
-        </p:txBody>
-      </p:sp>
-      <p:sp>
-        <p:nvSpPr>
           <p:cNvPr id="4" name="Arrow: Left-Right 3">
             <a:extLst>
               <a:ext uri="{FF2B5EF4-FFF2-40B4-BE49-F238E27FC236}">
@@ -2729,10 +2829,10 @@
       </p:sp>
       <p:sp>
         <p:nvSpPr>
-          <p:cNvPr id="6" name="Arrow: Down 5">
-            <a:extLst>
-              <a:ext uri="{FF2B5EF4-FFF2-40B4-BE49-F238E27FC236}">
-                <a16:creationId xmlns:a16="http://schemas.microsoft.com/office/drawing/2014/main" id="{733B50B0-CDBA-4289-A206-53669331BC72}"/>
+          <p:cNvPr id="9" name="Arrow: Down 8">
+            <a:extLst>
+              <a:ext uri="{FF2B5EF4-FFF2-40B4-BE49-F238E27FC236}">
+                <a16:creationId xmlns:a16="http://schemas.microsoft.com/office/drawing/2014/main" id="{4E85E84E-14DE-40EA-9247-23F52F7B9905}"/>
               </a:ext>
             </a:extLst>
           </p:cNvPr>
@@ -2778,10 +2878,10 @@
       </p:sp>
       <p:sp>
         <p:nvSpPr>
-          <p:cNvPr id="12" name="TextBox 11">
-            <a:extLst>
-              <a:ext uri="{FF2B5EF4-FFF2-40B4-BE49-F238E27FC236}">
-                <a16:creationId xmlns:a16="http://schemas.microsoft.com/office/drawing/2014/main" id="{936051AC-A239-4D47-B9D0-CBCB7190414D}"/>
+          <p:cNvPr id="10" name="TextBox 9">
+            <a:extLst>
+              <a:ext uri="{FF2B5EF4-FFF2-40B4-BE49-F238E27FC236}">
+                <a16:creationId xmlns:a16="http://schemas.microsoft.com/office/drawing/2014/main" id="{38F8F260-554C-44A4-81BC-AF9C67EB4CCC}"/>
               </a:ext>
             </a:extLst>
           </p:cNvPr>
@@ -2790,8 +2890,8 @@
         </p:nvSpPr>
         <p:spPr>
           <a:xfrm>
-            <a:off x="5437571" y="3613918"/>
-            <a:ext cx="1309974" cy="1323439"/>
+            <a:off x="5652746" y="4102767"/>
+            <a:ext cx="893193" cy="830997"/>
           </a:xfrm>
           <a:prstGeom prst="rect">
             <a:avLst/>
@@ -2804,18 +2904,6 @@
           </a:bodyPr>
           <a:lstStyle/>
           <a:p>
-            <a:pPr algn="ctr"/>
-            <a:r>
-              <a:rPr lang="en-US" sz="3200" b="1" dirty="0">
-                <a:solidFill>
-                  <a:srgbClr val="FFFFFF"/>
-                </a:solidFill>
-              </a:rPr>
-              <a:t>Guess</a:t>
-            </a:r>
-          </a:p>
-          <a:p>
-            <a:pPr algn="ctr"/>
             <a:r>
               <a:rPr lang="en-US" sz="4800" b="1" dirty="0">
                 <a:solidFill>
@@ -2830,7 +2918,7 @@
     </p:spTree>
     <p:extLst>
       <p:ext uri="{BB962C8B-B14F-4D97-AF65-F5344CB8AC3E}">
-        <p14:creationId xmlns:p14="http://schemas.microsoft.com/office/powerpoint/2010/main" val="2417919783"/>
+        <p14:creationId xmlns:p14="http://schemas.microsoft.com/office/powerpoint/2010/main" val="1472762894"/>
       </p:ext>
     </p:extLst>
   </p:cSld>
@@ -2911,18 +2999,18 @@
         <p:spPr>
           <a:xfrm>
             <a:off x="838200" y="1825624"/>
-            <a:ext cx="6862011" cy="4900029"/>
+            <a:ext cx="9316453" cy="4900029"/>
           </a:xfrm>
         </p:spPr>
         <p:txBody>
           <a:bodyPr>
-            <a:normAutofit lnSpcReduction="10000"/>
+            <a:normAutofit/>
           </a:bodyPr>
           <a:lstStyle/>
           <a:p>
             <a:r>
               <a:rPr lang="en-US" sz="3200" dirty="0"/>
-              <a:t>Let</a:t>
+              <a:t>The user guesses 45</a:t>
             </a:r>
             <a:r>
               <a:rPr lang="en-US" sz="3200" dirty="0">
@@ -2930,220 +3018,48 @@
                   <a:schemeClr val="accent1"/>
                 </a:solidFill>
               </a:rPr>
-              <a:t>’</a:t>
-            </a:r>
-            <a:r>
-              <a:rPr lang="en-US" sz="3200" dirty="0"/>
-              <a:t>s build a simple guessing game</a:t>
-            </a:r>
-            <a:r>
-              <a:rPr lang="en-US" sz="3200" dirty="0">
+              <a:t>.</a:t>
+            </a:r>
+          </a:p>
+          <a:p>
+            <a:pPr lvl="1"/>
+            <a:r>
+              <a:rPr lang="en-US" sz="2800" dirty="0"/>
+              <a:t>The computer says </a:t>
+            </a:r>
+            <a:r>
+              <a:rPr lang="en-US" sz="2800" b="1" dirty="0">
+                <a:solidFill>
+                  <a:schemeClr val="accent6"/>
+                </a:solidFill>
+              </a:rPr>
+              <a:t>YOU WIN</a:t>
+            </a:r>
+            <a:r>
+              <a:rPr lang="en-US" sz="2800" dirty="0">
                 <a:solidFill>
                   <a:schemeClr val="accent1"/>
                 </a:solidFill>
               </a:rPr>
               <a:t>.</a:t>
             </a:r>
-            <a:r>
-              <a:rPr lang="en-US" sz="3200" dirty="0"/>
-              <a:t> </a:t>
-            </a:r>
-            <a:endParaRPr lang="en-US" sz="3200" dirty="0">
+          </a:p>
+          <a:p>
+            <a:pPr lvl="1"/>
+            <a:endParaRPr lang="en-US" sz="2800" dirty="0">
               <a:solidFill>
                 <a:schemeClr val="accent1"/>
               </a:solidFill>
             </a:endParaRPr>
           </a:p>
-          <a:p>
-            <a:pPr marL="971550" lvl="1" indent="-514350">
-              <a:buFont typeface="+mj-lt"/>
-              <a:buAutoNum type="arabicPeriod"/>
-            </a:pPr>
-            <a:r>
-              <a:rPr lang="en-US" sz="2800" dirty="0"/>
-              <a:t>Get the computer to choose a random integer from 0 to 100</a:t>
-            </a:r>
-            <a:r>
-              <a:rPr lang="en-US" sz="2800" dirty="0">
-                <a:solidFill>
-                  <a:schemeClr val="accent1"/>
-                </a:solidFill>
-              </a:rPr>
-              <a:t>.</a:t>
-            </a:r>
-          </a:p>
-          <a:p>
-            <a:pPr marL="971550" lvl="1" indent="-514350">
-              <a:buFont typeface="+mj-lt"/>
-              <a:buAutoNum type="arabicPeriod"/>
-            </a:pPr>
-            <a:r>
-              <a:rPr lang="en-US" sz="2800" dirty="0"/>
-              <a:t>Ask the user for a guess and allow the user to input a guess or </a:t>
-            </a:r>
-            <a:r>
-              <a:rPr lang="en-US" sz="2800" dirty="0">
-                <a:solidFill>
-                  <a:schemeClr val="accent6"/>
-                </a:solidFill>
-              </a:rPr>
-              <a:t>"</a:t>
-            </a:r>
-            <a:r>
-              <a:rPr lang="en-US" sz="2800" dirty="0"/>
-              <a:t>q</a:t>
-            </a:r>
-            <a:r>
-              <a:rPr lang="en-US" sz="2800" dirty="0">
-                <a:solidFill>
-                  <a:schemeClr val="accent6"/>
-                </a:solidFill>
-              </a:rPr>
-              <a:t>“</a:t>
-            </a:r>
-            <a:r>
-              <a:rPr lang="en-US" sz="2800" dirty="0">
-                <a:solidFill>
-                  <a:schemeClr val="accent1"/>
-                </a:solidFill>
-              </a:rPr>
-              <a:t>.</a:t>
-            </a:r>
-          </a:p>
-          <a:p>
-            <a:pPr marL="971550" lvl="1" indent="-514350">
-              <a:buFont typeface="+mj-lt"/>
-              <a:buAutoNum type="arabicPeriod"/>
-            </a:pPr>
-            <a:r>
-              <a:rPr lang="en-US" sz="2800" dirty="0"/>
-              <a:t>If the user inputs </a:t>
-            </a:r>
-            <a:r>
-              <a:rPr lang="en-US" sz="2800" dirty="0">
-                <a:solidFill>
-                  <a:schemeClr val="accent6"/>
-                </a:solidFill>
-              </a:rPr>
-              <a:t>"</a:t>
-            </a:r>
-            <a:r>
-              <a:rPr lang="en-US" sz="2800" dirty="0"/>
-              <a:t>q</a:t>
-            </a:r>
-            <a:r>
-              <a:rPr lang="en-US" sz="2800" dirty="0">
-                <a:solidFill>
-                  <a:schemeClr val="accent6"/>
-                </a:solidFill>
-              </a:rPr>
-              <a:t>"</a:t>
-            </a:r>
-            <a:r>
-              <a:rPr lang="en-US" sz="2800" dirty="0"/>
-              <a:t> print a nice message and end the program</a:t>
-            </a:r>
-            <a:r>
-              <a:rPr lang="en-US" sz="2800" dirty="0">
-                <a:solidFill>
-                  <a:schemeClr val="accent1"/>
-                </a:solidFill>
-              </a:rPr>
-              <a:t>.</a:t>
-            </a:r>
-          </a:p>
-          <a:p>
-            <a:pPr marL="971550" lvl="1" indent="-514350">
-              <a:buFont typeface="+mj-lt"/>
-              <a:buAutoNum type="arabicPeriod"/>
-            </a:pPr>
-            <a:r>
-              <a:rPr lang="en-US" sz="2800" dirty="0"/>
-              <a:t>If the user enters a guess</a:t>
-            </a:r>
-            <a:r>
-              <a:rPr lang="en-US" sz="2800" dirty="0">
-                <a:solidFill>
-                  <a:schemeClr val="accent1"/>
-                </a:solidFill>
-              </a:rPr>
-              <a:t>,</a:t>
-            </a:r>
-            <a:r>
-              <a:rPr lang="en-US" sz="2800" dirty="0"/>
-              <a:t> tell them if they should guess higher</a:t>
-            </a:r>
-            <a:r>
-              <a:rPr lang="en-US" sz="2800" dirty="0">
-                <a:solidFill>
-                  <a:schemeClr val="accent1"/>
-                </a:solidFill>
-              </a:rPr>
-              <a:t>,</a:t>
-            </a:r>
-            <a:r>
-              <a:rPr lang="en-US" sz="2800" dirty="0"/>
-              <a:t> lower</a:t>
-            </a:r>
-            <a:r>
-              <a:rPr lang="en-US" sz="2800" dirty="0">
-                <a:solidFill>
-                  <a:schemeClr val="accent1"/>
-                </a:solidFill>
-              </a:rPr>
-              <a:t>,</a:t>
-            </a:r>
-            <a:r>
-              <a:rPr lang="en-US" sz="2800" dirty="0"/>
-              <a:t> or if they got it right</a:t>
-            </a:r>
-            <a:r>
-              <a:rPr lang="en-US" sz="2800" dirty="0">
-                <a:solidFill>
-                  <a:schemeClr val="accent1"/>
-                </a:solidFill>
-              </a:rPr>
-              <a:t>.</a:t>
-            </a:r>
-          </a:p>
-          <a:p>
-            <a:pPr marL="971550" lvl="1" indent="-514350">
-              <a:buFont typeface="+mj-lt"/>
-              <a:buAutoNum type="arabicPeriod"/>
-            </a:pPr>
-            <a:r>
-              <a:rPr lang="en-US" sz="2800" dirty="0"/>
-              <a:t>If they got it right</a:t>
-            </a:r>
-            <a:r>
-              <a:rPr lang="en-US" sz="2800" dirty="0">
-                <a:solidFill>
-                  <a:schemeClr val="accent1"/>
-                </a:solidFill>
-              </a:rPr>
-              <a:t>,</a:t>
-            </a:r>
-            <a:r>
-              <a:rPr lang="en-US" sz="2800" dirty="0"/>
-              <a:t> print a nice message and quit</a:t>
-            </a:r>
-            <a:r>
-              <a:rPr lang="en-US" sz="2800" dirty="0">
-                <a:solidFill>
-                  <a:schemeClr val="accent1"/>
-                </a:solidFill>
-              </a:rPr>
-              <a:t>.</a:t>
-            </a:r>
-          </a:p>
-        </p:txBody>
-      </p:sp>
-      <p:sp>
-        <p:nvSpPr>
-          <p:cNvPr id="11" name="Rectangle: Rounded Corners 10">
-            <a:extLst>
-              <a:ext uri="{FF2B5EF4-FFF2-40B4-BE49-F238E27FC236}">
-                <a16:creationId xmlns:a16="http://schemas.microsoft.com/office/drawing/2014/main" id="{2AD12892-252D-47E8-9C1B-32729A13BC0B}"/>
+        </p:txBody>
+      </p:sp>
+      <p:sp>
+        <p:nvSpPr>
+          <p:cNvPr id="4" name="Arrow: Left-Right 3">
+            <a:extLst>
+              <a:ext uri="{FF2B5EF4-FFF2-40B4-BE49-F238E27FC236}">
+                <a16:creationId xmlns:a16="http://schemas.microsoft.com/office/drawing/2014/main" id="{022C15AC-AF7B-460E-8033-14D8CB69B82B}"/>
               </a:ext>
             </a:extLst>
           </p:cNvPr>
@@ -3152,18 +3068,12 @@
         </p:nvSpPr>
         <p:spPr>
           <a:xfrm>
-            <a:off x="7844590" y="1949006"/>
-            <a:ext cx="3958389" cy="4418765"/>
-          </a:xfrm>
-          <a:prstGeom prst="roundRect">
-            <a:avLst/>
-          </a:prstGeom>
-          <a:noFill/>
-          <a:ln w="76200">
-            <a:solidFill>
-              <a:schemeClr val="accent2"/>
-            </a:solidFill>
-          </a:ln>
+            <a:off x="1427748" y="5570621"/>
+            <a:ext cx="8518358" cy="866274"/>
+          </a:xfrm>
+          <a:prstGeom prst="leftRightArrow">
+            <a:avLst/>
+          </a:prstGeom>
         </p:spPr>
         <p:style>
           <a:lnRef idx="2">
@@ -3185,56 +3095,185 @@
           <a:bodyPr rtlCol="0" anchor="ctr"/>
           <a:lstStyle/>
           <a:p>
-            <a:r>
-              <a:rPr lang="en-US" sz="4400" b="1" dirty="0">
+            <a:pPr algn="ctr"/>
+            <a:endParaRPr lang="en-US"/>
+          </a:p>
+        </p:txBody>
+      </p:sp>
+      <p:sp>
+        <p:nvSpPr>
+          <p:cNvPr id="5" name="TextBox 4">
+            <a:extLst>
+              <a:ext uri="{FF2B5EF4-FFF2-40B4-BE49-F238E27FC236}">
+                <a16:creationId xmlns:a16="http://schemas.microsoft.com/office/drawing/2014/main" id="{13AF36E5-475E-4F1E-8085-36D4D314CDDC}"/>
+              </a:ext>
+            </a:extLst>
+          </p:cNvPr>
+          <p:cNvSpPr txBox="1"/>
+          <p:nvPr/>
+        </p:nvSpPr>
+        <p:spPr>
+          <a:xfrm>
+            <a:off x="439728" y="5581835"/>
+            <a:ext cx="893193" cy="830997"/>
+          </a:xfrm>
+          <a:prstGeom prst="rect">
+            <a:avLst/>
+          </a:prstGeom>
+          <a:noFill/>
+        </p:spPr>
+        <p:txBody>
+          <a:bodyPr wrap="none" rtlCol="0">
+            <a:spAutoFit/>
+          </a:bodyPr>
+          <a:lstStyle/>
+          <a:p>
+            <a:r>
+              <a:rPr lang="en-US" sz="4800" b="1" dirty="0">
                 <a:solidFill>
                   <a:srgbClr val="FFFFFF"/>
                 </a:solidFill>
               </a:rPr>
-              <a:t>Open your notebook</a:t>
-            </a:r>
-          </a:p>
-          <a:p>
-            <a:endParaRPr lang="en-US" sz="4400" b="1" dirty="0">
-              <a:solidFill>
-                <a:srgbClr val="FFFFFF"/>
-              </a:solidFill>
-            </a:endParaRPr>
-          </a:p>
-          <a:p>
-            <a:r>
-              <a:rPr lang="en-US" sz="2800" b="1" dirty="0">
+              <a:t>40</a:t>
+            </a:r>
+          </a:p>
+        </p:txBody>
+      </p:sp>
+      <p:sp>
+        <p:nvSpPr>
+          <p:cNvPr id="7" name="TextBox 6">
+            <a:extLst>
+              <a:ext uri="{FF2B5EF4-FFF2-40B4-BE49-F238E27FC236}">
+                <a16:creationId xmlns:a16="http://schemas.microsoft.com/office/drawing/2014/main" id="{9F64FC8C-0292-4EC9-A622-76089CA49134}"/>
+              </a:ext>
+            </a:extLst>
+          </p:cNvPr>
+          <p:cNvSpPr txBox="1"/>
+          <p:nvPr/>
+        </p:nvSpPr>
+        <p:spPr>
+          <a:xfrm>
+            <a:off x="10062411" y="5564195"/>
+            <a:ext cx="893193" cy="830997"/>
+          </a:xfrm>
+          <a:prstGeom prst="rect">
+            <a:avLst/>
+          </a:prstGeom>
+          <a:noFill/>
+        </p:spPr>
+        <p:txBody>
+          <a:bodyPr wrap="none" rtlCol="0">
+            <a:spAutoFit/>
+          </a:bodyPr>
+          <a:lstStyle/>
+          <a:p>
+            <a:r>
+              <a:rPr lang="en-US" sz="4800" b="1" dirty="0">
                 <a:solidFill>
                   <a:srgbClr val="FFFFFF"/>
                 </a:solidFill>
               </a:rPr>
-              <a:t>Click Link</a:t>
-            </a:r>
-            <a:r>
-              <a:rPr lang="en-US" sz="2800" b="1" dirty="0">
-                <a:solidFill>
-                  <a:schemeClr val="accent6"/>
-                </a:solidFill>
-              </a:rPr>
-              <a:t>:</a:t>
-            </a:r>
-          </a:p>
-          <a:p>
-            <a:r>
-              <a:rPr lang="en-US" sz="2800" b="1" dirty="0">
-                <a:solidFill>
-                  <a:schemeClr val="accent6"/>
-                </a:solidFill>
-              </a:rPr>
-              <a:t>3. </a:t>
-            </a:r>
-            <a:r>
-              <a:rPr lang="en-US" sz="2600" b="1" dirty="0">
-                <a:solidFill>
-                  <a:schemeClr val="accent6"/>
-                </a:solidFill>
-              </a:rPr>
-              <a:t>A Simple Guessing Game</a:t>
+              <a:t>64</a:t>
+            </a:r>
+          </a:p>
+        </p:txBody>
+      </p:sp>
+      <p:sp>
+        <p:nvSpPr>
+          <p:cNvPr id="6" name="Arrow: Down 5">
+            <a:extLst>
+              <a:ext uri="{FF2B5EF4-FFF2-40B4-BE49-F238E27FC236}">
+                <a16:creationId xmlns:a16="http://schemas.microsoft.com/office/drawing/2014/main" id="{733B50B0-CDBA-4289-A206-53669331BC72}"/>
+              </a:ext>
+            </a:extLst>
+          </p:cNvPr>
+          <p:cNvSpPr/>
+          <p:nvPr/>
+        </p:nvSpPr>
+        <p:spPr>
+          <a:xfrm>
+            <a:off x="5807242" y="4914900"/>
+            <a:ext cx="577516" cy="733926"/>
+          </a:xfrm>
+          <a:prstGeom prst="downArrow">
+            <a:avLst/>
+          </a:prstGeom>
+          <a:solidFill>
+            <a:schemeClr val="accent6"/>
+          </a:solidFill>
+        </p:spPr>
+        <p:style>
+          <a:lnRef idx="2">
+            <a:schemeClr val="accent1">
+              <a:shade val="50000"/>
+            </a:schemeClr>
+          </a:lnRef>
+          <a:fillRef idx="1">
+            <a:schemeClr val="accent1"/>
+          </a:fillRef>
+          <a:effectRef idx="0">
+            <a:schemeClr val="accent1"/>
+          </a:effectRef>
+          <a:fontRef idx="minor">
+            <a:schemeClr val="lt1"/>
+          </a:fontRef>
+        </p:style>
+        <p:txBody>
+          <a:bodyPr rtlCol="0" anchor="ctr"/>
+          <a:lstStyle/>
+          <a:p>
+            <a:pPr algn="ctr"/>
+            <a:endParaRPr lang="en-US"/>
+          </a:p>
+        </p:txBody>
+      </p:sp>
+      <p:sp>
+        <p:nvSpPr>
+          <p:cNvPr id="12" name="TextBox 11">
+            <a:extLst>
+              <a:ext uri="{FF2B5EF4-FFF2-40B4-BE49-F238E27FC236}">
+                <a16:creationId xmlns:a16="http://schemas.microsoft.com/office/drawing/2014/main" id="{936051AC-A239-4D47-B9D0-CBCB7190414D}"/>
+              </a:ext>
+            </a:extLst>
+          </p:cNvPr>
+          <p:cNvSpPr txBox="1"/>
+          <p:nvPr/>
+        </p:nvSpPr>
+        <p:spPr>
+          <a:xfrm>
+            <a:off x="5437571" y="3613918"/>
+            <a:ext cx="1309974" cy="1323439"/>
+          </a:xfrm>
+          <a:prstGeom prst="rect">
+            <a:avLst/>
+          </a:prstGeom>
+          <a:noFill/>
+        </p:spPr>
+        <p:txBody>
+          <a:bodyPr wrap="none" rtlCol="0">
+            <a:spAutoFit/>
+          </a:bodyPr>
+          <a:lstStyle/>
+          <a:p>
+            <a:pPr algn="ctr"/>
+            <a:r>
+              <a:rPr lang="en-US" sz="3200" b="1" dirty="0">
+                <a:solidFill>
+                  <a:srgbClr val="FFFFFF"/>
+                </a:solidFill>
+              </a:rPr>
+              <a:t>Guess</a:t>
+            </a:r>
+          </a:p>
+          <a:p>
+            <a:pPr algn="ctr"/>
+            <a:r>
+              <a:rPr lang="en-US" sz="4800" b="1" dirty="0">
+                <a:solidFill>
+                  <a:srgbClr val="FFFFFF"/>
+                </a:solidFill>
+              </a:rPr>
+              <a:t>45</a:t>
             </a:r>
           </a:p>
         </p:txBody>
@@ -3242,7 +3281,7 @@
     </p:spTree>
     <p:extLst>
       <p:ext uri="{BB962C8B-B14F-4D97-AF65-F5344CB8AC3E}">
-        <p14:creationId xmlns:p14="http://schemas.microsoft.com/office/powerpoint/2010/main" val="3911853925"/>
+        <p14:creationId xmlns:p14="http://schemas.microsoft.com/office/powerpoint/2010/main" val="2417919783"/>
       </p:ext>
     </p:extLst>
   </p:cSld>
@@ -3271,10 +3310,10 @@
       </p:grpSpPr>
       <p:sp>
         <p:nvSpPr>
-          <p:cNvPr id="4" name="Title 3">
-            <a:extLst>
-              <a:ext uri="{FF2B5EF4-FFF2-40B4-BE49-F238E27FC236}">
-                <a16:creationId xmlns:a16="http://schemas.microsoft.com/office/drawing/2014/main" id="{0C118C3C-13F5-4EA8-9EA9-3448AC35375E}"/>
+          <p:cNvPr id="2" name="Title 1">
+            <a:extLst>
+              <a:ext uri="{FF2B5EF4-FFF2-40B4-BE49-F238E27FC236}">
+                <a16:creationId xmlns:a16="http://schemas.microsoft.com/office/drawing/2014/main" id="{128C012E-E27C-4455-914A-F84B2E984449}"/>
               </a:ext>
             </a:extLst>
           </p:cNvPr>
@@ -3285,7 +3324,12 @@
             <p:ph type="title"/>
           </p:nvPr>
         </p:nvSpPr>
-        <p:spPr/>
+        <p:spPr>
+          <a:xfrm>
+            <a:off x="838200" y="727514"/>
+            <a:ext cx="10515600" cy="656148"/>
+          </a:xfrm>
+        </p:spPr>
         <p:txBody>
           <a:bodyPr>
             <a:normAutofit fontScale="90000"/>
@@ -3294,17 +3338,17 @@
           <a:p>
             <a:r>
               <a:rPr lang="en-US" b="1" dirty="0"/>
-              <a:t>Lecture Recap</a:t>
-            </a:r>
-          </a:p>
-        </p:txBody>
-      </p:sp>
-      <p:sp>
-        <p:nvSpPr>
-          <p:cNvPr id="5" name="Content Placeholder 4">
-            <a:extLst>
-              <a:ext uri="{FF2B5EF4-FFF2-40B4-BE49-F238E27FC236}">
-                <a16:creationId xmlns:a16="http://schemas.microsoft.com/office/drawing/2014/main" id="{85F37492-86E3-47CA-8641-D7457D28B946}"/>
+              <a:t>Guessing Game</a:t>
+            </a:r>
+          </a:p>
+        </p:txBody>
+      </p:sp>
+      <p:sp>
+        <p:nvSpPr>
+          <p:cNvPr id="3" name="Content Placeholder 2">
+            <a:extLst>
+              <a:ext uri="{FF2B5EF4-FFF2-40B4-BE49-F238E27FC236}">
+                <a16:creationId xmlns:a16="http://schemas.microsoft.com/office/drawing/2014/main" id="{86B251CA-11BF-441F-8DAF-B316636B94DD}"/>
               </a:ext>
             </a:extLst>
           </p:cNvPr>
@@ -3317,137 +3361,331 @@
         </p:nvSpPr>
         <p:spPr>
           <a:xfrm>
-            <a:off x="838199" y="1825624"/>
-            <a:ext cx="11073063" cy="4835479"/>
+            <a:off x="838200" y="1825624"/>
+            <a:ext cx="6862011" cy="4900029"/>
           </a:xfrm>
         </p:spPr>
         <p:txBody>
           <a:bodyPr>
-            <a:normAutofit/>
+            <a:normAutofit lnSpcReduction="10000"/>
           </a:bodyPr>
           <a:lstStyle/>
           <a:p>
             <a:r>
-              <a:rPr lang="en-US" sz="3600" dirty="0"/>
-              <a:t>Looping </a:t>
-            </a:r>
-            <a:r>
-              <a:rPr lang="en-US" sz="3600" dirty="0">
+              <a:rPr lang="en-US" sz="3200" dirty="0"/>
+              <a:t>Let</a:t>
+            </a:r>
+            <a:r>
+              <a:rPr lang="en-US" sz="3200" dirty="0">
+                <a:solidFill>
+                  <a:schemeClr val="accent1"/>
+                </a:solidFill>
+              </a:rPr>
+              <a:t>’</a:t>
+            </a:r>
+            <a:r>
+              <a:rPr lang="en-US" sz="3200" dirty="0"/>
+              <a:t>s build a simple guessing game</a:t>
+            </a:r>
+            <a:r>
+              <a:rPr lang="en-US" sz="3200" dirty="0">
+                <a:solidFill>
+                  <a:schemeClr val="accent1"/>
+                </a:solidFill>
+              </a:rPr>
+              <a:t>.</a:t>
+            </a:r>
+            <a:r>
+              <a:rPr lang="en-US" sz="3200" dirty="0"/>
+              <a:t> </a:t>
+            </a:r>
+            <a:endParaRPr lang="en-US" sz="3200" dirty="0">
+              <a:solidFill>
+                <a:schemeClr val="accent1"/>
+              </a:solidFill>
+            </a:endParaRPr>
+          </a:p>
+          <a:p>
+            <a:pPr marL="971550" lvl="1" indent="-514350">
+              <a:buFont typeface="+mj-lt"/>
+              <a:buAutoNum type="arabicPeriod"/>
+            </a:pPr>
+            <a:r>
+              <a:rPr lang="en-US" sz="2800" dirty="0"/>
+              <a:t>Get the computer to choose a random integer from 0 to 100</a:t>
+            </a:r>
+            <a:r>
+              <a:rPr lang="en-US" sz="2800" dirty="0">
+                <a:solidFill>
+                  <a:schemeClr val="accent1"/>
+                </a:solidFill>
+              </a:rPr>
+              <a:t>.</a:t>
+            </a:r>
+          </a:p>
+          <a:p>
+            <a:pPr marL="971550" lvl="1" indent="-514350">
+              <a:buFont typeface="+mj-lt"/>
+              <a:buAutoNum type="arabicPeriod"/>
+            </a:pPr>
+            <a:r>
+              <a:rPr lang="en-US" sz="2800" dirty="0"/>
+              <a:t>Ask the user for a guess and allow the user to input a guess or </a:t>
+            </a:r>
+            <a:r>
+              <a:rPr lang="en-US" sz="2800" dirty="0">
                 <a:solidFill>
                   <a:schemeClr val="accent6"/>
                 </a:solidFill>
               </a:rPr>
-              <a:t>(</a:t>
-            </a:r>
-            <a:r>
-              <a:rPr lang="en-US" sz="3600" dirty="0"/>
-              <a:t>aka iteration</a:t>
-            </a:r>
-            <a:r>
-              <a:rPr lang="en-US" sz="3600" dirty="0">
+              <a:t>"</a:t>
+            </a:r>
+            <a:r>
+              <a:rPr lang="en-US" sz="2800" dirty="0"/>
+              <a:t>q</a:t>
+            </a:r>
+            <a:r>
+              <a:rPr lang="en-US" sz="2800" dirty="0">
                 <a:solidFill>
                   <a:schemeClr val="accent6"/>
                 </a:solidFill>
               </a:rPr>
-              <a:t>)</a:t>
-            </a:r>
-            <a:r>
-              <a:rPr lang="en-US" sz="3600" dirty="0"/>
-              <a:t> is the second key control structure in programming </a:t>
-            </a:r>
-            <a:r>
-              <a:rPr lang="en-US" sz="3600" dirty="0">
+              <a:t>“</a:t>
+            </a:r>
+            <a:r>
+              <a:rPr lang="en-US" sz="2800" dirty="0">
+                <a:solidFill>
+                  <a:schemeClr val="accent1"/>
+                </a:solidFill>
+              </a:rPr>
+              <a:t>.</a:t>
+            </a:r>
+          </a:p>
+          <a:p>
+            <a:pPr marL="971550" lvl="1" indent="-514350">
+              <a:buFont typeface="+mj-lt"/>
+              <a:buAutoNum type="arabicPeriod"/>
+            </a:pPr>
+            <a:r>
+              <a:rPr lang="en-US" sz="2800" dirty="0"/>
+              <a:t>If the user inputs </a:t>
+            </a:r>
+            <a:r>
+              <a:rPr lang="en-US" sz="2800" dirty="0">
                 <a:solidFill>
                   <a:schemeClr val="accent6"/>
                 </a:solidFill>
               </a:rPr>
-              <a:t>(</a:t>
-            </a:r>
-            <a:r>
-              <a:rPr lang="en-US" sz="3600" dirty="0"/>
-              <a:t>if</a:t>
-            </a:r>
-            <a:r>
-              <a:rPr lang="en-US" sz="3600" dirty="0">
-                <a:solidFill>
-                  <a:schemeClr val="accent2"/>
-                </a:solidFill>
-              </a:rPr>
-              <a:t>-</a:t>
-            </a:r>
-            <a:r>
-              <a:rPr lang="en-US" sz="3600" dirty="0"/>
-              <a:t>statements</a:t>
-            </a:r>
-            <a:r>
-              <a:rPr lang="en-US" sz="3600" dirty="0">
-                <a:solidFill>
-                  <a:schemeClr val="accent2"/>
-                </a:solidFill>
-              </a:rPr>
-              <a:t>/</a:t>
-            </a:r>
-            <a:r>
-              <a:rPr lang="en-US" sz="3600" dirty="0"/>
-              <a:t>branching was the first</a:t>
-            </a:r>
-            <a:r>
-              <a:rPr lang="en-US" sz="3600" dirty="0">
+              <a:t>"</a:t>
+            </a:r>
+            <a:r>
+              <a:rPr lang="en-US" sz="2800" dirty="0"/>
+              <a:t>q</a:t>
+            </a:r>
+            <a:r>
+              <a:rPr lang="en-US" sz="2800" dirty="0">
                 <a:solidFill>
                   <a:schemeClr val="accent6"/>
                 </a:solidFill>
               </a:rPr>
-              <a:t>)</a:t>
-            </a:r>
-            <a:r>
-              <a:rPr lang="en-US" sz="3600" dirty="0">
-                <a:solidFill>
-                  <a:schemeClr val="accent2"/>
+              <a:t>"</a:t>
+            </a:r>
+            <a:r>
+              <a:rPr lang="en-US" sz="2800" dirty="0"/>
+              <a:t> print a nice message and end the program</a:t>
+            </a:r>
+            <a:r>
+              <a:rPr lang="en-US" sz="2800" dirty="0">
+                <a:solidFill>
+                  <a:schemeClr val="accent1"/>
                 </a:solidFill>
               </a:rPr>
               <a:t>.</a:t>
             </a:r>
           </a:p>
           <a:p>
-            <a:r>
-              <a:rPr lang="en-US" sz="3600" dirty="0"/>
-              <a:t>The basic idea of loops is to repeated execute the same block code</a:t>
-            </a:r>
-            <a:r>
-              <a:rPr lang="en-US" sz="3600" dirty="0">
-                <a:solidFill>
-                  <a:schemeClr val="accent2"/>
+            <a:pPr marL="971550" lvl="1" indent="-514350">
+              <a:buFont typeface="+mj-lt"/>
+              <a:buAutoNum type="arabicPeriod"/>
+            </a:pPr>
+            <a:r>
+              <a:rPr lang="en-US" sz="2800" dirty="0"/>
+              <a:t>If the user enters a guess</a:t>
+            </a:r>
+            <a:r>
+              <a:rPr lang="en-US" sz="2800" dirty="0">
+                <a:solidFill>
+                  <a:schemeClr val="accent1"/>
+                </a:solidFill>
+              </a:rPr>
+              <a:t>,</a:t>
+            </a:r>
+            <a:r>
+              <a:rPr lang="en-US" sz="2800" dirty="0"/>
+              <a:t> tell them if they should guess higher</a:t>
+            </a:r>
+            <a:r>
+              <a:rPr lang="en-US" sz="2800" dirty="0">
+                <a:solidFill>
+                  <a:schemeClr val="accent1"/>
+                </a:solidFill>
+              </a:rPr>
+              <a:t>,</a:t>
+            </a:r>
+            <a:r>
+              <a:rPr lang="en-US" sz="2800" dirty="0"/>
+              <a:t> lower</a:t>
+            </a:r>
+            <a:r>
+              <a:rPr lang="en-US" sz="2800" dirty="0">
+                <a:solidFill>
+                  <a:schemeClr val="accent1"/>
+                </a:solidFill>
+              </a:rPr>
+              <a:t>,</a:t>
+            </a:r>
+            <a:r>
+              <a:rPr lang="en-US" sz="2800" dirty="0"/>
+              <a:t> or if they got it right</a:t>
+            </a:r>
+            <a:r>
+              <a:rPr lang="en-US" sz="2800" dirty="0">
+                <a:solidFill>
+                  <a:schemeClr val="accent1"/>
                 </a:solidFill>
               </a:rPr>
               <a:t>.</a:t>
             </a:r>
           </a:p>
           <a:p>
-            <a:r>
-              <a:rPr lang="en-US" sz="3600" dirty="0"/>
-              <a:t>Looping is very powerful idea</a:t>
-            </a:r>
-            <a:r>
-              <a:rPr lang="en-US" sz="3600" dirty="0">
-                <a:solidFill>
-                  <a:schemeClr val="accent2"/>
+            <a:pPr marL="971550" lvl="1" indent="-514350">
+              <a:buFont typeface="+mj-lt"/>
+              <a:buAutoNum type="arabicPeriod"/>
+            </a:pPr>
+            <a:r>
+              <a:rPr lang="en-US" sz="2800" dirty="0"/>
+              <a:t>If they got it right</a:t>
+            </a:r>
+            <a:r>
+              <a:rPr lang="en-US" sz="2800" dirty="0">
+                <a:solidFill>
+                  <a:schemeClr val="accent1"/>
+                </a:solidFill>
+              </a:rPr>
+              <a:t>,</a:t>
+            </a:r>
+            <a:r>
+              <a:rPr lang="en-US" sz="2800" dirty="0"/>
+              <a:t> print a nice message and quit</a:t>
+            </a:r>
+            <a:r>
+              <a:rPr lang="en-US" sz="2800" dirty="0">
+                <a:solidFill>
+                  <a:schemeClr val="accent1"/>
                 </a:solidFill>
               </a:rPr>
               <a:t>.</a:t>
             </a:r>
           </a:p>
-          <a:p>
-            <a:r>
-              <a:rPr lang="en-US" sz="3600" dirty="0"/>
-              <a:t>While loops</a:t>
-            </a:r>
-            <a:r>
-              <a:rPr lang="en-US" sz="3600" dirty="0">
-                <a:solidFill>
-                  <a:schemeClr val="accent2"/>
-                </a:solidFill>
-              </a:rPr>
-              <a:t>.</a:t>
+        </p:txBody>
+      </p:sp>
+      <p:sp>
+        <p:nvSpPr>
+          <p:cNvPr id="11" name="Rectangle: Rounded Corners 10">
+            <a:extLst>
+              <a:ext uri="{FF2B5EF4-FFF2-40B4-BE49-F238E27FC236}">
+                <a16:creationId xmlns:a16="http://schemas.microsoft.com/office/drawing/2014/main" id="{2AD12892-252D-47E8-9C1B-32729A13BC0B}"/>
+              </a:ext>
+            </a:extLst>
+          </p:cNvPr>
+          <p:cNvSpPr/>
+          <p:nvPr/>
+        </p:nvSpPr>
+        <p:spPr>
+          <a:xfrm>
+            <a:off x="7844590" y="1949006"/>
+            <a:ext cx="3958389" cy="4418765"/>
+          </a:xfrm>
+          <a:prstGeom prst="roundRect">
+            <a:avLst/>
+          </a:prstGeom>
+          <a:noFill/>
+          <a:ln w="76200">
+            <a:solidFill>
+              <a:schemeClr val="accent2"/>
+            </a:solidFill>
+          </a:ln>
+        </p:spPr>
+        <p:style>
+          <a:lnRef idx="2">
+            <a:schemeClr val="accent1">
+              <a:shade val="50000"/>
+            </a:schemeClr>
+          </a:lnRef>
+          <a:fillRef idx="1">
+            <a:schemeClr val="accent1"/>
+          </a:fillRef>
+          <a:effectRef idx="0">
+            <a:schemeClr val="accent1"/>
+          </a:effectRef>
+          <a:fontRef idx="minor">
+            <a:schemeClr val="lt1"/>
+          </a:fontRef>
+        </p:style>
+        <p:txBody>
+          <a:bodyPr rtlCol="0" anchor="ctr"/>
+          <a:lstStyle/>
+          <a:p>
+            <a:r>
+              <a:rPr lang="en-US" sz="4400" b="1" dirty="0">
+                <a:solidFill>
+                  <a:srgbClr val="FFFFFF"/>
+                </a:solidFill>
+              </a:rPr>
+              <a:t>Open your notebook</a:t>
+            </a:r>
+          </a:p>
+          <a:p>
+            <a:endParaRPr lang="en-US" sz="4400" b="1" dirty="0">
+              <a:solidFill>
+                <a:srgbClr val="FFFFFF"/>
+              </a:solidFill>
+            </a:endParaRPr>
+          </a:p>
+          <a:p>
+            <a:r>
+              <a:rPr lang="en-US" sz="2800" b="1" dirty="0">
+                <a:solidFill>
+                  <a:srgbClr val="FFFFFF"/>
+                </a:solidFill>
+              </a:rPr>
+              <a:t>Click Link</a:t>
+            </a:r>
+            <a:r>
+              <a:rPr lang="en-US" sz="2800" b="1" dirty="0">
+                <a:solidFill>
+                  <a:schemeClr val="accent6"/>
+                </a:solidFill>
+              </a:rPr>
+              <a:t>:</a:t>
+            </a:r>
+          </a:p>
+          <a:p>
+            <a:r>
+              <a:rPr lang="en-US" sz="2800" b="1" dirty="0">
+                <a:solidFill>
+                  <a:schemeClr val="accent6"/>
+                </a:solidFill>
+              </a:rPr>
+              <a:t>3. </a:t>
+            </a:r>
+            <a:r>
+              <a:rPr lang="en-US" sz="2600" b="1" dirty="0">
+                <a:solidFill>
+                  <a:schemeClr val="accent6"/>
+                </a:solidFill>
+              </a:rPr>
+              <a:t>A Simple Guessing Game</a:t>
             </a:r>
           </a:p>
         </p:txBody>
@@ -3455,7 +3693,7 @@
     </p:spTree>
     <p:extLst>
       <p:ext uri="{BB962C8B-B14F-4D97-AF65-F5344CB8AC3E}">
-        <p14:creationId xmlns:p14="http://schemas.microsoft.com/office/powerpoint/2010/main" val="577522275"/>
+        <p14:creationId xmlns:p14="http://schemas.microsoft.com/office/powerpoint/2010/main" val="3911853925"/>
       </p:ext>
     </p:extLst>
   </p:cSld>
@@ -3484,10 +3722,10 @@
       </p:grpSpPr>
       <p:sp>
         <p:nvSpPr>
-          <p:cNvPr id="2" name="Title 1">
-            <a:extLst>
-              <a:ext uri="{FF2B5EF4-FFF2-40B4-BE49-F238E27FC236}">
-                <a16:creationId xmlns:a16="http://schemas.microsoft.com/office/drawing/2014/main" id="{86F3F9BE-9909-412C-9462-A6515E82B426}"/>
+          <p:cNvPr id="4" name="Title 3">
+            <a:extLst>
+              <a:ext uri="{FF2B5EF4-FFF2-40B4-BE49-F238E27FC236}">
+                <a16:creationId xmlns:a16="http://schemas.microsoft.com/office/drawing/2014/main" id="{0C118C3C-13F5-4EA8-9EA9-3448AC35375E}"/>
               </a:ext>
             </a:extLst>
           </p:cNvPr>
@@ -3507,17 +3745,17 @@
           <a:p>
             <a:r>
               <a:rPr lang="en-US" b="1" dirty="0"/>
-              <a:t>Survey Time</a:t>
-            </a:r>
-          </a:p>
-        </p:txBody>
-      </p:sp>
-      <p:sp>
-        <p:nvSpPr>
-          <p:cNvPr id="3" name="Content Placeholder 2">
-            <a:extLst>
-              <a:ext uri="{FF2B5EF4-FFF2-40B4-BE49-F238E27FC236}">
-                <a16:creationId xmlns:a16="http://schemas.microsoft.com/office/drawing/2014/main" id="{3F4B748C-9266-47AE-9EB1-EE5192687382}"/>
+              <a:t>Lecture Recap</a:t>
+            </a:r>
+          </a:p>
+        </p:txBody>
+      </p:sp>
+      <p:sp>
+        <p:nvSpPr>
+          <p:cNvPr id="5" name="Content Placeholder 4">
+            <a:extLst>
+              <a:ext uri="{FF2B5EF4-FFF2-40B4-BE49-F238E27FC236}">
+                <a16:creationId xmlns:a16="http://schemas.microsoft.com/office/drawing/2014/main" id="{85F37492-86E3-47CA-8641-D7457D28B946}"/>
               </a:ext>
             </a:extLst>
           </p:cNvPr>
@@ -3530,72 +3768,145 @@
         </p:nvSpPr>
         <p:spPr>
           <a:xfrm>
-            <a:off x="838200" y="1825624"/>
-            <a:ext cx="6075844" cy="4835479"/>
-          </a:xfrm>
-        </p:spPr>
-        <p:txBody>
-          <a:bodyPr/>
-          <a:lstStyle/>
-          <a:p>
-            <a:r>
-              <a:rPr lang="en-US" dirty="0"/>
-              <a:t>https://forms.office.com/Pages/ResponsePage.aspx?id=JsKqeAMvTUuQN7RtVsVSEBmg97p_l4xCsCILcN6ARR5UQ1IyMDA1S0FaNzlONEw2VkcxUFZFMFo3MS4u</a:t>
-            </a:r>
-          </a:p>
-        </p:txBody>
-      </p:sp>
-      <p:pic>
-        <p:nvPicPr>
-          <p:cNvPr id="1026" name="Picture 2" descr="image">
-            <a:extLst>
-              <a:ext uri="{FF2B5EF4-FFF2-40B4-BE49-F238E27FC236}">
-                <a16:creationId xmlns:a16="http://schemas.microsoft.com/office/drawing/2014/main" id="{ABB7C742-E5EB-46BC-A9ED-F31A5EBBF1BA}"/>
-              </a:ext>
-            </a:extLst>
-          </p:cNvPr>
-          <p:cNvPicPr>
-            <a:picLocks noChangeAspect="1" noChangeArrowheads="1"/>
-          </p:cNvPicPr>
-          <p:nvPr/>
-        </p:nvPicPr>
-        <p:blipFill>
-          <a:blip r:embed="rId2">
-            <a:extLst>
-              <a:ext uri="{28A0092B-C50C-407E-A947-70E740481C1C}">
-                <a14:useLocalDpi xmlns:a14="http://schemas.microsoft.com/office/drawing/2010/main" val="0"/>
-              </a:ext>
-            </a:extLst>
-          </a:blip>
-          <a:srcRect/>
-          <a:stretch>
-            <a:fillRect/>
-          </a:stretch>
-        </p:blipFill>
-        <p:spPr bwMode="auto">
-          <a:xfrm>
-            <a:off x="7209503" y="727514"/>
-            <a:ext cx="4777986" cy="4777986"/>
-          </a:xfrm>
-          <a:prstGeom prst="rect">
-            <a:avLst/>
-          </a:prstGeom>
-          <a:noFill/>
-          <a:extLst>
-            <a:ext uri="{909E8E84-426E-40DD-AFC4-6F175D3DCCD1}">
-              <a14:hiddenFill xmlns:a14="http://schemas.microsoft.com/office/drawing/2010/main">
-                <a:solidFill>
-                  <a:srgbClr val="FFFFFF"/>
-                </a:solidFill>
-              </a14:hiddenFill>
-            </a:ext>
-          </a:extLst>
-        </p:spPr>
-      </p:pic>
+            <a:off x="838199" y="1825624"/>
+            <a:ext cx="11073063" cy="4835479"/>
+          </a:xfrm>
+        </p:spPr>
+        <p:txBody>
+          <a:bodyPr>
+            <a:normAutofit/>
+          </a:bodyPr>
+          <a:lstStyle/>
+          <a:p>
+            <a:r>
+              <a:rPr lang="en-US" sz="3600" dirty="0"/>
+              <a:t>Looping </a:t>
+            </a:r>
+            <a:r>
+              <a:rPr lang="en-US" sz="3600" dirty="0">
+                <a:solidFill>
+                  <a:schemeClr val="accent6"/>
+                </a:solidFill>
+              </a:rPr>
+              <a:t>(</a:t>
+            </a:r>
+            <a:r>
+              <a:rPr lang="en-US" sz="3600" dirty="0"/>
+              <a:t>aka iteration</a:t>
+            </a:r>
+            <a:r>
+              <a:rPr lang="en-US" sz="3600" dirty="0">
+                <a:solidFill>
+                  <a:schemeClr val="accent6"/>
+                </a:solidFill>
+              </a:rPr>
+              <a:t>)</a:t>
+            </a:r>
+            <a:r>
+              <a:rPr lang="en-US" sz="3600" dirty="0"/>
+              <a:t> is the second key control structure in programming </a:t>
+            </a:r>
+            <a:r>
+              <a:rPr lang="en-US" sz="3600" dirty="0">
+                <a:solidFill>
+                  <a:schemeClr val="accent6"/>
+                </a:solidFill>
+              </a:rPr>
+              <a:t>(</a:t>
+            </a:r>
+            <a:r>
+              <a:rPr lang="en-US" sz="3600" dirty="0"/>
+              <a:t>if</a:t>
+            </a:r>
+            <a:r>
+              <a:rPr lang="en-US" sz="3600" dirty="0">
+                <a:solidFill>
+                  <a:schemeClr val="accent2"/>
+                </a:solidFill>
+              </a:rPr>
+              <a:t>-</a:t>
+            </a:r>
+            <a:r>
+              <a:rPr lang="en-US" sz="3600" dirty="0"/>
+              <a:t>statements</a:t>
+            </a:r>
+            <a:r>
+              <a:rPr lang="en-US" sz="3600" dirty="0">
+                <a:solidFill>
+                  <a:schemeClr val="accent2"/>
+                </a:solidFill>
+              </a:rPr>
+              <a:t>/</a:t>
+            </a:r>
+            <a:r>
+              <a:rPr lang="en-US" sz="3600" dirty="0"/>
+              <a:t>branching was the first</a:t>
+            </a:r>
+            <a:r>
+              <a:rPr lang="en-US" sz="3600" dirty="0">
+                <a:solidFill>
+                  <a:schemeClr val="accent6"/>
+                </a:solidFill>
+              </a:rPr>
+              <a:t>)</a:t>
+            </a:r>
+            <a:r>
+              <a:rPr lang="en-US" sz="3600" dirty="0">
+                <a:solidFill>
+                  <a:schemeClr val="accent2"/>
+                </a:solidFill>
+              </a:rPr>
+              <a:t>.</a:t>
+            </a:r>
+          </a:p>
+          <a:p>
+            <a:r>
+              <a:rPr lang="en-US" sz="3600" dirty="0"/>
+              <a:t>The basic idea of loops is to repeated execute the same block code</a:t>
+            </a:r>
+            <a:r>
+              <a:rPr lang="en-US" sz="3600" dirty="0">
+                <a:solidFill>
+                  <a:schemeClr val="accent2"/>
+                </a:solidFill>
+              </a:rPr>
+              <a:t>.</a:t>
+            </a:r>
+          </a:p>
+          <a:p>
+            <a:r>
+              <a:rPr lang="en-US" sz="3600" dirty="0"/>
+              <a:t>Looping is very powerful idea</a:t>
+            </a:r>
+            <a:r>
+              <a:rPr lang="en-US" sz="3600" dirty="0">
+                <a:solidFill>
+                  <a:schemeClr val="accent2"/>
+                </a:solidFill>
+              </a:rPr>
+              <a:t>.</a:t>
+            </a:r>
+          </a:p>
+          <a:p>
+            <a:r>
+              <a:rPr lang="en-US" sz="3600" dirty="0"/>
+              <a:t>While loops</a:t>
+            </a:r>
+            <a:r>
+              <a:rPr lang="en-US" sz="3600" dirty="0">
+                <a:solidFill>
+                  <a:schemeClr val="accent2"/>
+                </a:solidFill>
+              </a:rPr>
+              <a:t>.</a:t>
+            </a:r>
+          </a:p>
+        </p:txBody>
+      </p:sp>
     </p:spTree>
     <p:extLst>
       <p:ext uri="{BB962C8B-B14F-4D97-AF65-F5344CB8AC3E}">
-        <p14:creationId xmlns:p14="http://schemas.microsoft.com/office/powerpoint/2010/main" val="998820788"/>
+        <p14:creationId xmlns:p14="http://schemas.microsoft.com/office/powerpoint/2010/main" val="577522275"/>
       </p:ext>
     </p:extLst>
   </p:cSld>
@@ -3866,19 +4177,19 @@
             <a:pPr lvl="1"/>
             <a:r>
               <a:rPr lang="en-US" dirty="0"/>
-              <a:t>while loops</a:t>
+              <a:t>function review</a:t>
             </a:r>
             <a:r>
               <a:rPr lang="en-US" dirty="0">
                 <a:solidFill>
-                  <a:schemeClr val="accent1"/>
+                  <a:schemeClr val="accent2"/>
                 </a:solidFill>
               </a:rPr>
               <a:t>,</a:t>
             </a:r>
             <a:r>
               <a:rPr lang="en-US" dirty="0"/>
-              <a:t> build your own counters</a:t>
+              <a:t> while loops</a:t>
             </a:r>
           </a:p>
           <a:p>
@@ -3919,18 +4230,6 @@
             <a:r>
               <a:rPr lang="en-US" b="1" dirty="0"/>
               <a:t>more loops</a:t>
-            </a:r>
-            <a:r>
-              <a:rPr lang="en-US" b="1" dirty="0">
-                <a:solidFill>
-                  <a:schemeClr val="accent2"/>
-                </a:solidFill>
-              </a:rPr>
-              <a:t>,</a:t>
-            </a:r>
-            <a:r>
-              <a:rPr lang="en-US" b="1" dirty="0"/>
-              <a:t> infinite loops	</a:t>
             </a:r>
           </a:p>
           <a:p>
@@ -4757,115 +5056,30 @@
       </p:sp>
       <p:cxnSp>
         <p:nvCxnSpPr>
-          <p:cNvPr id="12" name="Straight Arrow Connector 11">
-            <a:extLst>
-              <a:ext uri="{FF2B5EF4-FFF2-40B4-BE49-F238E27FC236}">
-                <a16:creationId xmlns:a16="http://schemas.microsoft.com/office/drawing/2014/main" id="{A58EC9BF-4888-4867-BA86-F0A3C179967D}"/>
+          <p:cNvPr id="5" name="Straight Arrow Connector 4">
+            <a:extLst>
+              <a:ext uri="{FF2B5EF4-FFF2-40B4-BE49-F238E27FC236}">
+                <a16:creationId xmlns:a16="http://schemas.microsoft.com/office/drawing/2014/main" id="{E3FEED38-15F8-BA31-C591-8D16318804E5}"/>
               </a:ext>
             </a:extLst>
           </p:cNvPr>
           <p:cNvCxnSpPr>
             <a:cxnSpLocks/>
-            <a:stCxn id="21" idx="2"/>
-            <a:endCxn id="23" idx="0"/>
+            <a:stCxn id="9" idx="2"/>
           </p:cNvCxnSpPr>
           <p:nvPr/>
         </p:nvCxnSpPr>
         <p:spPr>
           <a:xfrm flipH="1">
-            <a:off x="9107903" y="1699563"/>
-            <a:ext cx="2" cy="669233"/>
+            <a:off x="8506115" y="4492704"/>
+            <a:ext cx="1" cy="2228527"/>
           </a:xfrm>
           <a:prstGeom prst="straightConnector1">
             <a:avLst/>
           </a:prstGeom>
           <a:ln w="57150">
             <a:solidFill>
-              <a:srgbClr val="FFFFFF"/>
-            </a:solidFill>
-            <a:tailEnd type="triangle"/>
-          </a:ln>
-        </p:spPr>
-        <p:style>
-          <a:lnRef idx="1">
-            <a:schemeClr val="accent1"/>
-          </a:lnRef>
-          <a:fillRef idx="0">
-            <a:schemeClr val="accent1"/>
-          </a:fillRef>
-          <a:effectRef idx="0">
-            <a:schemeClr val="accent1"/>
-          </a:effectRef>
-          <a:fontRef idx="minor">
-            <a:schemeClr val="tx1"/>
-          </a:fontRef>
-        </p:style>
-      </p:cxnSp>
-      <p:sp>
-        <p:nvSpPr>
-          <p:cNvPr id="13" name="TextBox 12">
-            <a:extLst>
-              <a:ext uri="{FF2B5EF4-FFF2-40B4-BE49-F238E27FC236}">
-                <a16:creationId xmlns:a16="http://schemas.microsoft.com/office/drawing/2014/main" id="{CD461046-C4B1-4755-AA3C-EDFB6034CC13}"/>
-              </a:ext>
-            </a:extLst>
-          </p:cNvPr>
-          <p:cNvSpPr txBox="1"/>
-          <p:nvPr/>
-        </p:nvSpPr>
-        <p:spPr>
-          <a:xfrm>
-            <a:off x="8480968" y="3087470"/>
-            <a:ext cx="1253869" cy="369332"/>
-          </a:xfrm>
-          <a:prstGeom prst="rect">
-            <a:avLst/>
-          </a:prstGeom>
-          <a:noFill/>
-        </p:spPr>
-        <p:txBody>
-          <a:bodyPr wrap="none" rtlCol="0">
-            <a:spAutoFit/>
-          </a:bodyPr>
-          <a:lstStyle/>
-          <a:p>
-            <a:r>
-              <a:rPr lang="en-US" b="1" dirty="0">
-                <a:solidFill>
-                  <a:srgbClr val="FFFFFF"/>
-                </a:solidFill>
-              </a:rPr>
-              <a:t>Condition</a:t>
-            </a:r>
-          </a:p>
-        </p:txBody>
-      </p:sp>
-      <p:cxnSp>
-        <p:nvCxnSpPr>
-          <p:cNvPr id="14" name="Straight Arrow Connector 13">
-            <a:extLst>
-              <a:ext uri="{FF2B5EF4-FFF2-40B4-BE49-F238E27FC236}">
-                <a16:creationId xmlns:a16="http://schemas.microsoft.com/office/drawing/2014/main" id="{32CE6723-4DB4-4CA4-8F89-80D37CEEADA5}"/>
-              </a:ext>
-            </a:extLst>
-          </p:cNvPr>
-          <p:cNvCxnSpPr>
-            <a:cxnSpLocks/>
-            <a:endCxn id="22" idx="0"/>
-          </p:cNvCxnSpPr>
-          <p:nvPr/>
-        </p:nvCxnSpPr>
-        <p:spPr>
-          <a:xfrm>
-            <a:off x="9107902" y="4194884"/>
-            <a:ext cx="12034" cy="581655"/>
-          </a:xfrm>
-          <a:prstGeom prst="straightConnector1">
-            <a:avLst/>
-          </a:prstGeom>
-          <a:ln w="57150">
-            <a:solidFill>
-              <a:srgbClr val="FFFFFF"/>
+              <a:srgbClr val="FF0000"/>
             </a:solidFill>
             <a:tailEnd type="triangle"/>
           </a:ln>
@@ -4887,10 +5101,94 @@
       </p:cxnSp>
       <p:cxnSp>
         <p:nvCxnSpPr>
-          <p:cNvPr id="15" name="Straight Arrow Connector 14">
-            <a:extLst>
-              <a:ext uri="{FF2B5EF4-FFF2-40B4-BE49-F238E27FC236}">
-                <a16:creationId xmlns:a16="http://schemas.microsoft.com/office/drawing/2014/main" id="{A3C00612-D800-4FF5-8001-E22BBB7CF1A4}"/>
+          <p:cNvPr id="6" name="Straight Arrow Connector 5">
+            <a:extLst>
+              <a:ext uri="{FF2B5EF4-FFF2-40B4-BE49-F238E27FC236}">
+                <a16:creationId xmlns:a16="http://schemas.microsoft.com/office/drawing/2014/main" id="{108BDCA9-A303-014F-F69F-72C039AD3F31}"/>
+              </a:ext>
+            </a:extLst>
+          </p:cNvPr>
+          <p:cNvCxnSpPr>
+            <a:cxnSpLocks/>
+            <a:endCxn id="9" idx="0"/>
+          </p:cNvCxnSpPr>
+          <p:nvPr/>
+        </p:nvCxnSpPr>
+        <p:spPr>
+          <a:xfrm>
+            <a:off x="8506115" y="500185"/>
+            <a:ext cx="1" cy="2118704"/>
+          </a:xfrm>
+          <a:prstGeom prst="straightConnector1">
+            <a:avLst/>
+          </a:prstGeom>
+          <a:ln w="57150">
+            <a:solidFill>
+              <a:srgbClr val="FFFFFF"/>
+            </a:solidFill>
+            <a:tailEnd type="triangle"/>
+          </a:ln>
+        </p:spPr>
+        <p:style>
+          <a:lnRef idx="1">
+            <a:schemeClr val="accent1"/>
+          </a:lnRef>
+          <a:fillRef idx="0">
+            <a:schemeClr val="accent1"/>
+          </a:fillRef>
+          <a:effectRef idx="0">
+            <a:schemeClr val="accent1"/>
+          </a:effectRef>
+          <a:fontRef idx="minor">
+            <a:schemeClr val="tx1"/>
+          </a:fontRef>
+        </p:style>
+      </p:cxnSp>
+      <p:sp>
+        <p:nvSpPr>
+          <p:cNvPr id="7" name="TextBox 6">
+            <a:extLst>
+              <a:ext uri="{FF2B5EF4-FFF2-40B4-BE49-F238E27FC236}">
+                <a16:creationId xmlns:a16="http://schemas.microsoft.com/office/drawing/2014/main" id="{EFB2CA57-D268-9E12-21E6-56F6BD882219}"/>
+              </a:ext>
+            </a:extLst>
+          </p:cNvPr>
+          <p:cNvSpPr txBox="1"/>
+          <p:nvPr/>
+        </p:nvSpPr>
+        <p:spPr>
+          <a:xfrm>
+            <a:off x="7879181" y="3337563"/>
+            <a:ext cx="1253869" cy="369332"/>
+          </a:xfrm>
+          <a:prstGeom prst="rect">
+            <a:avLst/>
+          </a:prstGeom>
+          <a:noFill/>
+        </p:spPr>
+        <p:txBody>
+          <a:bodyPr wrap="none" rtlCol="0">
+            <a:spAutoFit/>
+          </a:bodyPr>
+          <a:lstStyle/>
+          <a:p>
+            <a:r>
+              <a:rPr lang="en-US" b="1" dirty="0">
+                <a:solidFill>
+                  <a:srgbClr val="FFFFFF"/>
+                </a:solidFill>
+              </a:rPr>
+              <a:t>Condition</a:t>
+            </a:r>
+          </a:p>
+        </p:txBody>
+      </p:sp>
+      <p:cxnSp>
+        <p:nvCxnSpPr>
+          <p:cNvPr id="8" name="Straight Connector 7">
+            <a:extLst>
+              <a:ext uri="{FF2B5EF4-FFF2-40B4-BE49-F238E27FC236}">
+                <a16:creationId xmlns:a16="http://schemas.microsoft.com/office/drawing/2014/main" id="{4F7BBB49-B585-9E42-6483-1D242A4E61DB}"/>
               </a:ext>
             </a:extLst>
           </p:cNvPr>
@@ -4900,16 +5198,198 @@
           <p:nvPr/>
         </p:nvCxnSpPr>
         <p:spPr>
-          <a:xfrm flipV="1">
-            <a:off x="7259063" y="1957808"/>
-            <a:ext cx="1833801" cy="2947"/>
-          </a:xfrm>
-          <a:prstGeom prst="straightConnector1">
+          <a:xfrm flipH="1">
+            <a:off x="9480675" y="3555796"/>
+            <a:ext cx="1271338" cy="0"/>
+          </a:xfrm>
+          <a:prstGeom prst="line">
             <a:avLst/>
           </a:prstGeom>
           <a:ln w="57150">
             <a:solidFill>
-              <a:srgbClr val="FFFFFF"/>
+              <a:srgbClr val="00B050"/>
+            </a:solidFill>
+          </a:ln>
+        </p:spPr>
+        <p:style>
+          <a:lnRef idx="1">
+            <a:schemeClr val="accent1"/>
+          </a:lnRef>
+          <a:fillRef idx="0">
+            <a:schemeClr val="accent1"/>
+          </a:fillRef>
+          <a:effectRef idx="0">
+            <a:schemeClr val="accent1"/>
+          </a:effectRef>
+          <a:fontRef idx="minor">
+            <a:schemeClr val="tx1"/>
+          </a:fontRef>
+        </p:style>
+      </p:cxnSp>
+      <p:sp>
+        <p:nvSpPr>
+          <p:cNvPr id="9" name="Diamond 8">
+            <a:extLst>
+              <a:ext uri="{FF2B5EF4-FFF2-40B4-BE49-F238E27FC236}">
+                <a16:creationId xmlns:a16="http://schemas.microsoft.com/office/drawing/2014/main" id="{A00E29B9-8E5D-129C-475E-B8B0916C5C35}"/>
+              </a:ext>
+            </a:extLst>
+          </p:cNvPr>
+          <p:cNvSpPr/>
+          <p:nvPr/>
+        </p:nvSpPr>
+        <p:spPr>
+          <a:xfrm>
+            <a:off x="7531558" y="2618889"/>
+            <a:ext cx="1949116" cy="1873815"/>
+          </a:xfrm>
+          <a:prstGeom prst="diamond">
+            <a:avLst/>
+          </a:prstGeom>
+          <a:noFill/>
+          <a:ln w="76200"/>
+        </p:spPr>
+        <p:style>
+          <a:lnRef idx="2">
+            <a:schemeClr val="accent1">
+              <a:shade val="50000"/>
+            </a:schemeClr>
+          </a:lnRef>
+          <a:fillRef idx="1">
+            <a:schemeClr val="accent1"/>
+          </a:fillRef>
+          <a:effectRef idx="0">
+            <a:schemeClr val="accent1"/>
+          </a:effectRef>
+          <a:fontRef idx="minor">
+            <a:schemeClr val="lt1"/>
+          </a:fontRef>
+        </p:style>
+        <p:txBody>
+          <a:bodyPr rtlCol="0" anchor="ctr"/>
+          <a:lstStyle/>
+          <a:p>
+            <a:pPr algn="ctr"/>
+            <a:endParaRPr lang="en-US" dirty="0"/>
+          </a:p>
+        </p:txBody>
+      </p:sp>
+      <p:sp>
+        <p:nvSpPr>
+          <p:cNvPr id="10" name="TextBox 9">
+            <a:extLst>
+              <a:ext uri="{FF2B5EF4-FFF2-40B4-BE49-F238E27FC236}">
+                <a16:creationId xmlns:a16="http://schemas.microsoft.com/office/drawing/2014/main" id="{6075A27F-F72C-78D9-CF2E-ACDF1B18730E}"/>
+              </a:ext>
+            </a:extLst>
+          </p:cNvPr>
+          <p:cNvSpPr txBox="1"/>
+          <p:nvPr/>
+        </p:nvSpPr>
+        <p:spPr>
+          <a:xfrm>
+            <a:off x="9624648" y="3614478"/>
+            <a:ext cx="1030282" cy="584775"/>
+          </a:xfrm>
+          <a:prstGeom prst="rect">
+            <a:avLst/>
+          </a:prstGeom>
+          <a:noFill/>
+        </p:spPr>
+        <p:txBody>
+          <a:bodyPr wrap="none" rtlCol="0">
+            <a:spAutoFit/>
+          </a:bodyPr>
+          <a:lstStyle/>
+          <a:p>
+            <a:r>
+              <a:rPr lang="en-US" sz="3200" b="1" dirty="0">
+                <a:solidFill>
+                  <a:srgbClr val="00B050"/>
+                </a:solidFill>
+              </a:rPr>
+              <a:t>True</a:t>
+            </a:r>
+          </a:p>
+        </p:txBody>
+      </p:sp>
+      <p:sp>
+        <p:nvSpPr>
+          <p:cNvPr id="11" name="TextBox 10">
+            <a:extLst>
+              <a:ext uri="{FF2B5EF4-FFF2-40B4-BE49-F238E27FC236}">
+                <a16:creationId xmlns:a16="http://schemas.microsoft.com/office/drawing/2014/main" id="{8FE6915B-F479-1086-486E-F2AD78ED33A0}"/>
+              </a:ext>
+            </a:extLst>
+          </p:cNvPr>
+          <p:cNvSpPr txBox="1"/>
+          <p:nvPr/>
+        </p:nvSpPr>
+        <p:spPr>
+          <a:xfrm>
+            <a:off x="7135388" y="5037638"/>
+            <a:ext cx="1152880" cy="1077218"/>
+          </a:xfrm>
+          <a:prstGeom prst="rect">
+            <a:avLst/>
+          </a:prstGeom>
+          <a:noFill/>
+        </p:spPr>
+        <p:txBody>
+          <a:bodyPr wrap="none" rtlCol="0">
+            <a:spAutoFit/>
+          </a:bodyPr>
+          <a:lstStyle/>
+          <a:p>
+            <a:pPr algn="ctr"/>
+            <a:r>
+              <a:rPr lang="en-US" sz="3200" b="1" dirty="0">
+                <a:solidFill>
+                  <a:srgbClr val="FFFFFF"/>
+                </a:solidFill>
+              </a:rPr>
+              <a:t>Exit</a:t>
+            </a:r>
+          </a:p>
+          <a:p>
+            <a:pPr algn="ctr"/>
+            <a:r>
+              <a:rPr lang="en-US" sz="3200" b="1" dirty="0">
+                <a:solidFill>
+                  <a:srgbClr val="FFFFFF"/>
+                </a:solidFill>
+              </a:rPr>
+              <a:t>Loop</a:t>
+            </a:r>
+          </a:p>
+        </p:txBody>
+      </p:sp>
+      <p:cxnSp>
+        <p:nvCxnSpPr>
+          <p:cNvPr id="27" name="Straight Arrow Connector 26">
+            <a:extLst>
+              <a:ext uri="{FF2B5EF4-FFF2-40B4-BE49-F238E27FC236}">
+                <a16:creationId xmlns:a16="http://schemas.microsoft.com/office/drawing/2014/main" id="{C99C6B7A-F1BC-7D95-B1A1-475369EE1687}"/>
+              </a:ext>
+            </a:extLst>
+          </p:cNvPr>
+          <p:cNvCxnSpPr>
+            <a:cxnSpLocks/>
+            <a:endCxn id="30" idx="2"/>
+          </p:cNvCxnSpPr>
+          <p:nvPr/>
+        </p:nvCxnSpPr>
+        <p:spPr>
+          <a:xfrm flipV="1">
+            <a:off x="10724348" y="2938847"/>
+            <a:ext cx="12035" cy="645902"/>
+          </a:xfrm>
+          <a:prstGeom prst="straightConnector1">
+            <a:avLst/>
+          </a:prstGeom>
+          <a:ln w="57150">
+            <a:solidFill>
+              <a:srgbClr val="00B050"/>
             </a:solidFill>
             <a:tailEnd type="triangle"/>
           </a:ln>
@@ -4931,30 +5411,31 @@
       </p:cxnSp>
       <p:cxnSp>
         <p:nvCxnSpPr>
-          <p:cNvPr id="16" name="Straight Connector 15">
-            <a:extLst>
-              <a:ext uri="{FF2B5EF4-FFF2-40B4-BE49-F238E27FC236}">
-                <a16:creationId xmlns:a16="http://schemas.microsoft.com/office/drawing/2014/main" id="{A6445C04-58DD-46D1-958B-4797EE7F2BE9}"/>
+          <p:cNvPr id="28" name="Straight Arrow Connector 27">
+            <a:extLst>
+              <a:ext uri="{FF2B5EF4-FFF2-40B4-BE49-F238E27FC236}">
+                <a16:creationId xmlns:a16="http://schemas.microsoft.com/office/drawing/2014/main" id="{CBF33CE8-F165-D9FB-F840-BCB56733CB1A}"/>
               </a:ext>
             </a:extLst>
           </p:cNvPr>
           <p:cNvCxnSpPr>
-            <a:stCxn id="22" idx="2"/>
+            <a:cxnSpLocks/>
           </p:cNvCxnSpPr>
           <p:nvPr/>
         </p:nvCxnSpPr>
         <p:spPr>
           <a:xfrm flipH="1">
-            <a:off x="9119935" y="5853902"/>
-            <a:ext cx="1" cy="513869"/>
-          </a:xfrm>
-          <a:prstGeom prst="line">
+            <a:off x="8554245" y="1336486"/>
+            <a:ext cx="2197768" cy="0"/>
+          </a:xfrm>
+          <a:prstGeom prst="straightConnector1">
             <a:avLst/>
           </a:prstGeom>
           <a:ln w="57150">
             <a:solidFill>
-              <a:srgbClr val="FFFFFF"/>
+              <a:srgbClr val="00B050"/>
             </a:solidFill>
+            <a:tailEnd type="triangle"/>
           </a:ln>
         </p:spPr>
         <p:style>
@@ -4974,29 +5455,30 @@
       </p:cxnSp>
       <p:cxnSp>
         <p:nvCxnSpPr>
-          <p:cNvPr id="17" name="Straight Connector 16">
-            <a:extLst>
-              <a:ext uri="{FF2B5EF4-FFF2-40B4-BE49-F238E27FC236}">
-                <a16:creationId xmlns:a16="http://schemas.microsoft.com/office/drawing/2014/main" id="{00F0C9CF-0114-4902-9E00-CC10EE1DE80A}"/>
+          <p:cNvPr id="29" name="Straight Connector 28">
+            <a:extLst>
+              <a:ext uri="{FF2B5EF4-FFF2-40B4-BE49-F238E27FC236}">
+                <a16:creationId xmlns:a16="http://schemas.microsoft.com/office/drawing/2014/main" id="{5F4E0F41-01D0-CCAF-46DE-A13218C3C9A5}"/>
               </a:ext>
             </a:extLst>
           </p:cNvPr>
           <p:cNvCxnSpPr>
             <a:cxnSpLocks/>
+            <a:endCxn id="30" idx="0"/>
           </p:cNvCxnSpPr>
           <p:nvPr/>
         </p:nvCxnSpPr>
         <p:spPr>
-          <a:xfrm flipH="1">
-            <a:off x="7295159" y="6367771"/>
-            <a:ext cx="1860873" cy="0"/>
+          <a:xfrm>
+            <a:off x="10731860" y="1336486"/>
+            <a:ext cx="4523" cy="524998"/>
           </a:xfrm>
           <a:prstGeom prst="line">
             <a:avLst/>
           </a:prstGeom>
           <a:ln w="57150">
             <a:solidFill>
-              <a:srgbClr val="FFFFFF"/>
+              <a:srgbClr val="00B050"/>
             </a:solidFill>
           </a:ln>
         </p:spPr>
@@ -5015,142 +5497,12 @@
           </a:fontRef>
         </p:style>
       </p:cxnSp>
-      <p:cxnSp>
-        <p:nvCxnSpPr>
-          <p:cNvPr id="18" name="Straight Connector 17">
-            <a:extLst>
-              <a:ext uri="{FF2B5EF4-FFF2-40B4-BE49-F238E27FC236}">
-                <a16:creationId xmlns:a16="http://schemas.microsoft.com/office/drawing/2014/main" id="{A019EDB7-96DF-4954-B2DB-581005558476}"/>
-              </a:ext>
-            </a:extLst>
-          </p:cNvPr>
-          <p:cNvCxnSpPr>
-            <a:cxnSpLocks/>
-          </p:cNvCxnSpPr>
-          <p:nvPr/>
-        </p:nvCxnSpPr>
-        <p:spPr>
-          <a:xfrm flipH="1">
-            <a:off x="7291139" y="1960755"/>
-            <a:ext cx="1" cy="4431080"/>
-          </a:xfrm>
-          <a:prstGeom prst="line">
-            <a:avLst/>
-          </a:prstGeom>
-          <a:ln w="57150">
-            <a:solidFill>
-              <a:srgbClr val="FFFFFF"/>
-            </a:solidFill>
-          </a:ln>
-        </p:spPr>
-        <p:style>
-          <a:lnRef idx="1">
-            <a:schemeClr val="accent1"/>
-          </a:lnRef>
-          <a:fillRef idx="0">
-            <a:schemeClr val="accent1"/>
-          </a:fillRef>
-          <a:effectRef idx="0">
-            <a:schemeClr val="accent1"/>
-          </a:effectRef>
-          <a:fontRef idx="minor">
-            <a:schemeClr val="tx1"/>
-          </a:fontRef>
-        </p:style>
-      </p:cxnSp>
-      <p:cxnSp>
-        <p:nvCxnSpPr>
-          <p:cNvPr id="19" name="Straight Arrow Connector 18">
-            <a:extLst>
-              <a:ext uri="{FF2B5EF4-FFF2-40B4-BE49-F238E27FC236}">
-                <a16:creationId xmlns:a16="http://schemas.microsoft.com/office/drawing/2014/main" id="{304F44BC-A47F-4ABD-A9D1-53FFA56F9F46}"/>
-              </a:ext>
-            </a:extLst>
-          </p:cNvPr>
-          <p:cNvCxnSpPr>
-            <a:cxnSpLocks/>
-          </p:cNvCxnSpPr>
-          <p:nvPr/>
-        </p:nvCxnSpPr>
-        <p:spPr>
-          <a:xfrm>
-            <a:off x="11341768" y="3269607"/>
-            <a:ext cx="0" cy="1903971"/>
-          </a:xfrm>
-          <a:prstGeom prst="straightConnector1">
-            <a:avLst/>
-          </a:prstGeom>
-          <a:ln w="57150">
-            <a:solidFill>
-              <a:srgbClr val="FFFFFF"/>
-            </a:solidFill>
-            <a:tailEnd type="triangle"/>
-          </a:ln>
-        </p:spPr>
-        <p:style>
-          <a:lnRef idx="1">
-            <a:schemeClr val="accent1"/>
-          </a:lnRef>
-          <a:fillRef idx="0">
-            <a:schemeClr val="accent1"/>
-          </a:fillRef>
-          <a:effectRef idx="0">
-            <a:schemeClr val="accent1"/>
-          </a:effectRef>
-          <a:fontRef idx="minor">
-            <a:schemeClr val="tx1"/>
-          </a:fontRef>
-        </p:style>
-      </p:cxnSp>
-      <p:cxnSp>
-        <p:nvCxnSpPr>
-          <p:cNvPr id="20" name="Straight Connector 19">
-            <a:extLst>
-              <a:ext uri="{FF2B5EF4-FFF2-40B4-BE49-F238E27FC236}">
-                <a16:creationId xmlns:a16="http://schemas.microsoft.com/office/drawing/2014/main" id="{13982A27-5E41-45A8-AB69-8BB6CB22AEE8}"/>
-              </a:ext>
-            </a:extLst>
-          </p:cNvPr>
-          <p:cNvCxnSpPr>
-            <a:cxnSpLocks/>
-          </p:cNvCxnSpPr>
-          <p:nvPr/>
-        </p:nvCxnSpPr>
-        <p:spPr>
-          <a:xfrm flipH="1">
-            <a:off x="10082462" y="3305703"/>
-            <a:ext cx="1271338" cy="0"/>
-          </a:xfrm>
-          <a:prstGeom prst="line">
-            <a:avLst/>
-          </a:prstGeom>
-          <a:ln w="57150">
-            <a:solidFill>
-              <a:srgbClr val="FFFFFF"/>
-            </a:solidFill>
-          </a:ln>
-        </p:spPr>
-        <p:style>
-          <a:lnRef idx="1">
-            <a:schemeClr val="accent1"/>
-          </a:lnRef>
-          <a:fillRef idx="0">
-            <a:schemeClr val="accent1"/>
-          </a:fillRef>
-          <a:effectRef idx="0">
-            <a:schemeClr val="accent1"/>
-          </a:effectRef>
-          <a:fontRef idx="minor">
-            <a:schemeClr val="tx1"/>
-          </a:fontRef>
-        </p:style>
-      </p:cxnSp>
-      <p:sp>
-        <p:nvSpPr>
-          <p:cNvPr id="21" name="Rectangle 20">
-            <a:extLst>
-              <a:ext uri="{FF2B5EF4-FFF2-40B4-BE49-F238E27FC236}">
-                <a16:creationId xmlns:a16="http://schemas.microsoft.com/office/drawing/2014/main" id="{C2780FC1-F090-475E-AA28-7A17EBEB5480}"/>
+      <p:sp>
+        <p:nvSpPr>
+          <p:cNvPr id="30" name="Rectangle 29">
+            <a:extLst>
+              <a:ext uri="{FF2B5EF4-FFF2-40B4-BE49-F238E27FC236}">
+                <a16:creationId xmlns:a16="http://schemas.microsoft.com/office/drawing/2014/main" id="{91FFFCDE-1B32-D17B-9A13-55E4F1B4565A}"/>
               </a:ext>
             </a:extLst>
           </p:cNvPr>
@@ -5159,8 +5511,8 @@
         </p:nvSpPr>
         <p:spPr>
           <a:xfrm>
-            <a:off x="8470230" y="1043415"/>
-            <a:ext cx="1275349" cy="656148"/>
+            <a:off x="9657550" y="1861484"/>
+            <a:ext cx="2157665" cy="1077363"/>
           </a:xfrm>
           <a:prstGeom prst="rect">
             <a:avLst/>
@@ -5199,65 +5551,6 @@
                   <a:srgbClr val="FFFFFF"/>
                 </a:solidFill>
               </a:rPr>
-              <a:t>init</a:t>
-            </a:r>
-          </a:p>
-        </p:txBody>
-      </p:sp>
-      <p:sp>
-        <p:nvSpPr>
-          <p:cNvPr id="22" name="Rectangle 21">
-            <a:extLst>
-              <a:ext uri="{FF2B5EF4-FFF2-40B4-BE49-F238E27FC236}">
-                <a16:creationId xmlns:a16="http://schemas.microsoft.com/office/drawing/2014/main" id="{6BEDA1A5-9FBA-4ECB-A56C-407114F3CB7F}"/>
-              </a:ext>
-            </a:extLst>
-          </p:cNvPr>
-          <p:cNvSpPr/>
-          <p:nvPr/>
-        </p:nvSpPr>
-        <p:spPr>
-          <a:xfrm>
-            <a:off x="8041103" y="4776539"/>
-            <a:ext cx="2157665" cy="1077363"/>
-          </a:xfrm>
-          <a:prstGeom prst="rect">
-            <a:avLst/>
-          </a:prstGeom>
-          <a:noFill/>
-          <a:ln w="57150">
-            <a:solidFill>
-              <a:schemeClr val="accent6"/>
-            </a:solidFill>
-          </a:ln>
-        </p:spPr>
-        <p:style>
-          <a:lnRef idx="2">
-            <a:schemeClr val="accent1">
-              <a:shade val="50000"/>
-            </a:schemeClr>
-          </a:lnRef>
-          <a:fillRef idx="1">
-            <a:schemeClr val="accent1"/>
-          </a:fillRef>
-          <a:effectRef idx="0">
-            <a:schemeClr val="accent1"/>
-          </a:effectRef>
-          <a:fontRef idx="minor">
-            <a:schemeClr val="lt1"/>
-          </a:fontRef>
-        </p:style>
-        <p:txBody>
-          <a:bodyPr rtlCol="0" anchor="ctr"/>
-          <a:lstStyle/>
-          <a:p>
-            <a:pPr algn="ctr"/>
-            <a:r>
-              <a:rPr lang="en-US" sz="2800" b="1" dirty="0">
-                <a:solidFill>
-                  <a:srgbClr val="FFFFFF"/>
-                </a:solidFill>
-              </a:rPr>
               <a:t>Do Something</a:t>
             </a:r>
           </a:p>
@@ -5265,58 +5558,10 @@
       </p:sp>
       <p:sp>
         <p:nvSpPr>
-          <p:cNvPr id="23" name="Diamond 22">
-            <a:extLst>
-              <a:ext uri="{FF2B5EF4-FFF2-40B4-BE49-F238E27FC236}">
-                <a16:creationId xmlns:a16="http://schemas.microsoft.com/office/drawing/2014/main" id="{B51D5190-04D5-4922-836D-9EED5D11B5D4}"/>
-              </a:ext>
-            </a:extLst>
-          </p:cNvPr>
-          <p:cNvSpPr/>
-          <p:nvPr/>
-        </p:nvSpPr>
-        <p:spPr>
-          <a:xfrm>
-            <a:off x="8133345" y="2368796"/>
-            <a:ext cx="1949116" cy="1873815"/>
-          </a:xfrm>
-          <a:prstGeom prst="diamond">
-            <a:avLst/>
-          </a:prstGeom>
-          <a:noFill/>
-          <a:ln w="76200"/>
-        </p:spPr>
-        <p:style>
-          <a:lnRef idx="2">
-            <a:schemeClr val="accent1">
-              <a:shade val="50000"/>
-            </a:schemeClr>
-          </a:lnRef>
-          <a:fillRef idx="1">
-            <a:schemeClr val="accent1"/>
-          </a:fillRef>
-          <a:effectRef idx="0">
-            <a:schemeClr val="accent1"/>
-          </a:effectRef>
-          <a:fontRef idx="minor">
-            <a:schemeClr val="lt1"/>
-          </a:fontRef>
-        </p:style>
-        <p:txBody>
-          <a:bodyPr rtlCol="0" anchor="ctr"/>
-          <a:lstStyle/>
-          <a:p>
-            <a:pPr algn="ctr"/>
-            <a:endParaRPr lang="en-US" dirty="0"/>
-          </a:p>
-        </p:txBody>
-      </p:sp>
-      <p:sp>
-        <p:nvSpPr>
-          <p:cNvPr id="24" name="TextBox 23">
-            <a:extLst>
-              <a:ext uri="{FF2B5EF4-FFF2-40B4-BE49-F238E27FC236}">
-                <a16:creationId xmlns:a16="http://schemas.microsoft.com/office/drawing/2014/main" id="{384E221E-7746-419A-A359-893CC38BE61E}"/>
+          <p:cNvPr id="31" name="TextBox 30">
+            <a:extLst>
+              <a:ext uri="{FF2B5EF4-FFF2-40B4-BE49-F238E27FC236}">
+                <a16:creationId xmlns:a16="http://schemas.microsoft.com/office/drawing/2014/main" id="{5632F48A-27C8-D555-31FB-FE7A3C95787C}"/>
               </a:ext>
             </a:extLst>
           </p:cNvPr>
@@ -5325,8 +5570,8 @@
         </p:nvSpPr>
         <p:spPr>
           <a:xfrm>
-            <a:off x="8023559" y="4065877"/>
-            <a:ext cx="1030282" cy="584775"/>
+            <a:off x="8748896" y="5314580"/>
+            <a:ext cx="1127809" cy="584775"/>
           </a:xfrm>
           <a:prstGeom prst="rect">
             <a:avLst/>
@@ -5342,20 +5587,20 @@
             <a:r>
               <a:rPr lang="en-US" sz="3200" b="1" dirty="0">
                 <a:solidFill>
-                  <a:srgbClr val="00B050"/>
-                </a:solidFill>
-              </a:rPr>
-              <a:t>True</a:t>
-            </a:r>
-          </a:p>
-        </p:txBody>
-      </p:sp>
-      <p:sp>
-        <p:nvSpPr>
-          <p:cNvPr id="25" name="TextBox 24">
-            <a:extLst>
-              <a:ext uri="{FF2B5EF4-FFF2-40B4-BE49-F238E27FC236}">
-                <a16:creationId xmlns:a16="http://schemas.microsoft.com/office/drawing/2014/main" id="{B258A216-62F0-48F9-8415-3384B83D6C77}"/>
+                  <a:srgbClr val="FF0000"/>
+                </a:solidFill>
+              </a:rPr>
+              <a:t>False</a:t>
+            </a:r>
+          </a:p>
+        </p:txBody>
+      </p:sp>
+      <p:sp>
+        <p:nvSpPr>
+          <p:cNvPr id="32" name="TextBox 31">
+            <a:extLst>
+              <a:ext uri="{FF2B5EF4-FFF2-40B4-BE49-F238E27FC236}">
+                <a16:creationId xmlns:a16="http://schemas.microsoft.com/office/drawing/2014/main" id="{63D483F4-8124-6374-A63E-702491DA4D08}"/>
               </a:ext>
             </a:extLst>
           </p:cNvPr>
@@ -5364,8 +5609,8 @@
         </p:nvSpPr>
         <p:spPr>
           <a:xfrm>
-            <a:off x="10202990" y="2657984"/>
-            <a:ext cx="1127809" cy="584775"/>
+            <a:off x="6526749" y="2522636"/>
+            <a:ext cx="1418978" cy="584775"/>
           </a:xfrm>
           <a:prstGeom prst="rect">
             <a:avLst/>
@@ -5381,61 +5626,12 @@
             <a:r>
               <a:rPr lang="en-US" sz="3200" b="1" dirty="0">
                 <a:solidFill>
-                  <a:srgbClr val="FF0000"/>
-                </a:solidFill>
-              </a:rPr>
-              <a:t>False</a:t>
-            </a:r>
-          </a:p>
-        </p:txBody>
-      </p:sp>
-      <p:sp>
-        <p:nvSpPr>
-          <p:cNvPr id="26" name="TextBox 25">
-            <a:extLst>
-              <a:ext uri="{FF2B5EF4-FFF2-40B4-BE49-F238E27FC236}">
-                <a16:creationId xmlns:a16="http://schemas.microsoft.com/office/drawing/2014/main" id="{8EE239F5-A05C-4BBE-B642-E2C69E139DC6}"/>
-              </a:ext>
-            </a:extLst>
-          </p:cNvPr>
-          <p:cNvSpPr txBox="1"/>
-          <p:nvPr/>
-        </p:nvSpPr>
-        <p:spPr>
-          <a:xfrm>
-            <a:off x="10777359" y="5173578"/>
-            <a:ext cx="1152880" cy="1077218"/>
-          </a:xfrm>
-          <a:prstGeom prst="rect">
-            <a:avLst/>
-          </a:prstGeom>
-          <a:noFill/>
-        </p:spPr>
-        <p:txBody>
-          <a:bodyPr wrap="none" rtlCol="0">
-            <a:spAutoFit/>
-          </a:bodyPr>
-          <a:lstStyle/>
-          <a:p>
-            <a:pPr algn="ctr"/>
-            <a:r>
-              <a:rPr lang="en-US" sz="3200" b="1" dirty="0">
-                <a:solidFill>
-                  <a:srgbClr val="FFFFFF"/>
-                </a:solidFill>
-              </a:rPr>
-              <a:t>Exit</a:t>
-            </a:r>
-          </a:p>
-          <a:p>
-            <a:pPr algn="ctr"/>
-            <a:r>
-              <a:rPr lang="en-US" sz="3200" b="1" dirty="0">
-                <a:solidFill>
-                  <a:srgbClr val="FFFFFF"/>
-                </a:solidFill>
-              </a:rPr>
-              <a:t>Loop</a:t>
+                  <a:srgbClr val="00FF00"/>
+                </a:solidFill>
+                <a:latin typeface="Courier New" panose="02070309020205020404" pitchFamily="49" charset="0"/>
+                <a:cs typeface="Courier New" panose="02070309020205020404" pitchFamily="49" charset="0"/>
+              </a:rPr>
+              <a:t>while</a:t>
             </a:r>
           </a:p>
         </p:txBody>
@@ -5470,97 +5666,102 @@
           <a:chExt cx="0" cy="0"/>
         </a:xfrm>
       </p:grpSpPr>
-      <p:sp>
-        <p:nvSpPr>
-          <p:cNvPr id="2" name="Title 1">
-            <a:extLst>
-              <a:ext uri="{FF2B5EF4-FFF2-40B4-BE49-F238E27FC236}">
-                <a16:creationId xmlns:a16="http://schemas.microsoft.com/office/drawing/2014/main" id="{128C012E-E27C-4455-914A-F84B2E984449}"/>
-              </a:ext>
-            </a:extLst>
-          </p:cNvPr>
-          <p:cNvSpPr>
-            <a:spLocks noGrp="1"/>
-          </p:cNvSpPr>
-          <p:nvPr>
-            <p:ph type="title"/>
-          </p:nvPr>
-        </p:nvSpPr>
-        <p:spPr/>
-        <p:txBody>
-          <a:bodyPr>
-            <a:normAutofit fontScale="90000"/>
-          </a:bodyPr>
-          <a:lstStyle/>
-          <a:p>
-            <a:r>
-              <a:rPr lang="en-US" b="1" dirty="0"/>
-              <a:t>Refresher</a:t>
-            </a:r>
-          </a:p>
-        </p:txBody>
-      </p:sp>
-      <p:sp>
-        <p:nvSpPr>
-          <p:cNvPr id="3" name="Content Placeholder 2">
-            <a:extLst>
-              <a:ext uri="{FF2B5EF4-FFF2-40B4-BE49-F238E27FC236}">
-                <a16:creationId xmlns:a16="http://schemas.microsoft.com/office/drawing/2014/main" id="{86B251CA-11BF-441F-8DAF-B316636B94DD}"/>
-              </a:ext>
-            </a:extLst>
-          </p:cNvPr>
-          <p:cNvSpPr>
-            <a:spLocks noGrp="1"/>
-          </p:cNvSpPr>
-          <p:nvPr>
-            <p:ph idx="1"/>
-          </p:nvPr>
-        </p:nvSpPr>
-        <p:spPr>
-          <a:xfrm>
-            <a:off x="838201" y="1825624"/>
-            <a:ext cx="6040728" cy="4835479"/>
-          </a:xfrm>
-        </p:spPr>
-        <p:txBody>
-          <a:bodyPr>
-            <a:normAutofit/>
-          </a:bodyPr>
-          <a:lstStyle/>
-          <a:p>
-            <a:r>
-              <a:rPr lang="en-US" sz="3600" dirty="0"/>
-              <a:t>How many printouts will the following </a:t>
-            </a:r>
-            <a:r>
-              <a:rPr lang="en-US" sz="3600" b="1" dirty="0">
-                <a:solidFill>
-                  <a:schemeClr val="accent6"/>
-                </a:solidFill>
-              </a:rPr>
-              <a:t>while</a:t>
-            </a:r>
-            <a:r>
-              <a:rPr lang="en-US" sz="3600" dirty="0"/>
-              <a:t> loop produce</a:t>
-            </a:r>
-            <a:r>
-              <a:rPr lang="en-US" sz="3600" dirty="0">
-                <a:solidFill>
-                  <a:schemeClr val="accent2"/>
-                </a:solidFill>
-              </a:rPr>
-              <a:t>?</a:t>
-            </a:r>
-          </a:p>
-        </p:txBody>
-      </p:sp>
-      <p:sp>
-        <p:nvSpPr>
-          <p:cNvPr id="4" name="TextBox 3">
-            <a:extLst>
-              <a:ext uri="{FF2B5EF4-FFF2-40B4-BE49-F238E27FC236}">
-                <a16:creationId xmlns:a16="http://schemas.microsoft.com/office/drawing/2014/main" id="{A570ACCF-3AA6-4238-95F7-2DDF40B8029A}"/>
+      <p:cxnSp>
+        <p:nvCxnSpPr>
+          <p:cNvPr id="5" name="Straight Arrow Connector 4">
+            <a:extLst>
+              <a:ext uri="{FF2B5EF4-FFF2-40B4-BE49-F238E27FC236}">
+                <a16:creationId xmlns:a16="http://schemas.microsoft.com/office/drawing/2014/main" id="{E3FEED38-15F8-BA31-C591-8D16318804E5}"/>
+              </a:ext>
+            </a:extLst>
+          </p:cNvPr>
+          <p:cNvCxnSpPr>
+            <a:cxnSpLocks/>
+            <a:stCxn id="9" idx="2"/>
+          </p:cNvCxnSpPr>
+          <p:nvPr/>
+        </p:nvCxnSpPr>
+        <p:spPr>
+          <a:xfrm flipH="1">
+            <a:off x="8506115" y="4492704"/>
+            <a:ext cx="1" cy="2228527"/>
+          </a:xfrm>
+          <a:prstGeom prst="straightConnector1">
+            <a:avLst/>
+          </a:prstGeom>
+          <a:ln w="57150">
+            <a:solidFill>
+              <a:srgbClr val="FF0000"/>
+            </a:solidFill>
+            <a:tailEnd type="triangle"/>
+          </a:ln>
+        </p:spPr>
+        <p:style>
+          <a:lnRef idx="1">
+            <a:schemeClr val="accent1"/>
+          </a:lnRef>
+          <a:fillRef idx="0">
+            <a:schemeClr val="accent1"/>
+          </a:fillRef>
+          <a:effectRef idx="0">
+            <a:schemeClr val="accent1"/>
+          </a:effectRef>
+          <a:fontRef idx="minor">
+            <a:schemeClr val="tx1"/>
+          </a:fontRef>
+        </p:style>
+      </p:cxnSp>
+      <p:cxnSp>
+        <p:nvCxnSpPr>
+          <p:cNvPr id="6" name="Straight Arrow Connector 5">
+            <a:extLst>
+              <a:ext uri="{FF2B5EF4-FFF2-40B4-BE49-F238E27FC236}">
+                <a16:creationId xmlns:a16="http://schemas.microsoft.com/office/drawing/2014/main" id="{108BDCA9-A303-014F-F69F-72C039AD3F31}"/>
+              </a:ext>
+            </a:extLst>
+          </p:cNvPr>
+          <p:cNvCxnSpPr>
+            <a:cxnSpLocks/>
+            <a:endCxn id="9" idx="0"/>
+          </p:cNvCxnSpPr>
+          <p:nvPr/>
+        </p:nvCxnSpPr>
+        <p:spPr>
+          <a:xfrm>
+            <a:off x="8506115" y="500185"/>
+            <a:ext cx="1" cy="2118704"/>
+          </a:xfrm>
+          <a:prstGeom prst="straightConnector1">
+            <a:avLst/>
+          </a:prstGeom>
+          <a:ln w="57150">
+            <a:solidFill>
+              <a:srgbClr val="FFFFFF"/>
+            </a:solidFill>
+            <a:tailEnd type="triangle"/>
+          </a:ln>
+        </p:spPr>
+        <p:style>
+          <a:lnRef idx="1">
+            <a:schemeClr val="accent1"/>
+          </a:lnRef>
+          <a:fillRef idx="0">
+            <a:schemeClr val="accent1"/>
+          </a:fillRef>
+          <a:effectRef idx="0">
+            <a:schemeClr val="accent1"/>
+          </a:effectRef>
+          <a:fontRef idx="minor">
+            <a:schemeClr val="tx1"/>
+          </a:fontRef>
+        </p:style>
+      </p:cxnSp>
+      <p:sp>
+        <p:nvSpPr>
+          <p:cNvPr id="7" name="TextBox 6">
+            <a:extLst>
+              <a:ext uri="{FF2B5EF4-FFF2-40B4-BE49-F238E27FC236}">
+                <a16:creationId xmlns:a16="http://schemas.microsoft.com/office/drawing/2014/main" id="{EFB2CA57-D268-9E12-21E6-56F6BD882219}"/>
               </a:ext>
             </a:extLst>
           </p:cNvPr>
@@ -5569,8 +5770,8 @@
         </p:nvSpPr>
         <p:spPr>
           <a:xfrm>
-            <a:off x="1168017" y="3955214"/>
-            <a:ext cx="3581430" cy="2185214"/>
+            <a:off x="7879181" y="3337563"/>
+            <a:ext cx="1253869" cy="369332"/>
           </a:xfrm>
           <a:prstGeom prst="rect">
             <a:avLst/>
@@ -5584,60 +5785,65 @@
           <a:lstStyle/>
           <a:p>
             <a:r>
-              <a:rPr lang="en-US" sz="3400" b="1" dirty="0">
-                <a:solidFill>
-                  <a:srgbClr val="00FF00"/>
-                </a:solidFill>
-                <a:latin typeface="Courier New" panose="02070309020205020404" pitchFamily="49" charset="0"/>
-                <a:cs typeface="Courier New" panose="02070309020205020404" pitchFamily="49" charset="0"/>
-              </a:rPr>
-              <a:t>x = 1</a:t>
-            </a:r>
-          </a:p>
-          <a:p>
-            <a:r>
-              <a:rPr lang="en-US" sz="3400" b="1" dirty="0">
-                <a:solidFill>
-                  <a:srgbClr val="00FF00"/>
-                </a:solidFill>
-                <a:latin typeface="Courier New" panose="02070309020205020404" pitchFamily="49" charset="0"/>
-                <a:cs typeface="Courier New" panose="02070309020205020404" pitchFamily="49" charset="0"/>
-              </a:rPr>
-              <a:t>while x &lt; 4:</a:t>
-            </a:r>
-          </a:p>
-          <a:p>
-            <a:r>
-              <a:rPr lang="en-US" sz="3400" b="1" dirty="0">
-                <a:solidFill>
-                  <a:srgbClr val="00FF00"/>
-                </a:solidFill>
-                <a:latin typeface="Courier New" panose="02070309020205020404" pitchFamily="49" charset="0"/>
-                <a:cs typeface="Courier New" panose="02070309020205020404" pitchFamily="49" charset="0"/>
-              </a:rPr>
-              <a:t>    print(x)</a:t>
-            </a:r>
-          </a:p>
-          <a:p>
-            <a:r>
-              <a:rPr lang="en-US" sz="3400" b="1" dirty="0">
-                <a:solidFill>
-                  <a:srgbClr val="00FF00"/>
-                </a:solidFill>
-                <a:latin typeface="Courier New" panose="02070309020205020404" pitchFamily="49" charset="0"/>
-                <a:cs typeface="Courier New" panose="02070309020205020404" pitchFamily="49" charset="0"/>
-              </a:rPr>
-              <a:t>    x = x + 1</a:t>
-            </a:r>
-          </a:p>
-        </p:txBody>
-      </p:sp>
-      <p:sp>
-        <p:nvSpPr>
-          <p:cNvPr id="12" name="Rectangle: Rounded Corners 11">
-            <a:extLst>
-              <a:ext uri="{FF2B5EF4-FFF2-40B4-BE49-F238E27FC236}">
-                <a16:creationId xmlns:a16="http://schemas.microsoft.com/office/drawing/2014/main" id="{71D38F76-BA6A-4107-8A26-C72290192DF0}"/>
+              <a:rPr lang="en-US" b="1" dirty="0">
+                <a:solidFill>
+                  <a:srgbClr val="FFFFFF"/>
+                </a:solidFill>
+              </a:rPr>
+              <a:t>Condition</a:t>
+            </a:r>
+          </a:p>
+        </p:txBody>
+      </p:sp>
+      <p:cxnSp>
+        <p:nvCxnSpPr>
+          <p:cNvPr id="8" name="Straight Connector 7">
+            <a:extLst>
+              <a:ext uri="{FF2B5EF4-FFF2-40B4-BE49-F238E27FC236}">
+                <a16:creationId xmlns:a16="http://schemas.microsoft.com/office/drawing/2014/main" id="{4F7BBB49-B585-9E42-6483-1D242A4E61DB}"/>
+              </a:ext>
+            </a:extLst>
+          </p:cNvPr>
+          <p:cNvCxnSpPr>
+            <a:cxnSpLocks/>
+          </p:cNvCxnSpPr>
+          <p:nvPr/>
+        </p:nvCxnSpPr>
+        <p:spPr>
+          <a:xfrm flipH="1">
+            <a:off x="9480675" y="3555796"/>
+            <a:ext cx="1271338" cy="0"/>
+          </a:xfrm>
+          <a:prstGeom prst="line">
+            <a:avLst/>
+          </a:prstGeom>
+          <a:ln w="57150">
+            <a:solidFill>
+              <a:srgbClr val="00B050"/>
+            </a:solidFill>
+          </a:ln>
+        </p:spPr>
+        <p:style>
+          <a:lnRef idx="1">
+            <a:schemeClr val="accent1"/>
+          </a:lnRef>
+          <a:fillRef idx="0">
+            <a:schemeClr val="accent1"/>
+          </a:fillRef>
+          <a:effectRef idx="0">
+            <a:schemeClr val="accent1"/>
+          </a:effectRef>
+          <a:fontRef idx="minor">
+            <a:schemeClr val="tx1"/>
+          </a:fontRef>
+        </p:style>
+      </p:cxnSp>
+      <p:sp>
+        <p:nvSpPr>
+          <p:cNvPr id="9" name="Diamond 8">
+            <a:extLst>
+              <a:ext uri="{FF2B5EF4-FFF2-40B4-BE49-F238E27FC236}">
+                <a16:creationId xmlns:a16="http://schemas.microsoft.com/office/drawing/2014/main" id="{A00E29B9-8E5D-129C-475E-B8B0916C5C35}"/>
               </a:ext>
             </a:extLst>
           </p:cNvPr>
@@ -5646,18 +5852,14 @@
         </p:nvSpPr>
         <p:spPr>
           <a:xfrm>
-            <a:off x="7844590" y="1949006"/>
-            <a:ext cx="3958389" cy="4418765"/>
-          </a:xfrm>
-          <a:prstGeom prst="roundRect">
+            <a:off x="7531558" y="2618889"/>
+            <a:ext cx="1949116" cy="1873815"/>
+          </a:xfrm>
+          <a:prstGeom prst="diamond">
             <a:avLst/>
           </a:prstGeom>
           <a:noFill/>
-          <a:ln w="76200">
-            <a:solidFill>
-              <a:schemeClr val="accent2"/>
-            </a:solidFill>
-          </a:ln>
+          <a:ln w="76200"/>
         </p:spPr>
         <p:style>
           <a:lnRef idx="2">
@@ -5679,56 +5881,848 @@
           <a:bodyPr rtlCol="0" anchor="ctr"/>
           <a:lstStyle/>
           <a:p>
-            <a:r>
-              <a:rPr lang="en-US" sz="4400" b="1" dirty="0">
+            <a:pPr algn="ctr"/>
+            <a:endParaRPr lang="en-US" dirty="0"/>
+          </a:p>
+        </p:txBody>
+      </p:sp>
+      <p:sp>
+        <p:nvSpPr>
+          <p:cNvPr id="10" name="TextBox 9">
+            <a:extLst>
+              <a:ext uri="{FF2B5EF4-FFF2-40B4-BE49-F238E27FC236}">
+                <a16:creationId xmlns:a16="http://schemas.microsoft.com/office/drawing/2014/main" id="{6075A27F-F72C-78D9-CF2E-ACDF1B18730E}"/>
+              </a:ext>
+            </a:extLst>
+          </p:cNvPr>
+          <p:cNvSpPr txBox="1"/>
+          <p:nvPr/>
+        </p:nvSpPr>
+        <p:spPr>
+          <a:xfrm>
+            <a:off x="9624648" y="3614478"/>
+            <a:ext cx="1030282" cy="584775"/>
+          </a:xfrm>
+          <a:prstGeom prst="rect">
+            <a:avLst/>
+          </a:prstGeom>
+          <a:noFill/>
+        </p:spPr>
+        <p:txBody>
+          <a:bodyPr wrap="none" rtlCol="0">
+            <a:spAutoFit/>
+          </a:bodyPr>
+          <a:lstStyle/>
+          <a:p>
+            <a:r>
+              <a:rPr lang="en-US" sz="3200" b="1" dirty="0">
+                <a:solidFill>
+                  <a:srgbClr val="00B050"/>
+                </a:solidFill>
+              </a:rPr>
+              <a:t>True</a:t>
+            </a:r>
+          </a:p>
+        </p:txBody>
+      </p:sp>
+      <p:cxnSp>
+        <p:nvCxnSpPr>
+          <p:cNvPr id="27" name="Straight Arrow Connector 26">
+            <a:extLst>
+              <a:ext uri="{FF2B5EF4-FFF2-40B4-BE49-F238E27FC236}">
+                <a16:creationId xmlns:a16="http://schemas.microsoft.com/office/drawing/2014/main" id="{C99C6B7A-F1BC-7D95-B1A1-475369EE1687}"/>
+              </a:ext>
+            </a:extLst>
+          </p:cNvPr>
+          <p:cNvCxnSpPr>
+            <a:cxnSpLocks/>
+            <a:endCxn id="30" idx="2"/>
+          </p:cNvCxnSpPr>
+          <p:nvPr/>
+        </p:nvCxnSpPr>
+        <p:spPr>
+          <a:xfrm flipV="1">
+            <a:off x="10724348" y="2938847"/>
+            <a:ext cx="12035" cy="645902"/>
+          </a:xfrm>
+          <a:prstGeom prst="straightConnector1">
+            <a:avLst/>
+          </a:prstGeom>
+          <a:ln w="57150">
+            <a:solidFill>
+              <a:srgbClr val="00B050"/>
+            </a:solidFill>
+            <a:tailEnd type="triangle"/>
+          </a:ln>
+        </p:spPr>
+        <p:style>
+          <a:lnRef idx="1">
+            <a:schemeClr val="accent1"/>
+          </a:lnRef>
+          <a:fillRef idx="0">
+            <a:schemeClr val="accent1"/>
+          </a:fillRef>
+          <a:effectRef idx="0">
+            <a:schemeClr val="accent1"/>
+          </a:effectRef>
+          <a:fontRef idx="minor">
+            <a:schemeClr val="tx1"/>
+          </a:fontRef>
+        </p:style>
+      </p:cxnSp>
+      <p:cxnSp>
+        <p:nvCxnSpPr>
+          <p:cNvPr id="28" name="Straight Arrow Connector 27">
+            <a:extLst>
+              <a:ext uri="{FF2B5EF4-FFF2-40B4-BE49-F238E27FC236}">
+                <a16:creationId xmlns:a16="http://schemas.microsoft.com/office/drawing/2014/main" id="{CBF33CE8-F165-D9FB-F840-BCB56733CB1A}"/>
+              </a:ext>
+            </a:extLst>
+          </p:cNvPr>
+          <p:cNvCxnSpPr>
+            <a:cxnSpLocks/>
+          </p:cNvCxnSpPr>
+          <p:nvPr/>
+        </p:nvCxnSpPr>
+        <p:spPr>
+          <a:xfrm flipH="1">
+            <a:off x="8554245" y="1336486"/>
+            <a:ext cx="2197768" cy="0"/>
+          </a:xfrm>
+          <a:prstGeom prst="straightConnector1">
+            <a:avLst/>
+          </a:prstGeom>
+          <a:ln w="57150">
+            <a:solidFill>
+              <a:srgbClr val="00B050"/>
+            </a:solidFill>
+            <a:tailEnd type="triangle"/>
+          </a:ln>
+        </p:spPr>
+        <p:style>
+          <a:lnRef idx="1">
+            <a:schemeClr val="accent1"/>
+          </a:lnRef>
+          <a:fillRef idx="0">
+            <a:schemeClr val="accent1"/>
+          </a:fillRef>
+          <a:effectRef idx="0">
+            <a:schemeClr val="accent1"/>
+          </a:effectRef>
+          <a:fontRef idx="minor">
+            <a:schemeClr val="tx1"/>
+          </a:fontRef>
+        </p:style>
+      </p:cxnSp>
+      <p:cxnSp>
+        <p:nvCxnSpPr>
+          <p:cNvPr id="29" name="Straight Connector 28">
+            <a:extLst>
+              <a:ext uri="{FF2B5EF4-FFF2-40B4-BE49-F238E27FC236}">
+                <a16:creationId xmlns:a16="http://schemas.microsoft.com/office/drawing/2014/main" id="{5F4E0F41-01D0-CCAF-46DE-A13218C3C9A5}"/>
+              </a:ext>
+            </a:extLst>
+          </p:cNvPr>
+          <p:cNvCxnSpPr>
+            <a:cxnSpLocks/>
+            <a:endCxn id="30" idx="0"/>
+          </p:cNvCxnSpPr>
+          <p:nvPr/>
+        </p:nvCxnSpPr>
+        <p:spPr>
+          <a:xfrm>
+            <a:off x="10731860" y="1336486"/>
+            <a:ext cx="4523" cy="524998"/>
+          </a:xfrm>
+          <a:prstGeom prst="line">
+            <a:avLst/>
+          </a:prstGeom>
+          <a:ln w="57150">
+            <a:solidFill>
+              <a:srgbClr val="00B050"/>
+            </a:solidFill>
+          </a:ln>
+        </p:spPr>
+        <p:style>
+          <a:lnRef idx="1">
+            <a:schemeClr val="accent1"/>
+          </a:lnRef>
+          <a:fillRef idx="0">
+            <a:schemeClr val="accent1"/>
+          </a:fillRef>
+          <a:effectRef idx="0">
+            <a:schemeClr val="accent1"/>
+          </a:effectRef>
+          <a:fontRef idx="minor">
+            <a:schemeClr val="tx1"/>
+          </a:fontRef>
+        </p:style>
+      </p:cxnSp>
+      <p:sp>
+        <p:nvSpPr>
+          <p:cNvPr id="30" name="Rectangle 29">
+            <a:extLst>
+              <a:ext uri="{FF2B5EF4-FFF2-40B4-BE49-F238E27FC236}">
+                <a16:creationId xmlns:a16="http://schemas.microsoft.com/office/drawing/2014/main" id="{91FFFCDE-1B32-D17B-9A13-55E4F1B4565A}"/>
+              </a:ext>
+            </a:extLst>
+          </p:cNvPr>
+          <p:cNvSpPr/>
+          <p:nvPr/>
+        </p:nvSpPr>
+        <p:spPr>
+          <a:xfrm>
+            <a:off x="9657550" y="1861484"/>
+            <a:ext cx="2157665" cy="1077363"/>
+          </a:xfrm>
+          <a:prstGeom prst="rect">
+            <a:avLst/>
+          </a:prstGeom>
+          <a:noFill/>
+          <a:ln w="57150">
+            <a:solidFill>
+              <a:schemeClr val="accent6"/>
+            </a:solidFill>
+          </a:ln>
+        </p:spPr>
+        <p:style>
+          <a:lnRef idx="2">
+            <a:schemeClr val="accent1">
+              <a:shade val="50000"/>
+            </a:schemeClr>
+          </a:lnRef>
+          <a:fillRef idx="1">
+            <a:schemeClr val="accent1"/>
+          </a:fillRef>
+          <a:effectRef idx="0">
+            <a:schemeClr val="accent1"/>
+          </a:effectRef>
+          <a:fontRef idx="minor">
+            <a:schemeClr val="lt1"/>
+          </a:fontRef>
+        </p:style>
+        <p:txBody>
+          <a:bodyPr rtlCol="0" anchor="ctr"/>
+          <a:lstStyle/>
+          <a:p>
+            <a:pPr algn="ctr"/>
+            <a:r>
+              <a:rPr lang="en-US" sz="2800" b="1" dirty="0">
                 <a:solidFill>
                   <a:srgbClr val="FFFFFF"/>
                 </a:solidFill>
               </a:rPr>
-              <a:t>Open your notebook</a:t>
-            </a:r>
-          </a:p>
-          <a:p>
-            <a:endParaRPr lang="en-US" sz="4400" b="1" dirty="0">
-              <a:solidFill>
-                <a:srgbClr val="FFFFFF"/>
-              </a:solidFill>
-            </a:endParaRPr>
-          </a:p>
-          <a:p>
+              <a:t>Do Something</a:t>
+            </a:r>
+          </a:p>
+        </p:txBody>
+      </p:sp>
+      <p:cxnSp>
+        <p:nvCxnSpPr>
+          <p:cNvPr id="13" name="Straight Arrow Connector 12">
+            <a:extLst>
+              <a:ext uri="{FF2B5EF4-FFF2-40B4-BE49-F238E27FC236}">
+                <a16:creationId xmlns:a16="http://schemas.microsoft.com/office/drawing/2014/main" id="{6C181E7C-8D44-D634-ED5E-6C6367A998A8}"/>
+              </a:ext>
+            </a:extLst>
+          </p:cNvPr>
+          <p:cNvCxnSpPr>
+            <a:cxnSpLocks/>
+            <a:stCxn id="17" idx="2"/>
+          </p:cNvCxnSpPr>
+          <p:nvPr/>
+        </p:nvCxnSpPr>
+        <p:spPr>
+          <a:xfrm flipH="1">
+            <a:off x="2515617" y="4496614"/>
+            <a:ext cx="1" cy="2228527"/>
+          </a:xfrm>
+          <a:prstGeom prst="straightConnector1">
+            <a:avLst/>
+          </a:prstGeom>
+          <a:ln w="57150">
+            <a:solidFill>
+              <a:srgbClr val="FF0000"/>
+            </a:solidFill>
+            <a:tailEnd type="triangle"/>
+          </a:ln>
+        </p:spPr>
+        <p:style>
+          <a:lnRef idx="1">
+            <a:schemeClr val="accent1"/>
+          </a:lnRef>
+          <a:fillRef idx="0">
+            <a:schemeClr val="accent1"/>
+          </a:fillRef>
+          <a:effectRef idx="0">
+            <a:schemeClr val="accent1"/>
+          </a:effectRef>
+          <a:fontRef idx="minor">
+            <a:schemeClr val="tx1"/>
+          </a:fontRef>
+        </p:style>
+      </p:cxnSp>
+      <p:cxnSp>
+        <p:nvCxnSpPr>
+          <p:cNvPr id="14" name="Straight Arrow Connector 13">
+            <a:extLst>
+              <a:ext uri="{FF2B5EF4-FFF2-40B4-BE49-F238E27FC236}">
+                <a16:creationId xmlns:a16="http://schemas.microsoft.com/office/drawing/2014/main" id="{9A66250C-A170-F68B-2410-CF30EEBB1611}"/>
+              </a:ext>
+            </a:extLst>
+          </p:cNvPr>
+          <p:cNvCxnSpPr>
+            <a:cxnSpLocks/>
+            <a:endCxn id="17" idx="0"/>
+          </p:cNvCxnSpPr>
+          <p:nvPr/>
+        </p:nvCxnSpPr>
+        <p:spPr>
+          <a:xfrm>
+            <a:off x="2515617" y="504095"/>
+            <a:ext cx="1" cy="2118704"/>
+          </a:xfrm>
+          <a:prstGeom prst="straightConnector1">
+            <a:avLst/>
+          </a:prstGeom>
+          <a:ln w="57150">
+            <a:solidFill>
+              <a:srgbClr val="FFFFFF"/>
+            </a:solidFill>
+            <a:tailEnd type="triangle"/>
+          </a:ln>
+        </p:spPr>
+        <p:style>
+          <a:lnRef idx="1">
+            <a:schemeClr val="accent1"/>
+          </a:lnRef>
+          <a:fillRef idx="0">
+            <a:schemeClr val="accent1"/>
+          </a:fillRef>
+          <a:effectRef idx="0">
+            <a:schemeClr val="accent1"/>
+          </a:effectRef>
+          <a:fontRef idx="minor">
+            <a:schemeClr val="tx1"/>
+          </a:fontRef>
+        </p:style>
+      </p:cxnSp>
+      <p:sp>
+        <p:nvSpPr>
+          <p:cNvPr id="15" name="TextBox 14">
+            <a:extLst>
+              <a:ext uri="{FF2B5EF4-FFF2-40B4-BE49-F238E27FC236}">
+                <a16:creationId xmlns:a16="http://schemas.microsoft.com/office/drawing/2014/main" id="{26EAACC1-D07A-AC86-1533-609086D85434}"/>
+              </a:ext>
+            </a:extLst>
+          </p:cNvPr>
+          <p:cNvSpPr txBox="1"/>
+          <p:nvPr/>
+        </p:nvSpPr>
+        <p:spPr>
+          <a:xfrm>
+            <a:off x="1888683" y="3341473"/>
+            <a:ext cx="1253869" cy="369332"/>
+          </a:xfrm>
+          <a:prstGeom prst="rect">
+            <a:avLst/>
+          </a:prstGeom>
+          <a:noFill/>
+        </p:spPr>
+        <p:txBody>
+          <a:bodyPr wrap="none" rtlCol="0">
+            <a:spAutoFit/>
+          </a:bodyPr>
+          <a:lstStyle/>
+          <a:p>
+            <a:r>
+              <a:rPr lang="en-US" b="1" dirty="0">
+                <a:solidFill>
+                  <a:srgbClr val="FFFFFF"/>
+                </a:solidFill>
+              </a:rPr>
+              <a:t>Condition</a:t>
+            </a:r>
+          </a:p>
+        </p:txBody>
+      </p:sp>
+      <p:cxnSp>
+        <p:nvCxnSpPr>
+          <p:cNvPr id="16" name="Straight Connector 15">
+            <a:extLst>
+              <a:ext uri="{FF2B5EF4-FFF2-40B4-BE49-F238E27FC236}">
+                <a16:creationId xmlns:a16="http://schemas.microsoft.com/office/drawing/2014/main" id="{24A19B97-6E5E-9B03-C7F8-70A9AC94D17C}"/>
+              </a:ext>
+            </a:extLst>
+          </p:cNvPr>
+          <p:cNvCxnSpPr>
+            <a:cxnSpLocks/>
+          </p:cNvCxnSpPr>
+          <p:nvPr/>
+        </p:nvCxnSpPr>
+        <p:spPr>
+          <a:xfrm flipH="1">
+            <a:off x="3490177" y="3559706"/>
+            <a:ext cx="1271338" cy="0"/>
+          </a:xfrm>
+          <a:prstGeom prst="line">
+            <a:avLst/>
+          </a:prstGeom>
+          <a:ln w="57150">
+            <a:solidFill>
+              <a:srgbClr val="00B050"/>
+            </a:solidFill>
+          </a:ln>
+        </p:spPr>
+        <p:style>
+          <a:lnRef idx="1">
+            <a:schemeClr val="accent1"/>
+          </a:lnRef>
+          <a:fillRef idx="0">
+            <a:schemeClr val="accent1"/>
+          </a:fillRef>
+          <a:effectRef idx="0">
+            <a:schemeClr val="accent1"/>
+          </a:effectRef>
+          <a:fontRef idx="minor">
+            <a:schemeClr val="tx1"/>
+          </a:fontRef>
+        </p:style>
+      </p:cxnSp>
+      <p:sp>
+        <p:nvSpPr>
+          <p:cNvPr id="17" name="Diamond 16">
+            <a:extLst>
+              <a:ext uri="{FF2B5EF4-FFF2-40B4-BE49-F238E27FC236}">
+                <a16:creationId xmlns:a16="http://schemas.microsoft.com/office/drawing/2014/main" id="{D887D90E-166E-2DA2-1C36-9CE60E4C8A81}"/>
+              </a:ext>
+            </a:extLst>
+          </p:cNvPr>
+          <p:cNvSpPr/>
+          <p:nvPr/>
+        </p:nvSpPr>
+        <p:spPr>
+          <a:xfrm>
+            <a:off x="1541060" y="2622799"/>
+            <a:ext cx="1949116" cy="1873815"/>
+          </a:xfrm>
+          <a:prstGeom prst="diamond">
+            <a:avLst/>
+          </a:prstGeom>
+          <a:noFill/>
+          <a:ln w="76200"/>
+        </p:spPr>
+        <p:style>
+          <a:lnRef idx="2">
+            <a:schemeClr val="accent1">
+              <a:shade val="50000"/>
+            </a:schemeClr>
+          </a:lnRef>
+          <a:fillRef idx="1">
+            <a:schemeClr val="accent1"/>
+          </a:fillRef>
+          <a:effectRef idx="0">
+            <a:schemeClr val="accent1"/>
+          </a:effectRef>
+          <a:fontRef idx="minor">
+            <a:schemeClr val="lt1"/>
+          </a:fontRef>
+        </p:style>
+        <p:txBody>
+          <a:bodyPr rtlCol="0" anchor="ctr"/>
+          <a:lstStyle/>
+          <a:p>
+            <a:pPr algn="ctr"/>
+            <a:endParaRPr lang="en-US" dirty="0"/>
+          </a:p>
+        </p:txBody>
+      </p:sp>
+      <p:sp>
+        <p:nvSpPr>
+          <p:cNvPr id="18" name="TextBox 17">
+            <a:extLst>
+              <a:ext uri="{FF2B5EF4-FFF2-40B4-BE49-F238E27FC236}">
+                <a16:creationId xmlns:a16="http://schemas.microsoft.com/office/drawing/2014/main" id="{B8BC782C-3069-DECA-193A-000983D73DD6}"/>
+              </a:ext>
+            </a:extLst>
+          </p:cNvPr>
+          <p:cNvSpPr txBox="1"/>
+          <p:nvPr/>
+        </p:nvSpPr>
+        <p:spPr>
+          <a:xfrm>
+            <a:off x="3618764" y="2941446"/>
+            <a:ext cx="1030282" cy="584775"/>
+          </a:xfrm>
+          <a:prstGeom prst="rect">
+            <a:avLst/>
+          </a:prstGeom>
+          <a:noFill/>
+        </p:spPr>
+        <p:txBody>
+          <a:bodyPr wrap="none" rtlCol="0">
+            <a:spAutoFit/>
+          </a:bodyPr>
+          <a:lstStyle/>
+          <a:p>
+            <a:r>
+              <a:rPr lang="en-US" sz="3200" b="1" dirty="0">
+                <a:solidFill>
+                  <a:srgbClr val="00B050"/>
+                </a:solidFill>
+              </a:rPr>
+              <a:t>True</a:t>
+            </a:r>
+          </a:p>
+        </p:txBody>
+      </p:sp>
+      <p:cxnSp>
+        <p:nvCxnSpPr>
+          <p:cNvPr id="20" name="Straight Arrow Connector 19">
+            <a:extLst>
+              <a:ext uri="{FF2B5EF4-FFF2-40B4-BE49-F238E27FC236}">
+                <a16:creationId xmlns:a16="http://schemas.microsoft.com/office/drawing/2014/main" id="{65FBDECD-A779-F61D-3D87-D45069D36130}"/>
+              </a:ext>
+            </a:extLst>
+          </p:cNvPr>
+          <p:cNvCxnSpPr>
+            <a:cxnSpLocks/>
+            <a:endCxn id="23" idx="0"/>
+          </p:cNvCxnSpPr>
+          <p:nvPr/>
+        </p:nvCxnSpPr>
+        <p:spPr>
+          <a:xfrm>
+            <a:off x="4745884" y="3522229"/>
+            <a:ext cx="1" cy="969139"/>
+          </a:xfrm>
+          <a:prstGeom prst="straightConnector1">
+            <a:avLst/>
+          </a:prstGeom>
+          <a:ln w="57150">
+            <a:solidFill>
+              <a:srgbClr val="00B050"/>
+            </a:solidFill>
+            <a:tailEnd type="triangle"/>
+          </a:ln>
+        </p:spPr>
+        <p:style>
+          <a:lnRef idx="1">
+            <a:schemeClr val="accent1"/>
+          </a:lnRef>
+          <a:fillRef idx="0">
+            <a:schemeClr val="accent1"/>
+          </a:fillRef>
+          <a:effectRef idx="0">
+            <a:schemeClr val="accent1"/>
+          </a:effectRef>
+          <a:fontRef idx="minor">
+            <a:schemeClr val="tx1"/>
+          </a:fontRef>
+        </p:style>
+      </p:cxnSp>
+      <p:sp>
+        <p:nvSpPr>
+          <p:cNvPr id="24" name="TextBox 23">
+            <a:extLst>
+              <a:ext uri="{FF2B5EF4-FFF2-40B4-BE49-F238E27FC236}">
+                <a16:creationId xmlns:a16="http://schemas.microsoft.com/office/drawing/2014/main" id="{F4A05C64-93D1-8E37-8CE3-D30AD7104E55}"/>
+              </a:ext>
+            </a:extLst>
+          </p:cNvPr>
+          <p:cNvSpPr txBox="1"/>
+          <p:nvPr/>
+        </p:nvSpPr>
+        <p:spPr>
+          <a:xfrm>
+            <a:off x="1179694" y="5318490"/>
+            <a:ext cx="1127809" cy="584775"/>
+          </a:xfrm>
+          <a:prstGeom prst="rect">
+            <a:avLst/>
+          </a:prstGeom>
+          <a:noFill/>
+        </p:spPr>
+        <p:txBody>
+          <a:bodyPr wrap="none" rtlCol="0">
+            <a:spAutoFit/>
+          </a:bodyPr>
+          <a:lstStyle/>
+          <a:p>
+            <a:r>
+              <a:rPr lang="en-US" sz="3200" b="1" dirty="0">
+                <a:solidFill>
+                  <a:srgbClr val="FF0000"/>
+                </a:solidFill>
+              </a:rPr>
+              <a:t>False</a:t>
+            </a:r>
+          </a:p>
+        </p:txBody>
+      </p:sp>
+      <p:sp>
+        <p:nvSpPr>
+          <p:cNvPr id="25" name="TextBox 24">
+            <a:extLst>
+              <a:ext uri="{FF2B5EF4-FFF2-40B4-BE49-F238E27FC236}">
+                <a16:creationId xmlns:a16="http://schemas.microsoft.com/office/drawing/2014/main" id="{BB57D63E-DE66-C8D4-0F81-B0761B316FAC}"/>
+              </a:ext>
+            </a:extLst>
+          </p:cNvPr>
+          <p:cNvSpPr txBox="1"/>
+          <p:nvPr/>
+        </p:nvSpPr>
+        <p:spPr>
+          <a:xfrm>
+            <a:off x="6050008" y="3257279"/>
+            <a:ext cx="1418978" cy="584775"/>
+          </a:xfrm>
+          <a:prstGeom prst="rect">
+            <a:avLst/>
+          </a:prstGeom>
+          <a:noFill/>
+        </p:spPr>
+        <p:txBody>
+          <a:bodyPr wrap="none" rtlCol="0">
+            <a:spAutoFit/>
+          </a:bodyPr>
+          <a:lstStyle/>
+          <a:p>
+            <a:r>
+              <a:rPr lang="en-US" sz="3200" b="1" dirty="0">
+                <a:solidFill>
+                  <a:srgbClr val="00FF00"/>
+                </a:solidFill>
+                <a:latin typeface="Courier New" panose="02070309020205020404" pitchFamily="49" charset="0"/>
+                <a:cs typeface="Courier New" panose="02070309020205020404" pitchFamily="49" charset="0"/>
+              </a:rPr>
+              <a:t>while</a:t>
+            </a:r>
+          </a:p>
+        </p:txBody>
+      </p:sp>
+      <p:sp>
+        <p:nvSpPr>
+          <p:cNvPr id="26" name="TextBox 25">
+            <a:extLst>
+              <a:ext uri="{FF2B5EF4-FFF2-40B4-BE49-F238E27FC236}">
+                <a16:creationId xmlns:a16="http://schemas.microsoft.com/office/drawing/2014/main" id="{869AEDC4-4DC1-C241-FB47-0052DB297AA4}"/>
+              </a:ext>
+            </a:extLst>
+          </p:cNvPr>
+          <p:cNvSpPr txBox="1"/>
+          <p:nvPr/>
+        </p:nvSpPr>
+        <p:spPr>
+          <a:xfrm>
+            <a:off x="804418" y="3257279"/>
+            <a:ext cx="678391" cy="584775"/>
+          </a:xfrm>
+          <a:prstGeom prst="rect">
+            <a:avLst/>
+          </a:prstGeom>
+          <a:noFill/>
+        </p:spPr>
+        <p:txBody>
+          <a:bodyPr wrap="none" rtlCol="0">
+            <a:spAutoFit/>
+          </a:bodyPr>
+          <a:lstStyle/>
+          <a:p>
+            <a:r>
+              <a:rPr lang="en-US" sz="3200" b="1" dirty="0">
+                <a:solidFill>
+                  <a:srgbClr val="00FF00"/>
+                </a:solidFill>
+                <a:latin typeface="Courier New" panose="02070309020205020404" pitchFamily="49" charset="0"/>
+                <a:cs typeface="Courier New" panose="02070309020205020404" pitchFamily="49" charset="0"/>
+              </a:rPr>
+              <a:t>if</a:t>
+            </a:r>
+          </a:p>
+        </p:txBody>
+      </p:sp>
+      <p:sp>
+        <p:nvSpPr>
+          <p:cNvPr id="32" name="TextBox 31">
+            <a:extLst>
+              <a:ext uri="{FF2B5EF4-FFF2-40B4-BE49-F238E27FC236}">
+                <a16:creationId xmlns:a16="http://schemas.microsoft.com/office/drawing/2014/main" id="{1DB1AF5C-916B-428D-AB2C-06BD2AE15A45}"/>
+              </a:ext>
+            </a:extLst>
+          </p:cNvPr>
+          <p:cNvSpPr txBox="1"/>
+          <p:nvPr/>
+        </p:nvSpPr>
+        <p:spPr>
+          <a:xfrm>
+            <a:off x="8748896" y="5314580"/>
+            <a:ext cx="1127809" cy="584775"/>
+          </a:xfrm>
+          <a:prstGeom prst="rect">
+            <a:avLst/>
+          </a:prstGeom>
+          <a:noFill/>
+        </p:spPr>
+        <p:txBody>
+          <a:bodyPr wrap="none" rtlCol="0">
+            <a:spAutoFit/>
+          </a:bodyPr>
+          <a:lstStyle/>
+          <a:p>
+            <a:r>
+              <a:rPr lang="en-US" sz="3200" b="1" dirty="0">
+                <a:solidFill>
+                  <a:srgbClr val="FF0000"/>
+                </a:solidFill>
+              </a:rPr>
+              <a:t>False</a:t>
+            </a:r>
+          </a:p>
+        </p:txBody>
+      </p:sp>
+      <p:cxnSp>
+        <p:nvCxnSpPr>
+          <p:cNvPr id="37" name="Straight Connector 36">
+            <a:extLst>
+              <a:ext uri="{FF2B5EF4-FFF2-40B4-BE49-F238E27FC236}">
+                <a16:creationId xmlns:a16="http://schemas.microsoft.com/office/drawing/2014/main" id="{23A1695C-BD7E-1A5C-122F-0BF1F939859E}"/>
+              </a:ext>
+            </a:extLst>
+          </p:cNvPr>
+          <p:cNvCxnSpPr>
+            <a:cxnSpLocks/>
+          </p:cNvCxnSpPr>
+          <p:nvPr/>
+        </p:nvCxnSpPr>
+        <p:spPr>
+          <a:xfrm>
+            <a:off x="4741361" y="5568731"/>
+            <a:ext cx="4523" cy="524998"/>
+          </a:xfrm>
+          <a:prstGeom prst="line">
+            <a:avLst/>
+          </a:prstGeom>
+          <a:ln w="57150">
+            <a:solidFill>
+              <a:srgbClr val="00B050"/>
+            </a:solidFill>
+          </a:ln>
+        </p:spPr>
+        <p:style>
+          <a:lnRef idx="1">
+            <a:schemeClr val="accent1"/>
+          </a:lnRef>
+          <a:fillRef idx="0">
+            <a:schemeClr val="accent1"/>
+          </a:fillRef>
+          <a:effectRef idx="0">
+            <a:schemeClr val="accent1"/>
+          </a:effectRef>
+          <a:fontRef idx="minor">
+            <a:schemeClr val="tx1"/>
+          </a:fontRef>
+        </p:style>
+      </p:cxnSp>
+      <p:cxnSp>
+        <p:nvCxnSpPr>
+          <p:cNvPr id="38" name="Straight Arrow Connector 37">
+            <a:extLst>
+              <a:ext uri="{FF2B5EF4-FFF2-40B4-BE49-F238E27FC236}">
+                <a16:creationId xmlns:a16="http://schemas.microsoft.com/office/drawing/2014/main" id="{409214F5-E619-8A3A-A204-63B33DB4271B}"/>
+              </a:ext>
+            </a:extLst>
+          </p:cNvPr>
+          <p:cNvCxnSpPr>
+            <a:cxnSpLocks/>
+          </p:cNvCxnSpPr>
+          <p:nvPr/>
+        </p:nvCxnSpPr>
+        <p:spPr>
+          <a:xfrm flipH="1">
+            <a:off x="2571562" y="6074246"/>
+            <a:ext cx="2197768" cy="0"/>
+          </a:xfrm>
+          <a:prstGeom prst="straightConnector1">
+            <a:avLst/>
+          </a:prstGeom>
+          <a:ln w="57150">
+            <a:solidFill>
+              <a:srgbClr val="00B050"/>
+            </a:solidFill>
+            <a:tailEnd type="triangle"/>
+          </a:ln>
+        </p:spPr>
+        <p:style>
+          <a:lnRef idx="1">
+            <a:schemeClr val="accent1"/>
+          </a:lnRef>
+          <a:fillRef idx="0">
+            <a:schemeClr val="accent1"/>
+          </a:fillRef>
+          <a:effectRef idx="0">
+            <a:schemeClr val="accent1"/>
+          </a:effectRef>
+          <a:fontRef idx="minor">
+            <a:schemeClr val="tx1"/>
+          </a:fontRef>
+        </p:style>
+      </p:cxnSp>
+      <p:sp>
+        <p:nvSpPr>
+          <p:cNvPr id="23" name="Rectangle 22">
+            <a:extLst>
+              <a:ext uri="{FF2B5EF4-FFF2-40B4-BE49-F238E27FC236}">
+                <a16:creationId xmlns:a16="http://schemas.microsoft.com/office/drawing/2014/main" id="{973C3E0E-EB10-991D-F505-5BD4131F089C}"/>
+              </a:ext>
+            </a:extLst>
+          </p:cNvPr>
+          <p:cNvSpPr/>
+          <p:nvPr/>
+        </p:nvSpPr>
+        <p:spPr>
+          <a:xfrm>
+            <a:off x="3667052" y="4491368"/>
+            <a:ext cx="2157665" cy="1077363"/>
+          </a:xfrm>
+          <a:prstGeom prst="rect">
+            <a:avLst/>
+          </a:prstGeom>
+          <a:noFill/>
+          <a:ln w="57150">
+            <a:solidFill>
+              <a:schemeClr val="accent6"/>
+            </a:solidFill>
+          </a:ln>
+        </p:spPr>
+        <p:style>
+          <a:lnRef idx="2">
+            <a:schemeClr val="accent1">
+              <a:shade val="50000"/>
+            </a:schemeClr>
+          </a:lnRef>
+          <a:fillRef idx="1">
+            <a:schemeClr val="accent1"/>
+          </a:fillRef>
+          <a:effectRef idx="0">
+            <a:schemeClr val="accent1"/>
+          </a:effectRef>
+          <a:fontRef idx="minor">
+            <a:schemeClr val="lt1"/>
+          </a:fontRef>
+        </p:style>
+        <p:txBody>
+          <a:bodyPr rtlCol="0" anchor="ctr"/>
+          <a:lstStyle/>
+          <a:p>
+            <a:pPr algn="ctr"/>
             <a:r>
               <a:rPr lang="en-US" sz="2800" b="1" dirty="0">
                 <a:solidFill>
                   <a:srgbClr val="FFFFFF"/>
                 </a:solidFill>
               </a:rPr>
-              <a:t>Click Link</a:t>
-            </a:r>
-            <a:r>
-              <a:rPr lang="en-US" sz="2800" b="1" dirty="0">
-                <a:solidFill>
-                  <a:schemeClr val="accent6"/>
-                </a:solidFill>
-              </a:rPr>
-              <a:t>:</a:t>
-            </a:r>
-          </a:p>
-          <a:p>
-            <a:r>
-              <a:rPr lang="en-US" sz="2800" b="1" dirty="0">
-                <a:solidFill>
-                  <a:schemeClr val="accent6"/>
-                </a:solidFill>
-              </a:rPr>
-              <a:t>1. </a:t>
-            </a:r>
-            <a:r>
-              <a:rPr lang="en-US" sz="2600" b="1" dirty="0">
-                <a:solidFill>
-                  <a:schemeClr val="accent6"/>
-                </a:solidFill>
-              </a:rPr>
-              <a:t>Refresher</a:t>
+              <a:t>Do Something</a:t>
             </a:r>
           </a:p>
         </p:txBody>
@@ -5736,7 +6730,7 @@
     </p:spTree>
     <p:extLst>
       <p:ext uri="{BB962C8B-B14F-4D97-AF65-F5344CB8AC3E}">
-        <p14:creationId xmlns:p14="http://schemas.microsoft.com/office/powerpoint/2010/main" val="3790696338"/>
+        <p14:creationId xmlns:p14="http://schemas.microsoft.com/office/powerpoint/2010/main" val="2101340466"/>
       </p:ext>
     </p:extLst>
   </p:cSld>
@@ -5812,7 +6806,7 @@
         <p:spPr>
           <a:xfrm>
             <a:off x="838201" y="1825624"/>
-            <a:ext cx="6837946" cy="4835479"/>
+            <a:ext cx="6040728" cy="4835479"/>
           </a:xfrm>
         </p:spPr>
         <p:txBody>
@@ -5823,7 +6817,7 @@
           <a:p>
             <a:r>
               <a:rPr lang="en-US" sz="3600" dirty="0"/>
-              <a:t>Just like for </a:t>
+              <a:t>How many printouts will the following </a:t>
             </a:r>
             <a:r>
               <a:rPr lang="en-US" sz="3600" b="1" dirty="0">
@@ -5831,11 +6825,11 @@
                   <a:schemeClr val="accent6"/>
                 </a:solidFill>
               </a:rPr>
-              <a:t>if</a:t>
+              <a:t>while</a:t>
             </a:r>
             <a:r>
               <a:rPr lang="en-US" sz="3600" dirty="0"/>
-              <a:t>-statements</a:t>
+              <a:t> loop produce</a:t>
             </a:r>
             <a:r>
               <a:rPr lang="en-US" sz="3600" dirty="0">
@@ -5843,125 +6837,7 @@
                   <a:schemeClr val="accent2"/>
                 </a:solidFill>
               </a:rPr>
-              <a:t>,</a:t>
-            </a:r>
-            <a:r>
-              <a:rPr lang="en-US" sz="3600" dirty="0"/>
-              <a:t> if you use </a:t>
-            </a:r>
-            <a:r>
-              <a:rPr lang="en-US" sz="3600" b="1" dirty="0">
-                <a:solidFill>
-                  <a:schemeClr val="accent6"/>
-                </a:solidFill>
-              </a:rPr>
-              <a:t>and</a:t>
-            </a:r>
-            <a:r>
-              <a:rPr lang="en-US" sz="3600" dirty="0"/>
-              <a:t> or </a:t>
-            </a:r>
-            <a:r>
-              <a:rPr lang="en-US" sz="3600" b="1" dirty="0">
-                <a:solidFill>
-                  <a:schemeClr val="accent6"/>
-                </a:solidFill>
-              </a:rPr>
-              <a:t>or </a:t>
-            </a:r>
-            <a:r>
-              <a:rPr lang="en-US" sz="3600" dirty="0"/>
-              <a:t>in a while</a:t>
-            </a:r>
-            <a:r>
-              <a:rPr lang="en-US" sz="3600" dirty="0">
-                <a:solidFill>
-                  <a:schemeClr val="accent6"/>
-                </a:solidFill>
-              </a:rPr>
-              <a:t>-</a:t>
-            </a:r>
-            <a:r>
-              <a:rPr lang="en-US" sz="3600" dirty="0"/>
-              <a:t>loop expression</a:t>
-            </a:r>
-            <a:r>
-              <a:rPr lang="en-US" sz="3600" dirty="0">
-                <a:solidFill>
-                  <a:schemeClr val="accent2"/>
-                </a:solidFill>
-              </a:rPr>
-              <a:t>,</a:t>
-            </a:r>
-            <a:r>
-              <a:rPr lang="en-US" sz="3600" dirty="0"/>
-              <a:t> it is subject to lazy evaluation</a:t>
-            </a:r>
-            <a:r>
-              <a:rPr lang="en-US" sz="3600" dirty="0">
-                <a:solidFill>
-                  <a:schemeClr val="accent2"/>
-                </a:solidFill>
-              </a:rPr>
-              <a:t>.</a:t>
-            </a:r>
-          </a:p>
-          <a:p>
-            <a:r>
-              <a:rPr lang="en-US" sz="3600" dirty="0"/>
-              <a:t>Only if </a:t>
-            </a:r>
-            <a:r>
-              <a:rPr lang="en-US" sz="3600" b="1" dirty="0">
-                <a:solidFill>
-                  <a:schemeClr val="accent6"/>
-                </a:solidFill>
-              </a:rPr>
-              <a:t>x &lt; 4 </a:t>
-            </a:r>
-            <a:r>
-              <a:rPr lang="en-US" sz="3600" dirty="0"/>
-              <a:t>is </a:t>
-            </a:r>
-            <a:r>
-              <a:rPr lang="en-US" sz="3600" b="1" dirty="0">
-                <a:solidFill>
-                  <a:schemeClr val="accent6"/>
-                </a:solidFill>
-              </a:rPr>
-              <a:t>True</a:t>
-            </a:r>
-            <a:r>
-              <a:rPr lang="en-US" sz="3600" dirty="0"/>
-              <a:t> will </a:t>
-            </a:r>
-            <a:r>
-              <a:rPr lang="en-US" sz="3600" b="1" dirty="0">
-                <a:solidFill>
-                  <a:schemeClr val="accent6"/>
-                </a:solidFill>
-              </a:rPr>
-              <a:t>y &lt; 4 </a:t>
-            </a:r>
-            <a:r>
-              <a:rPr lang="en-US" sz="3600" dirty="0"/>
-              <a:t>be evaluated</a:t>
-            </a:r>
-            <a:r>
-              <a:rPr lang="en-US" sz="3600" dirty="0">
-                <a:solidFill>
-                  <a:schemeClr val="accent2"/>
-                </a:solidFill>
-              </a:rPr>
-              <a:t>. </a:t>
-            </a:r>
-            <a:r>
-              <a:rPr lang="en-US" sz="3600" dirty="0">
-                <a:solidFill>
-                  <a:schemeClr val="accent6"/>
-                </a:solidFill>
-              </a:rPr>
-              <a:t>#solazy</a:t>
+              <a:t>?</a:t>
             </a:r>
           </a:p>
         </p:txBody>
@@ -5980,8 +6856,8 @@
         </p:nvSpPr>
         <p:spPr>
           <a:xfrm>
-            <a:off x="1216143" y="5350877"/>
-            <a:ext cx="5933034" cy="1138773"/>
+            <a:off x="1168017" y="3955214"/>
+            <a:ext cx="3581430" cy="2185214"/>
           </a:xfrm>
           <a:prstGeom prst="rect">
             <a:avLst/>
@@ -6002,7 +6878,7 @@
                 <a:latin typeface="Courier New" panose="02070309020205020404" pitchFamily="49" charset="0"/>
                 <a:cs typeface="Courier New" panose="02070309020205020404" pitchFamily="49" charset="0"/>
               </a:rPr>
-              <a:t>while x &lt; 4 and y &lt; 4:</a:t>
+              <a:t>x = 1</a:t>
             </a:r>
           </a:p>
           <a:p>
@@ -6014,7 +6890,31 @@
                 <a:latin typeface="Courier New" panose="02070309020205020404" pitchFamily="49" charset="0"/>
                 <a:cs typeface="Courier New" panose="02070309020205020404" pitchFamily="49" charset="0"/>
               </a:rPr>
-              <a:t>    ...</a:t>
+              <a:t>while x &lt; 4:</a:t>
+            </a:r>
+          </a:p>
+          <a:p>
+            <a:r>
+              <a:rPr lang="en-US" sz="3400" b="1" dirty="0">
+                <a:solidFill>
+                  <a:srgbClr val="00FF00"/>
+                </a:solidFill>
+                <a:latin typeface="Courier New" panose="02070309020205020404" pitchFamily="49" charset="0"/>
+                <a:cs typeface="Courier New" panose="02070309020205020404" pitchFamily="49" charset="0"/>
+              </a:rPr>
+              <a:t>    print(x)</a:t>
+            </a:r>
+          </a:p>
+          <a:p>
+            <a:r>
+              <a:rPr lang="en-US" sz="3400" b="1" dirty="0">
+                <a:solidFill>
+                  <a:srgbClr val="00FF00"/>
+                </a:solidFill>
+                <a:latin typeface="Courier New" panose="02070309020205020404" pitchFamily="49" charset="0"/>
+                <a:cs typeface="Courier New" panose="02070309020205020404" pitchFamily="49" charset="0"/>
+              </a:rPr>
+              <a:t>    x = x + 1</a:t>
             </a:r>
           </a:p>
         </p:txBody>
@@ -6107,7 +7007,7 @@
                   <a:schemeClr val="accent6"/>
                 </a:solidFill>
               </a:rPr>
-              <a:t>2. </a:t>
+              <a:t>1. </a:t>
             </a:r>
             <a:r>
               <a:rPr lang="en-US" sz="2600" b="1" dirty="0">
@@ -6115,7 +7015,7 @@
                   <a:schemeClr val="accent6"/>
                 </a:solidFill>
               </a:rPr>
-              <a:t>Lazy Evaluation</a:t>
+              <a:t>Refresher</a:t>
             </a:r>
           </a:p>
         </p:txBody>
@@ -6123,7 +7023,7 @@
     </p:spTree>
     <p:extLst>
       <p:ext uri="{BB962C8B-B14F-4D97-AF65-F5344CB8AC3E}">
-        <p14:creationId xmlns:p14="http://schemas.microsoft.com/office/powerpoint/2010/main" val="2889048018"/>
+        <p14:creationId xmlns:p14="http://schemas.microsoft.com/office/powerpoint/2010/main" val="3790696338"/>
       </p:ext>
     </p:extLst>
   </p:cSld>
@@ -6166,12 +7066,7 @@
             <p:ph type="title"/>
           </p:nvPr>
         </p:nvSpPr>
-        <p:spPr>
-          <a:xfrm>
-            <a:off x="838200" y="727514"/>
-            <a:ext cx="10515600" cy="656148"/>
-          </a:xfrm>
-        </p:spPr>
+        <p:spPr/>
         <p:txBody>
           <a:bodyPr>
             <a:normAutofit fontScale="90000"/>
@@ -6180,7 +7075,7 @@
           <a:p>
             <a:r>
               <a:rPr lang="en-US" b="1" dirty="0"/>
-              <a:t>Guessing Game</a:t>
+              <a:t>Refresher</a:t>
             </a:r>
           </a:p>
         </p:txBody>
@@ -6203,270 +7098,319 @@
         </p:nvSpPr>
         <p:spPr>
           <a:xfrm>
-            <a:off x="838200" y="1825624"/>
-            <a:ext cx="6862011" cy="4900029"/>
+            <a:off x="838201" y="1825624"/>
+            <a:ext cx="6837946" cy="4835479"/>
           </a:xfrm>
         </p:spPr>
         <p:txBody>
           <a:bodyPr>
-            <a:normAutofit lnSpcReduction="10000"/>
+            <a:normAutofit/>
           </a:bodyPr>
           <a:lstStyle/>
           <a:p>
             <a:r>
-              <a:rPr lang="en-US" sz="3200" dirty="0"/>
-              <a:t>Let</a:t>
-            </a:r>
-            <a:r>
-              <a:rPr lang="en-US" sz="3200" dirty="0">
-                <a:solidFill>
-                  <a:schemeClr val="accent1"/>
-                </a:solidFill>
-              </a:rPr>
-              <a:t>’</a:t>
-            </a:r>
-            <a:r>
-              <a:rPr lang="en-US" sz="3200" dirty="0"/>
-              <a:t>s build a simple guessing game</a:t>
-            </a:r>
-            <a:r>
-              <a:rPr lang="en-US" sz="3200" dirty="0">
-                <a:solidFill>
-                  <a:schemeClr val="accent1"/>
+              <a:rPr lang="en-US" sz="3600" dirty="0"/>
+              <a:t>Just like for </a:t>
+            </a:r>
+            <a:r>
+              <a:rPr lang="en-US" sz="3600" b="1" dirty="0">
+                <a:solidFill>
+                  <a:schemeClr val="accent6"/>
+                </a:solidFill>
+              </a:rPr>
+              <a:t>if</a:t>
+            </a:r>
+            <a:r>
+              <a:rPr lang="en-US" sz="3600" dirty="0"/>
+              <a:t>-statements</a:t>
+            </a:r>
+            <a:r>
+              <a:rPr lang="en-US" sz="3600" dirty="0">
+                <a:solidFill>
+                  <a:schemeClr val="accent2"/>
+                </a:solidFill>
+              </a:rPr>
+              <a:t>,</a:t>
+            </a:r>
+            <a:r>
+              <a:rPr lang="en-US" sz="3600" dirty="0"/>
+              <a:t> if you use </a:t>
+            </a:r>
+            <a:r>
+              <a:rPr lang="en-US" sz="3600" b="1" dirty="0">
+                <a:solidFill>
+                  <a:schemeClr val="accent6"/>
+                </a:solidFill>
+              </a:rPr>
+              <a:t>and</a:t>
+            </a:r>
+            <a:r>
+              <a:rPr lang="en-US" sz="3600" dirty="0"/>
+              <a:t> or </a:t>
+            </a:r>
+            <a:r>
+              <a:rPr lang="en-US" sz="3600" b="1" dirty="0">
+                <a:solidFill>
+                  <a:schemeClr val="accent6"/>
+                </a:solidFill>
+              </a:rPr>
+              <a:t>or </a:t>
+            </a:r>
+            <a:r>
+              <a:rPr lang="en-US" sz="3600" dirty="0"/>
+              <a:t>in a while</a:t>
+            </a:r>
+            <a:r>
+              <a:rPr lang="en-US" sz="3600" dirty="0">
+                <a:solidFill>
+                  <a:schemeClr val="accent6"/>
+                </a:solidFill>
+              </a:rPr>
+              <a:t>-</a:t>
+            </a:r>
+            <a:r>
+              <a:rPr lang="en-US" sz="3600" dirty="0"/>
+              <a:t>loop expression</a:t>
+            </a:r>
+            <a:r>
+              <a:rPr lang="en-US" sz="3600" dirty="0">
+                <a:solidFill>
+                  <a:schemeClr val="accent2"/>
+                </a:solidFill>
+              </a:rPr>
+              <a:t>,</a:t>
+            </a:r>
+            <a:r>
+              <a:rPr lang="en-US" sz="3600" dirty="0"/>
+              <a:t> it is subject to lazy evaluation</a:t>
+            </a:r>
+            <a:r>
+              <a:rPr lang="en-US" sz="3600" dirty="0">
+                <a:solidFill>
+                  <a:schemeClr val="accent2"/>
                 </a:solidFill>
               </a:rPr>
               <a:t>.</a:t>
             </a:r>
-            <a:r>
-              <a:rPr lang="en-US" sz="3200" dirty="0"/>
-              <a:t> </a:t>
-            </a:r>
-            <a:endParaRPr lang="en-US" sz="3200" dirty="0">
+          </a:p>
+          <a:p>
+            <a:r>
+              <a:rPr lang="en-US" sz="3600" dirty="0"/>
+              <a:t>Only if </a:t>
+            </a:r>
+            <a:r>
+              <a:rPr lang="en-US" sz="3600" b="1" dirty="0">
+                <a:solidFill>
+                  <a:schemeClr val="accent6"/>
+                </a:solidFill>
+              </a:rPr>
+              <a:t>x &lt; 4 </a:t>
+            </a:r>
+            <a:r>
+              <a:rPr lang="en-US" sz="3600" dirty="0"/>
+              <a:t>is </a:t>
+            </a:r>
+            <a:r>
+              <a:rPr lang="en-US" sz="3600" b="1" dirty="0">
+                <a:solidFill>
+                  <a:schemeClr val="accent6"/>
+                </a:solidFill>
+              </a:rPr>
+              <a:t>True</a:t>
+            </a:r>
+            <a:r>
+              <a:rPr lang="en-US" sz="3600" dirty="0"/>
+              <a:t> will </a:t>
+            </a:r>
+            <a:r>
+              <a:rPr lang="en-US" sz="3600" b="1" dirty="0">
+                <a:solidFill>
+                  <a:schemeClr val="accent6"/>
+                </a:solidFill>
+              </a:rPr>
+              <a:t>y &lt; 4 </a:t>
+            </a:r>
+            <a:r>
+              <a:rPr lang="en-US" sz="3600" dirty="0"/>
+              <a:t>be evaluated</a:t>
+            </a:r>
+            <a:r>
+              <a:rPr lang="en-US" sz="3600" dirty="0">
+                <a:solidFill>
+                  <a:schemeClr val="accent2"/>
+                </a:solidFill>
+              </a:rPr>
+              <a:t>. </a:t>
+            </a:r>
+            <a:r>
+              <a:rPr lang="en-US" sz="3600" dirty="0">
+                <a:solidFill>
+                  <a:schemeClr val="accent6"/>
+                </a:solidFill>
+              </a:rPr>
+              <a:t>#solazy</a:t>
+            </a:r>
+          </a:p>
+        </p:txBody>
+      </p:sp>
+      <p:sp>
+        <p:nvSpPr>
+          <p:cNvPr id="4" name="TextBox 3">
+            <a:extLst>
+              <a:ext uri="{FF2B5EF4-FFF2-40B4-BE49-F238E27FC236}">
+                <a16:creationId xmlns:a16="http://schemas.microsoft.com/office/drawing/2014/main" id="{A570ACCF-3AA6-4238-95F7-2DDF40B8029A}"/>
+              </a:ext>
+            </a:extLst>
+          </p:cNvPr>
+          <p:cNvSpPr txBox="1"/>
+          <p:nvPr/>
+        </p:nvSpPr>
+        <p:spPr>
+          <a:xfrm>
+            <a:off x="1216143" y="5350877"/>
+            <a:ext cx="5933034" cy="1138773"/>
+          </a:xfrm>
+          <a:prstGeom prst="rect">
+            <a:avLst/>
+          </a:prstGeom>
+          <a:noFill/>
+        </p:spPr>
+        <p:txBody>
+          <a:bodyPr wrap="none" rtlCol="0">
+            <a:spAutoFit/>
+          </a:bodyPr>
+          <a:lstStyle/>
+          <a:p>
+            <a:r>
+              <a:rPr lang="en-US" sz="3400" b="1" dirty="0">
+                <a:solidFill>
+                  <a:srgbClr val="00FF00"/>
+                </a:solidFill>
+                <a:latin typeface="Courier New" panose="02070309020205020404" pitchFamily="49" charset="0"/>
+                <a:cs typeface="Courier New" panose="02070309020205020404" pitchFamily="49" charset="0"/>
+              </a:rPr>
+              <a:t>while x &lt; 4 and y &lt; 4:</a:t>
+            </a:r>
+          </a:p>
+          <a:p>
+            <a:r>
+              <a:rPr lang="en-US" sz="3400" b="1" dirty="0">
+                <a:solidFill>
+                  <a:srgbClr val="00FF00"/>
+                </a:solidFill>
+                <a:latin typeface="Courier New" panose="02070309020205020404" pitchFamily="49" charset="0"/>
+                <a:cs typeface="Courier New" panose="02070309020205020404" pitchFamily="49" charset="0"/>
+              </a:rPr>
+              <a:t>    ...</a:t>
+            </a:r>
+          </a:p>
+        </p:txBody>
+      </p:sp>
+      <p:sp>
+        <p:nvSpPr>
+          <p:cNvPr id="12" name="Rectangle: Rounded Corners 11">
+            <a:extLst>
+              <a:ext uri="{FF2B5EF4-FFF2-40B4-BE49-F238E27FC236}">
+                <a16:creationId xmlns:a16="http://schemas.microsoft.com/office/drawing/2014/main" id="{71D38F76-BA6A-4107-8A26-C72290192DF0}"/>
+              </a:ext>
+            </a:extLst>
+          </p:cNvPr>
+          <p:cNvSpPr/>
+          <p:nvPr/>
+        </p:nvSpPr>
+        <p:spPr>
+          <a:xfrm>
+            <a:off x="7844590" y="1949006"/>
+            <a:ext cx="3958389" cy="4418765"/>
+          </a:xfrm>
+          <a:prstGeom prst="roundRect">
+            <a:avLst/>
+          </a:prstGeom>
+          <a:noFill/>
+          <a:ln w="76200">
+            <a:solidFill>
+              <a:schemeClr val="accent2"/>
+            </a:solidFill>
+          </a:ln>
+        </p:spPr>
+        <p:style>
+          <a:lnRef idx="2">
+            <a:schemeClr val="accent1">
+              <a:shade val="50000"/>
+            </a:schemeClr>
+          </a:lnRef>
+          <a:fillRef idx="1">
+            <a:schemeClr val="accent1"/>
+          </a:fillRef>
+          <a:effectRef idx="0">
+            <a:schemeClr val="accent1"/>
+          </a:effectRef>
+          <a:fontRef idx="minor">
+            <a:schemeClr val="lt1"/>
+          </a:fontRef>
+        </p:style>
+        <p:txBody>
+          <a:bodyPr rtlCol="0" anchor="ctr"/>
+          <a:lstStyle/>
+          <a:p>
+            <a:r>
+              <a:rPr lang="en-US" sz="4400" b="1" dirty="0">
+                <a:solidFill>
+                  <a:srgbClr val="FFFFFF"/>
+                </a:solidFill>
+              </a:rPr>
+              <a:t>Open your notebook</a:t>
+            </a:r>
+          </a:p>
+          <a:p>
+            <a:endParaRPr lang="en-US" sz="4400" b="1" dirty="0">
               <a:solidFill>
-                <a:schemeClr val="accent1"/>
+                <a:srgbClr val="FFFFFF"/>
               </a:solidFill>
             </a:endParaRPr>
           </a:p>
           <a:p>
-            <a:pPr lvl="1"/>
-            <a:r>
-              <a:rPr lang="en-US" sz="2800" dirty="0"/>
-              <a:t>Get the computer to choose a random integer from 0 to 100</a:t>
-            </a:r>
-            <a:r>
-              <a:rPr lang="en-US" sz="2800" dirty="0">
-                <a:solidFill>
-                  <a:schemeClr val="accent1"/>
-                </a:solidFill>
-              </a:rPr>
-              <a:t>.</a:t>
-            </a:r>
-          </a:p>
-          <a:p>
-            <a:pPr lvl="1"/>
-            <a:r>
-              <a:rPr lang="en-US" sz="2800" dirty="0"/>
-              <a:t>Ask the user for a guess and allow the user to input a guess or </a:t>
-            </a:r>
-            <a:r>
-              <a:rPr lang="en-US" sz="2800" dirty="0">
+            <a:r>
+              <a:rPr lang="en-US" sz="2800" b="1" dirty="0">
+                <a:solidFill>
+                  <a:srgbClr val="FFFFFF"/>
+                </a:solidFill>
+              </a:rPr>
+              <a:t>Click Link</a:t>
+            </a:r>
+            <a:r>
+              <a:rPr lang="en-US" sz="2800" b="1" dirty="0">
                 <a:solidFill>
                   <a:schemeClr val="accent6"/>
                 </a:solidFill>
               </a:rPr>
-              <a:t>"</a:t>
-            </a:r>
-            <a:r>
-              <a:rPr lang="en-US" sz="2800" dirty="0"/>
-              <a:t>q</a:t>
-            </a:r>
-            <a:r>
-              <a:rPr lang="en-US" sz="2800" dirty="0">
+              <a:t>:</a:t>
+            </a:r>
+          </a:p>
+          <a:p>
+            <a:r>
+              <a:rPr lang="en-US" sz="2800" b="1" dirty="0">
                 <a:solidFill>
                   <a:schemeClr val="accent6"/>
                 </a:solidFill>
               </a:rPr>
-              <a:t>“</a:t>
-            </a:r>
-            <a:r>
-              <a:rPr lang="en-US" sz="2800" dirty="0">
-                <a:solidFill>
-                  <a:schemeClr val="accent1"/>
-                </a:solidFill>
-              </a:rPr>
-              <a:t>.</a:t>
-            </a:r>
-          </a:p>
-          <a:p>
-            <a:pPr lvl="1"/>
-            <a:r>
-              <a:rPr lang="en-US" sz="2800" dirty="0"/>
-              <a:t>If the user inputs </a:t>
-            </a:r>
-            <a:r>
-              <a:rPr lang="en-US" sz="2800" dirty="0">
+              <a:t>2. </a:t>
+            </a:r>
+            <a:r>
+              <a:rPr lang="en-US" sz="2600" b="1" dirty="0">
                 <a:solidFill>
                   <a:schemeClr val="accent6"/>
                 </a:solidFill>
               </a:rPr>
-              <a:t>"</a:t>
-            </a:r>
-            <a:r>
-              <a:rPr lang="en-US" sz="2800" dirty="0"/>
-              <a:t>q</a:t>
-            </a:r>
-            <a:r>
-              <a:rPr lang="en-US" sz="2800" dirty="0">
-                <a:solidFill>
-                  <a:schemeClr val="accent6"/>
-                </a:solidFill>
-              </a:rPr>
-              <a:t>"</a:t>
-            </a:r>
-            <a:r>
-              <a:rPr lang="en-US" sz="2800" dirty="0"/>
-              <a:t> print a nice message and end the program</a:t>
-            </a:r>
-            <a:r>
-              <a:rPr lang="en-US" sz="2800" dirty="0">
-                <a:solidFill>
-                  <a:schemeClr val="accent1"/>
-                </a:solidFill>
-              </a:rPr>
-              <a:t>.</a:t>
-            </a:r>
-          </a:p>
-          <a:p>
-            <a:pPr lvl="1"/>
-            <a:r>
-              <a:rPr lang="en-US" sz="2800" dirty="0"/>
-              <a:t>If the user enters a guess</a:t>
-            </a:r>
-            <a:r>
-              <a:rPr lang="en-US" sz="2800" dirty="0">
-                <a:solidFill>
-                  <a:schemeClr val="accent1"/>
-                </a:solidFill>
-              </a:rPr>
-              <a:t>,</a:t>
-            </a:r>
-            <a:r>
-              <a:rPr lang="en-US" sz="2800" dirty="0"/>
-              <a:t> tell them if they should guess higher</a:t>
-            </a:r>
-            <a:r>
-              <a:rPr lang="en-US" sz="2800" dirty="0">
-                <a:solidFill>
-                  <a:schemeClr val="accent1"/>
-                </a:solidFill>
-              </a:rPr>
-              <a:t>,</a:t>
-            </a:r>
-            <a:r>
-              <a:rPr lang="en-US" sz="2800" dirty="0"/>
-              <a:t> lower</a:t>
-            </a:r>
-            <a:r>
-              <a:rPr lang="en-US" sz="2800" dirty="0">
-                <a:solidFill>
-                  <a:schemeClr val="accent1"/>
-                </a:solidFill>
-              </a:rPr>
-              <a:t>,</a:t>
-            </a:r>
-            <a:r>
-              <a:rPr lang="en-US" sz="2800" dirty="0"/>
-              <a:t> or if they got it right</a:t>
-            </a:r>
-            <a:r>
-              <a:rPr lang="en-US" sz="2800" dirty="0">
-                <a:solidFill>
-                  <a:schemeClr val="accent1"/>
-                </a:solidFill>
-              </a:rPr>
-              <a:t>.</a:t>
-            </a:r>
-          </a:p>
-          <a:p>
-            <a:pPr lvl="1"/>
-            <a:r>
-              <a:rPr lang="en-US" sz="2800" dirty="0"/>
-              <a:t>If they got it right</a:t>
-            </a:r>
-            <a:r>
-              <a:rPr lang="en-US" sz="2800" dirty="0">
-                <a:solidFill>
-                  <a:schemeClr val="accent1"/>
-                </a:solidFill>
-              </a:rPr>
-              <a:t>,</a:t>
-            </a:r>
-            <a:r>
-              <a:rPr lang="en-US" sz="2800" dirty="0"/>
-              <a:t> print a nice message and quit</a:t>
-            </a:r>
-            <a:r>
-              <a:rPr lang="en-US" sz="2800" dirty="0">
-                <a:solidFill>
-                  <a:schemeClr val="accent1"/>
-                </a:solidFill>
-              </a:rPr>
-              <a:t>.</a:t>
-            </a:r>
-          </a:p>
-        </p:txBody>
-      </p:sp>
-      <p:pic>
-        <p:nvPicPr>
-          <p:cNvPr id="3080" name="Picture 8" descr="Fantasmas comecocos png 3 » PNG Image">
-            <a:extLst>
-              <a:ext uri="{FF2B5EF4-FFF2-40B4-BE49-F238E27FC236}">
-                <a16:creationId xmlns:a16="http://schemas.microsoft.com/office/drawing/2014/main" id="{5ACEBED3-EB92-414C-81E9-E52FA32B2E53}"/>
-              </a:ext>
-            </a:extLst>
-          </p:cNvPr>
-          <p:cNvPicPr>
-            <a:picLocks noChangeAspect="1" noChangeArrowheads="1"/>
-          </p:cNvPicPr>
-          <p:nvPr/>
-        </p:nvPicPr>
-        <p:blipFill>
-          <a:blip r:embed="rId2">
-            <a:extLst>
-              <a:ext uri="{28A0092B-C50C-407E-A947-70E740481C1C}">
-                <a14:useLocalDpi xmlns:a14="http://schemas.microsoft.com/office/drawing/2010/main" val="0"/>
-              </a:ext>
-            </a:extLst>
-          </a:blip>
-          <a:srcRect/>
-          <a:stretch>
-            <a:fillRect/>
-          </a:stretch>
-        </p:blipFill>
-        <p:spPr bwMode="auto">
-          <a:xfrm>
-            <a:off x="8283072" y="1825624"/>
-            <a:ext cx="3395580" cy="3395580"/>
-          </a:xfrm>
-          <a:prstGeom prst="rect">
-            <a:avLst/>
-          </a:prstGeom>
-          <a:noFill/>
-          <a:extLst>
-            <a:ext uri="{909E8E84-426E-40DD-AFC4-6F175D3DCCD1}">
-              <a14:hiddenFill xmlns:a14="http://schemas.microsoft.com/office/drawing/2010/main">
-                <a:solidFill>
-                  <a:srgbClr val="FFFFFF"/>
-                </a:solidFill>
-              </a14:hiddenFill>
-            </a:ext>
-          </a:extLst>
-        </p:spPr>
-      </p:pic>
+              <a:t>Lazy Evaluation</a:t>
+            </a:r>
+          </a:p>
+        </p:txBody>
+      </p:sp>
     </p:spTree>
     <p:extLst>
       <p:ext uri="{BB962C8B-B14F-4D97-AF65-F5344CB8AC3E}">
-        <p14:creationId xmlns:p14="http://schemas.microsoft.com/office/powerpoint/2010/main" val="1157149472"/>
+        <p14:creationId xmlns:p14="http://schemas.microsoft.com/office/powerpoint/2010/main" val="2889048018"/>
       </p:ext>
     </p:extLst>
   </p:cSld>
@@ -6547,18 +7491,18 @@
         <p:spPr>
           <a:xfrm>
             <a:off x="838200" y="1825624"/>
-            <a:ext cx="9316453" cy="4900029"/>
+            <a:ext cx="6862011" cy="4900029"/>
           </a:xfrm>
         </p:spPr>
         <p:txBody>
           <a:bodyPr>
-            <a:normAutofit/>
+            <a:normAutofit lnSpcReduction="10000"/>
           </a:bodyPr>
           <a:lstStyle/>
           <a:p>
             <a:r>
               <a:rPr lang="en-US" sz="3200" dirty="0"/>
-              <a:t>Get the computer to choose a random integer from 0 to 100</a:t>
+              <a:t>Let</a:t>
             </a:r>
             <a:r>
               <a:rPr lang="en-US" sz="3200" dirty="0">
@@ -6566,250 +7510,250 @@
                   <a:schemeClr val="accent1"/>
                 </a:solidFill>
               </a:rPr>
+              <a:t>’</a:t>
+            </a:r>
+            <a:r>
+              <a:rPr lang="en-US" sz="3200" dirty="0"/>
+              <a:t>s build a simple guessing game</a:t>
+            </a:r>
+            <a:r>
+              <a:rPr lang="en-US" sz="3200" dirty="0">
+                <a:solidFill>
+                  <a:schemeClr val="accent1"/>
+                </a:solidFill>
+              </a:rPr>
               <a:t>.</a:t>
             </a:r>
-          </a:p>
-          <a:p>
-            <a:pPr lvl="1"/>
-            <a:r>
-              <a:rPr lang="en-US" sz="2800" dirty="0"/>
-              <a:t>The computer selects 45</a:t>
-            </a:r>
-            <a:r>
-              <a:rPr lang="en-US" sz="2800" dirty="0">
-                <a:solidFill>
-                  <a:schemeClr val="accent1"/>
-                </a:solidFill>
-              </a:rPr>
-              <a:t>.</a:t>
-            </a:r>
-          </a:p>
-          <a:p>
-            <a:pPr lvl="1"/>
-            <a:endParaRPr lang="en-US" sz="2800" dirty="0">
+            <a:r>
+              <a:rPr lang="en-US" sz="3200" dirty="0"/>
+              <a:t> </a:t>
+            </a:r>
+            <a:endParaRPr lang="en-US" sz="3200" dirty="0">
               <a:solidFill>
                 <a:schemeClr val="accent1"/>
               </a:solidFill>
             </a:endParaRPr>
           </a:p>
-        </p:txBody>
-      </p:sp>
-      <p:sp>
-        <p:nvSpPr>
-          <p:cNvPr id="4" name="Arrow: Left-Right 3">
-            <a:extLst>
-              <a:ext uri="{FF2B5EF4-FFF2-40B4-BE49-F238E27FC236}">
-                <a16:creationId xmlns:a16="http://schemas.microsoft.com/office/drawing/2014/main" id="{022C15AC-AF7B-460E-8033-14D8CB69B82B}"/>
-              </a:ext>
-            </a:extLst>
-          </p:cNvPr>
-          <p:cNvSpPr/>
+          <a:p>
+            <a:pPr lvl="1"/>
+            <a:r>
+              <a:rPr lang="en-US" sz="2800" dirty="0"/>
+              <a:t>Get the computer to choose a random integer from 0 to 100</a:t>
+            </a:r>
+            <a:r>
+              <a:rPr lang="en-US" sz="2800" dirty="0">
+                <a:solidFill>
+                  <a:schemeClr val="accent1"/>
+                </a:solidFill>
+              </a:rPr>
+              <a:t>.</a:t>
+            </a:r>
+          </a:p>
+          <a:p>
+            <a:pPr lvl="1"/>
+            <a:r>
+              <a:rPr lang="en-US" sz="2800" dirty="0"/>
+              <a:t>Ask the user for a guess and allow the user to input a guess or </a:t>
+            </a:r>
+            <a:r>
+              <a:rPr lang="en-US" sz="2800" dirty="0">
+                <a:solidFill>
+                  <a:schemeClr val="accent6"/>
+                </a:solidFill>
+              </a:rPr>
+              <a:t>"</a:t>
+            </a:r>
+            <a:r>
+              <a:rPr lang="en-US" sz="2800" dirty="0"/>
+              <a:t>q</a:t>
+            </a:r>
+            <a:r>
+              <a:rPr lang="en-US" sz="2800" dirty="0">
+                <a:solidFill>
+                  <a:schemeClr val="accent6"/>
+                </a:solidFill>
+              </a:rPr>
+              <a:t>“</a:t>
+            </a:r>
+            <a:r>
+              <a:rPr lang="en-US" sz="2800" dirty="0">
+                <a:solidFill>
+                  <a:schemeClr val="accent1"/>
+                </a:solidFill>
+              </a:rPr>
+              <a:t>.</a:t>
+            </a:r>
+          </a:p>
+          <a:p>
+            <a:pPr lvl="1"/>
+            <a:r>
+              <a:rPr lang="en-US" sz="2800" dirty="0"/>
+              <a:t>If the user inputs </a:t>
+            </a:r>
+            <a:r>
+              <a:rPr lang="en-US" sz="2800" dirty="0">
+                <a:solidFill>
+                  <a:schemeClr val="accent6"/>
+                </a:solidFill>
+              </a:rPr>
+              <a:t>"</a:t>
+            </a:r>
+            <a:r>
+              <a:rPr lang="en-US" sz="2800" dirty="0"/>
+              <a:t>q</a:t>
+            </a:r>
+            <a:r>
+              <a:rPr lang="en-US" sz="2800" dirty="0">
+                <a:solidFill>
+                  <a:schemeClr val="accent6"/>
+                </a:solidFill>
+              </a:rPr>
+              <a:t>"</a:t>
+            </a:r>
+            <a:r>
+              <a:rPr lang="en-US" sz="2800" dirty="0"/>
+              <a:t> print a nice message and end the program</a:t>
+            </a:r>
+            <a:r>
+              <a:rPr lang="en-US" sz="2800" dirty="0">
+                <a:solidFill>
+                  <a:schemeClr val="accent1"/>
+                </a:solidFill>
+              </a:rPr>
+              <a:t>.</a:t>
+            </a:r>
+          </a:p>
+          <a:p>
+            <a:pPr lvl="1"/>
+            <a:r>
+              <a:rPr lang="en-US" sz="2800" dirty="0"/>
+              <a:t>If the user enters a guess</a:t>
+            </a:r>
+            <a:r>
+              <a:rPr lang="en-US" sz="2800" dirty="0">
+                <a:solidFill>
+                  <a:schemeClr val="accent1"/>
+                </a:solidFill>
+              </a:rPr>
+              <a:t>,</a:t>
+            </a:r>
+            <a:r>
+              <a:rPr lang="en-US" sz="2800" dirty="0"/>
+              <a:t> tell them if they should guess higher</a:t>
+            </a:r>
+            <a:r>
+              <a:rPr lang="en-US" sz="2800" dirty="0">
+                <a:solidFill>
+                  <a:schemeClr val="accent1"/>
+                </a:solidFill>
+              </a:rPr>
+              <a:t>,</a:t>
+            </a:r>
+            <a:r>
+              <a:rPr lang="en-US" sz="2800" dirty="0"/>
+              <a:t> lower</a:t>
+            </a:r>
+            <a:r>
+              <a:rPr lang="en-US" sz="2800" dirty="0">
+                <a:solidFill>
+                  <a:schemeClr val="accent1"/>
+                </a:solidFill>
+              </a:rPr>
+              <a:t>,</a:t>
+            </a:r>
+            <a:r>
+              <a:rPr lang="en-US" sz="2800" dirty="0"/>
+              <a:t> or if they got it right</a:t>
+            </a:r>
+            <a:r>
+              <a:rPr lang="en-US" sz="2800" dirty="0">
+                <a:solidFill>
+                  <a:schemeClr val="accent1"/>
+                </a:solidFill>
+              </a:rPr>
+              <a:t>.</a:t>
+            </a:r>
+          </a:p>
+          <a:p>
+            <a:pPr lvl="1"/>
+            <a:r>
+              <a:rPr lang="en-US" sz="2800" dirty="0"/>
+              <a:t>If they got it right</a:t>
+            </a:r>
+            <a:r>
+              <a:rPr lang="en-US" sz="2800" dirty="0">
+                <a:solidFill>
+                  <a:schemeClr val="accent1"/>
+                </a:solidFill>
+              </a:rPr>
+              <a:t>,</a:t>
+            </a:r>
+            <a:r>
+              <a:rPr lang="en-US" sz="2800" dirty="0"/>
+              <a:t> print a nice message and quit</a:t>
+            </a:r>
+            <a:r>
+              <a:rPr lang="en-US" sz="2800" dirty="0">
+                <a:solidFill>
+                  <a:schemeClr val="accent1"/>
+                </a:solidFill>
+              </a:rPr>
+              <a:t>.</a:t>
+            </a:r>
+          </a:p>
+        </p:txBody>
+      </p:sp>
+      <p:pic>
+        <p:nvPicPr>
+          <p:cNvPr id="3080" name="Picture 8" descr="Fantasmas comecocos png 3 » PNG Image">
+            <a:extLst>
+              <a:ext uri="{FF2B5EF4-FFF2-40B4-BE49-F238E27FC236}">
+                <a16:creationId xmlns:a16="http://schemas.microsoft.com/office/drawing/2014/main" id="{5ACEBED3-EB92-414C-81E9-E52FA32B2E53}"/>
+              </a:ext>
+            </a:extLst>
+          </p:cNvPr>
+          <p:cNvPicPr>
+            <a:picLocks noChangeAspect="1" noChangeArrowheads="1"/>
+          </p:cNvPicPr>
           <p:nvPr/>
-        </p:nvSpPr>
-        <p:spPr>
-          <a:xfrm>
-            <a:off x="1427748" y="5570621"/>
-            <a:ext cx="8518358" cy="866274"/>
-          </a:xfrm>
-          <a:prstGeom prst="leftRightArrow">
-            <a:avLst/>
-          </a:prstGeom>
-        </p:spPr>
-        <p:style>
-          <a:lnRef idx="2">
-            <a:schemeClr val="accent1">
-              <a:shade val="50000"/>
-            </a:schemeClr>
-          </a:lnRef>
-          <a:fillRef idx="1">
-            <a:schemeClr val="accent1"/>
-          </a:fillRef>
-          <a:effectRef idx="0">
-            <a:schemeClr val="accent1"/>
-          </a:effectRef>
-          <a:fontRef idx="minor">
-            <a:schemeClr val="lt1"/>
-          </a:fontRef>
-        </p:style>
-        <p:txBody>
-          <a:bodyPr rtlCol="0" anchor="ctr"/>
-          <a:lstStyle/>
-          <a:p>
-            <a:pPr algn="ctr"/>
-            <a:endParaRPr lang="en-US"/>
-          </a:p>
-        </p:txBody>
-      </p:sp>
-      <p:sp>
-        <p:nvSpPr>
-          <p:cNvPr id="5" name="TextBox 4">
-            <a:extLst>
-              <a:ext uri="{FF2B5EF4-FFF2-40B4-BE49-F238E27FC236}">
-                <a16:creationId xmlns:a16="http://schemas.microsoft.com/office/drawing/2014/main" id="{13AF36E5-475E-4F1E-8085-36D4D314CDDC}"/>
-              </a:ext>
-            </a:extLst>
-          </p:cNvPr>
-          <p:cNvSpPr txBox="1"/>
-          <p:nvPr/>
-        </p:nvSpPr>
-        <p:spPr>
-          <a:xfrm>
-            <a:off x="772513" y="5588259"/>
-            <a:ext cx="538930" cy="830997"/>
+        </p:nvPicPr>
+        <p:blipFill>
+          <a:blip r:embed="rId2">
+            <a:extLst>
+              <a:ext uri="{28A0092B-C50C-407E-A947-70E740481C1C}">
+                <a14:useLocalDpi xmlns:a14="http://schemas.microsoft.com/office/drawing/2010/main" val="0"/>
+              </a:ext>
+            </a:extLst>
+          </a:blip>
+          <a:srcRect/>
+          <a:stretch>
+            <a:fillRect/>
+          </a:stretch>
+        </p:blipFill>
+        <p:spPr bwMode="auto">
+          <a:xfrm>
+            <a:off x="8283072" y="1825624"/>
+            <a:ext cx="3395580" cy="3395580"/>
           </a:xfrm>
           <a:prstGeom prst="rect">
             <a:avLst/>
           </a:prstGeom>
           <a:noFill/>
-        </p:spPr>
-        <p:txBody>
-          <a:bodyPr wrap="none" rtlCol="0">
-            <a:spAutoFit/>
-          </a:bodyPr>
-          <a:lstStyle/>
-          <a:p>
-            <a:r>
-              <a:rPr lang="en-US" sz="4800" b="1" dirty="0">
+          <a:extLst>
+            <a:ext uri="{909E8E84-426E-40DD-AFC4-6F175D3DCCD1}">
+              <a14:hiddenFill xmlns:a14="http://schemas.microsoft.com/office/drawing/2010/main">
                 <a:solidFill>
                   <a:srgbClr val="FFFFFF"/>
                 </a:solidFill>
-              </a:rPr>
-              <a:t>0</a:t>
-            </a:r>
-          </a:p>
-        </p:txBody>
-      </p:sp>
-      <p:sp>
-        <p:nvSpPr>
-          <p:cNvPr id="7" name="TextBox 6">
-            <a:extLst>
-              <a:ext uri="{FF2B5EF4-FFF2-40B4-BE49-F238E27FC236}">
-                <a16:creationId xmlns:a16="http://schemas.microsoft.com/office/drawing/2014/main" id="{9F64FC8C-0292-4EC9-A622-76089CA49134}"/>
-              </a:ext>
-            </a:extLst>
-          </p:cNvPr>
-          <p:cNvSpPr txBox="1"/>
-          <p:nvPr/>
-        </p:nvSpPr>
-        <p:spPr>
-          <a:xfrm>
-            <a:off x="10062411" y="5564195"/>
-            <a:ext cx="1247457" cy="830997"/>
-          </a:xfrm>
-          <a:prstGeom prst="rect">
-            <a:avLst/>
-          </a:prstGeom>
-          <a:noFill/>
-        </p:spPr>
-        <p:txBody>
-          <a:bodyPr wrap="none" rtlCol="0">
-            <a:spAutoFit/>
-          </a:bodyPr>
-          <a:lstStyle/>
-          <a:p>
-            <a:r>
-              <a:rPr lang="en-US" sz="4800" b="1" dirty="0">
-                <a:solidFill>
-                  <a:srgbClr val="FFFFFF"/>
-                </a:solidFill>
-              </a:rPr>
-              <a:t>100</a:t>
-            </a:r>
-          </a:p>
-        </p:txBody>
-      </p:sp>
-      <p:sp>
-        <p:nvSpPr>
-          <p:cNvPr id="6" name="Arrow: Down 5">
-            <a:extLst>
-              <a:ext uri="{FF2B5EF4-FFF2-40B4-BE49-F238E27FC236}">
-                <a16:creationId xmlns:a16="http://schemas.microsoft.com/office/drawing/2014/main" id="{733B50B0-CDBA-4289-A206-53669331BC72}"/>
-              </a:ext>
-            </a:extLst>
-          </p:cNvPr>
-          <p:cNvSpPr/>
-          <p:nvPr/>
-        </p:nvSpPr>
-        <p:spPr>
-          <a:xfrm>
-            <a:off x="5807242" y="4914900"/>
-            <a:ext cx="577516" cy="733926"/>
-          </a:xfrm>
-          <a:prstGeom prst="downArrow">
-            <a:avLst/>
-          </a:prstGeom>
-          <a:solidFill>
-            <a:schemeClr val="accent6"/>
-          </a:solidFill>
-        </p:spPr>
-        <p:style>
-          <a:lnRef idx="2">
-            <a:schemeClr val="accent1">
-              <a:shade val="50000"/>
-            </a:schemeClr>
-          </a:lnRef>
-          <a:fillRef idx="1">
-            <a:schemeClr val="accent1"/>
-          </a:fillRef>
-          <a:effectRef idx="0">
-            <a:schemeClr val="accent1"/>
-          </a:effectRef>
-          <a:fontRef idx="minor">
-            <a:schemeClr val="lt1"/>
-          </a:fontRef>
-        </p:style>
-        <p:txBody>
-          <a:bodyPr rtlCol="0" anchor="ctr"/>
-          <a:lstStyle/>
-          <a:p>
-            <a:pPr algn="ctr"/>
-            <a:endParaRPr lang="en-US"/>
-          </a:p>
-        </p:txBody>
-      </p:sp>
-      <p:sp>
-        <p:nvSpPr>
-          <p:cNvPr id="9" name="TextBox 8">
-            <a:extLst>
-              <a:ext uri="{FF2B5EF4-FFF2-40B4-BE49-F238E27FC236}">
-                <a16:creationId xmlns:a16="http://schemas.microsoft.com/office/drawing/2014/main" id="{0447DA6F-ABB0-4FBD-998C-3A0D0F70597C}"/>
-              </a:ext>
-            </a:extLst>
-          </p:cNvPr>
-          <p:cNvSpPr txBox="1"/>
-          <p:nvPr/>
-        </p:nvSpPr>
-        <p:spPr>
-          <a:xfrm>
-            <a:off x="5652746" y="4102767"/>
-            <a:ext cx="893193" cy="830997"/>
-          </a:xfrm>
-          <a:prstGeom prst="rect">
-            <a:avLst/>
-          </a:prstGeom>
-          <a:noFill/>
-        </p:spPr>
-        <p:txBody>
-          <a:bodyPr wrap="none" rtlCol="0">
-            <a:spAutoFit/>
-          </a:bodyPr>
-          <a:lstStyle/>
-          <a:p>
-            <a:r>
-              <a:rPr lang="en-US" sz="4800" b="1" dirty="0">
-                <a:solidFill>
-                  <a:srgbClr val="FFFFFF"/>
-                </a:solidFill>
-              </a:rPr>
-              <a:t>45</a:t>
-            </a:r>
-          </a:p>
-        </p:txBody>
-      </p:sp>
+              </a14:hiddenFill>
+            </a:ext>
+          </a:extLst>
+        </p:spPr>
+      </p:pic>
     </p:spTree>
     <p:extLst>
       <p:ext uri="{BB962C8B-B14F-4D97-AF65-F5344CB8AC3E}">
-        <p14:creationId xmlns:p14="http://schemas.microsoft.com/office/powerpoint/2010/main" val="274963191"/>
+        <p14:creationId xmlns:p14="http://schemas.microsoft.com/office/powerpoint/2010/main" val="1157149472"/>
       </p:ext>
     </p:extLst>
   </p:cSld>
@@ -6901,7 +7845,7 @@
           <a:p>
             <a:r>
               <a:rPr lang="en-US" sz="3200" dirty="0"/>
-              <a:t>The user guesses 64</a:t>
+              <a:t>Get the computer to choose a random integer from 0 to 100</a:t>
             </a:r>
             <a:r>
               <a:rPr lang="en-US" sz="3200" dirty="0">
@@ -6916,15 +7860,7 @@
             <a:pPr lvl="1"/>
             <a:r>
               <a:rPr lang="en-US" sz="2800" dirty="0"/>
-              <a:t>The computer says </a:t>
-            </a:r>
-            <a:r>
-              <a:rPr lang="en-US" sz="2800" b="1" dirty="0">
-                <a:solidFill>
-                  <a:schemeClr val="accent6"/>
-                </a:solidFill>
-              </a:rPr>
-              <a:t>LOWER</a:t>
+              <a:t>The computer selects 45</a:t>
             </a:r>
             <a:r>
               <a:rPr lang="en-US" sz="2800" dirty="0">
@@ -7157,110 +8093,10 @@
           </a:p>
         </p:txBody>
       </p:sp>
-      <p:sp>
-        <p:nvSpPr>
-          <p:cNvPr id="10" name="Arrow: Down 9">
-            <a:extLst>
-              <a:ext uri="{FF2B5EF4-FFF2-40B4-BE49-F238E27FC236}">
-                <a16:creationId xmlns:a16="http://schemas.microsoft.com/office/drawing/2014/main" id="{C1DDC466-6659-4A36-A754-88725CFDBD2A}"/>
-              </a:ext>
-            </a:extLst>
-          </p:cNvPr>
-          <p:cNvSpPr/>
-          <p:nvPr/>
-        </p:nvSpPr>
-        <p:spPr>
-          <a:xfrm>
-            <a:off x="7680733" y="4914900"/>
-            <a:ext cx="577516" cy="733926"/>
-          </a:xfrm>
-          <a:prstGeom prst="downArrow">
-            <a:avLst/>
-          </a:prstGeom>
-          <a:solidFill>
-            <a:schemeClr val="accent6"/>
-          </a:solidFill>
-        </p:spPr>
-        <p:style>
-          <a:lnRef idx="2">
-            <a:schemeClr val="accent1">
-              <a:shade val="50000"/>
-            </a:schemeClr>
-          </a:lnRef>
-          <a:fillRef idx="1">
-            <a:schemeClr val="accent1"/>
-          </a:fillRef>
-          <a:effectRef idx="0">
-            <a:schemeClr val="accent1"/>
-          </a:effectRef>
-          <a:fontRef idx="minor">
-            <a:schemeClr val="lt1"/>
-          </a:fontRef>
-        </p:style>
-        <p:txBody>
-          <a:bodyPr rtlCol="0" anchor="ctr"/>
-          <a:lstStyle/>
-          <a:p>
-            <a:pPr algn="ctr"/>
-            <a:endParaRPr lang="en-US"/>
-          </a:p>
-        </p:txBody>
-      </p:sp>
-      <p:sp>
-        <p:nvSpPr>
-          <p:cNvPr id="11" name="TextBox 10">
-            <a:extLst>
-              <a:ext uri="{FF2B5EF4-FFF2-40B4-BE49-F238E27FC236}">
-                <a16:creationId xmlns:a16="http://schemas.microsoft.com/office/drawing/2014/main" id="{B195CD0A-AEF3-4DF9-B80C-46CAB58B0EBE}"/>
-              </a:ext>
-            </a:extLst>
-          </p:cNvPr>
-          <p:cNvSpPr txBox="1"/>
-          <p:nvPr/>
-        </p:nvSpPr>
-        <p:spPr>
-          <a:xfrm>
-            <a:off x="7314504" y="3613918"/>
-            <a:ext cx="1309974" cy="1323439"/>
-          </a:xfrm>
-          <a:prstGeom prst="rect">
-            <a:avLst/>
-          </a:prstGeom>
-          <a:noFill/>
-        </p:spPr>
-        <p:txBody>
-          <a:bodyPr wrap="none" rtlCol="0">
-            <a:spAutoFit/>
-          </a:bodyPr>
-          <a:lstStyle/>
-          <a:p>
-            <a:pPr algn="ctr"/>
-            <a:r>
-              <a:rPr lang="en-US" sz="3200" b="1" dirty="0">
-                <a:solidFill>
-                  <a:srgbClr val="FFFFFF"/>
-                </a:solidFill>
-              </a:rPr>
-              <a:t>Guess</a:t>
-            </a:r>
-          </a:p>
-          <a:p>
-            <a:pPr algn="ctr"/>
-            <a:r>
-              <a:rPr lang="en-US" sz="4800" b="1" dirty="0">
-                <a:solidFill>
-                  <a:srgbClr val="FFFFFF"/>
-                </a:solidFill>
-              </a:rPr>
-              <a:t>64</a:t>
-            </a:r>
-          </a:p>
-        </p:txBody>
-      </p:sp>
     </p:spTree>
     <p:extLst>
       <p:ext uri="{BB962C8B-B14F-4D97-AF65-F5344CB8AC3E}">
-        <p14:creationId xmlns:p14="http://schemas.microsoft.com/office/powerpoint/2010/main" val="3339925704"/>
+        <p14:creationId xmlns:p14="http://schemas.microsoft.com/office/powerpoint/2010/main" val="274963191"/>
       </p:ext>
     </p:extLst>
   </p:cSld>

--- a/lectures/week4/lecture2/slides/week4_lecture2.pptx
+++ b/lectures/week4/lecture2/slides/week4_lecture2.pptx
@@ -12,16 +12,19 @@
     <p:sldId id="384" r:id="rId6"/>
     <p:sldId id="325" r:id="rId7"/>
     <p:sldId id="328" r:id="rId8"/>
-    <p:sldId id="267" r:id="rId9"/>
-    <p:sldId id="335" r:id="rId10"/>
-    <p:sldId id="336" r:id="rId11"/>
-    <p:sldId id="339" r:id="rId12"/>
-    <p:sldId id="337" r:id="rId13"/>
-    <p:sldId id="340" r:id="rId14"/>
-    <p:sldId id="338" r:id="rId15"/>
-    <p:sldId id="334" r:id="rId16"/>
-    <p:sldId id="324" r:id="rId17"/>
-    <p:sldId id="329" r:id="rId18"/>
+    <p:sldId id="333" r:id="rId9"/>
+    <p:sldId id="266" r:id="rId10"/>
+    <p:sldId id="341" r:id="rId11"/>
+    <p:sldId id="267" r:id="rId12"/>
+    <p:sldId id="335" r:id="rId13"/>
+    <p:sldId id="336" r:id="rId14"/>
+    <p:sldId id="339" r:id="rId15"/>
+    <p:sldId id="337" r:id="rId16"/>
+    <p:sldId id="340" r:id="rId17"/>
+    <p:sldId id="338" r:id="rId18"/>
+    <p:sldId id="334" r:id="rId19"/>
+    <p:sldId id="324" r:id="rId20"/>
+    <p:sldId id="329" r:id="rId21"/>
   </p:sldIdLst>
   <p:sldSz cx="12192000" cy="6858000"/>
   <p:notesSz cx="6858000" cy="9144000"/>
@@ -1519,7 +1522,7 @@
           <a:p>
             <a:r>
               <a:rPr lang="en-US" b="1" dirty="0"/>
-              <a:t>Guessing Game</a:t>
+              <a:t>Random Module</a:t>
             </a:r>
           </a:p>
         </p:txBody>
@@ -1543,7 +1546,7 @@
         <p:spPr>
           <a:xfrm>
             <a:off x="838200" y="1825624"/>
-            <a:ext cx="9316453" cy="4900029"/>
+            <a:ext cx="6862011" cy="4900029"/>
           </a:xfrm>
         </p:spPr>
         <p:txBody>
@@ -1554,42 +1557,30 @@
           <a:p>
             <a:r>
               <a:rPr lang="en-US" sz="3200" dirty="0"/>
-              <a:t>The user guesses 64</a:t>
+              <a:t>This module implements pseudo</a:t>
             </a:r>
             <a:r>
               <a:rPr lang="en-US" sz="3200" dirty="0">
                 <a:solidFill>
-                  <a:schemeClr val="accent1"/>
+                  <a:schemeClr val="accent3"/>
+                </a:solidFill>
+              </a:rPr>
+              <a:t>-</a:t>
+            </a:r>
+            <a:r>
+              <a:rPr lang="en-US" sz="3200" dirty="0"/>
+              <a:t>random number generators for various distributions</a:t>
+            </a:r>
+            <a:r>
+              <a:rPr lang="en-US" sz="3200" dirty="0">
+                <a:solidFill>
+                  <a:schemeClr val="accent6"/>
                 </a:solidFill>
               </a:rPr>
               <a:t>.</a:t>
             </a:r>
           </a:p>
           <a:p>
-            <a:pPr lvl="1"/>
-            <a:r>
-              <a:rPr lang="en-US" sz="2800" dirty="0"/>
-              <a:t>The computer says </a:t>
-            </a:r>
-            <a:r>
-              <a:rPr lang="en-US" sz="2800" b="1" dirty="0">
-                <a:solidFill>
-                  <a:schemeClr val="accent6"/>
-                </a:solidFill>
-              </a:rPr>
-              <a:t>LOWER</a:t>
-            </a:r>
-            <a:r>
-              <a:rPr lang="en-US" sz="2800" dirty="0">
-                <a:solidFill>
-                  <a:schemeClr val="accent1"/>
-                </a:solidFill>
-              </a:rPr>
-              <a:t>.</a:t>
-            </a:r>
-          </a:p>
-          <a:p>
-            <a:pPr lvl="1"/>
             <a:endParaRPr lang="en-US" sz="2800" dirty="0">
               <a:solidFill>
                 <a:schemeClr val="accent1"/>
@@ -1600,10 +1591,10 @@
       </p:sp>
       <p:sp>
         <p:nvSpPr>
-          <p:cNvPr id="4" name="Arrow: Left-Right 3">
-            <a:extLst>
-              <a:ext uri="{FF2B5EF4-FFF2-40B4-BE49-F238E27FC236}">
-                <a16:creationId xmlns:a16="http://schemas.microsoft.com/office/drawing/2014/main" id="{022C15AC-AF7B-460E-8033-14D8CB69B82B}"/>
+          <p:cNvPr id="11" name="Rectangle: Rounded Corners 10">
+            <a:extLst>
+              <a:ext uri="{FF2B5EF4-FFF2-40B4-BE49-F238E27FC236}">
+                <a16:creationId xmlns:a16="http://schemas.microsoft.com/office/drawing/2014/main" id="{2AD12892-252D-47E8-9C1B-32729A13BC0B}"/>
               </a:ext>
             </a:extLst>
           </p:cNvPr>
@@ -1612,12 +1603,18 @@
         </p:nvSpPr>
         <p:spPr>
           <a:xfrm>
-            <a:off x="1427748" y="5570621"/>
-            <a:ext cx="8518358" cy="866274"/>
-          </a:xfrm>
-          <a:prstGeom prst="leftRightArrow">
-            <a:avLst/>
-          </a:prstGeom>
+            <a:off x="7844590" y="1949006"/>
+            <a:ext cx="3958389" cy="4418765"/>
+          </a:xfrm>
+          <a:prstGeom prst="roundRect">
+            <a:avLst/>
+          </a:prstGeom>
+          <a:noFill/>
+          <a:ln w="76200">
+            <a:solidFill>
+              <a:schemeClr val="accent2"/>
+            </a:solidFill>
+          </a:ln>
         </p:spPr>
         <p:style>
           <a:lnRef idx="2">
@@ -1639,8 +1636,57 @@
           <a:bodyPr rtlCol="0" anchor="ctr"/>
           <a:lstStyle/>
           <a:p>
-            <a:pPr algn="ctr"/>
-            <a:endParaRPr lang="en-US"/>
+            <a:r>
+              <a:rPr lang="en-US" sz="4400" b="1" dirty="0">
+                <a:solidFill>
+                  <a:srgbClr val="FFFFFF"/>
+                </a:solidFill>
+              </a:rPr>
+              <a:t>Open your notebook</a:t>
+            </a:r>
+          </a:p>
+          <a:p>
+            <a:endParaRPr lang="en-US" sz="4400" b="1" dirty="0">
+              <a:solidFill>
+                <a:srgbClr val="FFFFFF"/>
+              </a:solidFill>
+            </a:endParaRPr>
+          </a:p>
+          <a:p>
+            <a:r>
+              <a:rPr lang="en-US" sz="2800" b="1" dirty="0">
+                <a:solidFill>
+                  <a:srgbClr val="FFFFFF"/>
+                </a:solidFill>
+              </a:rPr>
+              <a:t>Click Link</a:t>
+            </a:r>
+            <a:r>
+              <a:rPr lang="en-US" sz="2800" b="1" dirty="0">
+                <a:solidFill>
+                  <a:schemeClr val="accent6"/>
+                </a:solidFill>
+              </a:rPr>
+              <a:t>:</a:t>
+            </a:r>
+          </a:p>
+          <a:p>
+            <a:r>
+              <a:rPr lang="en-US" sz="2800" b="1" dirty="0">
+                <a:solidFill>
+                  <a:schemeClr val="accent6"/>
+                </a:solidFill>
+              </a:rPr>
+              <a:t>5. </a:t>
+            </a:r>
+            <a:r>
+              <a:rPr lang="en-US" sz="2600" b="1" dirty="0">
+                <a:solidFill>
+                  <a:schemeClr val="accent6"/>
+                </a:solidFill>
+              </a:rPr>
+              <a:t>Random Module</a:t>
+            </a:r>
           </a:p>
         </p:txBody>
       </p:sp>
@@ -1649,7 +1695,7 @@
           <p:cNvPr id="5" name="TextBox 4">
             <a:extLst>
               <a:ext uri="{FF2B5EF4-FFF2-40B4-BE49-F238E27FC236}">
-                <a16:creationId xmlns:a16="http://schemas.microsoft.com/office/drawing/2014/main" id="{13AF36E5-475E-4F1E-8085-36D4D314CDDC}"/>
+                <a16:creationId xmlns:a16="http://schemas.microsoft.com/office/drawing/2014/main" id="{34F983D5-35D0-4FA4-A078-52AE59EA8EE6}"/>
               </a:ext>
             </a:extLst>
           </p:cNvPr>
@@ -1658,8 +1704,8 @@
         </p:nvSpPr>
         <p:spPr>
           <a:xfrm>
-            <a:off x="772513" y="5588259"/>
-            <a:ext cx="538930" cy="830997"/>
+            <a:off x="987055" y="3429000"/>
+            <a:ext cx="5154173" cy="3046988"/>
           </a:xfrm>
           <a:prstGeom prst="rect">
             <a:avLst/>
@@ -1667,253 +1713,95 @@
           <a:noFill/>
         </p:spPr>
         <p:txBody>
-          <a:bodyPr wrap="none" rtlCol="0">
+          <a:bodyPr wrap="square" rtlCol="0">
             <a:spAutoFit/>
           </a:bodyPr>
           <a:lstStyle/>
           <a:p>
             <a:r>
-              <a:rPr lang="en-US" sz="4800" b="1" dirty="0">
-                <a:solidFill>
-                  <a:srgbClr val="FFFFFF"/>
-                </a:solidFill>
-              </a:rPr>
-              <a:t>0</a:t>
-            </a:r>
-          </a:p>
-        </p:txBody>
-      </p:sp>
-      <p:sp>
-        <p:nvSpPr>
-          <p:cNvPr id="7" name="TextBox 6">
-            <a:extLst>
-              <a:ext uri="{FF2B5EF4-FFF2-40B4-BE49-F238E27FC236}">
-                <a16:creationId xmlns:a16="http://schemas.microsoft.com/office/drawing/2014/main" id="{9F64FC8C-0292-4EC9-A622-76089CA49134}"/>
-              </a:ext>
-            </a:extLst>
-          </p:cNvPr>
-          <p:cNvSpPr txBox="1"/>
-          <p:nvPr/>
-        </p:nvSpPr>
-        <p:spPr>
-          <a:xfrm>
-            <a:off x="10062411" y="5564195"/>
-            <a:ext cx="1247457" cy="830997"/>
-          </a:xfrm>
-          <a:prstGeom prst="rect">
-            <a:avLst/>
-          </a:prstGeom>
-          <a:noFill/>
-        </p:spPr>
-        <p:txBody>
-          <a:bodyPr wrap="none" rtlCol="0">
-            <a:spAutoFit/>
-          </a:bodyPr>
-          <a:lstStyle/>
-          <a:p>
-            <a:r>
-              <a:rPr lang="en-US" sz="4800" b="1" dirty="0">
-                <a:solidFill>
-                  <a:srgbClr val="FFFFFF"/>
-                </a:solidFill>
-              </a:rPr>
-              <a:t>100</a:t>
-            </a:r>
-          </a:p>
-        </p:txBody>
-      </p:sp>
-      <p:sp>
-        <p:nvSpPr>
-          <p:cNvPr id="6" name="Arrow: Down 5">
-            <a:extLst>
-              <a:ext uri="{FF2B5EF4-FFF2-40B4-BE49-F238E27FC236}">
-                <a16:creationId xmlns:a16="http://schemas.microsoft.com/office/drawing/2014/main" id="{733B50B0-CDBA-4289-A206-53669331BC72}"/>
-              </a:ext>
-            </a:extLst>
-          </p:cNvPr>
-          <p:cNvSpPr/>
-          <p:nvPr/>
-        </p:nvSpPr>
-        <p:spPr>
-          <a:xfrm>
-            <a:off x="5807242" y="4914900"/>
-            <a:ext cx="577516" cy="733926"/>
-          </a:xfrm>
-          <a:prstGeom prst="downArrow">
-            <a:avLst/>
-          </a:prstGeom>
-          <a:solidFill>
-            <a:schemeClr val="accent6"/>
-          </a:solidFill>
-        </p:spPr>
-        <p:style>
-          <a:lnRef idx="2">
-            <a:schemeClr val="accent1">
-              <a:shade val="50000"/>
-            </a:schemeClr>
-          </a:lnRef>
-          <a:fillRef idx="1">
-            <a:schemeClr val="accent1"/>
-          </a:fillRef>
-          <a:effectRef idx="0">
-            <a:schemeClr val="accent1"/>
-          </a:effectRef>
-          <a:fontRef idx="minor">
-            <a:schemeClr val="lt1"/>
-          </a:fontRef>
-        </p:style>
-        <p:txBody>
-          <a:bodyPr rtlCol="0" anchor="ctr"/>
-          <a:lstStyle/>
-          <a:p>
-            <a:pPr algn="ctr"/>
-            <a:endParaRPr lang="en-US"/>
-          </a:p>
-        </p:txBody>
-      </p:sp>
-      <p:sp>
-        <p:nvSpPr>
-          <p:cNvPr id="9" name="TextBox 8">
-            <a:extLst>
-              <a:ext uri="{FF2B5EF4-FFF2-40B4-BE49-F238E27FC236}">
-                <a16:creationId xmlns:a16="http://schemas.microsoft.com/office/drawing/2014/main" id="{0447DA6F-ABB0-4FBD-998C-3A0D0F70597C}"/>
-              </a:ext>
-            </a:extLst>
-          </p:cNvPr>
-          <p:cNvSpPr txBox="1"/>
-          <p:nvPr/>
-        </p:nvSpPr>
-        <p:spPr>
-          <a:xfrm>
-            <a:off x="5652746" y="4102767"/>
-            <a:ext cx="893193" cy="830997"/>
-          </a:xfrm>
-          <a:prstGeom prst="rect">
-            <a:avLst/>
-          </a:prstGeom>
-          <a:noFill/>
-        </p:spPr>
-        <p:txBody>
-          <a:bodyPr wrap="none" rtlCol="0">
-            <a:spAutoFit/>
-          </a:bodyPr>
-          <a:lstStyle/>
-          <a:p>
-            <a:r>
-              <a:rPr lang="en-US" sz="4800" b="1" dirty="0">
-                <a:solidFill>
-                  <a:srgbClr val="FFFFFF"/>
-                </a:solidFill>
-              </a:rPr>
-              <a:t>45</a:t>
-            </a:r>
-          </a:p>
-        </p:txBody>
-      </p:sp>
-      <p:sp>
-        <p:nvSpPr>
-          <p:cNvPr id="10" name="Arrow: Down 9">
-            <a:extLst>
-              <a:ext uri="{FF2B5EF4-FFF2-40B4-BE49-F238E27FC236}">
-                <a16:creationId xmlns:a16="http://schemas.microsoft.com/office/drawing/2014/main" id="{C1DDC466-6659-4A36-A754-88725CFDBD2A}"/>
-              </a:ext>
-            </a:extLst>
-          </p:cNvPr>
-          <p:cNvSpPr/>
-          <p:nvPr/>
-        </p:nvSpPr>
-        <p:spPr>
-          <a:xfrm>
-            <a:off x="7680733" y="4914900"/>
-            <a:ext cx="577516" cy="733926"/>
-          </a:xfrm>
-          <a:prstGeom prst="downArrow">
-            <a:avLst/>
-          </a:prstGeom>
-          <a:solidFill>
-            <a:schemeClr val="accent6"/>
-          </a:solidFill>
-        </p:spPr>
-        <p:style>
-          <a:lnRef idx="2">
-            <a:schemeClr val="accent1">
-              <a:shade val="50000"/>
-            </a:schemeClr>
-          </a:lnRef>
-          <a:fillRef idx="1">
-            <a:schemeClr val="accent1"/>
-          </a:fillRef>
-          <a:effectRef idx="0">
-            <a:schemeClr val="accent1"/>
-          </a:effectRef>
-          <a:fontRef idx="minor">
-            <a:schemeClr val="lt1"/>
-          </a:fontRef>
-        </p:style>
-        <p:txBody>
-          <a:bodyPr rtlCol="0" anchor="ctr"/>
-          <a:lstStyle/>
-          <a:p>
-            <a:pPr algn="ctr"/>
-            <a:endParaRPr lang="en-US"/>
-          </a:p>
-        </p:txBody>
-      </p:sp>
-      <p:sp>
-        <p:nvSpPr>
-          <p:cNvPr id="11" name="TextBox 10">
-            <a:extLst>
-              <a:ext uri="{FF2B5EF4-FFF2-40B4-BE49-F238E27FC236}">
-                <a16:creationId xmlns:a16="http://schemas.microsoft.com/office/drawing/2014/main" id="{B195CD0A-AEF3-4DF9-B80C-46CAB58B0EBE}"/>
-              </a:ext>
-            </a:extLst>
-          </p:cNvPr>
-          <p:cNvSpPr txBox="1"/>
-          <p:nvPr/>
-        </p:nvSpPr>
-        <p:spPr>
-          <a:xfrm>
-            <a:off x="7314504" y="3613918"/>
-            <a:ext cx="1309974" cy="1323439"/>
-          </a:xfrm>
-          <a:prstGeom prst="rect">
-            <a:avLst/>
-          </a:prstGeom>
-          <a:noFill/>
-        </p:spPr>
-        <p:txBody>
-          <a:bodyPr wrap="none" rtlCol="0">
-            <a:spAutoFit/>
-          </a:bodyPr>
-          <a:lstStyle/>
-          <a:p>
-            <a:pPr algn="ctr"/>
-            <a:r>
               <a:rPr lang="en-US" sz="3200" b="1" dirty="0">
                 <a:solidFill>
-                  <a:srgbClr val="FFFFFF"/>
-                </a:solidFill>
-              </a:rPr>
-              <a:t>Guess</a:t>
-            </a:r>
-          </a:p>
-          <a:p>
-            <a:pPr algn="ctr"/>
-            <a:r>
-              <a:rPr lang="en-US" sz="4800" b="1" dirty="0">
-                <a:solidFill>
-                  <a:srgbClr val="FFFFFF"/>
-                </a:solidFill>
-              </a:rPr>
-              <a:t>64</a:t>
-            </a:r>
+                  <a:srgbClr val="00FF00"/>
+                </a:solidFill>
+                <a:latin typeface="Courier New" panose="02070309020205020404" pitchFamily="49" charset="0"/>
+                <a:cs typeface="Courier New" panose="02070309020205020404" pitchFamily="49" charset="0"/>
+              </a:rPr>
+              <a:t>import random</a:t>
+            </a:r>
+          </a:p>
+          <a:p>
+            <a:endParaRPr lang="en-US" sz="3200" b="1" dirty="0">
+              <a:solidFill>
+                <a:srgbClr val="00FF00"/>
+              </a:solidFill>
+              <a:latin typeface="Courier New" panose="02070309020205020404" pitchFamily="49" charset="0"/>
+              <a:cs typeface="Courier New" panose="02070309020205020404" pitchFamily="49" charset="0"/>
+            </a:endParaRPr>
+          </a:p>
+          <a:p>
+            <a:r>
+              <a:rPr lang="en-US" sz="3200" b="1" dirty="0">
+                <a:solidFill>
+                  <a:srgbClr val="00FF00"/>
+                </a:solidFill>
+                <a:latin typeface="Courier New" panose="02070309020205020404" pitchFamily="49" charset="0"/>
+                <a:cs typeface="Courier New" panose="02070309020205020404" pitchFamily="49" charset="0"/>
+              </a:rPr>
+              <a:t>random.uniform()</a:t>
+            </a:r>
+          </a:p>
+          <a:p>
+            <a:r>
+              <a:rPr lang="en-US" sz="3200" b="1" dirty="0">
+                <a:solidFill>
+                  <a:srgbClr val="00FF00"/>
+                </a:solidFill>
+                <a:latin typeface="Courier New" panose="02070309020205020404" pitchFamily="49" charset="0"/>
+                <a:cs typeface="Courier New" panose="02070309020205020404" pitchFamily="49" charset="0"/>
+              </a:rPr>
+              <a:t>random.random()</a:t>
+            </a:r>
+          </a:p>
+          <a:p>
+            <a:r>
+              <a:rPr lang="en-US" sz="3200" b="1" dirty="0">
+                <a:solidFill>
+                  <a:srgbClr val="00FF00"/>
+                </a:solidFill>
+                <a:latin typeface="Courier New" panose="02070309020205020404" pitchFamily="49" charset="0"/>
+                <a:cs typeface="Courier New" panose="02070309020205020404" pitchFamily="49" charset="0"/>
+              </a:rPr>
+              <a:t>random.randint()</a:t>
+            </a:r>
+          </a:p>
+          <a:p>
+            <a:r>
+              <a:rPr lang="en-US" sz="3200" b="1" dirty="0">
+                <a:solidFill>
+                  <a:srgbClr val="00FF00"/>
+                </a:solidFill>
+                <a:latin typeface="Courier New" panose="02070309020205020404" pitchFamily="49" charset="0"/>
+                <a:cs typeface="Courier New" panose="02070309020205020404" pitchFamily="49" charset="0"/>
+              </a:rPr>
+              <a:t>…</a:t>
+            </a:r>
+            <a:endParaRPr lang="en-US" sz="3200" b="1" dirty="0">
+              <a:solidFill>
+                <a:schemeClr val="accent6">
+                  <a:lumMod val="40000"/>
+                  <a:lumOff val="60000"/>
+                </a:schemeClr>
+              </a:solidFill>
+              <a:latin typeface="Courier New" panose="02070309020205020404" pitchFamily="49" charset="0"/>
+              <a:cs typeface="Courier New" panose="02070309020205020404" pitchFamily="49" charset="0"/>
+            </a:endParaRPr>
           </a:p>
         </p:txBody>
       </p:sp>
     </p:spTree>
     <p:extLst>
       <p:ext uri="{BB962C8B-B14F-4D97-AF65-F5344CB8AC3E}">
-        <p14:creationId xmlns:p14="http://schemas.microsoft.com/office/powerpoint/2010/main" val="3339925704"/>
+        <p14:creationId xmlns:p14="http://schemas.microsoft.com/office/powerpoint/2010/main" val="1927834383"/>
       </p:ext>
     </p:extLst>
   </p:cSld>
@@ -1977,220 +1865,286 @@
       </p:sp>
       <p:sp>
         <p:nvSpPr>
-          <p:cNvPr id="4" name="Arrow: Left-Right 3">
-            <a:extLst>
-              <a:ext uri="{FF2B5EF4-FFF2-40B4-BE49-F238E27FC236}">
-                <a16:creationId xmlns:a16="http://schemas.microsoft.com/office/drawing/2014/main" id="{022C15AC-AF7B-460E-8033-14D8CB69B82B}"/>
-              </a:ext>
-            </a:extLst>
-          </p:cNvPr>
-          <p:cNvSpPr/>
+          <p:cNvPr id="3" name="Content Placeholder 2">
+            <a:extLst>
+              <a:ext uri="{FF2B5EF4-FFF2-40B4-BE49-F238E27FC236}">
+                <a16:creationId xmlns:a16="http://schemas.microsoft.com/office/drawing/2014/main" id="{86B251CA-11BF-441F-8DAF-B316636B94DD}"/>
+              </a:ext>
+            </a:extLst>
+          </p:cNvPr>
+          <p:cNvSpPr>
+            <a:spLocks noGrp="1"/>
+          </p:cNvSpPr>
+          <p:nvPr>
+            <p:ph idx="1"/>
+          </p:nvPr>
+        </p:nvSpPr>
+        <p:spPr>
+          <a:xfrm>
+            <a:off x="838200" y="1825624"/>
+            <a:ext cx="6862011" cy="4900029"/>
+          </a:xfrm>
+        </p:spPr>
+        <p:txBody>
+          <a:bodyPr>
+            <a:normAutofit lnSpcReduction="10000"/>
+          </a:bodyPr>
+          <a:lstStyle/>
+          <a:p>
+            <a:r>
+              <a:rPr lang="en-US" sz="3200" dirty="0"/>
+              <a:t>Let</a:t>
+            </a:r>
+            <a:r>
+              <a:rPr lang="en-US" sz="3200" dirty="0">
+                <a:solidFill>
+                  <a:schemeClr val="accent1"/>
+                </a:solidFill>
+              </a:rPr>
+              <a:t>’</a:t>
+            </a:r>
+            <a:r>
+              <a:rPr lang="en-US" sz="3200" dirty="0"/>
+              <a:t>s build a simple guessing game</a:t>
+            </a:r>
+            <a:r>
+              <a:rPr lang="en-US" sz="3200" dirty="0">
+                <a:solidFill>
+                  <a:schemeClr val="accent1"/>
+                </a:solidFill>
+              </a:rPr>
+              <a:t>.</a:t>
+            </a:r>
+            <a:r>
+              <a:rPr lang="en-US" sz="3200" dirty="0"/>
+              <a:t> </a:t>
+            </a:r>
+            <a:endParaRPr lang="en-US" sz="3200" dirty="0">
+              <a:solidFill>
+                <a:schemeClr val="accent1"/>
+              </a:solidFill>
+            </a:endParaRPr>
+          </a:p>
+          <a:p>
+            <a:pPr lvl="1"/>
+            <a:r>
+              <a:rPr lang="en-US" sz="2800" dirty="0"/>
+              <a:t>Get the computer to choose a random integer from 0 to 100</a:t>
+            </a:r>
+            <a:r>
+              <a:rPr lang="en-US" sz="2800" dirty="0">
+                <a:solidFill>
+                  <a:schemeClr val="accent1"/>
+                </a:solidFill>
+              </a:rPr>
+              <a:t>.</a:t>
+            </a:r>
+          </a:p>
+          <a:p>
+            <a:pPr lvl="1"/>
+            <a:r>
+              <a:rPr lang="en-US" sz="2800" dirty="0"/>
+              <a:t>Ask the user for a guess and allow the user to input a guess or </a:t>
+            </a:r>
+            <a:r>
+              <a:rPr lang="en-US" sz="2800" dirty="0">
+                <a:solidFill>
+                  <a:schemeClr val="accent6"/>
+                </a:solidFill>
+              </a:rPr>
+              <a:t>"</a:t>
+            </a:r>
+            <a:r>
+              <a:rPr lang="en-US" sz="2800" dirty="0"/>
+              <a:t>q</a:t>
+            </a:r>
+            <a:r>
+              <a:rPr lang="en-US" sz="2800" dirty="0">
+                <a:solidFill>
+                  <a:schemeClr val="accent6"/>
+                </a:solidFill>
+              </a:rPr>
+              <a:t>“</a:t>
+            </a:r>
+            <a:r>
+              <a:rPr lang="en-US" sz="2800" dirty="0">
+                <a:solidFill>
+                  <a:schemeClr val="accent1"/>
+                </a:solidFill>
+              </a:rPr>
+              <a:t>.</a:t>
+            </a:r>
+          </a:p>
+          <a:p>
+            <a:pPr lvl="1"/>
+            <a:r>
+              <a:rPr lang="en-US" sz="2800" dirty="0"/>
+              <a:t>If the user inputs </a:t>
+            </a:r>
+            <a:r>
+              <a:rPr lang="en-US" sz="2800" dirty="0">
+                <a:solidFill>
+                  <a:schemeClr val="accent6"/>
+                </a:solidFill>
+              </a:rPr>
+              <a:t>"</a:t>
+            </a:r>
+            <a:r>
+              <a:rPr lang="en-US" sz="2800" dirty="0"/>
+              <a:t>q</a:t>
+            </a:r>
+            <a:r>
+              <a:rPr lang="en-US" sz="2800" dirty="0">
+                <a:solidFill>
+                  <a:schemeClr val="accent6"/>
+                </a:solidFill>
+              </a:rPr>
+              <a:t>"</a:t>
+            </a:r>
+            <a:r>
+              <a:rPr lang="en-US" sz="2800" dirty="0"/>
+              <a:t> print a nice message and end the program</a:t>
+            </a:r>
+            <a:r>
+              <a:rPr lang="en-US" sz="2800" dirty="0">
+                <a:solidFill>
+                  <a:schemeClr val="accent1"/>
+                </a:solidFill>
+              </a:rPr>
+              <a:t>.</a:t>
+            </a:r>
+          </a:p>
+          <a:p>
+            <a:pPr lvl="1"/>
+            <a:r>
+              <a:rPr lang="en-US" sz="2800" dirty="0"/>
+              <a:t>If the user enters a guess</a:t>
+            </a:r>
+            <a:r>
+              <a:rPr lang="en-US" sz="2800" dirty="0">
+                <a:solidFill>
+                  <a:schemeClr val="accent1"/>
+                </a:solidFill>
+              </a:rPr>
+              <a:t>,</a:t>
+            </a:r>
+            <a:r>
+              <a:rPr lang="en-US" sz="2800" dirty="0"/>
+              <a:t> tell them if they should guess higher</a:t>
+            </a:r>
+            <a:r>
+              <a:rPr lang="en-US" sz="2800" dirty="0">
+                <a:solidFill>
+                  <a:schemeClr val="accent1"/>
+                </a:solidFill>
+              </a:rPr>
+              <a:t>,</a:t>
+            </a:r>
+            <a:r>
+              <a:rPr lang="en-US" sz="2800" dirty="0"/>
+              <a:t> lower</a:t>
+            </a:r>
+            <a:r>
+              <a:rPr lang="en-US" sz="2800" dirty="0">
+                <a:solidFill>
+                  <a:schemeClr val="accent1"/>
+                </a:solidFill>
+              </a:rPr>
+              <a:t>,</a:t>
+            </a:r>
+            <a:r>
+              <a:rPr lang="en-US" sz="2800" dirty="0"/>
+              <a:t> or if they got it right</a:t>
+            </a:r>
+            <a:r>
+              <a:rPr lang="en-US" sz="2800" dirty="0">
+                <a:solidFill>
+                  <a:schemeClr val="accent1"/>
+                </a:solidFill>
+              </a:rPr>
+              <a:t>.</a:t>
+            </a:r>
+          </a:p>
+          <a:p>
+            <a:pPr lvl="1"/>
+            <a:r>
+              <a:rPr lang="en-US" sz="2800" dirty="0"/>
+              <a:t>If they got it right</a:t>
+            </a:r>
+            <a:r>
+              <a:rPr lang="en-US" sz="2800" dirty="0">
+                <a:solidFill>
+                  <a:schemeClr val="accent1"/>
+                </a:solidFill>
+              </a:rPr>
+              <a:t>,</a:t>
+            </a:r>
+            <a:r>
+              <a:rPr lang="en-US" sz="2800" dirty="0"/>
+              <a:t> print a nice message and quit</a:t>
+            </a:r>
+            <a:r>
+              <a:rPr lang="en-US" sz="2800" dirty="0">
+                <a:solidFill>
+                  <a:schemeClr val="accent1"/>
+                </a:solidFill>
+              </a:rPr>
+              <a:t>.</a:t>
+            </a:r>
+          </a:p>
+        </p:txBody>
+      </p:sp>
+      <p:pic>
+        <p:nvPicPr>
+          <p:cNvPr id="3080" name="Picture 8" descr="Fantasmas comecocos png 3 » PNG Image">
+            <a:extLst>
+              <a:ext uri="{FF2B5EF4-FFF2-40B4-BE49-F238E27FC236}">
+                <a16:creationId xmlns:a16="http://schemas.microsoft.com/office/drawing/2014/main" id="{5ACEBED3-EB92-414C-81E9-E52FA32B2E53}"/>
+              </a:ext>
+            </a:extLst>
+          </p:cNvPr>
+          <p:cNvPicPr>
+            <a:picLocks noChangeAspect="1" noChangeArrowheads="1"/>
+          </p:cNvPicPr>
           <p:nvPr/>
-        </p:nvSpPr>
-        <p:spPr>
-          <a:xfrm>
-            <a:off x="1427748" y="5570621"/>
-            <a:ext cx="8518358" cy="866274"/>
-          </a:xfrm>
-          <a:prstGeom prst="leftRightArrow">
-            <a:avLst/>
-          </a:prstGeom>
-        </p:spPr>
-        <p:style>
-          <a:lnRef idx="2">
-            <a:schemeClr val="accent1">
-              <a:shade val="50000"/>
-            </a:schemeClr>
-          </a:lnRef>
-          <a:fillRef idx="1">
-            <a:schemeClr val="accent1"/>
-          </a:fillRef>
-          <a:effectRef idx="0">
-            <a:schemeClr val="accent1"/>
-          </a:effectRef>
-          <a:fontRef idx="minor">
-            <a:schemeClr val="lt1"/>
-          </a:fontRef>
-        </p:style>
-        <p:txBody>
-          <a:bodyPr rtlCol="0" anchor="ctr"/>
-          <a:lstStyle/>
-          <a:p>
-            <a:pPr algn="ctr"/>
-            <a:endParaRPr lang="en-US"/>
-          </a:p>
-        </p:txBody>
-      </p:sp>
-      <p:sp>
-        <p:nvSpPr>
-          <p:cNvPr id="5" name="TextBox 4">
-            <a:extLst>
-              <a:ext uri="{FF2B5EF4-FFF2-40B4-BE49-F238E27FC236}">
-                <a16:creationId xmlns:a16="http://schemas.microsoft.com/office/drawing/2014/main" id="{13AF36E5-475E-4F1E-8085-36D4D314CDDC}"/>
-              </a:ext>
-            </a:extLst>
-          </p:cNvPr>
-          <p:cNvSpPr txBox="1"/>
-          <p:nvPr/>
-        </p:nvSpPr>
-        <p:spPr>
-          <a:xfrm>
-            <a:off x="772513" y="5588259"/>
-            <a:ext cx="538930" cy="830997"/>
+        </p:nvPicPr>
+        <p:blipFill>
+          <a:blip r:embed="rId2">
+            <a:extLst>
+              <a:ext uri="{28A0092B-C50C-407E-A947-70E740481C1C}">
+                <a14:useLocalDpi xmlns:a14="http://schemas.microsoft.com/office/drawing/2010/main" val="0"/>
+              </a:ext>
+            </a:extLst>
+          </a:blip>
+          <a:srcRect/>
+          <a:stretch>
+            <a:fillRect/>
+          </a:stretch>
+        </p:blipFill>
+        <p:spPr bwMode="auto">
+          <a:xfrm>
+            <a:off x="8283072" y="1825624"/>
+            <a:ext cx="3395580" cy="3395580"/>
           </a:xfrm>
           <a:prstGeom prst="rect">
             <a:avLst/>
           </a:prstGeom>
           <a:noFill/>
-        </p:spPr>
-        <p:txBody>
-          <a:bodyPr wrap="none" rtlCol="0">
-            <a:spAutoFit/>
-          </a:bodyPr>
-          <a:lstStyle/>
-          <a:p>
-            <a:r>
-              <a:rPr lang="en-US" sz="4800" b="1" dirty="0">
+          <a:extLst>
+            <a:ext uri="{909E8E84-426E-40DD-AFC4-6F175D3DCCD1}">
+              <a14:hiddenFill xmlns:a14="http://schemas.microsoft.com/office/drawing/2010/main">
                 <a:solidFill>
                   <a:srgbClr val="FFFFFF"/>
                 </a:solidFill>
-              </a:rPr>
-              <a:t>0</a:t>
-            </a:r>
-          </a:p>
-        </p:txBody>
-      </p:sp>
-      <p:sp>
-        <p:nvSpPr>
-          <p:cNvPr id="7" name="TextBox 6">
-            <a:extLst>
-              <a:ext uri="{FF2B5EF4-FFF2-40B4-BE49-F238E27FC236}">
-                <a16:creationId xmlns:a16="http://schemas.microsoft.com/office/drawing/2014/main" id="{9F64FC8C-0292-4EC9-A622-76089CA49134}"/>
-              </a:ext>
-            </a:extLst>
-          </p:cNvPr>
-          <p:cNvSpPr txBox="1"/>
-          <p:nvPr/>
-        </p:nvSpPr>
-        <p:spPr>
-          <a:xfrm>
-            <a:off x="10062411" y="5564195"/>
-            <a:ext cx="893193" cy="830997"/>
-          </a:xfrm>
-          <a:prstGeom prst="rect">
-            <a:avLst/>
-          </a:prstGeom>
-          <a:noFill/>
-        </p:spPr>
-        <p:txBody>
-          <a:bodyPr wrap="none" rtlCol="0">
-            <a:spAutoFit/>
-          </a:bodyPr>
-          <a:lstStyle/>
-          <a:p>
-            <a:r>
-              <a:rPr lang="en-US" sz="4800" b="1" dirty="0">
-                <a:solidFill>
-                  <a:srgbClr val="FFFFFF"/>
-                </a:solidFill>
-              </a:rPr>
-              <a:t>64</a:t>
-            </a:r>
-          </a:p>
-        </p:txBody>
-      </p:sp>
-      <p:sp>
-        <p:nvSpPr>
-          <p:cNvPr id="6" name="Arrow: Down 5">
-            <a:extLst>
-              <a:ext uri="{FF2B5EF4-FFF2-40B4-BE49-F238E27FC236}">
-                <a16:creationId xmlns:a16="http://schemas.microsoft.com/office/drawing/2014/main" id="{733B50B0-CDBA-4289-A206-53669331BC72}"/>
-              </a:ext>
-            </a:extLst>
-          </p:cNvPr>
-          <p:cNvSpPr/>
-          <p:nvPr/>
-        </p:nvSpPr>
-        <p:spPr>
-          <a:xfrm>
-            <a:off x="5807242" y="4914900"/>
-            <a:ext cx="577516" cy="733926"/>
-          </a:xfrm>
-          <a:prstGeom prst="downArrow">
-            <a:avLst/>
-          </a:prstGeom>
-          <a:solidFill>
-            <a:schemeClr val="accent6"/>
-          </a:solidFill>
-        </p:spPr>
-        <p:style>
-          <a:lnRef idx="2">
-            <a:schemeClr val="accent1">
-              <a:shade val="50000"/>
-            </a:schemeClr>
-          </a:lnRef>
-          <a:fillRef idx="1">
-            <a:schemeClr val="accent1"/>
-          </a:fillRef>
-          <a:effectRef idx="0">
-            <a:schemeClr val="accent1"/>
-          </a:effectRef>
-          <a:fontRef idx="minor">
-            <a:schemeClr val="lt1"/>
-          </a:fontRef>
-        </p:style>
-        <p:txBody>
-          <a:bodyPr rtlCol="0" anchor="ctr"/>
-          <a:lstStyle/>
-          <a:p>
-            <a:pPr algn="ctr"/>
-            <a:endParaRPr lang="en-US"/>
-          </a:p>
-        </p:txBody>
-      </p:sp>
-      <p:sp>
-        <p:nvSpPr>
-          <p:cNvPr id="9" name="TextBox 8">
-            <a:extLst>
-              <a:ext uri="{FF2B5EF4-FFF2-40B4-BE49-F238E27FC236}">
-                <a16:creationId xmlns:a16="http://schemas.microsoft.com/office/drawing/2014/main" id="{0447DA6F-ABB0-4FBD-998C-3A0D0F70597C}"/>
-              </a:ext>
-            </a:extLst>
-          </p:cNvPr>
-          <p:cNvSpPr txBox="1"/>
-          <p:nvPr/>
-        </p:nvSpPr>
-        <p:spPr>
-          <a:xfrm>
-            <a:off x="5652746" y="4102767"/>
-            <a:ext cx="893193" cy="830997"/>
-          </a:xfrm>
-          <a:prstGeom prst="rect">
-            <a:avLst/>
-          </a:prstGeom>
-          <a:noFill/>
-        </p:spPr>
-        <p:txBody>
-          <a:bodyPr wrap="none" rtlCol="0">
-            <a:spAutoFit/>
-          </a:bodyPr>
-          <a:lstStyle/>
-          <a:p>
-            <a:r>
-              <a:rPr lang="en-US" sz="4800" b="1" dirty="0">
-                <a:solidFill>
-                  <a:srgbClr val="FFFFFF"/>
-                </a:solidFill>
-              </a:rPr>
-              <a:t>45</a:t>
-            </a:r>
-          </a:p>
-        </p:txBody>
-      </p:sp>
+              </a14:hiddenFill>
+            </a:ext>
+          </a:extLst>
+        </p:spPr>
+      </p:pic>
     </p:spTree>
     <p:extLst>
       <p:ext uri="{BB962C8B-B14F-4D97-AF65-F5344CB8AC3E}">
-        <p14:creationId xmlns:p14="http://schemas.microsoft.com/office/powerpoint/2010/main" val="994667479"/>
+        <p14:creationId xmlns:p14="http://schemas.microsoft.com/office/powerpoint/2010/main" val="1157149472"/>
       </p:ext>
     </p:extLst>
   </p:cSld>
@@ -2282,7 +2236,7 @@
           <a:p>
             <a:r>
               <a:rPr lang="en-US" sz="3200" dirty="0"/>
-              <a:t>The user guesses 40</a:t>
+              <a:t>Get the computer to choose a random integer from 0 to 100</a:t>
             </a:r>
             <a:r>
               <a:rPr lang="en-US" sz="3200" dirty="0">
@@ -2297,15 +2251,7 @@
             <a:pPr lvl="1"/>
             <a:r>
               <a:rPr lang="en-US" sz="2800" dirty="0"/>
-              <a:t>The computer says </a:t>
-            </a:r>
-            <a:r>
-              <a:rPr lang="en-US" sz="2800" b="1" dirty="0">
-                <a:solidFill>
-                  <a:schemeClr val="accent6"/>
-                </a:solidFill>
-              </a:rPr>
-              <a:t>HIGHER</a:t>
+              <a:t>The computer selects 45</a:t>
             </a:r>
             <a:r>
               <a:rPr lang="en-US" sz="2800" dirty="0">
@@ -2426,7 +2372,7 @@
         <p:spPr>
           <a:xfrm>
             <a:off x="10062411" y="5564195"/>
-            <a:ext cx="893193" cy="830997"/>
+            <a:ext cx="1247457" cy="830997"/>
           </a:xfrm>
           <a:prstGeom prst="rect">
             <a:avLst/>
@@ -2445,7 +2391,7 @@
                   <a:srgbClr val="FFFFFF"/>
                 </a:solidFill>
               </a:rPr>
-              <a:t>64</a:t>
+              <a:t>100</a:t>
             </a:r>
           </a:p>
         </p:txBody>
@@ -2538,110 +2484,10 @@
           </a:p>
         </p:txBody>
       </p:sp>
-      <p:sp>
-        <p:nvSpPr>
-          <p:cNvPr id="14" name="Arrow: Down 13">
-            <a:extLst>
-              <a:ext uri="{FF2B5EF4-FFF2-40B4-BE49-F238E27FC236}">
-                <a16:creationId xmlns:a16="http://schemas.microsoft.com/office/drawing/2014/main" id="{80967259-EDFC-4AEC-86B9-263E0978450D}"/>
-              </a:ext>
-            </a:extLst>
-          </p:cNvPr>
-          <p:cNvSpPr/>
-          <p:nvPr/>
-        </p:nvSpPr>
-        <p:spPr>
-          <a:xfrm>
-            <a:off x="4913464" y="4914900"/>
-            <a:ext cx="577516" cy="733926"/>
-          </a:xfrm>
-          <a:prstGeom prst="downArrow">
-            <a:avLst/>
-          </a:prstGeom>
-          <a:solidFill>
-            <a:schemeClr val="accent6"/>
-          </a:solidFill>
-        </p:spPr>
-        <p:style>
-          <a:lnRef idx="2">
-            <a:schemeClr val="accent1">
-              <a:shade val="50000"/>
-            </a:schemeClr>
-          </a:lnRef>
-          <a:fillRef idx="1">
-            <a:schemeClr val="accent1"/>
-          </a:fillRef>
-          <a:effectRef idx="0">
-            <a:schemeClr val="accent1"/>
-          </a:effectRef>
-          <a:fontRef idx="minor">
-            <a:schemeClr val="lt1"/>
-          </a:fontRef>
-        </p:style>
-        <p:txBody>
-          <a:bodyPr rtlCol="0" anchor="ctr"/>
-          <a:lstStyle/>
-          <a:p>
-            <a:pPr algn="ctr"/>
-            <a:endParaRPr lang="en-US"/>
-          </a:p>
-        </p:txBody>
-      </p:sp>
-      <p:sp>
-        <p:nvSpPr>
-          <p:cNvPr id="15" name="TextBox 14">
-            <a:extLst>
-              <a:ext uri="{FF2B5EF4-FFF2-40B4-BE49-F238E27FC236}">
-                <a16:creationId xmlns:a16="http://schemas.microsoft.com/office/drawing/2014/main" id="{938612DF-7D67-4673-97CE-D63B0AD6F0EB}"/>
-              </a:ext>
-            </a:extLst>
-          </p:cNvPr>
-          <p:cNvSpPr txBox="1"/>
-          <p:nvPr/>
-        </p:nvSpPr>
-        <p:spPr>
-          <a:xfrm>
-            <a:off x="4547235" y="3613918"/>
-            <a:ext cx="1309974" cy="1323439"/>
-          </a:xfrm>
-          <a:prstGeom prst="rect">
-            <a:avLst/>
-          </a:prstGeom>
-          <a:noFill/>
-        </p:spPr>
-        <p:txBody>
-          <a:bodyPr wrap="none" rtlCol="0">
-            <a:spAutoFit/>
-          </a:bodyPr>
-          <a:lstStyle/>
-          <a:p>
-            <a:pPr algn="ctr"/>
-            <a:r>
-              <a:rPr lang="en-US" sz="3200" b="1" dirty="0">
-                <a:solidFill>
-                  <a:srgbClr val="FFFFFF"/>
-                </a:solidFill>
-              </a:rPr>
-              <a:t>Guess</a:t>
-            </a:r>
-          </a:p>
-          <a:p>
-            <a:pPr algn="ctr"/>
-            <a:r>
-              <a:rPr lang="en-US" sz="4800" b="1" dirty="0">
-                <a:solidFill>
-                  <a:srgbClr val="FFFFFF"/>
-                </a:solidFill>
-              </a:rPr>
-              <a:t>40</a:t>
-            </a:r>
-          </a:p>
-        </p:txBody>
-      </p:sp>
     </p:spTree>
     <p:extLst>
       <p:ext uri="{BB962C8B-B14F-4D97-AF65-F5344CB8AC3E}">
-        <p14:creationId xmlns:p14="http://schemas.microsoft.com/office/powerpoint/2010/main" val="522241011"/>
+        <p14:creationId xmlns:p14="http://schemas.microsoft.com/office/powerpoint/2010/main" val="274963191"/>
       </p:ext>
     </p:extLst>
   </p:cSld>
@@ -2705,6 +2551,80 @@
       </p:sp>
       <p:sp>
         <p:nvSpPr>
+          <p:cNvPr id="3" name="Content Placeholder 2">
+            <a:extLst>
+              <a:ext uri="{FF2B5EF4-FFF2-40B4-BE49-F238E27FC236}">
+                <a16:creationId xmlns:a16="http://schemas.microsoft.com/office/drawing/2014/main" id="{86B251CA-11BF-441F-8DAF-B316636B94DD}"/>
+              </a:ext>
+            </a:extLst>
+          </p:cNvPr>
+          <p:cNvSpPr>
+            <a:spLocks noGrp="1"/>
+          </p:cNvSpPr>
+          <p:nvPr>
+            <p:ph idx="1"/>
+          </p:nvPr>
+        </p:nvSpPr>
+        <p:spPr>
+          <a:xfrm>
+            <a:off x="838200" y="1825624"/>
+            <a:ext cx="9316453" cy="4900029"/>
+          </a:xfrm>
+        </p:spPr>
+        <p:txBody>
+          <a:bodyPr>
+            <a:normAutofit/>
+          </a:bodyPr>
+          <a:lstStyle/>
+          <a:p>
+            <a:r>
+              <a:rPr lang="en-US" sz="3200" dirty="0"/>
+              <a:t>The user guesses 64</a:t>
+            </a:r>
+            <a:r>
+              <a:rPr lang="en-US" sz="3200" dirty="0">
+                <a:solidFill>
+                  <a:schemeClr val="accent1"/>
+                </a:solidFill>
+              </a:rPr>
+              <a:t>.</a:t>
+            </a:r>
+          </a:p>
+          <a:p>
+            <a:pPr lvl="1"/>
+            <a:r>
+              <a:rPr lang="en-US" sz="2800" dirty="0"/>
+              <a:t>The computer says </a:t>
+            </a:r>
+            <a:r>
+              <a:rPr lang="en-US" sz="2800" b="1" dirty="0">
+                <a:solidFill>
+                  <a:schemeClr val="accent6"/>
+                </a:solidFill>
+              </a:rPr>
+              <a:t>LOWER</a:t>
+            </a:r>
+            <a:r>
+              <a:rPr lang="en-US" sz="2800" dirty="0">
+                <a:solidFill>
+                  <a:schemeClr val="accent1"/>
+                </a:solidFill>
+              </a:rPr>
+              <a:t>.</a:t>
+            </a:r>
+          </a:p>
+          <a:p>
+            <a:pPr lvl="1"/>
+            <a:endParaRPr lang="en-US" sz="2800" dirty="0">
+              <a:solidFill>
+                <a:schemeClr val="accent1"/>
+              </a:solidFill>
+            </a:endParaRPr>
+          </a:p>
+        </p:txBody>
+      </p:sp>
+      <p:sp>
+        <p:nvSpPr>
           <p:cNvPr id="4" name="Arrow: Left-Right 3">
             <a:extLst>
               <a:ext uri="{FF2B5EF4-FFF2-40B4-BE49-F238E27FC236}">
@@ -2763,8 +2683,8 @@
         </p:nvSpPr>
         <p:spPr>
           <a:xfrm>
-            <a:off x="439728" y="5581835"/>
-            <a:ext cx="893193" cy="830997"/>
+            <a:off x="772513" y="5588259"/>
+            <a:ext cx="538930" cy="830997"/>
           </a:xfrm>
           <a:prstGeom prst="rect">
             <a:avLst/>
@@ -2783,7 +2703,7 @@
                   <a:srgbClr val="FFFFFF"/>
                 </a:solidFill>
               </a:rPr>
-              <a:t>40</a:t>
+              <a:t>0</a:t>
             </a:r>
           </a:p>
         </p:txBody>
@@ -2803,7 +2723,7 @@
         <p:spPr>
           <a:xfrm>
             <a:off x="10062411" y="5564195"/>
-            <a:ext cx="893193" cy="830997"/>
+            <a:ext cx="1247457" cy="830997"/>
           </a:xfrm>
           <a:prstGeom prst="rect">
             <a:avLst/>
@@ -2822,17 +2742,17 @@
                   <a:srgbClr val="FFFFFF"/>
                 </a:solidFill>
               </a:rPr>
-              <a:t>64</a:t>
-            </a:r>
-          </a:p>
-        </p:txBody>
-      </p:sp>
-      <p:sp>
-        <p:nvSpPr>
-          <p:cNvPr id="9" name="Arrow: Down 8">
-            <a:extLst>
-              <a:ext uri="{FF2B5EF4-FFF2-40B4-BE49-F238E27FC236}">
-                <a16:creationId xmlns:a16="http://schemas.microsoft.com/office/drawing/2014/main" id="{4E85E84E-14DE-40EA-9247-23F52F7B9905}"/>
+              <a:t>100</a:t>
+            </a:r>
+          </a:p>
+        </p:txBody>
+      </p:sp>
+      <p:sp>
+        <p:nvSpPr>
+          <p:cNvPr id="6" name="Arrow: Down 5">
+            <a:extLst>
+              <a:ext uri="{FF2B5EF4-FFF2-40B4-BE49-F238E27FC236}">
+                <a16:creationId xmlns:a16="http://schemas.microsoft.com/office/drawing/2014/main" id="{733B50B0-CDBA-4289-A206-53669331BC72}"/>
               </a:ext>
             </a:extLst>
           </p:cNvPr>
@@ -2878,10 +2798,10 @@
       </p:sp>
       <p:sp>
         <p:nvSpPr>
-          <p:cNvPr id="10" name="TextBox 9">
-            <a:extLst>
-              <a:ext uri="{FF2B5EF4-FFF2-40B4-BE49-F238E27FC236}">
-                <a16:creationId xmlns:a16="http://schemas.microsoft.com/office/drawing/2014/main" id="{38F8F260-554C-44A4-81BC-AF9C67EB4CCC}"/>
+          <p:cNvPr id="9" name="TextBox 8">
+            <a:extLst>
+              <a:ext uri="{FF2B5EF4-FFF2-40B4-BE49-F238E27FC236}">
+                <a16:creationId xmlns:a16="http://schemas.microsoft.com/office/drawing/2014/main" id="{0447DA6F-ABB0-4FBD-998C-3A0D0F70597C}"/>
               </a:ext>
             </a:extLst>
           </p:cNvPr>
@@ -2915,10 +2835,110 @@
           </a:p>
         </p:txBody>
       </p:sp>
+      <p:sp>
+        <p:nvSpPr>
+          <p:cNvPr id="10" name="Arrow: Down 9">
+            <a:extLst>
+              <a:ext uri="{FF2B5EF4-FFF2-40B4-BE49-F238E27FC236}">
+                <a16:creationId xmlns:a16="http://schemas.microsoft.com/office/drawing/2014/main" id="{C1DDC466-6659-4A36-A754-88725CFDBD2A}"/>
+              </a:ext>
+            </a:extLst>
+          </p:cNvPr>
+          <p:cNvSpPr/>
+          <p:nvPr/>
+        </p:nvSpPr>
+        <p:spPr>
+          <a:xfrm>
+            <a:off x="7680733" y="4914900"/>
+            <a:ext cx="577516" cy="733926"/>
+          </a:xfrm>
+          <a:prstGeom prst="downArrow">
+            <a:avLst/>
+          </a:prstGeom>
+          <a:solidFill>
+            <a:schemeClr val="accent6"/>
+          </a:solidFill>
+        </p:spPr>
+        <p:style>
+          <a:lnRef idx="2">
+            <a:schemeClr val="accent1">
+              <a:shade val="50000"/>
+            </a:schemeClr>
+          </a:lnRef>
+          <a:fillRef idx="1">
+            <a:schemeClr val="accent1"/>
+          </a:fillRef>
+          <a:effectRef idx="0">
+            <a:schemeClr val="accent1"/>
+          </a:effectRef>
+          <a:fontRef idx="minor">
+            <a:schemeClr val="lt1"/>
+          </a:fontRef>
+        </p:style>
+        <p:txBody>
+          <a:bodyPr rtlCol="0" anchor="ctr"/>
+          <a:lstStyle/>
+          <a:p>
+            <a:pPr algn="ctr"/>
+            <a:endParaRPr lang="en-US"/>
+          </a:p>
+        </p:txBody>
+      </p:sp>
+      <p:sp>
+        <p:nvSpPr>
+          <p:cNvPr id="11" name="TextBox 10">
+            <a:extLst>
+              <a:ext uri="{FF2B5EF4-FFF2-40B4-BE49-F238E27FC236}">
+                <a16:creationId xmlns:a16="http://schemas.microsoft.com/office/drawing/2014/main" id="{B195CD0A-AEF3-4DF9-B80C-46CAB58B0EBE}"/>
+              </a:ext>
+            </a:extLst>
+          </p:cNvPr>
+          <p:cNvSpPr txBox="1"/>
+          <p:nvPr/>
+        </p:nvSpPr>
+        <p:spPr>
+          <a:xfrm>
+            <a:off x="7314504" y="3613918"/>
+            <a:ext cx="1309974" cy="1323439"/>
+          </a:xfrm>
+          <a:prstGeom prst="rect">
+            <a:avLst/>
+          </a:prstGeom>
+          <a:noFill/>
+        </p:spPr>
+        <p:txBody>
+          <a:bodyPr wrap="none" rtlCol="0">
+            <a:spAutoFit/>
+          </a:bodyPr>
+          <a:lstStyle/>
+          <a:p>
+            <a:pPr algn="ctr"/>
+            <a:r>
+              <a:rPr lang="en-US" sz="3200" b="1" dirty="0">
+                <a:solidFill>
+                  <a:srgbClr val="FFFFFF"/>
+                </a:solidFill>
+              </a:rPr>
+              <a:t>Guess</a:t>
+            </a:r>
+          </a:p>
+          <a:p>
+            <a:pPr algn="ctr"/>
+            <a:r>
+              <a:rPr lang="en-US" sz="4800" b="1" dirty="0">
+                <a:solidFill>
+                  <a:srgbClr val="FFFFFF"/>
+                </a:solidFill>
+              </a:rPr>
+              <a:t>64</a:t>
+            </a:r>
+          </a:p>
+        </p:txBody>
+      </p:sp>
     </p:spTree>
     <p:extLst>
       <p:ext uri="{BB962C8B-B14F-4D97-AF65-F5344CB8AC3E}">
-        <p14:creationId xmlns:p14="http://schemas.microsoft.com/office/powerpoint/2010/main" val="1472762894"/>
+        <p14:creationId xmlns:p14="http://schemas.microsoft.com/office/powerpoint/2010/main" val="3339925704"/>
       </p:ext>
     </p:extLst>
   </p:cSld>
@@ -2982,80 +3002,6 @@
       </p:sp>
       <p:sp>
         <p:nvSpPr>
-          <p:cNvPr id="3" name="Content Placeholder 2">
-            <a:extLst>
-              <a:ext uri="{FF2B5EF4-FFF2-40B4-BE49-F238E27FC236}">
-                <a16:creationId xmlns:a16="http://schemas.microsoft.com/office/drawing/2014/main" id="{86B251CA-11BF-441F-8DAF-B316636B94DD}"/>
-              </a:ext>
-            </a:extLst>
-          </p:cNvPr>
-          <p:cNvSpPr>
-            <a:spLocks noGrp="1"/>
-          </p:cNvSpPr>
-          <p:nvPr>
-            <p:ph idx="1"/>
-          </p:nvPr>
-        </p:nvSpPr>
-        <p:spPr>
-          <a:xfrm>
-            <a:off x="838200" y="1825624"/>
-            <a:ext cx="9316453" cy="4900029"/>
-          </a:xfrm>
-        </p:spPr>
-        <p:txBody>
-          <a:bodyPr>
-            <a:normAutofit/>
-          </a:bodyPr>
-          <a:lstStyle/>
-          <a:p>
-            <a:r>
-              <a:rPr lang="en-US" sz="3200" dirty="0"/>
-              <a:t>The user guesses 45</a:t>
-            </a:r>
-            <a:r>
-              <a:rPr lang="en-US" sz="3200" dirty="0">
-                <a:solidFill>
-                  <a:schemeClr val="accent1"/>
-                </a:solidFill>
-              </a:rPr>
-              <a:t>.</a:t>
-            </a:r>
-          </a:p>
-          <a:p>
-            <a:pPr lvl="1"/>
-            <a:r>
-              <a:rPr lang="en-US" sz="2800" dirty="0"/>
-              <a:t>The computer says </a:t>
-            </a:r>
-            <a:r>
-              <a:rPr lang="en-US" sz="2800" b="1" dirty="0">
-                <a:solidFill>
-                  <a:schemeClr val="accent6"/>
-                </a:solidFill>
-              </a:rPr>
-              <a:t>YOU WIN</a:t>
-            </a:r>
-            <a:r>
-              <a:rPr lang="en-US" sz="2800" dirty="0">
-                <a:solidFill>
-                  <a:schemeClr val="accent1"/>
-                </a:solidFill>
-              </a:rPr>
-              <a:t>.</a:t>
-            </a:r>
-          </a:p>
-          <a:p>
-            <a:pPr lvl="1"/>
-            <a:endParaRPr lang="en-US" sz="2800" dirty="0">
-              <a:solidFill>
-                <a:schemeClr val="accent1"/>
-              </a:solidFill>
-            </a:endParaRPr>
-          </a:p>
-        </p:txBody>
-      </p:sp>
-      <p:sp>
-        <p:nvSpPr>
           <p:cNvPr id="4" name="Arrow: Left-Right 3">
             <a:extLst>
               <a:ext uri="{FF2B5EF4-FFF2-40B4-BE49-F238E27FC236}">
@@ -3114,8 +3060,8 @@
         </p:nvSpPr>
         <p:spPr>
           <a:xfrm>
-            <a:off x="439728" y="5581835"/>
-            <a:ext cx="893193" cy="830997"/>
+            <a:off x="772513" y="5588259"/>
+            <a:ext cx="538930" cy="830997"/>
           </a:xfrm>
           <a:prstGeom prst="rect">
             <a:avLst/>
@@ -3134,7 +3080,7 @@
                   <a:srgbClr val="FFFFFF"/>
                 </a:solidFill>
               </a:rPr>
-              <a:t>40</a:t>
+              <a:t>0</a:t>
             </a:r>
           </a:p>
         </p:txBody>
@@ -3229,10 +3175,10 @@
       </p:sp>
       <p:sp>
         <p:nvSpPr>
-          <p:cNvPr id="12" name="TextBox 11">
-            <a:extLst>
-              <a:ext uri="{FF2B5EF4-FFF2-40B4-BE49-F238E27FC236}">
-                <a16:creationId xmlns:a16="http://schemas.microsoft.com/office/drawing/2014/main" id="{936051AC-A239-4D47-B9D0-CBCB7190414D}"/>
+          <p:cNvPr id="9" name="TextBox 8">
+            <a:extLst>
+              <a:ext uri="{FF2B5EF4-FFF2-40B4-BE49-F238E27FC236}">
+                <a16:creationId xmlns:a16="http://schemas.microsoft.com/office/drawing/2014/main" id="{0447DA6F-ABB0-4FBD-998C-3A0D0F70597C}"/>
               </a:ext>
             </a:extLst>
           </p:cNvPr>
@@ -3241,8 +3187,8 @@
         </p:nvSpPr>
         <p:spPr>
           <a:xfrm>
-            <a:off x="5437571" y="3613918"/>
-            <a:ext cx="1309974" cy="1323439"/>
+            <a:off x="5652746" y="4102767"/>
+            <a:ext cx="893193" cy="830997"/>
           </a:xfrm>
           <a:prstGeom prst="rect">
             <a:avLst/>
@@ -3255,18 +3201,6 @@
           </a:bodyPr>
           <a:lstStyle/>
           <a:p>
-            <a:pPr algn="ctr"/>
-            <a:r>
-              <a:rPr lang="en-US" sz="3200" b="1" dirty="0">
-                <a:solidFill>
-                  <a:srgbClr val="FFFFFF"/>
-                </a:solidFill>
-              </a:rPr>
-              <a:t>Guess</a:t>
-            </a:r>
-          </a:p>
-          <a:p>
-            <a:pPr algn="ctr"/>
             <a:r>
               <a:rPr lang="en-US" sz="4800" b="1" dirty="0">
                 <a:solidFill>
@@ -3281,7 +3215,7 @@
     </p:spTree>
     <p:extLst>
       <p:ext uri="{BB962C8B-B14F-4D97-AF65-F5344CB8AC3E}">
-        <p14:creationId xmlns:p14="http://schemas.microsoft.com/office/powerpoint/2010/main" val="2417919783"/>
+        <p14:creationId xmlns:p14="http://schemas.microsoft.com/office/powerpoint/2010/main" val="994667479"/>
       </p:ext>
     </p:extLst>
   </p:cSld>
@@ -3362,18 +3296,18 @@
         <p:spPr>
           <a:xfrm>
             <a:off x="838200" y="1825624"/>
-            <a:ext cx="6862011" cy="4900029"/>
+            <a:ext cx="9316453" cy="4900029"/>
           </a:xfrm>
         </p:spPr>
         <p:txBody>
           <a:bodyPr>
-            <a:normAutofit lnSpcReduction="10000"/>
+            <a:normAutofit/>
           </a:bodyPr>
           <a:lstStyle/>
           <a:p>
             <a:r>
               <a:rPr lang="en-US" sz="3200" dirty="0"/>
-              <a:t>Let</a:t>
+              <a:t>The user guesses 40</a:t>
             </a:r>
             <a:r>
               <a:rPr lang="en-US" sz="3200" dirty="0">
@@ -3381,220 +3315,48 @@
                   <a:schemeClr val="accent1"/>
                 </a:solidFill>
               </a:rPr>
-              <a:t>’</a:t>
-            </a:r>
-            <a:r>
-              <a:rPr lang="en-US" sz="3200" dirty="0"/>
-              <a:t>s build a simple guessing game</a:t>
-            </a:r>
-            <a:r>
-              <a:rPr lang="en-US" sz="3200" dirty="0">
+              <a:t>.</a:t>
+            </a:r>
+          </a:p>
+          <a:p>
+            <a:pPr lvl="1"/>
+            <a:r>
+              <a:rPr lang="en-US" sz="2800" dirty="0"/>
+              <a:t>The computer says </a:t>
+            </a:r>
+            <a:r>
+              <a:rPr lang="en-US" sz="2800" b="1" dirty="0">
+                <a:solidFill>
+                  <a:schemeClr val="accent6"/>
+                </a:solidFill>
+              </a:rPr>
+              <a:t>HIGHER</a:t>
+            </a:r>
+            <a:r>
+              <a:rPr lang="en-US" sz="2800" dirty="0">
                 <a:solidFill>
                   <a:schemeClr val="accent1"/>
                 </a:solidFill>
               </a:rPr>
               <a:t>.</a:t>
             </a:r>
-            <a:r>
-              <a:rPr lang="en-US" sz="3200" dirty="0"/>
-              <a:t> </a:t>
-            </a:r>
-            <a:endParaRPr lang="en-US" sz="3200" dirty="0">
+          </a:p>
+          <a:p>
+            <a:pPr lvl="1"/>
+            <a:endParaRPr lang="en-US" sz="2800" dirty="0">
               <a:solidFill>
                 <a:schemeClr val="accent1"/>
               </a:solidFill>
             </a:endParaRPr>
           </a:p>
-          <a:p>
-            <a:pPr marL="971550" lvl="1" indent="-514350">
-              <a:buFont typeface="+mj-lt"/>
-              <a:buAutoNum type="arabicPeriod"/>
-            </a:pPr>
-            <a:r>
-              <a:rPr lang="en-US" sz="2800" dirty="0"/>
-              <a:t>Get the computer to choose a random integer from 0 to 100</a:t>
-            </a:r>
-            <a:r>
-              <a:rPr lang="en-US" sz="2800" dirty="0">
-                <a:solidFill>
-                  <a:schemeClr val="accent1"/>
-                </a:solidFill>
-              </a:rPr>
-              <a:t>.</a:t>
-            </a:r>
-          </a:p>
-          <a:p>
-            <a:pPr marL="971550" lvl="1" indent="-514350">
-              <a:buFont typeface="+mj-lt"/>
-              <a:buAutoNum type="arabicPeriod"/>
-            </a:pPr>
-            <a:r>
-              <a:rPr lang="en-US" sz="2800" dirty="0"/>
-              <a:t>Ask the user for a guess and allow the user to input a guess or </a:t>
-            </a:r>
-            <a:r>
-              <a:rPr lang="en-US" sz="2800" dirty="0">
-                <a:solidFill>
-                  <a:schemeClr val="accent6"/>
-                </a:solidFill>
-              </a:rPr>
-              <a:t>"</a:t>
-            </a:r>
-            <a:r>
-              <a:rPr lang="en-US" sz="2800" dirty="0"/>
-              <a:t>q</a:t>
-            </a:r>
-            <a:r>
-              <a:rPr lang="en-US" sz="2800" dirty="0">
-                <a:solidFill>
-                  <a:schemeClr val="accent6"/>
-                </a:solidFill>
-              </a:rPr>
-              <a:t>“</a:t>
-            </a:r>
-            <a:r>
-              <a:rPr lang="en-US" sz="2800" dirty="0">
-                <a:solidFill>
-                  <a:schemeClr val="accent1"/>
-                </a:solidFill>
-              </a:rPr>
-              <a:t>.</a:t>
-            </a:r>
-          </a:p>
-          <a:p>
-            <a:pPr marL="971550" lvl="1" indent="-514350">
-              <a:buFont typeface="+mj-lt"/>
-              <a:buAutoNum type="arabicPeriod"/>
-            </a:pPr>
-            <a:r>
-              <a:rPr lang="en-US" sz="2800" dirty="0"/>
-              <a:t>If the user inputs </a:t>
-            </a:r>
-            <a:r>
-              <a:rPr lang="en-US" sz="2800" dirty="0">
-                <a:solidFill>
-                  <a:schemeClr val="accent6"/>
-                </a:solidFill>
-              </a:rPr>
-              <a:t>"</a:t>
-            </a:r>
-            <a:r>
-              <a:rPr lang="en-US" sz="2800" dirty="0"/>
-              <a:t>q</a:t>
-            </a:r>
-            <a:r>
-              <a:rPr lang="en-US" sz="2800" dirty="0">
-                <a:solidFill>
-                  <a:schemeClr val="accent6"/>
-                </a:solidFill>
-              </a:rPr>
-              <a:t>"</a:t>
-            </a:r>
-            <a:r>
-              <a:rPr lang="en-US" sz="2800" dirty="0"/>
-              <a:t> print a nice message and end the program</a:t>
-            </a:r>
-            <a:r>
-              <a:rPr lang="en-US" sz="2800" dirty="0">
-                <a:solidFill>
-                  <a:schemeClr val="accent1"/>
-                </a:solidFill>
-              </a:rPr>
-              <a:t>.</a:t>
-            </a:r>
-          </a:p>
-          <a:p>
-            <a:pPr marL="971550" lvl="1" indent="-514350">
-              <a:buFont typeface="+mj-lt"/>
-              <a:buAutoNum type="arabicPeriod"/>
-            </a:pPr>
-            <a:r>
-              <a:rPr lang="en-US" sz="2800" dirty="0"/>
-              <a:t>If the user enters a guess</a:t>
-            </a:r>
-            <a:r>
-              <a:rPr lang="en-US" sz="2800" dirty="0">
-                <a:solidFill>
-                  <a:schemeClr val="accent1"/>
-                </a:solidFill>
-              </a:rPr>
-              <a:t>,</a:t>
-            </a:r>
-            <a:r>
-              <a:rPr lang="en-US" sz="2800" dirty="0"/>
-              <a:t> tell them if they should guess higher</a:t>
-            </a:r>
-            <a:r>
-              <a:rPr lang="en-US" sz="2800" dirty="0">
-                <a:solidFill>
-                  <a:schemeClr val="accent1"/>
-                </a:solidFill>
-              </a:rPr>
-              <a:t>,</a:t>
-            </a:r>
-            <a:r>
-              <a:rPr lang="en-US" sz="2800" dirty="0"/>
-              <a:t> lower</a:t>
-            </a:r>
-            <a:r>
-              <a:rPr lang="en-US" sz="2800" dirty="0">
-                <a:solidFill>
-                  <a:schemeClr val="accent1"/>
-                </a:solidFill>
-              </a:rPr>
-              <a:t>,</a:t>
-            </a:r>
-            <a:r>
-              <a:rPr lang="en-US" sz="2800" dirty="0"/>
-              <a:t> or if they got it right</a:t>
-            </a:r>
-            <a:r>
-              <a:rPr lang="en-US" sz="2800" dirty="0">
-                <a:solidFill>
-                  <a:schemeClr val="accent1"/>
-                </a:solidFill>
-              </a:rPr>
-              <a:t>.</a:t>
-            </a:r>
-          </a:p>
-          <a:p>
-            <a:pPr marL="971550" lvl="1" indent="-514350">
-              <a:buFont typeface="+mj-lt"/>
-              <a:buAutoNum type="arabicPeriod"/>
-            </a:pPr>
-            <a:r>
-              <a:rPr lang="en-US" sz="2800" dirty="0"/>
-              <a:t>If they got it right</a:t>
-            </a:r>
-            <a:r>
-              <a:rPr lang="en-US" sz="2800" dirty="0">
-                <a:solidFill>
-                  <a:schemeClr val="accent1"/>
-                </a:solidFill>
-              </a:rPr>
-              <a:t>,</a:t>
-            </a:r>
-            <a:r>
-              <a:rPr lang="en-US" sz="2800" dirty="0"/>
-              <a:t> print a nice message and quit</a:t>
-            </a:r>
-            <a:r>
-              <a:rPr lang="en-US" sz="2800" dirty="0">
-                <a:solidFill>
-                  <a:schemeClr val="accent1"/>
-                </a:solidFill>
-              </a:rPr>
-              <a:t>.</a:t>
-            </a:r>
-          </a:p>
-        </p:txBody>
-      </p:sp>
-      <p:sp>
-        <p:nvSpPr>
-          <p:cNvPr id="11" name="Rectangle: Rounded Corners 10">
-            <a:extLst>
-              <a:ext uri="{FF2B5EF4-FFF2-40B4-BE49-F238E27FC236}">
-                <a16:creationId xmlns:a16="http://schemas.microsoft.com/office/drawing/2014/main" id="{2AD12892-252D-47E8-9C1B-32729A13BC0B}"/>
+        </p:txBody>
+      </p:sp>
+      <p:sp>
+        <p:nvSpPr>
+          <p:cNvPr id="4" name="Arrow: Left-Right 3">
+            <a:extLst>
+              <a:ext uri="{FF2B5EF4-FFF2-40B4-BE49-F238E27FC236}">
+                <a16:creationId xmlns:a16="http://schemas.microsoft.com/office/drawing/2014/main" id="{022C15AC-AF7B-460E-8033-14D8CB69B82B}"/>
               </a:ext>
             </a:extLst>
           </p:cNvPr>
@@ -3603,18 +3365,12 @@
         </p:nvSpPr>
         <p:spPr>
           <a:xfrm>
-            <a:off x="7844590" y="1949006"/>
-            <a:ext cx="3958389" cy="4418765"/>
-          </a:xfrm>
-          <a:prstGeom prst="roundRect">
-            <a:avLst/>
-          </a:prstGeom>
-          <a:noFill/>
-          <a:ln w="76200">
-            <a:solidFill>
-              <a:schemeClr val="accent2"/>
-            </a:solidFill>
-          </a:ln>
+            <a:off x="1427748" y="5570621"/>
+            <a:ext cx="8518358" cy="866274"/>
+          </a:xfrm>
+          <a:prstGeom prst="leftRightArrow">
+            <a:avLst/>
+          </a:prstGeom>
         </p:spPr>
         <p:style>
           <a:lnRef idx="2">
@@ -3636,56 +3392,273 @@
           <a:bodyPr rtlCol="0" anchor="ctr"/>
           <a:lstStyle/>
           <a:p>
-            <a:r>
-              <a:rPr lang="en-US" sz="4400" b="1" dirty="0">
+            <a:pPr algn="ctr"/>
+            <a:endParaRPr lang="en-US"/>
+          </a:p>
+        </p:txBody>
+      </p:sp>
+      <p:sp>
+        <p:nvSpPr>
+          <p:cNvPr id="5" name="TextBox 4">
+            <a:extLst>
+              <a:ext uri="{FF2B5EF4-FFF2-40B4-BE49-F238E27FC236}">
+                <a16:creationId xmlns:a16="http://schemas.microsoft.com/office/drawing/2014/main" id="{13AF36E5-475E-4F1E-8085-36D4D314CDDC}"/>
+              </a:ext>
+            </a:extLst>
+          </p:cNvPr>
+          <p:cNvSpPr txBox="1"/>
+          <p:nvPr/>
+        </p:nvSpPr>
+        <p:spPr>
+          <a:xfrm>
+            <a:off x="772513" y="5588259"/>
+            <a:ext cx="538930" cy="830997"/>
+          </a:xfrm>
+          <a:prstGeom prst="rect">
+            <a:avLst/>
+          </a:prstGeom>
+          <a:noFill/>
+        </p:spPr>
+        <p:txBody>
+          <a:bodyPr wrap="none" rtlCol="0">
+            <a:spAutoFit/>
+          </a:bodyPr>
+          <a:lstStyle/>
+          <a:p>
+            <a:r>
+              <a:rPr lang="en-US" sz="4800" b="1" dirty="0">
                 <a:solidFill>
                   <a:srgbClr val="FFFFFF"/>
                 </a:solidFill>
               </a:rPr>
-              <a:t>Open your notebook</a:t>
-            </a:r>
-          </a:p>
-          <a:p>
-            <a:endParaRPr lang="en-US" sz="4400" b="1" dirty="0">
-              <a:solidFill>
-                <a:srgbClr val="FFFFFF"/>
-              </a:solidFill>
-            </a:endParaRPr>
-          </a:p>
-          <a:p>
-            <a:r>
-              <a:rPr lang="en-US" sz="2800" b="1" dirty="0">
+              <a:t>0</a:t>
+            </a:r>
+          </a:p>
+        </p:txBody>
+      </p:sp>
+      <p:sp>
+        <p:nvSpPr>
+          <p:cNvPr id="7" name="TextBox 6">
+            <a:extLst>
+              <a:ext uri="{FF2B5EF4-FFF2-40B4-BE49-F238E27FC236}">
+                <a16:creationId xmlns:a16="http://schemas.microsoft.com/office/drawing/2014/main" id="{9F64FC8C-0292-4EC9-A622-76089CA49134}"/>
+              </a:ext>
+            </a:extLst>
+          </p:cNvPr>
+          <p:cNvSpPr txBox="1"/>
+          <p:nvPr/>
+        </p:nvSpPr>
+        <p:spPr>
+          <a:xfrm>
+            <a:off x="10062411" y="5564195"/>
+            <a:ext cx="893193" cy="830997"/>
+          </a:xfrm>
+          <a:prstGeom prst="rect">
+            <a:avLst/>
+          </a:prstGeom>
+          <a:noFill/>
+        </p:spPr>
+        <p:txBody>
+          <a:bodyPr wrap="none" rtlCol="0">
+            <a:spAutoFit/>
+          </a:bodyPr>
+          <a:lstStyle/>
+          <a:p>
+            <a:r>
+              <a:rPr lang="en-US" sz="4800" b="1" dirty="0">
                 <a:solidFill>
                   <a:srgbClr val="FFFFFF"/>
                 </a:solidFill>
               </a:rPr>
-              <a:t>Click Link</a:t>
-            </a:r>
-            <a:r>
-              <a:rPr lang="en-US" sz="2800" b="1" dirty="0">
-                <a:solidFill>
-                  <a:schemeClr val="accent6"/>
-                </a:solidFill>
-              </a:rPr>
-              <a:t>:</a:t>
-            </a:r>
-          </a:p>
-          <a:p>
-            <a:r>
-              <a:rPr lang="en-US" sz="2800" b="1" dirty="0">
-                <a:solidFill>
-                  <a:schemeClr val="accent6"/>
-                </a:solidFill>
-              </a:rPr>
-              <a:t>3. </a:t>
-            </a:r>
-            <a:r>
-              <a:rPr lang="en-US" sz="2600" b="1" dirty="0">
-                <a:solidFill>
-                  <a:schemeClr val="accent6"/>
-                </a:solidFill>
-              </a:rPr>
-              <a:t>A Simple Guessing Game</a:t>
+              <a:t>64</a:t>
+            </a:r>
+          </a:p>
+        </p:txBody>
+      </p:sp>
+      <p:sp>
+        <p:nvSpPr>
+          <p:cNvPr id="6" name="Arrow: Down 5">
+            <a:extLst>
+              <a:ext uri="{FF2B5EF4-FFF2-40B4-BE49-F238E27FC236}">
+                <a16:creationId xmlns:a16="http://schemas.microsoft.com/office/drawing/2014/main" id="{733B50B0-CDBA-4289-A206-53669331BC72}"/>
+              </a:ext>
+            </a:extLst>
+          </p:cNvPr>
+          <p:cNvSpPr/>
+          <p:nvPr/>
+        </p:nvSpPr>
+        <p:spPr>
+          <a:xfrm>
+            <a:off x="5807242" y="4914900"/>
+            <a:ext cx="577516" cy="733926"/>
+          </a:xfrm>
+          <a:prstGeom prst="downArrow">
+            <a:avLst/>
+          </a:prstGeom>
+          <a:solidFill>
+            <a:schemeClr val="accent6"/>
+          </a:solidFill>
+        </p:spPr>
+        <p:style>
+          <a:lnRef idx="2">
+            <a:schemeClr val="accent1">
+              <a:shade val="50000"/>
+            </a:schemeClr>
+          </a:lnRef>
+          <a:fillRef idx="1">
+            <a:schemeClr val="accent1"/>
+          </a:fillRef>
+          <a:effectRef idx="0">
+            <a:schemeClr val="accent1"/>
+          </a:effectRef>
+          <a:fontRef idx="minor">
+            <a:schemeClr val="lt1"/>
+          </a:fontRef>
+        </p:style>
+        <p:txBody>
+          <a:bodyPr rtlCol="0" anchor="ctr"/>
+          <a:lstStyle/>
+          <a:p>
+            <a:pPr algn="ctr"/>
+            <a:endParaRPr lang="en-US"/>
+          </a:p>
+        </p:txBody>
+      </p:sp>
+      <p:sp>
+        <p:nvSpPr>
+          <p:cNvPr id="9" name="TextBox 8">
+            <a:extLst>
+              <a:ext uri="{FF2B5EF4-FFF2-40B4-BE49-F238E27FC236}">
+                <a16:creationId xmlns:a16="http://schemas.microsoft.com/office/drawing/2014/main" id="{0447DA6F-ABB0-4FBD-998C-3A0D0F70597C}"/>
+              </a:ext>
+            </a:extLst>
+          </p:cNvPr>
+          <p:cNvSpPr txBox="1"/>
+          <p:nvPr/>
+        </p:nvSpPr>
+        <p:spPr>
+          <a:xfrm>
+            <a:off x="5652746" y="4102767"/>
+            <a:ext cx="893193" cy="830997"/>
+          </a:xfrm>
+          <a:prstGeom prst="rect">
+            <a:avLst/>
+          </a:prstGeom>
+          <a:noFill/>
+        </p:spPr>
+        <p:txBody>
+          <a:bodyPr wrap="none" rtlCol="0">
+            <a:spAutoFit/>
+          </a:bodyPr>
+          <a:lstStyle/>
+          <a:p>
+            <a:r>
+              <a:rPr lang="en-US" sz="4800" b="1" dirty="0">
+                <a:solidFill>
+                  <a:srgbClr val="FFFFFF"/>
+                </a:solidFill>
+              </a:rPr>
+              <a:t>45</a:t>
+            </a:r>
+          </a:p>
+        </p:txBody>
+      </p:sp>
+      <p:sp>
+        <p:nvSpPr>
+          <p:cNvPr id="14" name="Arrow: Down 13">
+            <a:extLst>
+              <a:ext uri="{FF2B5EF4-FFF2-40B4-BE49-F238E27FC236}">
+                <a16:creationId xmlns:a16="http://schemas.microsoft.com/office/drawing/2014/main" id="{80967259-EDFC-4AEC-86B9-263E0978450D}"/>
+              </a:ext>
+            </a:extLst>
+          </p:cNvPr>
+          <p:cNvSpPr/>
+          <p:nvPr/>
+        </p:nvSpPr>
+        <p:spPr>
+          <a:xfrm>
+            <a:off x="4913464" y="4914900"/>
+            <a:ext cx="577516" cy="733926"/>
+          </a:xfrm>
+          <a:prstGeom prst="downArrow">
+            <a:avLst/>
+          </a:prstGeom>
+          <a:solidFill>
+            <a:schemeClr val="accent6"/>
+          </a:solidFill>
+        </p:spPr>
+        <p:style>
+          <a:lnRef idx="2">
+            <a:schemeClr val="accent1">
+              <a:shade val="50000"/>
+            </a:schemeClr>
+          </a:lnRef>
+          <a:fillRef idx="1">
+            <a:schemeClr val="accent1"/>
+          </a:fillRef>
+          <a:effectRef idx="0">
+            <a:schemeClr val="accent1"/>
+          </a:effectRef>
+          <a:fontRef idx="minor">
+            <a:schemeClr val="lt1"/>
+          </a:fontRef>
+        </p:style>
+        <p:txBody>
+          <a:bodyPr rtlCol="0" anchor="ctr"/>
+          <a:lstStyle/>
+          <a:p>
+            <a:pPr algn="ctr"/>
+            <a:endParaRPr lang="en-US"/>
+          </a:p>
+        </p:txBody>
+      </p:sp>
+      <p:sp>
+        <p:nvSpPr>
+          <p:cNvPr id="15" name="TextBox 14">
+            <a:extLst>
+              <a:ext uri="{FF2B5EF4-FFF2-40B4-BE49-F238E27FC236}">
+                <a16:creationId xmlns:a16="http://schemas.microsoft.com/office/drawing/2014/main" id="{938612DF-7D67-4673-97CE-D63B0AD6F0EB}"/>
+              </a:ext>
+            </a:extLst>
+          </p:cNvPr>
+          <p:cNvSpPr txBox="1"/>
+          <p:nvPr/>
+        </p:nvSpPr>
+        <p:spPr>
+          <a:xfrm>
+            <a:off x="4547235" y="3613918"/>
+            <a:ext cx="1309974" cy="1323439"/>
+          </a:xfrm>
+          <a:prstGeom prst="rect">
+            <a:avLst/>
+          </a:prstGeom>
+          <a:noFill/>
+        </p:spPr>
+        <p:txBody>
+          <a:bodyPr wrap="none" rtlCol="0">
+            <a:spAutoFit/>
+          </a:bodyPr>
+          <a:lstStyle/>
+          <a:p>
+            <a:pPr algn="ctr"/>
+            <a:r>
+              <a:rPr lang="en-US" sz="3200" b="1" dirty="0">
+                <a:solidFill>
+                  <a:srgbClr val="FFFFFF"/>
+                </a:solidFill>
+              </a:rPr>
+              <a:t>Guess</a:t>
+            </a:r>
+          </a:p>
+          <a:p>
+            <a:pPr algn="ctr"/>
+            <a:r>
+              <a:rPr lang="en-US" sz="4800" b="1" dirty="0">
+                <a:solidFill>
+                  <a:srgbClr val="FFFFFF"/>
+                </a:solidFill>
+              </a:rPr>
+              <a:t>40</a:t>
             </a:r>
           </a:p>
         </p:txBody>
@@ -3693,7 +3666,7 @@
     </p:spTree>
     <p:extLst>
       <p:ext uri="{BB962C8B-B14F-4D97-AF65-F5344CB8AC3E}">
-        <p14:creationId xmlns:p14="http://schemas.microsoft.com/office/powerpoint/2010/main" val="3911853925"/>
+        <p14:creationId xmlns:p14="http://schemas.microsoft.com/office/powerpoint/2010/main" val="522241011"/>
       </p:ext>
     </p:extLst>
   </p:cSld>
@@ -3722,10 +3695,10 @@
       </p:grpSpPr>
       <p:sp>
         <p:nvSpPr>
-          <p:cNvPr id="4" name="Title 3">
-            <a:extLst>
-              <a:ext uri="{FF2B5EF4-FFF2-40B4-BE49-F238E27FC236}">
-                <a16:creationId xmlns:a16="http://schemas.microsoft.com/office/drawing/2014/main" id="{0C118C3C-13F5-4EA8-9EA9-3448AC35375E}"/>
+          <p:cNvPr id="2" name="Title 1">
+            <a:extLst>
+              <a:ext uri="{FF2B5EF4-FFF2-40B4-BE49-F238E27FC236}">
+                <a16:creationId xmlns:a16="http://schemas.microsoft.com/office/drawing/2014/main" id="{128C012E-E27C-4455-914A-F84B2E984449}"/>
               </a:ext>
             </a:extLst>
           </p:cNvPr>
@@ -3736,7 +3709,12 @@
             <p:ph type="title"/>
           </p:nvPr>
         </p:nvSpPr>
-        <p:spPr/>
+        <p:spPr>
+          <a:xfrm>
+            <a:off x="838200" y="727514"/>
+            <a:ext cx="10515600" cy="656148"/>
+          </a:xfrm>
+        </p:spPr>
         <p:txBody>
           <a:bodyPr>
             <a:normAutofit fontScale="90000"/>
@@ -3745,160 +3723,219 @@
           <a:p>
             <a:r>
               <a:rPr lang="en-US" b="1" dirty="0"/>
-              <a:t>Lecture Recap</a:t>
-            </a:r>
-          </a:p>
-        </p:txBody>
-      </p:sp>
-      <p:sp>
-        <p:nvSpPr>
-          <p:cNvPr id="5" name="Content Placeholder 4">
-            <a:extLst>
-              <a:ext uri="{FF2B5EF4-FFF2-40B4-BE49-F238E27FC236}">
-                <a16:creationId xmlns:a16="http://schemas.microsoft.com/office/drawing/2014/main" id="{85F37492-86E3-47CA-8641-D7457D28B946}"/>
-              </a:ext>
-            </a:extLst>
-          </p:cNvPr>
-          <p:cNvSpPr>
-            <a:spLocks noGrp="1"/>
-          </p:cNvSpPr>
-          <p:nvPr>
-            <p:ph idx="1"/>
-          </p:nvPr>
-        </p:nvSpPr>
-        <p:spPr>
-          <a:xfrm>
-            <a:off x="838199" y="1825624"/>
-            <a:ext cx="11073063" cy="4835479"/>
-          </a:xfrm>
-        </p:spPr>
-        <p:txBody>
-          <a:bodyPr>
-            <a:normAutofit/>
+              <a:t>Guessing Game</a:t>
+            </a:r>
+          </a:p>
+        </p:txBody>
+      </p:sp>
+      <p:sp>
+        <p:nvSpPr>
+          <p:cNvPr id="4" name="Arrow: Left-Right 3">
+            <a:extLst>
+              <a:ext uri="{FF2B5EF4-FFF2-40B4-BE49-F238E27FC236}">
+                <a16:creationId xmlns:a16="http://schemas.microsoft.com/office/drawing/2014/main" id="{022C15AC-AF7B-460E-8033-14D8CB69B82B}"/>
+              </a:ext>
+            </a:extLst>
+          </p:cNvPr>
+          <p:cNvSpPr/>
+          <p:nvPr/>
+        </p:nvSpPr>
+        <p:spPr>
+          <a:xfrm>
+            <a:off x="1427748" y="5570621"/>
+            <a:ext cx="8518358" cy="866274"/>
+          </a:xfrm>
+          <a:prstGeom prst="leftRightArrow">
+            <a:avLst/>
+          </a:prstGeom>
+        </p:spPr>
+        <p:style>
+          <a:lnRef idx="2">
+            <a:schemeClr val="accent1">
+              <a:shade val="50000"/>
+            </a:schemeClr>
+          </a:lnRef>
+          <a:fillRef idx="1">
+            <a:schemeClr val="accent1"/>
+          </a:fillRef>
+          <a:effectRef idx="0">
+            <a:schemeClr val="accent1"/>
+          </a:effectRef>
+          <a:fontRef idx="minor">
+            <a:schemeClr val="lt1"/>
+          </a:fontRef>
+        </p:style>
+        <p:txBody>
+          <a:bodyPr rtlCol="0" anchor="ctr"/>
+          <a:lstStyle/>
+          <a:p>
+            <a:pPr algn="ctr"/>
+            <a:endParaRPr lang="en-US"/>
+          </a:p>
+        </p:txBody>
+      </p:sp>
+      <p:sp>
+        <p:nvSpPr>
+          <p:cNvPr id="5" name="TextBox 4">
+            <a:extLst>
+              <a:ext uri="{FF2B5EF4-FFF2-40B4-BE49-F238E27FC236}">
+                <a16:creationId xmlns:a16="http://schemas.microsoft.com/office/drawing/2014/main" id="{13AF36E5-475E-4F1E-8085-36D4D314CDDC}"/>
+              </a:ext>
+            </a:extLst>
+          </p:cNvPr>
+          <p:cNvSpPr txBox="1"/>
+          <p:nvPr/>
+        </p:nvSpPr>
+        <p:spPr>
+          <a:xfrm>
+            <a:off x="439728" y="5581835"/>
+            <a:ext cx="893193" cy="830997"/>
+          </a:xfrm>
+          <a:prstGeom prst="rect">
+            <a:avLst/>
+          </a:prstGeom>
+          <a:noFill/>
+        </p:spPr>
+        <p:txBody>
+          <a:bodyPr wrap="none" rtlCol="0">
+            <a:spAutoFit/>
           </a:bodyPr>
           <a:lstStyle/>
           <a:p>
             <a:r>
-              <a:rPr lang="en-US" sz="3600" dirty="0"/>
-              <a:t>Looping </a:t>
-            </a:r>
-            <a:r>
-              <a:rPr lang="en-US" sz="3600" dirty="0">
-                <a:solidFill>
-                  <a:schemeClr val="accent6"/>
-                </a:solidFill>
-              </a:rPr>
-              <a:t>(</a:t>
-            </a:r>
-            <a:r>
-              <a:rPr lang="en-US" sz="3600" dirty="0"/>
-              <a:t>aka iteration</a:t>
-            </a:r>
-            <a:r>
-              <a:rPr lang="en-US" sz="3600" dirty="0">
-                <a:solidFill>
-                  <a:schemeClr val="accent6"/>
-                </a:solidFill>
-              </a:rPr>
-              <a:t>)</a:t>
-            </a:r>
-            <a:r>
-              <a:rPr lang="en-US" sz="3600" dirty="0"/>
-              <a:t> is the second key control structure in programming </a:t>
-            </a:r>
-            <a:r>
-              <a:rPr lang="en-US" sz="3600" dirty="0">
-                <a:solidFill>
-                  <a:schemeClr val="accent6"/>
-                </a:solidFill>
-              </a:rPr>
-              <a:t>(</a:t>
-            </a:r>
-            <a:r>
-              <a:rPr lang="en-US" sz="3600" dirty="0"/>
-              <a:t>if</a:t>
-            </a:r>
-            <a:r>
-              <a:rPr lang="en-US" sz="3600" dirty="0">
-                <a:solidFill>
-                  <a:schemeClr val="accent2"/>
-                </a:solidFill>
-              </a:rPr>
-              <a:t>-</a:t>
-            </a:r>
-            <a:r>
-              <a:rPr lang="en-US" sz="3600" dirty="0"/>
-              <a:t>statements</a:t>
-            </a:r>
-            <a:r>
-              <a:rPr lang="en-US" sz="3600" dirty="0">
-                <a:solidFill>
-                  <a:schemeClr val="accent2"/>
-                </a:solidFill>
-              </a:rPr>
-              <a:t>/</a:t>
-            </a:r>
-            <a:r>
-              <a:rPr lang="en-US" sz="3600" dirty="0"/>
-              <a:t>branching was the first</a:t>
-            </a:r>
-            <a:r>
-              <a:rPr lang="en-US" sz="3600" dirty="0">
-                <a:solidFill>
-                  <a:schemeClr val="accent6"/>
-                </a:solidFill>
-              </a:rPr>
-              <a:t>)</a:t>
-            </a:r>
-            <a:r>
-              <a:rPr lang="en-US" sz="3600" dirty="0">
-                <a:solidFill>
-                  <a:schemeClr val="accent2"/>
-                </a:solidFill>
-              </a:rPr>
-              <a:t>.</a:t>
-            </a:r>
-          </a:p>
-          <a:p>
-            <a:r>
-              <a:rPr lang="en-US" sz="3600" dirty="0"/>
-              <a:t>The basic idea of loops is to repeated execute the same block code</a:t>
-            </a:r>
-            <a:r>
-              <a:rPr lang="en-US" sz="3600" dirty="0">
-                <a:solidFill>
-                  <a:schemeClr val="accent2"/>
-                </a:solidFill>
-              </a:rPr>
-              <a:t>.</a:t>
-            </a:r>
-          </a:p>
-          <a:p>
-            <a:r>
-              <a:rPr lang="en-US" sz="3600" dirty="0"/>
-              <a:t>Looping is very powerful idea</a:t>
-            </a:r>
-            <a:r>
-              <a:rPr lang="en-US" sz="3600" dirty="0">
-                <a:solidFill>
-                  <a:schemeClr val="accent2"/>
-                </a:solidFill>
-              </a:rPr>
-              <a:t>.</a:t>
-            </a:r>
-          </a:p>
-          <a:p>
-            <a:r>
-              <a:rPr lang="en-US" sz="3600" dirty="0"/>
-              <a:t>While loops</a:t>
-            </a:r>
-            <a:r>
-              <a:rPr lang="en-US" sz="3600" dirty="0">
-                <a:solidFill>
-                  <a:schemeClr val="accent2"/>
-                </a:solidFill>
-              </a:rPr>
-              <a:t>.</a:t>
+              <a:rPr lang="en-US" sz="4800" b="1" dirty="0">
+                <a:solidFill>
+                  <a:srgbClr val="FFFFFF"/>
+                </a:solidFill>
+              </a:rPr>
+              <a:t>40</a:t>
+            </a:r>
+          </a:p>
+        </p:txBody>
+      </p:sp>
+      <p:sp>
+        <p:nvSpPr>
+          <p:cNvPr id="7" name="TextBox 6">
+            <a:extLst>
+              <a:ext uri="{FF2B5EF4-FFF2-40B4-BE49-F238E27FC236}">
+                <a16:creationId xmlns:a16="http://schemas.microsoft.com/office/drawing/2014/main" id="{9F64FC8C-0292-4EC9-A622-76089CA49134}"/>
+              </a:ext>
+            </a:extLst>
+          </p:cNvPr>
+          <p:cNvSpPr txBox="1"/>
+          <p:nvPr/>
+        </p:nvSpPr>
+        <p:spPr>
+          <a:xfrm>
+            <a:off x="10062411" y="5564195"/>
+            <a:ext cx="893193" cy="830997"/>
+          </a:xfrm>
+          <a:prstGeom prst="rect">
+            <a:avLst/>
+          </a:prstGeom>
+          <a:noFill/>
+        </p:spPr>
+        <p:txBody>
+          <a:bodyPr wrap="none" rtlCol="0">
+            <a:spAutoFit/>
+          </a:bodyPr>
+          <a:lstStyle/>
+          <a:p>
+            <a:r>
+              <a:rPr lang="en-US" sz="4800" b="1" dirty="0">
+                <a:solidFill>
+                  <a:srgbClr val="FFFFFF"/>
+                </a:solidFill>
+              </a:rPr>
+              <a:t>64</a:t>
+            </a:r>
+          </a:p>
+        </p:txBody>
+      </p:sp>
+      <p:sp>
+        <p:nvSpPr>
+          <p:cNvPr id="9" name="Arrow: Down 8">
+            <a:extLst>
+              <a:ext uri="{FF2B5EF4-FFF2-40B4-BE49-F238E27FC236}">
+                <a16:creationId xmlns:a16="http://schemas.microsoft.com/office/drawing/2014/main" id="{4E85E84E-14DE-40EA-9247-23F52F7B9905}"/>
+              </a:ext>
+            </a:extLst>
+          </p:cNvPr>
+          <p:cNvSpPr/>
+          <p:nvPr/>
+        </p:nvSpPr>
+        <p:spPr>
+          <a:xfrm>
+            <a:off x="5807242" y="4914900"/>
+            <a:ext cx="577516" cy="733926"/>
+          </a:xfrm>
+          <a:prstGeom prst="downArrow">
+            <a:avLst/>
+          </a:prstGeom>
+          <a:solidFill>
+            <a:schemeClr val="accent6"/>
+          </a:solidFill>
+        </p:spPr>
+        <p:style>
+          <a:lnRef idx="2">
+            <a:schemeClr val="accent1">
+              <a:shade val="50000"/>
+            </a:schemeClr>
+          </a:lnRef>
+          <a:fillRef idx="1">
+            <a:schemeClr val="accent1"/>
+          </a:fillRef>
+          <a:effectRef idx="0">
+            <a:schemeClr val="accent1"/>
+          </a:effectRef>
+          <a:fontRef idx="minor">
+            <a:schemeClr val="lt1"/>
+          </a:fontRef>
+        </p:style>
+        <p:txBody>
+          <a:bodyPr rtlCol="0" anchor="ctr"/>
+          <a:lstStyle/>
+          <a:p>
+            <a:pPr algn="ctr"/>
+            <a:endParaRPr lang="en-US"/>
+          </a:p>
+        </p:txBody>
+      </p:sp>
+      <p:sp>
+        <p:nvSpPr>
+          <p:cNvPr id="10" name="TextBox 9">
+            <a:extLst>
+              <a:ext uri="{FF2B5EF4-FFF2-40B4-BE49-F238E27FC236}">
+                <a16:creationId xmlns:a16="http://schemas.microsoft.com/office/drawing/2014/main" id="{38F8F260-554C-44A4-81BC-AF9C67EB4CCC}"/>
+              </a:ext>
+            </a:extLst>
+          </p:cNvPr>
+          <p:cNvSpPr txBox="1"/>
+          <p:nvPr/>
+        </p:nvSpPr>
+        <p:spPr>
+          <a:xfrm>
+            <a:off x="5652746" y="4102767"/>
+            <a:ext cx="893193" cy="830997"/>
+          </a:xfrm>
+          <a:prstGeom prst="rect">
+            <a:avLst/>
+          </a:prstGeom>
+          <a:noFill/>
+        </p:spPr>
+        <p:txBody>
+          <a:bodyPr wrap="none" rtlCol="0">
+            <a:spAutoFit/>
+          </a:bodyPr>
+          <a:lstStyle/>
+          <a:p>
+            <a:r>
+              <a:rPr lang="en-US" sz="4800" b="1" dirty="0">
+                <a:solidFill>
+                  <a:srgbClr val="FFFFFF"/>
+                </a:solidFill>
+              </a:rPr>
+              <a:t>45</a:t>
             </a:r>
           </a:p>
         </p:txBody>
@@ -3906,7 +3943,7 @@
     </p:spTree>
     <p:extLst>
       <p:ext uri="{BB962C8B-B14F-4D97-AF65-F5344CB8AC3E}">
-        <p14:creationId xmlns:p14="http://schemas.microsoft.com/office/powerpoint/2010/main" val="577522275"/>
+        <p14:creationId xmlns:p14="http://schemas.microsoft.com/office/powerpoint/2010/main" val="1472762894"/>
       </p:ext>
     </p:extLst>
   </p:cSld>
@@ -3938,7 +3975,7 @@
           <p:cNvPr id="2" name="Title 1">
             <a:extLst>
               <a:ext uri="{FF2B5EF4-FFF2-40B4-BE49-F238E27FC236}">
-                <a16:creationId xmlns:a16="http://schemas.microsoft.com/office/drawing/2014/main" id="{057F06F2-AC3E-484E-9926-59D4F59092CE}"/>
+                <a16:creationId xmlns:a16="http://schemas.microsoft.com/office/drawing/2014/main" id="{128C012E-E27C-4455-914A-F84B2E984449}"/>
               </a:ext>
             </a:extLst>
           </p:cNvPr>
@@ -3946,37 +3983,34 @@
             <a:spLocks noGrp="1"/>
           </p:cNvSpPr>
           <p:nvPr>
-            <p:ph type="ctrTitle"/>
+            <p:ph type="title"/>
           </p:nvPr>
         </p:nvSpPr>
-        <p:spPr/>
+        <p:spPr>
+          <a:xfrm>
+            <a:off x="838200" y="727514"/>
+            <a:ext cx="10515600" cy="656148"/>
+          </a:xfrm>
+        </p:spPr>
         <p:txBody>
           <a:bodyPr>
-            <a:normAutofit/>
+            <a:normAutofit fontScale="90000"/>
           </a:bodyPr>
           <a:lstStyle/>
           <a:p>
             <a:r>
-              <a:rPr lang="en-US" dirty="0"/>
-              <a:t>more while loops</a:t>
-            </a:r>
-            <a:r>
-              <a:rPr lang="en-US" dirty="0">
-                <a:solidFill>
-                  <a:schemeClr val="accent1"/>
-                </a:solidFill>
-              </a:rPr>
-              <a:t>.</a:t>
-            </a:r>
-          </a:p>
-        </p:txBody>
-      </p:sp>
-      <p:sp>
-        <p:nvSpPr>
-          <p:cNvPr id="3" name="Subtitle 2">
-            <a:extLst>
-              <a:ext uri="{FF2B5EF4-FFF2-40B4-BE49-F238E27FC236}">
-                <a16:creationId xmlns:a16="http://schemas.microsoft.com/office/drawing/2014/main" id="{99B07687-F068-40FC-84A1-E7860490CACD}"/>
+              <a:rPr lang="en-US" b="1" dirty="0"/>
+              <a:t>Guessing Game</a:t>
+            </a:r>
+          </a:p>
+        </p:txBody>
+      </p:sp>
+      <p:sp>
+        <p:nvSpPr>
+          <p:cNvPr id="3" name="Content Placeholder 2">
+            <a:extLst>
+              <a:ext uri="{FF2B5EF4-FFF2-40B4-BE49-F238E27FC236}">
+                <a16:creationId xmlns:a16="http://schemas.microsoft.com/office/drawing/2014/main" id="{86B251CA-11BF-441F-8DAF-B316636B94DD}"/>
               </a:ext>
             </a:extLst>
           </p:cNvPr>
@@ -3984,85 +4018,287 @@
             <a:spLocks noGrp="1"/>
           </p:cNvSpPr>
           <p:nvPr>
-            <p:ph type="subTitle" idx="1"/>
+            <p:ph idx="1"/>
           </p:nvPr>
         </p:nvSpPr>
-        <p:spPr/>
-        <p:txBody>
-          <a:bodyPr/>
-          <a:lstStyle/>
-          <a:p>
-            <a:r>
-              <a:rPr lang="en-US" b="1" dirty="0"/>
-              <a:t>Week </a:t>
-            </a:r>
-            <a:r>
-              <a:rPr lang="en-US" b="1" dirty="0">
+        <p:spPr>
+          <a:xfrm>
+            <a:off x="838200" y="1825624"/>
+            <a:ext cx="9316453" cy="4900029"/>
+          </a:xfrm>
+        </p:spPr>
+        <p:txBody>
+          <a:bodyPr>
+            <a:normAutofit/>
+          </a:bodyPr>
+          <a:lstStyle/>
+          <a:p>
+            <a:r>
+              <a:rPr lang="en-US" sz="3200" dirty="0"/>
+              <a:t>The user guesses 45</a:t>
+            </a:r>
+            <a:r>
+              <a:rPr lang="en-US" sz="3200" dirty="0">
+                <a:solidFill>
+                  <a:schemeClr val="accent1"/>
+                </a:solidFill>
+              </a:rPr>
+              <a:t>.</a:t>
+            </a:r>
+          </a:p>
+          <a:p>
+            <a:pPr lvl="1"/>
+            <a:r>
+              <a:rPr lang="en-US" sz="2800" dirty="0"/>
+              <a:t>The computer says </a:t>
+            </a:r>
+            <a:r>
+              <a:rPr lang="en-US" sz="2800" b="1" dirty="0">
                 <a:solidFill>
                   <a:schemeClr val="accent6"/>
                 </a:solidFill>
               </a:rPr>
-              <a:t>4</a:t>
-            </a:r>
-            <a:r>
-              <a:rPr lang="en-US" b="1" dirty="0"/>
-              <a:t> </a:t>
-            </a:r>
-            <a:r>
-              <a:rPr lang="en-US" dirty="0">
-                <a:solidFill>
-                  <a:schemeClr val="accent2"/>
-                </a:solidFill>
-              </a:rPr>
-              <a:t>|</a:t>
-            </a:r>
-            <a:r>
-              <a:rPr lang="en-US" dirty="0"/>
-              <a:t> Lecture </a:t>
-            </a:r>
-            <a:r>
-              <a:rPr lang="en-US" dirty="0">
-                <a:solidFill>
-                  <a:schemeClr val="accent6"/>
-                </a:solidFill>
-              </a:rPr>
-              <a:t>2 </a:t>
-            </a:r>
-            <a:r>
-              <a:rPr lang="en-US" dirty="0">
+              <a:t>YOU WIN</a:t>
+            </a:r>
+            <a:r>
+              <a:rPr lang="en-US" sz="2800" dirty="0">
                 <a:solidFill>
                   <a:schemeClr val="accent1"/>
                 </a:solidFill>
               </a:rPr>
-              <a:t>(</a:t>
-            </a:r>
-            <a:r>
-              <a:rPr lang="en-US" dirty="0">
-                <a:solidFill>
-                  <a:schemeClr val="accent6"/>
-                </a:solidFill>
-              </a:rPr>
-              <a:t>4</a:t>
-            </a:r>
-            <a:r>
-              <a:rPr lang="en-US" dirty="0"/>
               <a:t>.</a:t>
             </a:r>
-            <a:r>
-              <a:rPr lang="en-US" dirty="0">
-                <a:solidFill>
-                  <a:schemeClr val="accent6"/>
-                </a:solidFill>
-              </a:rPr>
-              <a:t>2</a:t>
-            </a:r>
-            <a:r>
-              <a:rPr lang="en-US" dirty="0">
-                <a:solidFill>
-                  <a:schemeClr val="accent1"/>
-                </a:solidFill>
-              </a:rPr>
-              <a:t>)</a:t>
+          </a:p>
+          <a:p>
+            <a:pPr lvl="1"/>
+            <a:endParaRPr lang="en-US" sz="2800" dirty="0">
+              <a:solidFill>
+                <a:schemeClr val="accent1"/>
+              </a:solidFill>
+            </a:endParaRPr>
+          </a:p>
+        </p:txBody>
+      </p:sp>
+      <p:sp>
+        <p:nvSpPr>
+          <p:cNvPr id="4" name="Arrow: Left-Right 3">
+            <a:extLst>
+              <a:ext uri="{FF2B5EF4-FFF2-40B4-BE49-F238E27FC236}">
+                <a16:creationId xmlns:a16="http://schemas.microsoft.com/office/drawing/2014/main" id="{022C15AC-AF7B-460E-8033-14D8CB69B82B}"/>
+              </a:ext>
+            </a:extLst>
+          </p:cNvPr>
+          <p:cNvSpPr/>
+          <p:nvPr/>
+        </p:nvSpPr>
+        <p:spPr>
+          <a:xfrm>
+            <a:off x="1427748" y="5570621"/>
+            <a:ext cx="8518358" cy="866274"/>
+          </a:xfrm>
+          <a:prstGeom prst="leftRightArrow">
+            <a:avLst/>
+          </a:prstGeom>
+        </p:spPr>
+        <p:style>
+          <a:lnRef idx="2">
+            <a:schemeClr val="accent1">
+              <a:shade val="50000"/>
+            </a:schemeClr>
+          </a:lnRef>
+          <a:fillRef idx="1">
+            <a:schemeClr val="accent1"/>
+          </a:fillRef>
+          <a:effectRef idx="0">
+            <a:schemeClr val="accent1"/>
+          </a:effectRef>
+          <a:fontRef idx="minor">
+            <a:schemeClr val="lt1"/>
+          </a:fontRef>
+        </p:style>
+        <p:txBody>
+          <a:bodyPr rtlCol="0" anchor="ctr"/>
+          <a:lstStyle/>
+          <a:p>
+            <a:pPr algn="ctr"/>
+            <a:endParaRPr lang="en-US"/>
+          </a:p>
+        </p:txBody>
+      </p:sp>
+      <p:sp>
+        <p:nvSpPr>
+          <p:cNvPr id="5" name="TextBox 4">
+            <a:extLst>
+              <a:ext uri="{FF2B5EF4-FFF2-40B4-BE49-F238E27FC236}">
+                <a16:creationId xmlns:a16="http://schemas.microsoft.com/office/drawing/2014/main" id="{13AF36E5-475E-4F1E-8085-36D4D314CDDC}"/>
+              </a:ext>
+            </a:extLst>
+          </p:cNvPr>
+          <p:cNvSpPr txBox="1"/>
+          <p:nvPr/>
+        </p:nvSpPr>
+        <p:spPr>
+          <a:xfrm>
+            <a:off x="439728" y="5581835"/>
+            <a:ext cx="893193" cy="830997"/>
+          </a:xfrm>
+          <a:prstGeom prst="rect">
+            <a:avLst/>
+          </a:prstGeom>
+          <a:noFill/>
+        </p:spPr>
+        <p:txBody>
+          <a:bodyPr wrap="none" rtlCol="0">
+            <a:spAutoFit/>
+          </a:bodyPr>
+          <a:lstStyle/>
+          <a:p>
+            <a:r>
+              <a:rPr lang="en-US" sz="4800" b="1" dirty="0">
+                <a:solidFill>
+                  <a:srgbClr val="FFFFFF"/>
+                </a:solidFill>
+              </a:rPr>
+              <a:t>40</a:t>
+            </a:r>
+          </a:p>
+        </p:txBody>
+      </p:sp>
+      <p:sp>
+        <p:nvSpPr>
+          <p:cNvPr id="7" name="TextBox 6">
+            <a:extLst>
+              <a:ext uri="{FF2B5EF4-FFF2-40B4-BE49-F238E27FC236}">
+                <a16:creationId xmlns:a16="http://schemas.microsoft.com/office/drawing/2014/main" id="{9F64FC8C-0292-4EC9-A622-76089CA49134}"/>
+              </a:ext>
+            </a:extLst>
+          </p:cNvPr>
+          <p:cNvSpPr txBox="1"/>
+          <p:nvPr/>
+        </p:nvSpPr>
+        <p:spPr>
+          <a:xfrm>
+            <a:off x="10062411" y="5564195"/>
+            <a:ext cx="893193" cy="830997"/>
+          </a:xfrm>
+          <a:prstGeom prst="rect">
+            <a:avLst/>
+          </a:prstGeom>
+          <a:noFill/>
+        </p:spPr>
+        <p:txBody>
+          <a:bodyPr wrap="none" rtlCol="0">
+            <a:spAutoFit/>
+          </a:bodyPr>
+          <a:lstStyle/>
+          <a:p>
+            <a:r>
+              <a:rPr lang="en-US" sz="4800" b="1" dirty="0">
+                <a:solidFill>
+                  <a:srgbClr val="FFFFFF"/>
+                </a:solidFill>
+              </a:rPr>
+              <a:t>64</a:t>
+            </a:r>
+          </a:p>
+        </p:txBody>
+      </p:sp>
+      <p:sp>
+        <p:nvSpPr>
+          <p:cNvPr id="6" name="Arrow: Down 5">
+            <a:extLst>
+              <a:ext uri="{FF2B5EF4-FFF2-40B4-BE49-F238E27FC236}">
+                <a16:creationId xmlns:a16="http://schemas.microsoft.com/office/drawing/2014/main" id="{733B50B0-CDBA-4289-A206-53669331BC72}"/>
+              </a:ext>
+            </a:extLst>
+          </p:cNvPr>
+          <p:cNvSpPr/>
+          <p:nvPr/>
+        </p:nvSpPr>
+        <p:spPr>
+          <a:xfrm>
+            <a:off x="5807242" y="4914900"/>
+            <a:ext cx="577516" cy="733926"/>
+          </a:xfrm>
+          <a:prstGeom prst="downArrow">
+            <a:avLst/>
+          </a:prstGeom>
+          <a:solidFill>
+            <a:schemeClr val="accent6"/>
+          </a:solidFill>
+        </p:spPr>
+        <p:style>
+          <a:lnRef idx="2">
+            <a:schemeClr val="accent1">
+              <a:shade val="50000"/>
+            </a:schemeClr>
+          </a:lnRef>
+          <a:fillRef idx="1">
+            <a:schemeClr val="accent1"/>
+          </a:fillRef>
+          <a:effectRef idx="0">
+            <a:schemeClr val="accent1"/>
+          </a:effectRef>
+          <a:fontRef idx="minor">
+            <a:schemeClr val="lt1"/>
+          </a:fontRef>
+        </p:style>
+        <p:txBody>
+          <a:bodyPr rtlCol="0" anchor="ctr"/>
+          <a:lstStyle/>
+          <a:p>
+            <a:pPr algn="ctr"/>
+            <a:endParaRPr lang="en-US"/>
+          </a:p>
+        </p:txBody>
+      </p:sp>
+      <p:sp>
+        <p:nvSpPr>
+          <p:cNvPr id="12" name="TextBox 11">
+            <a:extLst>
+              <a:ext uri="{FF2B5EF4-FFF2-40B4-BE49-F238E27FC236}">
+                <a16:creationId xmlns:a16="http://schemas.microsoft.com/office/drawing/2014/main" id="{936051AC-A239-4D47-B9D0-CBCB7190414D}"/>
+              </a:ext>
+            </a:extLst>
+          </p:cNvPr>
+          <p:cNvSpPr txBox="1"/>
+          <p:nvPr/>
+        </p:nvSpPr>
+        <p:spPr>
+          <a:xfrm>
+            <a:off x="5437571" y="3613918"/>
+            <a:ext cx="1309974" cy="1323439"/>
+          </a:xfrm>
+          <a:prstGeom prst="rect">
+            <a:avLst/>
+          </a:prstGeom>
+          <a:noFill/>
+        </p:spPr>
+        <p:txBody>
+          <a:bodyPr wrap="none" rtlCol="0">
+            <a:spAutoFit/>
+          </a:bodyPr>
+          <a:lstStyle/>
+          <a:p>
+            <a:pPr algn="ctr"/>
+            <a:r>
+              <a:rPr lang="en-US" sz="3200" b="1" dirty="0">
+                <a:solidFill>
+                  <a:srgbClr val="FFFFFF"/>
+                </a:solidFill>
+              </a:rPr>
+              <a:t>Guess</a:t>
+            </a:r>
+          </a:p>
+          <a:p>
+            <a:pPr algn="ctr"/>
+            <a:r>
+              <a:rPr lang="en-US" sz="4800" b="1" dirty="0">
+                <a:solidFill>
+                  <a:srgbClr val="FFFFFF"/>
+                </a:solidFill>
+              </a:rPr>
+              <a:t>45</a:t>
             </a:r>
           </a:p>
         </p:txBody>
@@ -4070,7 +4306,632 @@
     </p:spTree>
     <p:extLst>
       <p:ext uri="{BB962C8B-B14F-4D97-AF65-F5344CB8AC3E}">
-        <p14:creationId xmlns:p14="http://schemas.microsoft.com/office/powerpoint/2010/main" val="3381914804"/>
+        <p14:creationId xmlns:p14="http://schemas.microsoft.com/office/powerpoint/2010/main" val="2417919783"/>
+      </p:ext>
+    </p:extLst>
+  </p:cSld>
+  <p:clrMapOvr>
+    <a:masterClrMapping/>
+  </p:clrMapOvr>
+</p:sld>
+</file>
+
+<file path=ppt/slides/slide18.xml><?xml version="1.0" encoding="utf-8"?>
+<p:sld xmlns:a="http://schemas.openxmlformats.org/drawingml/2006/main" xmlns:r="http://schemas.openxmlformats.org/officeDocument/2006/relationships" xmlns:p="http://schemas.openxmlformats.org/presentationml/2006/main">
+  <p:cSld>
+    <p:spTree>
+      <p:nvGrpSpPr>
+        <p:cNvPr id="1" name=""/>
+        <p:cNvGrpSpPr/>
+        <p:nvPr/>
+      </p:nvGrpSpPr>
+      <p:grpSpPr>
+        <a:xfrm>
+          <a:off x="0" y="0"/>
+          <a:ext cx="0" cy="0"/>
+          <a:chOff x="0" y="0"/>
+          <a:chExt cx="0" cy="0"/>
+        </a:xfrm>
+      </p:grpSpPr>
+      <p:sp>
+        <p:nvSpPr>
+          <p:cNvPr id="2" name="Title 1">
+            <a:extLst>
+              <a:ext uri="{FF2B5EF4-FFF2-40B4-BE49-F238E27FC236}">
+                <a16:creationId xmlns:a16="http://schemas.microsoft.com/office/drawing/2014/main" id="{128C012E-E27C-4455-914A-F84B2E984449}"/>
+              </a:ext>
+            </a:extLst>
+          </p:cNvPr>
+          <p:cNvSpPr>
+            <a:spLocks noGrp="1"/>
+          </p:cNvSpPr>
+          <p:nvPr>
+            <p:ph type="title"/>
+          </p:nvPr>
+        </p:nvSpPr>
+        <p:spPr>
+          <a:xfrm>
+            <a:off x="838200" y="727514"/>
+            <a:ext cx="10515600" cy="656148"/>
+          </a:xfrm>
+        </p:spPr>
+        <p:txBody>
+          <a:bodyPr>
+            <a:normAutofit fontScale="90000"/>
+          </a:bodyPr>
+          <a:lstStyle/>
+          <a:p>
+            <a:r>
+              <a:rPr lang="en-US" b="1" dirty="0"/>
+              <a:t>Guessing Game</a:t>
+            </a:r>
+          </a:p>
+        </p:txBody>
+      </p:sp>
+      <p:sp>
+        <p:nvSpPr>
+          <p:cNvPr id="3" name="Content Placeholder 2">
+            <a:extLst>
+              <a:ext uri="{FF2B5EF4-FFF2-40B4-BE49-F238E27FC236}">
+                <a16:creationId xmlns:a16="http://schemas.microsoft.com/office/drawing/2014/main" id="{86B251CA-11BF-441F-8DAF-B316636B94DD}"/>
+              </a:ext>
+            </a:extLst>
+          </p:cNvPr>
+          <p:cNvSpPr>
+            <a:spLocks noGrp="1"/>
+          </p:cNvSpPr>
+          <p:nvPr>
+            <p:ph idx="1"/>
+          </p:nvPr>
+        </p:nvSpPr>
+        <p:spPr>
+          <a:xfrm>
+            <a:off x="838200" y="1825624"/>
+            <a:ext cx="6862011" cy="4900029"/>
+          </a:xfrm>
+        </p:spPr>
+        <p:txBody>
+          <a:bodyPr>
+            <a:normAutofit lnSpcReduction="10000"/>
+          </a:bodyPr>
+          <a:lstStyle/>
+          <a:p>
+            <a:r>
+              <a:rPr lang="en-US" sz="3200" dirty="0"/>
+              <a:t>Let</a:t>
+            </a:r>
+            <a:r>
+              <a:rPr lang="en-US" sz="3200" dirty="0">
+                <a:solidFill>
+                  <a:schemeClr val="accent1"/>
+                </a:solidFill>
+              </a:rPr>
+              <a:t>’</a:t>
+            </a:r>
+            <a:r>
+              <a:rPr lang="en-US" sz="3200" dirty="0"/>
+              <a:t>s build a simple guessing game</a:t>
+            </a:r>
+            <a:r>
+              <a:rPr lang="en-US" sz="3200" dirty="0">
+                <a:solidFill>
+                  <a:schemeClr val="accent1"/>
+                </a:solidFill>
+              </a:rPr>
+              <a:t>.</a:t>
+            </a:r>
+            <a:r>
+              <a:rPr lang="en-US" sz="3200" dirty="0"/>
+              <a:t> </a:t>
+            </a:r>
+            <a:endParaRPr lang="en-US" sz="3200" dirty="0">
+              <a:solidFill>
+                <a:schemeClr val="accent1"/>
+              </a:solidFill>
+            </a:endParaRPr>
+          </a:p>
+          <a:p>
+            <a:pPr marL="971550" lvl="1" indent="-514350">
+              <a:buFont typeface="+mj-lt"/>
+              <a:buAutoNum type="arabicPeriod"/>
+            </a:pPr>
+            <a:r>
+              <a:rPr lang="en-US" sz="2800" dirty="0"/>
+              <a:t>Get the computer to choose a random integer from 0 to 100</a:t>
+            </a:r>
+            <a:r>
+              <a:rPr lang="en-US" sz="2800" dirty="0">
+                <a:solidFill>
+                  <a:schemeClr val="accent1"/>
+                </a:solidFill>
+              </a:rPr>
+              <a:t>.</a:t>
+            </a:r>
+          </a:p>
+          <a:p>
+            <a:pPr marL="971550" lvl="1" indent="-514350">
+              <a:buFont typeface="+mj-lt"/>
+              <a:buAutoNum type="arabicPeriod"/>
+            </a:pPr>
+            <a:r>
+              <a:rPr lang="en-US" sz="2800" dirty="0"/>
+              <a:t>Ask the user for a guess and allow the user to input a guess or </a:t>
+            </a:r>
+            <a:r>
+              <a:rPr lang="en-US" sz="2800" dirty="0">
+                <a:solidFill>
+                  <a:schemeClr val="accent6"/>
+                </a:solidFill>
+              </a:rPr>
+              <a:t>"</a:t>
+            </a:r>
+            <a:r>
+              <a:rPr lang="en-US" sz="2800" dirty="0"/>
+              <a:t>q</a:t>
+            </a:r>
+            <a:r>
+              <a:rPr lang="en-US" sz="2800" dirty="0">
+                <a:solidFill>
+                  <a:schemeClr val="accent6"/>
+                </a:solidFill>
+              </a:rPr>
+              <a:t>“</a:t>
+            </a:r>
+            <a:r>
+              <a:rPr lang="en-US" sz="2800" dirty="0">
+                <a:solidFill>
+                  <a:schemeClr val="accent1"/>
+                </a:solidFill>
+              </a:rPr>
+              <a:t>.</a:t>
+            </a:r>
+          </a:p>
+          <a:p>
+            <a:pPr marL="971550" lvl="1" indent="-514350">
+              <a:buFont typeface="+mj-lt"/>
+              <a:buAutoNum type="arabicPeriod"/>
+            </a:pPr>
+            <a:r>
+              <a:rPr lang="en-US" sz="2800" dirty="0"/>
+              <a:t>If the user inputs </a:t>
+            </a:r>
+            <a:r>
+              <a:rPr lang="en-US" sz="2800" dirty="0">
+                <a:solidFill>
+                  <a:schemeClr val="accent6"/>
+                </a:solidFill>
+              </a:rPr>
+              <a:t>"</a:t>
+            </a:r>
+            <a:r>
+              <a:rPr lang="en-US" sz="2800" dirty="0"/>
+              <a:t>q</a:t>
+            </a:r>
+            <a:r>
+              <a:rPr lang="en-US" sz="2800" dirty="0">
+                <a:solidFill>
+                  <a:schemeClr val="accent6"/>
+                </a:solidFill>
+              </a:rPr>
+              <a:t>"</a:t>
+            </a:r>
+            <a:r>
+              <a:rPr lang="en-US" sz="2800" dirty="0"/>
+              <a:t> print a nice message and end the program</a:t>
+            </a:r>
+            <a:r>
+              <a:rPr lang="en-US" sz="2800" dirty="0">
+                <a:solidFill>
+                  <a:schemeClr val="accent1"/>
+                </a:solidFill>
+              </a:rPr>
+              <a:t>.</a:t>
+            </a:r>
+          </a:p>
+          <a:p>
+            <a:pPr marL="971550" lvl="1" indent="-514350">
+              <a:buFont typeface="+mj-lt"/>
+              <a:buAutoNum type="arabicPeriod"/>
+            </a:pPr>
+            <a:r>
+              <a:rPr lang="en-US" sz="2800" dirty="0"/>
+              <a:t>If the user enters a guess</a:t>
+            </a:r>
+            <a:r>
+              <a:rPr lang="en-US" sz="2800" dirty="0">
+                <a:solidFill>
+                  <a:schemeClr val="accent1"/>
+                </a:solidFill>
+              </a:rPr>
+              <a:t>,</a:t>
+            </a:r>
+            <a:r>
+              <a:rPr lang="en-US" sz="2800" dirty="0"/>
+              <a:t> tell them if they should guess higher</a:t>
+            </a:r>
+            <a:r>
+              <a:rPr lang="en-US" sz="2800" dirty="0">
+                <a:solidFill>
+                  <a:schemeClr val="accent1"/>
+                </a:solidFill>
+              </a:rPr>
+              <a:t>,</a:t>
+            </a:r>
+            <a:r>
+              <a:rPr lang="en-US" sz="2800" dirty="0"/>
+              <a:t> lower</a:t>
+            </a:r>
+            <a:r>
+              <a:rPr lang="en-US" sz="2800" dirty="0">
+                <a:solidFill>
+                  <a:schemeClr val="accent1"/>
+                </a:solidFill>
+              </a:rPr>
+              <a:t>,</a:t>
+            </a:r>
+            <a:r>
+              <a:rPr lang="en-US" sz="2800" dirty="0"/>
+              <a:t> or if they got it right</a:t>
+            </a:r>
+            <a:r>
+              <a:rPr lang="en-US" sz="2800" dirty="0">
+                <a:solidFill>
+                  <a:schemeClr val="accent1"/>
+                </a:solidFill>
+              </a:rPr>
+              <a:t>.</a:t>
+            </a:r>
+          </a:p>
+          <a:p>
+            <a:pPr marL="971550" lvl="1" indent="-514350">
+              <a:buFont typeface="+mj-lt"/>
+              <a:buAutoNum type="arabicPeriod"/>
+            </a:pPr>
+            <a:r>
+              <a:rPr lang="en-US" sz="2800" dirty="0"/>
+              <a:t>If they got it right</a:t>
+            </a:r>
+            <a:r>
+              <a:rPr lang="en-US" sz="2800" dirty="0">
+                <a:solidFill>
+                  <a:schemeClr val="accent1"/>
+                </a:solidFill>
+              </a:rPr>
+              <a:t>,</a:t>
+            </a:r>
+            <a:r>
+              <a:rPr lang="en-US" sz="2800" dirty="0"/>
+              <a:t> print a nice message and quit</a:t>
+            </a:r>
+            <a:r>
+              <a:rPr lang="en-US" sz="2800" dirty="0">
+                <a:solidFill>
+                  <a:schemeClr val="accent1"/>
+                </a:solidFill>
+              </a:rPr>
+              <a:t>.</a:t>
+            </a:r>
+          </a:p>
+        </p:txBody>
+      </p:sp>
+      <p:sp>
+        <p:nvSpPr>
+          <p:cNvPr id="11" name="Rectangle: Rounded Corners 10">
+            <a:extLst>
+              <a:ext uri="{FF2B5EF4-FFF2-40B4-BE49-F238E27FC236}">
+                <a16:creationId xmlns:a16="http://schemas.microsoft.com/office/drawing/2014/main" id="{2AD12892-252D-47E8-9C1B-32729A13BC0B}"/>
+              </a:ext>
+            </a:extLst>
+          </p:cNvPr>
+          <p:cNvSpPr/>
+          <p:nvPr/>
+        </p:nvSpPr>
+        <p:spPr>
+          <a:xfrm>
+            <a:off x="7844590" y="1949006"/>
+            <a:ext cx="3958389" cy="4418765"/>
+          </a:xfrm>
+          <a:prstGeom prst="roundRect">
+            <a:avLst/>
+          </a:prstGeom>
+          <a:noFill/>
+          <a:ln w="76200">
+            <a:solidFill>
+              <a:schemeClr val="accent2"/>
+            </a:solidFill>
+          </a:ln>
+        </p:spPr>
+        <p:style>
+          <a:lnRef idx="2">
+            <a:schemeClr val="accent1">
+              <a:shade val="50000"/>
+            </a:schemeClr>
+          </a:lnRef>
+          <a:fillRef idx="1">
+            <a:schemeClr val="accent1"/>
+          </a:fillRef>
+          <a:effectRef idx="0">
+            <a:schemeClr val="accent1"/>
+          </a:effectRef>
+          <a:fontRef idx="minor">
+            <a:schemeClr val="lt1"/>
+          </a:fontRef>
+        </p:style>
+        <p:txBody>
+          <a:bodyPr rtlCol="0" anchor="ctr"/>
+          <a:lstStyle/>
+          <a:p>
+            <a:r>
+              <a:rPr lang="en-US" sz="4400" b="1" dirty="0">
+                <a:solidFill>
+                  <a:srgbClr val="FFFFFF"/>
+                </a:solidFill>
+              </a:rPr>
+              <a:t>Open your notebook</a:t>
+            </a:r>
+          </a:p>
+          <a:p>
+            <a:endParaRPr lang="en-US" sz="4400" b="1" dirty="0">
+              <a:solidFill>
+                <a:srgbClr val="FFFFFF"/>
+              </a:solidFill>
+            </a:endParaRPr>
+          </a:p>
+          <a:p>
+            <a:r>
+              <a:rPr lang="en-US" sz="2800" b="1" dirty="0">
+                <a:solidFill>
+                  <a:srgbClr val="FFFFFF"/>
+                </a:solidFill>
+              </a:rPr>
+              <a:t>Click Link</a:t>
+            </a:r>
+            <a:r>
+              <a:rPr lang="en-US" sz="2800" b="1" dirty="0">
+                <a:solidFill>
+                  <a:schemeClr val="accent6"/>
+                </a:solidFill>
+              </a:rPr>
+              <a:t>:</a:t>
+            </a:r>
+          </a:p>
+          <a:p>
+            <a:r>
+              <a:rPr lang="en-US" sz="2800" b="1" dirty="0">
+                <a:solidFill>
+                  <a:schemeClr val="accent6"/>
+                </a:solidFill>
+              </a:rPr>
+              <a:t>6. </a:t>
+            </a:r>
+            <a:r>
+              <a:rPr lang="en-US" sz="2600" b="1" dirty="0">
+                <a:solidFill>
+                  <a:schemeClr val="accent6"/>
+                </a:solidFill>
+              </a:rPr>
+              <a:t>A Simple Guessing Game</a:t>
+            </a:r>
+          </a:p>
+        </p:txBody>
+      </p:sp>
+    </p:spTree>
+    <p:extLst>
+      <p:ext uri="{BB962C8B-B14F-4D97-AF65-F5344CB8AC3E}">
+        <p14:creationId xmlns:p14="http://schemas.microsoft.com/office/powerpoint/2010/main" val="3911853925"/>
+      </p:ext>
+    </p:extLst>
+  </p:cSld>
+  <p:clrMapOvr>
+    <a:masterClrMapping/>
+  </p:clrMapOvr>
+</p:sld>
+</file>
+
+<file path=ppt/slides/slide19.xml><?xml version="1.0" encoding="utf-8"?>
+<p:sld xmlns:a="http://schemas.openxmlformats.org/drawingml/2006/main" xmlns:r="http://schemas.openxmlformats.org/officeDocument/2006/relationships" xmlns:p="http://schemas.openxmlformats.org/presentationml/2006/main">
+  <p:cSld>
+    <p:spTree>
+      <p:nvGrpSpPr>
+        <p:cNvPr id="1" name=""/>
+        <p:cNvGrpSpPr/>
+        <p:nvPr/>
+      </p:nvGrpSpPr>
+      <p:grpSpPr>
+        <a:xfrm>
+          <a:off x="0" y="0"/>
+          <a:ext cx="0" cy="0"/>
+          <a:chOff x="0" y="0"/>
+          <a:chExt cx="0" cy="0"/>
+        </a:xfrm>
+      </p:grpSpPr>
+      <p:sp>
+        <p:nvSpPr>
+          <p:cNvPr id="4" name="Title 3">
+            <a:extLst>
+              <a:ext uri="{FF2B5EF4-FFF2-40B4-BE49-F238E27FC236}">
+                <a16:creationId xmlns:a16="http://schemas.microsoft.com/office/drawing/2014/main" id="{0C118C3C-13F5-4EA8-9EA9-3448AC35375E}"/>
+              </a:ext>
+            </a:extLst>
+          </p:cNvPr>
+          <p:cNvSpPr>
+            <a:spLocks noGrp="1"/>
+          </p:cNvSpPr>
+          <p:nvPr>
+            <p:ph type="title"/>
+          </p:nvPr>
+        </p:nvSpPr>
+        <p:spPr/>
+        <p:txBody>
+          <a:bodyPr>
+            <a:normAutofit fontScale="90000"/>
+          </a:bodyPr>
+          <a:lstStyle/>
+          <a:p>
+            <a:r>
+              <a:rPr lang="en-US" b="1" dirty="0"/>
+              <a:t>Lecture Recap</a:t>
+            </a:r>
+          </a:p>
+        </p:txBody>
+      </p:sp>
+      <p:sp>
+        <p:nvSpPr>
+          <p:cNvPr id="5" name="Content Placeholder 4">
+            <a:extLst>
+              <a:ext uri="{FF2B5EF4-FFF2-40B4-BE49-F238E27FC236}">
+                <a16:creationId xmlns:a16="http://schemas.microsoft.com/office/drawing/2014/main" id="{85F37492-86E3-47CA-8641-D7457D28B946}"/>
+              </a:ext>
+            </a:extLst>
+          </p:cNvPr>
+          <p:cNvSpPr>
+            <a:spLocks noGrp="1"/>
+          </p:cNvSpPr>
+          <p:nvPr>
+            <p:ph idx="1"/>
+          </p:nvPr>
+        </p:nvSpPr>
+        <p:spPr>
+          <a:xfrm>
+            <a:off x="838199" y="1825624"/>
+            <a:ext cx="11073063" cy="4835479"/>
+          </a:xfrm>
+        </p:spPr>
+        <p:txBody>
+          <a:bodyPr>
+            <a:normAutofit/>
+          </a:bodyPr>
+          <a:lstStyle/>
+          <a:p>
+            <a:r>
+              <a:rPr lang="en-US" sz="3600" dirty="0"/>
+              <a:t>Looping </a:t>
+            </a:r>
+            <a:r>
+              <a:rPr lang="en-US" sz="3600" dirty="0">
+                <a:solidFill>
+                  <a:schemeClr val="accent6"/>
+                </a:solidFill>
+              </a:rPr>
+              <a:t>(</a:t>
+            </a:r>
+            <a:r>
+              <a:rPr lang="en-US" sz="3600" dirty="0"/>
+              <a:t>aka iteration</a:t>
+            </a:r>
+            <a:r>
+              <a:rPr lang="en-US" sz="3600" dirty="0">
+                <a:solidFill>
+                  <a:schemeClr val="accent6"/>
+                </a:solidFill>
+              </a:rPr>
+              <a:t>)</a:t>
+            </a:r>
+            <a:r>
+              <a:rPr lang="en-US" sz="3600" dirty="0"/>
+              <a:t> is the second key control structure in programming </a:t>
+            </a:r>
+            <a:r>
+              <a:rPr lang="en-US" sz="3600" dirty="0">
+                <a:solidFill>
+                  <a:schemeClr val="accent6"/>
+                </a:solidFill>
+              </a:rPr>
+              <a:t>(</a:t>
+            </a:r>
+            <a:r>
+              <a:rPr lang="en-US" sz="3600" dirty="0"/>
+              <a:t>if</a:t>
+            </a:r>
+            <a:r>
+              <a:rPr lang="en-US" sz="3600" dirty="0">
+                <a:solidFill>
+                  <a:schemeClr val="accent2"/>
+                </a:solidFill>
+              </a:rPr>
+              <a:t>-</a:t>
+            </a:r>
+            <a:r>
+              <a:rPr lang="en-US" sz="3600" dirty="0"/>
+              <a:t>statements</a:t>
+            </a:r>
+            <a:r>
+              <a:rPr lang="en-US" sz="3600" dirty="0">
+                <a:solidFill>
+                  <a:schemeClr val="accent2"/>
+                </a:solidFill>
+              </a:rPr>
+              <a:t>/</a:t>
+            </a:r>
+            <a:r>
+              <a:rPr lang="en-US" sz="3600" dirty="0"/>
+              <a:t>branching was the first</a:t>
+            </a:r>
+            <a:r>
+              <a:rPr lang="en-US" sz="3600" dirty="0">
+                <a:solidFill>
+                  <a:schemeClr val="accent6"/>
+                </a:solidFill>
+              </a:rPr>
+              <a:t>)</a:t>
+            </a:r>
+            <a:r>
+              <a:rPr lang="en-US" sz="3600" dirty="0">
+                <a:solidFill>
+                  <a:schemeClr val="accent2"/>
+                </a:solidFill>
+              </a:rPr>
+              <a:t>.</a:t>
+            </a:r>
+          </a:p>
+          <a:p>
+            <a:r>
+              <a:rPr lang="en-US" sz="3600" dirty="0"/>
+              <a:t>The basic idea of loops is to repeated execute the same block code</a:t>
+            </a:r>
+            <a:r>
+              <a:rPr lang="en-US" sz="3600" dirty="0">
+                <a:solidFill>
+                  <a:schemeClr val="accent2"/>
+                </a:solidFill>
+              </a:rPr>
+              <a:t>.</a:t>
+            </a:r>
+          </a:p>
+          <a:p>
+            <a:r>
+              <a:rPr lang="en-US" sz="3600" dirty="0"/>
+              <a:t>Looping is very powerful idea</a:t>
+            </a:r>
+            <a:r>
+              <a:rPr lang="en-US" sz="3600" dirty="0">
+                <a:solidFill>
+                  <a:schemeClr val="accent2"/>
+                </a:solidFill>
+              </a:rPr>
+              <a:t>.</a:t>
+            </a:r>
+          </a:p>
+          <a:p>
+            <a:r>
+              <a:rPr lang="en-US" sz="3600" dirty="0"/>
+              <a:t>While loops</a:t>
+            </a:r>
+            <a:r>
+              <a:rPr lang="en-US" sz="3600" dirty="0">
+                <a:solidFill>
+                  <a:schemeClr val="accent2"/>
+                </a:solidFill>
+              </a:rPr>
+              <a:t>.</a:t>
+            </a:r>
+          </a:p>
+        </p:txBody>
+      </p:sp>
+    </p:spTree>
+    <p:extLst>
+      <p:ext uri="{BB962C8B-B14F-4D97-AF65-F5344CB8AC3E}">
+        <p14:creationId xmlns:p14="http://schemas.microsoft.com/office/powerpoint/2010/main" val="577522275"/>
       </p:ext>
     </p:extLst>
   </p:cSld>
@@ -4266,6 +5127,170 @@
     <p:extLst>
       <p:ext uri="{BB962C8B-B14F-4D97-AF65-F5344CB8AC3E}">
         <p14:creationId xmlns:p14="http://schemas.microsoft.com/office/powerpoint/2010/main" val="2832463924"/>
+      </p:ext>
+    </p:extLst>
+  </p:cSld>
+  <p:clrMapOvr>
+    <a:masterClrMapping/>
+  </p:clrMapOvr>
+</p:sld>
+</file>
+
+<file path=ppt/slides/slide20.xml><?xml version="1.0" encoding="utf-8"?>
+<p:sld xmlns:a="http://schemas.openxmlformats.org/drawingml/2006/main" xmlns:r="http://schemas.openxmlformats.org/officeDocument/2006/relationships" xmlns:p="http://schemas.openxmlformats.org/presentationml/2006/main">
+  <p:cSld>
+    <p:spTree>
+      <p:nvGrpSpPr>
+        <p:cNvPr id="1" name=""/>
+        <p:cNvGrpSpPr/>
+        <p:nvPr/>
+      </p:nvGrpSpPr>
+      <p:grpSpPr>
+        <a:xfrm>
+          <a:off x="0" y="0"/>
+          <a:ext cx="0" cy="0"/>
+          <a:chOff x="0" y="0"/>
+          <a:chExt cx="0" cy="0"/>
+        </a:xfrm>
+      </p:grpSpPr>
+      <p:sp>
+        <p:nvSpPr>
+          <p:cNvPr id="2" name="Title 1">
+            <a:extLst>
+              <a:ext uri="{FF2B5EF4-FFF2-40B4-BE49-F238E27FC236}">
+                <a16:creationId xmlns:a16="http://schemas.microsoft.com/office/drawing/2014/main" id="{057F06F2-AC3E-484E-9926-59D4F59092CE}"/>
+              </a:ext>
+            </a:extLst>
+          </p:cNvPr>
+          <p:cNvSpPr>
+            <a:spLocks noGrp="1"/>
+          </p:cNvSpPr>
+          <p:nvPr>
+            <p:ph type="ctrTitle"/>
+          </p:nvPr>
+        </p:nvSpPr>
+        <p:spPr/>
+        <p:txBody>
+          <a:bodyPr>
+            <a:normAutofit/>
+          </a:bodyPr>
+          <a:lstStyle/>
+          <a:p>
+            <a:r>
+              <a:rPr lang="en-US" dirty="0"/>
+              <a:t>more while loops</a:t>
+            </a:r>
+            <a:r>
+              <a:rPr lang="en-US" dirty="0">
+                <a:solidFill>
+                  <a:schemeClr val="accent1"/>
+                </a:solidFill>
+              </a:rPr>
+              <a:t>.</a:t>
+            </a:r>
+          </a:p>
+        </p:txBody>
+      </p:sp>
+      <p:sp>
+        <p:nvSpPr>
+          <p:cNvPr id="3" name="Subtitle 2">
+            <a:extLst>
+              <a:ext uri="{FF2B5EF4-FFF2-40B4-BE49-F238E27FC236}">
+                <a16:creationId xmlns:a16="http://schemas.microsoft.com/office/drawing/2014/main" id="{99B07687-F068-40FC-84A1-E7860490CACD}"/>
+              </a:ext>
+            </a:extLst>
+          </p:cNvPr>
+          <p:cNvSpPr>
+            <a:spLocks noGrp="1"/>
+          </p:cNvSpPr>
+          <p:nvPr>
+            <p:ph type="subTitle" idx="1"/>
+          </p:nvPr>
+        </p:nvSpPr>
+        <p:spPr/>
+        <p:txBody>
+          <a:bodyPr/>
+          <a:lstStyle/>
+          <a:p>
+            <a:r>
+              <a:rPr lang="en-US" b="1" dirty="0"/>
+              <a:t>Week </a:t>
+            </a:r>
+            <a:r>
+              <a:rPr lang="en-US" b="1" dirty="0">
+                <a:solidFill>
+                  <a:schemeClr val="accent6"/>
+                </a:solidFill>
+              </a:rPr>
+              <a:t>4</a:t>
+            </a:r>
+            <a:r>
+              <a:rPr lang="en-US" b="1" dirty="0"/>
+              <a:t> </a:t>
+            </a:r>
+            <a:r>
+              <a:rPr lang="en-US" dirty="0">
+                <a:solidFill>
+                  <a:schemeClr val="accent2"/>
+                </a:solidFill>
+              </a:rPr>
+              <a:t>|</a:t>
+            </a:r>
+            <a:r>
+              <a:rPr lang="en-US" dirty="0"/>
+              <a:t> Lecture </a:t>
+            </a:r>
+            <a:r>
+              <a:rPr lang="en-US" dirty="0">
+                <a:solidFill>
+                  <a:schemeClr val="accent6"/>
+                </a:solidFill>
+              </a:rPr>
+              <a:t>2 </a:t>
+            </a:r>
+            <a:r>
+              <a:rPr lang="en-US" dirty="0">
+                <a:solidFill>
+                  <a:schemeClr val="accent1"/>
+                </a:solidFill>
+              </a:rPr>
+              <a:t>(</a:t>
+            </a:r>
+            <a:r>
+              <a:rPr lang="en-US" dirty="0">
+                <a:solidFill>
+                  <a:schemeClr val="accent6"/>
+                </a:solidFill>
+              </a:rPr>
+              <a:t>4</a:t>
+            </a:r>
+            <a:r>
+              <a:rPr lang="en-US" dirty="0"/>
+              <a:t>.</a:t>
+            </a:r>
+            <a:r>
+              <a:rPr lang="en-US" dirty="0">
+                <a:solidFill>
+                  <a:schemeClr val="accent6"/>
+                </a:solidFill>
+              </a:rPr>
+              <a:t>2</a:t>
+            </a:r>
+            <a:r>
+              <a:rPr lang="en-US" dirty="0">
+                <a:solidFill>
+                  <a:schemeClr val="accent1"/>
+                </a:solidFill>
+              </a:rPr>
+              <a:t>)</a:t>
+            </a:r>
+          </a:p>
+        </p:txBody>
+      </p:sp>
+    </p:spTree>
+    <p:extLst>
+      <p:ext uri="{BB962C8B-B14F-4D97-AF65-F5344CB8AC3E}">
+        <p14:creationId xmlns:p14="http://schemas.microsoft.com/office/powerpoint/2010/main" val="3381914804"/>
       </p:ext>
     </p:extLst>
   </p:cSld>
@@ -7442,7 +8467,7 @@
           <p:cNvPr id="2" name="Title 1">
             <a:extLst>
               <a:ext uri="{FF2B5EF4-FFF2-40B4-BE49-F238E27FC236}">
-                <a16:creationId xmlns:a16="http://schemas.microsoft.com/office/drawing/2014/main" id="{128C012E-E27C-4455-914A-F84B2E984449}"/>
+                <a16:creationId xmlns:a16="http://schemas.microsoft.com/office/drawing/2014/main" id="{DB17521C-0C01-4201-9CDF-89824645A0DA}"/>
               </a:ext>
             </a:extLst>
           </p:cNvPr>
@@ -7453,12 +8478,7 @@
             <p:ph type="title"/>
           </p:nvPr>
         </p:nvSpPr>
-        <p:spPr>
-          <a:xfrm>
-            <a:off x="838200" y="727514"/>
-            <a:ext cx="10515600" cy="656148"/>
-          </a:xfrm>
-        </p:spPr>
+        <p:spPr/>
         <p:txBody>
           <a:bodyPr>
             <a:normAutofit fontScale="90000"/>
@@ -7466,9 +8486,24 @@
           <a:lstStyle/>
           <a:p>
             <a:r>
-              <a:rPr lang="en-US" b="1" dirty="0"/>
-              <a:t>Guessing Game</a:t>
-            </a:r>
+              <a:rPr lang="en-US" b="1"/>
+              <a:t>Turtles and </a:t>
+            </a:r>
+            <a:r>
+              <a:rPr lang="en-US" b="1">
+                <a:solidFill>
+                  <a:srgbClr val="00FF00"/>
+                </a:solidFill>
+                <a:latin typeface="Courier New" panose="02070309020205020404" pitchFamily="49" charset="0"/>
+                <a:cs typeface="Courier New" panose="02070309020205020404" pitchFamily="49" charset="0"/>
+              </a:rPr>
+              <a:t>while</a:t>
+            </a:r>
+            <a:r>
+              <a:rPr lang="en-US" b="1"/>
+              <a:t> loops</a:t>
+            </a:r>
+            <a:endParaRPr lang="en-US" b="1" dirty="0"/>
           </a:p>
         </p:txBody>
       </p:sp>
@@ -7477,7 +8512,7 @@
           <p:cNvPr id="3" name="Content Placeholder 2">
             <a:extLst>
               <a:ext uri="{FF2B5EF4-FFF2-40B4-BE49-F238E27FC236}">
-                <a16:creationId xmlns:a16="http://schemas.microsoft.com/office/drawing/2014/main" id="{86B251CA-11BF-441F-8DAF-B316636B94DD}"/>
+                <a16:creationId xmlns:a16="http://schemas.microsoft.com/office/drawing/2014/main" id="{36D38078-1B31-4266-8AD7-0006109FE6C2}"/>
               </a:ext>
             </a:extLst>
           </p:cNvPr>
@@ -7491,224 +8526,368 @@
         <p:spPr>
           <a:xfrm>
             <a:off x="838200" y="1825624"/>
-            <a:ext cx="6862011" cy="4900029"/>
-          </a:xfrm>
-        </p:spPr>
-        <p:txBody>
-          <a:bodyPr>
-            <a:normAutofit lnSpcReduction="10000"/>
-          </a:bodyPr>
-          <a:lstStyle/>
-          <a:p>
-            <a:r>
-              <a:rPr lang="en-US" sz="3200" dirty="0"/>
-              <a:t>Let</a:t>
-            </a:r>
-            <a:r>
-              <a:rPr lang="en-US" sz="3200" dirty="0">
-                <a:solidFill>
-                  <a:schemeClr val="accent1"/>
+            <a:ext cx="5923547" cy="4835479"/>
+          </a:xfrm>
+        </p:spPr>
+        <p:txBody>
+          <a:bodyPr/>
+          <a:lstStyle/>
+          <a:p>
+            <a:r>
+              <a:rPr lang="en-US" dirty="0"/>
+              <a:t>I</a:t>
+            </a:r>
+            <a:r>
+              <a:rPr lang="en-US" dirty="0">
+                <a:solidFill>
+                  <a:schemeClr val="accent2"/>
                 </a:solidFill>
               </a:rPr>
               <a:t>’</a:t>
             </a:r>
             <a:r>
-              <a:rPr lang="en-US" sz="3200" dirty="0"/>
-              <a:t>s build a simple guessing game</a:t>
-            </a:r>
-            <a:r>
-              <a:rPr lang="en-US" sz="3200" dirty="0">
-                <a:solidFill>
-                  <a:schemeClr val="accent1"/>
+              <a:rPr lang="en-US" dirty="0"/>
+              <a:t>m a little turtle and I want to take steps to the right until I get to the brick wall</a:t>
+            </a:r>
+            <a:r>
+              <a:rPr lang="en-US" dirty="0">
+                <a:solidFill>
+                  <a:schemeClr val="accent2"/>
                 </a:solidFill>
               </a:rPr>
               <a:t>.</a:t>
             </a:r>
-            <a:r>
-              <a:rPr lang="en-US" sz="3200" dirty="0"/>
-              <a:t> </a:t>
-            </a:r>
-            <a:endParaRPr lang="en-US" sz="3200" dirty="0">
+          </a:p>
+          <a:p>
+            <a:r>
+              <a:rPr lang="en-US" dirty="0"/>
+              <a:t>However</a:t>
+            </a:r>
+            <a:r>
+              <a:rPr lang="en-US" dirty="0">
+                <a:solidFill>
+                  <a:schemeClr val="accent2"/>
+                </a:solidFill>
+              </a:rPr>
+              <a:t>,</a:t>
+            </a:r>
+            <a:r>
+              <a:rPr lang="en-US" dirty="0"/>
+              <a:t> I don</a:t>
+            </a:r>
+            <a:r>
+              <a:rPr lang="en-US" dirty="0">
+                <a:solidFill>
+                  <a:schemeClr val="accent6"/>
+                </a:solidFill>
+              </a:rPr>
+              <a:t>’</a:t>
+            </a:r>
+            <a:r>
+              <a:rPr lang="en-US" dirty="0"/>
+              <a:t>t know how far away the brick wall I</a:t>
+            </a:r>
+            <a:r>
+              <a:rPr lang="en-US" dirty="0">
+                <a:solidFill>
+                  <a:schemeClr val="accent2"/>
+                </a:solidFill>
+              </a:rPr>
+              <a:t>.</a:t>
+            </a:r>
+          </a:p>
+        </p:txBody>
+      </p:sp>
+      <p:pic>
+        <p:nvPicPr>
+          <p:cNvPr id="4" name="Picture 4" descr="Turtle Icon | Flat Animal Iconset | Martin Berube">
+            <a:extLst>
+              <a:ext uri="{FF2B5EF4-FFF2-40B4-BE49-F238E27FC236}">
+                <a16:creationId xmlns:a16="http://schemas.microsoft.com/office/drawing/2014/main" id="{035FDF54-D5D3-4271-B4A0-650BC058A301}"/>
+              </a:ext>
+            </a:extLst>
+          </p:cNvPr>
+          <p:cNvPicPr>
+            <a:picLocks noChangeAspect="1" noChangeArrowheads="1"/>
+          </p:cNvPicPr>
+          <p:nvPr/>
+        </p:nvPicPr>
+        <p:blipFill rotWithShape="1">
+          <a:blip r:embed="rId2">
+            <a:extLst>
+              <a:ext uri="{28A0092B-C50C-407E-A947-70E740481C1C}">
+                <a14:useLocalDpi xmlns:a14="http://schemas.microsoft.com/office/drawing/2010/main" val="0"/>
+              </a:ext>
+            </a:extLst>
+          </a:blip>
+          <a:srcRect l="5063"/>
+          <a:stretch/>
+        </p:blipFill>
+        <p:spPr bwMode="auto">
+          <a:xfrm>
+            <a:off x="168440" y="3701120"/>
+            <a:ext cx="2707320" cy="2851699"/>
+          </a:xfrm>
+          <a:prstGeom prst="rect">
+            <a:avLst/>
+          </a:prstGeom>
+          <a:noFill/>
+          <a:extLst>
+            <a:ext uri="{909E8E84-426E-40DD-AFC4-6F175D3DCCD1}">
+              <a14:hiddenFill xmlns:a14="http://schemas.microsoft.com/office/drawing/2010/main">
+                <a:solidFill>
+                  <a:srgbClr val="FFFFFF"/>
+                </a:solidFill>
+              </a14:hiddenFill>
+            </a:ext>
+          </a:extLst>
+        </p:spPr>
+      </p:pic>
+      <p:sp>
+        <p:nvSpPr>
+          <p:cNvPr id="5" name="Rectangle: Rounded Corners 4">
+            <a:extLst>
+              <a:ext uri="{FF2B5EF4-FFF2-40B4-BE49-F238E27FC236}">
+                <a16:creationId xmlns:a16="http://schemas.microsoft.com/office/drawing/2014/main" id="{3CCAC3EB-E8F0-4FE3-935D-BE18FF7E7B10}"/>
+              </a:ext>
+            </a:extLst>
+          </p:cNvPr>
+          <p:cNvSpPr/>
+          <p:nvPr/>
+        </p:nvSpPr>
+        <p:spPr>
+          <a:xfrm>
+            <a:off x="7844590" y="1949006"/>
+            <a:ext cx="3958389" cy="4418765"/>
+          </a:xfrm>
+          <a:prstGeom prst="roundRect">
+            <a:avLst/>
+          </a:prstGeom>
+          <a:noFill/>
+          <a:ln w="76200">
+            <a:solidFill>
+              <a:schemeClr val="accent2"/>
+            </a:solidFill>
+          </a:ln>
+        </p:spPr>
+        <p:style>
+          <a:lnRef idx="2">
+            <a:schemeClr val="accent1">
+              <a:shade val="50000"/>
+            </a:schemeClr>
+          </a:lnRef>
+          <a:fillRef idx="1">
+            <a:schemeClr val="accent1"/>
+          </a:fillRef>
+          <a:effectRef idx="0">
+            <a:schemeClr val="accent1"/>
+          </a:effectRef>
+          <a:fontRef idx="minor">
+            <a:schemeClr val="lt1"/>
+          </a:fontRef>
+        </p:style>
+        <p:txBody>
+          <a:bodyPr rtlCol="0" anchor="ctr"/>
+          <a:lstStyle/>
+          <a:p>
+            <a:r>
+              <a:rPr lang="en-US" sz="4400" b="1" dirty="0">
+                <a:solidFill>
+                  <a:srgbClr val="FFFFFF"/>
+                </a:solidFill>
+              </a:rPr>
+              <a:t>Open your notebook</a:t>
+            </a:r>
+          </a:p>
+          <a:p>
+            <a:endParaRPr lang="en-US" sz="4400" b="1" dirty="0">
               <a:solidFill>
-                <a:schemeClr val="accent1"/>
+                <a:srgbClr val="FFFFFF"/>
               </a:solidFill>
             </a:endParaRPr>
           </a:p>
           <a:p>
-            <a:pPr lvl="1"/>
-            <a:r>
-              <a:rPr lang="en-US" sz="2800" dirty="0"/>
-              <a:t>Get the computer to choose a random integer from 0 to 100</a:t>
-            </a:r>
-            <a:r>
-              <a:rPr lang="en-US" sz="2800" dirty="0">
-                <a:solidFill>
-                  <a:schemeClr val="accent1"/>
-                </a:solidFill>
-              </a:rPr>
-              <a:t>.</a:t>
-            </a:r>
-          </a:p>
-          <a:p>
-            <a:pPr lvl="1"/>
-            <a:r>
-              <a:rPr lang="en-US" sz="2800" dirty="0"/>
-              <a:t>Ask the user for a guess and allow the user to input a guess or </a:t>
-            </a:r>
-            <a:r>
-              <a:rPr lang="en-US" sz="2800" dirty="0">
+            <a:r>
+              <a:rPr lang="en-US" sz="2800" b="1" dirty="0">
+                <a:solidFill>
+                  <a:srgbClr val="FFFFFF"/>
+                </a:solidFill>
+              </a:rPr>
+              <a:t>Click Link</a:t>
+            </a:r>
+            <a:r>
+              <a:rPr lang="en-US" sz="2800" b="1" dirty="0">
                 <a:solidFill>
                   <a:schemeClr val="accent6"/>
                 </a:solidFill>
               </a:rPr>
-              <a:t>"</a:t>
-            </a:r>
-            <a:r>
-              <a:rPr lang="en-US" sz="2800" dirty="0"/>
-              <a:t>q</a:t>
-            </a:r>
-            <a:r>
-              <a:rPr lang="en-US" sz="2800" dirty="0">
+              <a:t>:</a:t>
+            </a:r>
+          </a:p>
+          <a:p>
+            <a:r>
+              <a:rPr lang="en-US" sz="2800" b="1" dirty="0">
                 <a:solidFill>
                   <a:schemeClr val="accent6"/>
                 </a:solidFill>
               </a:rPr>
-              <a:t>“</a:t>
-            </a:r>
-            <a:r>
-              <a:rPr lang="en-US" sz="2800" dirty="0">
-                <a:solidFill>
-                  <a:schemeClr val="accent1"/>
-                </a:solidFill>
-              </a:rPr>
-              <a:t>.</a:t>
-            </a:r>
-          </a:p>
-          <a:p>
-            <a:pPr lvl="1"/>
-            <a:r>
-              <a:rPr lang="en-US" sz="2800" dirty="0"/>
-              <a:t>If the user inputs </a:t>
-            </a:r>
-            <a:r>
-              <a:rPr lang="en-US" sz="2800" dirty="0">
+              <a:t>3. </a:t>
+            </a:r>
+            <a:r>
+              <a:rPr lang="en-US" sz="2600" b="1" dirty="0">
                 <a:solidFill>
                   <a:schemeClr val="accent6"/>
                 </a:solidFill>
               </a:rPr>
-              <a:t>"</a:t>
-            </a:r>
-            <a:r>
-              <a:rPr lang="en-US" sz="2800" dirty="0"/>
-              <a:t>q</a:t>
-            </a:r>
-            <a:r>
-              <a:rPr lang="en-US" sz="2800" dirty="0">
-                <a:solidFill>
-                  <a:schemeClr val="accent6"/>
-                </a:solidFill>
-              </a:rPr>
-              <a:t>"</a:t>
-            </a:r>
-            <a:r>
-              <a:rPr lang="en-US" sz="2800" dirty="0"/>
-              <a:t> print a nice message and end the program</a:t>
-            </a:r>
-            <a:r>
-              <a:rPr lang="en-US" sz="2800" dirty="0">
-                <a:solidFill>
-                  <a:schemeClr val="accent1"/>
-                </a:solidFill>
-              </a:rPr>
-              <a:t>.</a:t>
-            </a:r>
-          </a:p>
-          <a:p>
-            <a:pPr lvl="1"/>
-            <a:r>
-              <a:rPr lang="en-US" sz="2800" dirty="0"/>
-              <a:t>If the user enters a guess</a:t>
-            </a:r>
-            <a:r>
-              <a:rPr lang="en-US" sz="2800" dirty="0">
-                <a:solidFill>
-                  <a:schemeClr val="accent1"/>
-                </a:solidFill>
-              </a:rPr>
-              <a:t>,</a:t>
-            </a:r>
-            <a:r>
-              <a:rPr lang="en-US" sz="2800" dirty="0"/>
-              <a:t> tell them if they should guess higher</a:t>
-            </a:r>
-            <a:r>
-              <a:rPr lang="en-US" sz="2800" dirty="0">
-                <a:solidFill>
-                  <a:schemeClr val="accent1"/>
-                </a:solidFill>
-              </a:rPr>
-              <a:t>,</a:t>
-            </a:r>
-            <a:r>
-              <a:rPr lang="en-US" sz="2800" dirty="0"/>
-              <a:t> lower</a:t>
-            </a:r>
-            <a:r>
-              <a:rPr lang="en-US" sz="2800" dirty="0">
-                <a:solidFill>
-                  <a:schemeClr val="accent1"/>
-                </a:solidFill>
-              </a:rPr>
-              <a:t>,</a:t>
-            </a:r>
-            <a:r>
-              <a:rPr lang="en-US" sz="2800" dirty="0"/>
-              <a:t> or if they got it right</a:t>
-            </a:r>
-            <a:r>
-              <a:rPr lang="en-US" sz="2800" dirty="0">
-                <a:solidFill>
-                  <a:schemeClr val="accent1"/>
-                </a:solidFill>
-              </a:rPr>
-              <a:t>.</a:t>
-            </a:r>
-          </a:p>
-          <a:p>
-            <a:pPr lvl="1"/>
-            <a:r>
-              <a:rPr lang="en-US" sz="2800" dirty="0"/>
-              <a:t>If they got it right</a:t>
-            </a:r>
-            <a:r>
-              <a:rPr lang="en-US" sz="2800" dirty="0">
-                <a:solidFill>
-                  <a:schemeClr val="accent1"/>
-                </a:solidFill>
-              </a:rPr>
-              <a:t>,</a:t>
-            </a:r>
-            <a:r>
-              <a:rPr lang="en-US" sz="2800" dirty="0"/>
-              <a:t> print a nice message and quit</a:t>
-            </a:r>
-            <a:r>
-              <a:rPr lang="en-US" sz="2800" dirty="0">
-                <a:solidFill>
-                  <a:schemeClr val="accent1"/>
-                </a:solidFill>
-              </a:rPr>
-              <a:t>.</a:t>
-            </a:r>
+              <a:t>Turtles and while loops</a:t>
+            </a:r>
+          </a:p>
+        </p:txBody>
+      </p:sp>
+      <p:sp>
+        <p:nvSpPr>
+          <p:cNvPr id="6" name="Arrow: Right 5">
+            <a:extLst>
+              <a:ext uri="{FF2B5EF4-FFF2-40B4-BE49-F238E27FC236}">
+                <a16:creationId xmlns:a16="http://schemas.microsoft.com/office/drawing/2014/main" id="{69AEA2D2-3CC8-4E94-9D78-9C4B1E45D6D5}"/>
+              </a:ext>
+            </a:extLst>
+          </p:cNvPr>
+          <p:cNvSpPr/>
+          <p:nvPr/>
+        </p:nvSpPr>
+        <p:spPr>
+          <a:xfrm>
+            <a:off x="2937174" y="5101390"/>
+            <a:ext cx="697832" cy="673768"/>
+          </a:xfrm>
+          <a:prstGeom prst="rightArrow">
+            <a:avLst/>
+          </a:prstGeom>
+        </p:spPr>
+        <p:style>
+          <a:lnRef idx="2">
+            <a:schemeClr val="accent1">
+              <a:shade val="50000"/>
+            </a:schemeClr>
+          </a:lnRef>
+          <a:fillRef idx="1">
+            <a:schemeClr val="accent1"/>
+          </a:fillRef>
+          <a:effectRef idx="0">
+            <a:schemeClr val="accent1"/>
+          </a:effectRef>
+          <a:fontRef idx="minor">
+            <a:schemeClr val="lt1"/>
+          </a:fontRef>
+        </p:style>
+        <p:txBody>
+          <a:bodyPr rtlCol="0" anchor="ctr"/>
+          <a:lstStyle/>
+          <a:p>
+            <a:pPr algn="ctr"/>
+            <a:endParaRPr lang="en-US"/>
+          </a:p>
+        </p:txBody>
+      </p:sp>
+      <p:sp>
+        <p:nvSpPr>
+          <p:cNvPr id="7" name="Arrow: Right 6">
+            <a:extLst>
+              <a:ext uri="{FF2B5EF4-FFF2-40B4-BE49-F238E27FC236}">
+                <a16:creationId xmlns:a16="http://schemas.microsoft.com/office/drawing/2014/main" id="{D1B05114-C52F-4BA4-A972-BD511AACB75F}"/>
+              </a:ext>
+            </a:extLst>
+          </p:cNvPr>
+          <p:cNvSpPr/>
+          <p:nvPr/>
+        </p:nvSpPr>
+        <p:spPr>
+          <a:xfrm>
+            <a:off x="3825827" y="5101390"/>
+            <a:ext cx="697832" cy="673768"/>
+          </a:xfrm>
+          <a:prstGeom prst="rightArrow">
+            <a:avLst/>
+          </a:prstGeom>
+        </p:spPr>
+        <p:style>
+          <a:lnRef idx="2">
+            <a:schemeClr val="accent1">
+              <a:shade val="50000"/>
+            </a:schemeClr>
+          </a:lnRef>
+          <a:fillRef idx="1">
+            <a:schemeClr val="accent1"/>
+          </a:fillRef>
+          <a:effectRef idx="0">
+            <a:schemeClr val="accent1"/>
+          </a:effectRef>
+          <a:fontRef idx="minor">
+            <a:schemeClr val="lt1"/>
+          </a:fontRef>
+        </p:style>
+        <p:txBody>
+          <a:bodyPr rtlCol="0" anchor="ctr"/>
+          <a:lstStyle/>
+          <a:p>
+            <a:pPr algn="ctr"/>
+            <a:endParaRPr lang="en-US"/>
+          </a:p>
+        </p:txBody>
+      </p:sp>
+      <p:sp>
+        <p:nvSpPr>
+          <p:cNvPr id="8" name="Arrow: Right 7">
+            <a:extLst>
+              <a:ext uri="{FF2B5EF4-FFF2-40B4-BE49-F238E27FC236}">
+                <a16:creationId xmlns:a16="http://schemas.microsoft.com/office/drawing/2014/main" id="{96801C39-6F4F-4AED-9846-70E982601BE7}"/>
+              </a:ext>
+            </a:extLst>
+          </p:cNvPr>
+          <p:cNvSpPr/>
+          <p:nvPr/>
+        </p:nvSpPr>
+        <p:spPr>
+          <a:xfrm>
+            <a:off x="4714480" y="5101390"/>
+            <a:ext cx="697832" cy="673768"/>
+          </a:xfrm>
+          <a:prstGeom prst="rightArrow">
+            <a:avLst/>
+          </a:prstGeom>
+        </p:spPr>
+        <p:style>
+          <a:lnRef idx="2">
+            <a:schemeClr val="accent1">
+              <a:shade val="50000"/>
+            </a:schemeClr>
+          </a:lnRef>
+          <a:fillRef idx="1">
+            <a:schemeClr val="accent1"/>
+          </a:fillRef>
+          <a:effectRef idx="0">
+            <a:schemeClr val="accent1"/>
+          </a:effectRef>
+          <a:fontRef idx="minor">
+            <a:schemeClr val="lt1"/>
+          </a:fontRef>
+        </p:style>
+        <p:txBody>
+          <a:bodyPr rtlCol="0" anchor="ctr"/>
+          <a:lstStyle/>
+          <a:p>
+            <a:pPr algn="ctr"/>
+            <a:endParaRPr lang="en-US"/>
           </a:p>
         </p:txBody>
       </p:sp>
       <p:pic>
         <p:nvPicPr>
-          <p:cNvPr id="3080" name="Picture 8" descr="Fantasmas comecocos png 3 » PNG Image">
-            <a:extLst>
-              <a:ext uri="{FF2B5EF4-FFF2-40B4-BE49-F238E27FC236}">
-                <a16:creationId xmlns:a16="http://schemas.microsoft.com/office/drawing/2014/main" id="{5ACEBED3-EB92-414C-81E9-E52FA32B2E53}"/>
+          <p:cNvPr id="2050" name="Picture 2" descr="Classic Red Brick Wall transparent PNG - StickPNG">
+            <a:extLst>
+              <a:ext uri="{FF2B5EF4-FFF2-40B4-BE49-F238E27FC236}">
+                <a16:creationId xmlns:a16="http://schemas.microsoft.com/office/drawing/2014/main" id="{7AE4CA31-6F92-482A-9CF6-62C0EEAB88F5}"/>
               </a:ext>
             </a:extLst>
           </p:cNvPr>
@@ -7718,7 +8897,7 @@
           <p:nvPr/>
         </p:nvPicPr>
         <p:blipFill>
-          <a:blip r:embed="rId2">
+          <a:blip r:embed="rId3">
             <a:extLst>
               <a:ext uri="{28A0092B-C50C-407E-A947-70E740481C1C}">
                 <a14:useLocalDpi xmlns:a14="http://schemas.microsoft.com/office/drawing/2010/main" val="0"/>
@@ -7732,8 +8911,8 @@
         </p:blipFill>
         <p:spPr bwMode="auto">
           <a:xfrm>
-            <a:off x="8283072" y="1825624"/>
-            <a:ext cx="3395580" cy="3395580"/>
+            <a:off x="5628642" y="4075640"/>
+            <a:ext cx="1881068" cy="2051500"/>
           </a:xfrm>
           <a:prstGeom prst="rect">
             <a:avLst/>
@@ -7753,7 +8932,7 @@
     </p:spTree>
     <p:extLst>
       <p:ext uri="{BB962C8B-B14F-4D97-AF65-F5344CB8AC3E}">
-        <p14:creationId xmlns:p14="http://schemas.microsoft.com/office/powerpoint/2010/main" val="1157149472"/>
+        <p14:creationId xmlns:p14="http://schemas.microsoft.com/office/powerpoint/2010/main" val="3089074772"/>
       </p:ext>
     </p:extLst>
   </p:cSld>
@@ -7809,8 +8988,16 @@
           <a:lstStyle/>
           <a:p>
             <a:r>
+              <a:rPr lang="en-US" b="1" dirty="0">
+                <a:solidFill>
+                  <a:schemeClr val="accent6"/>
+                </a:solidFill>
+              </a:rPr>
+              <a:t>Breakout Session </a:t>
+            </a:r>
+            <a:r>
               <a:rPr lang="en-US" b="1" dirty="0"/>
-              <a:t>Guessing Game</a:t>
+              <a:t>1</a:t>
             </a:r>
           </a:p>
         </p:txBody>
@@ -7833,8 +9020,8 @@
         </p:nvSpPr>
         <p:spPr>
           <a:xfrm>
-            <a:off x="838200" y="1825624"/>
-            <a:ext cx="9316453" cy="4900029"/>
+            <a:off x="838201" y="1825624"/>
+            <a:ext cx="6657474" cy="4900029"/>
           </a:xfrm>
         </p:spPr>
         <p:txBody>
@@ -7845,48 +9032,39 @@
           <a:p>
             <a:r>
               <a:rPr lang="en-US" sz="3200" dirty="0"/>
-              <a:t>Get the computer to choose a random integer from 0 to 100</a:t>
+              <a:t>Write code to print all the numbers from 0 to 20 that aren’t evenly divisible by either 3 or 5</a:t>
             </a:r>
             <a:r>
               <a:rPr lang="en-US" sz="3200" dirty="0">
                 <a:solidFill>
-                  <a:schemeClr val="accent1"/>
+                  <a:schemeClr val="accent2"/>
                 </a:solidFill>
               </a:rPr>
               <a:t>.</a:t>
             </a:r>
           </a:p>
           <a:p>
-            <a:pPr lvl="1"/>
-            <a:r>
-              <a:rPr lang="en-US" sz="2800" dirty="0"/>
-              <a:t>The computer selects 45</a:t>
-            </a:r>
-            <a:r>
-              <a:rPr lang="en-US" sz="2800" dirty="0">
-                <a:solidFill>
-                  <a:schemeClr val="accent1"/>
+            <a:r>
+              <a:rPr lang="en-US" sz="3200" dirty="0"/>
+              <a:t>Zero is divisible by everything and should not appear in the output</a:t>
+            </a:r>
+            <a:r>
+              <a:rPr lang="en-US" sz="3200" dirty="0">
+                <a:solidFill>
+                  <a:schemeClr val="accent2"/>
                 </a:solidFill>
               </a:rPr>
               <a:t>.</a:t>
             </a:r>
           </a:p>
-          <a:p>
-            <a:pPr lvl="1"/>
-            <a:endParaRPr lang="en-US" sz="2800" dirty="0">
-              <a:solidFill>
-                <a:schemeClr val="accent1"/>
-              </a:solidFill>
-            </a:endParaRPr>
-          </a:p>
-        </p:txBody>
-      </p:sp>
-      <p:sp>
-        <p:nvSpPr>
-          <p:cNvPr id="4" name="Arrow: Left-Right 3">
-            <a:extLst>
-              <a:ext uri="{FF2B5EF4-FFF2-40B4-BE49-F238E27FC236}">
-                <a16:creationId xmlns:a16="http://schemas.microsoft.com/office/drawing/2014/main" id="{022C15AC-AF7B-460E-8033-14D8CB69B82B}"/>
+        </p:txBody>
+      </p:sp>
+      <p:sp>
+        <p:nvSpPr>
+          <p:cNvPr id="11" name="Rectangle: Rounded Corners 10">
+            <a:extLst>
+              <a:ext uri="{FF2B5EF4-FFF2-40B4-BE49-F238E27FC236}">
+                <a16:creationId xmlns:a16="http://schemas.microsoft.com/office/drawing/2014/main" id="{2AD12892-252D-47E8-9C1B-32729A13BC0B}"/>
               </a:ext>
             </a:extLst>
           </p:cNvPr>
@@ -7895,12 +9073,18 @@
         </p:nvSpPr>
         <p:spPr>
           <a:xfrm>
-            <a:off x="1427748" y="5570621"/>
-            <a:ext cx="8518358" cy="866274"/>
-          </a:xfrm>
-          <a:prstGeom prst="leftRightArrow">
-            <a:avLst/>
-          </a:prstGeom>
+            <a:off x="7844590" y="1949006"/>
+            <a:ext cx="3958389" cy="4418765"/>
+          </a:xfrm>
+          <a:prstGeom prst="roundRect">
+            <a:avLst/>
+          </a:prstGeom>
+          <a:noFill/>
+          <a:ln w="76200">
+            <a:solidFill>
+              <a:schemeClr val="accent2"/>
+            </a:solidFill>
+          </a:ln>
         </p:spPr>
         <p:style>
           <a:lnRef idx="2">
@@ -7922,173 +9106,56 @@
           <a:bodyPr rtlCol="0" anchor="ctr"/>
           <a:lstStyle/>
           <a:p>
-            <a:pPr algn="ctr"/>
-            <a:endParaRPr lang="en-US"/>
-          </a:p>
-        </p:txBody>
-      </p:sp>
-      <p:sp>
-        <p:nvSpPr>
-          <p:cNvPr id="5" name="TextBox 4">
-            <a:extLst>
-              <a:ext uri="{FF2B5EF4-FFF2-40B4-BE49-F238E27FC236}">
-                <a16:creationId xmlns:a16="http://schemas.microsoft.com/office/drawing/2014/main" id="{13AF36E5-475E-4F1E-8085-36D4D314CDDC}"/>
-              </a:ext>
-            </a:extLst>
-          </p:cNvPr>
-          <p:cNvSpPr txBox="1"/>
-          <p:nvPr/>
-        </p:nvSpPr>
-        <p:spPr>
-          <a:xfrm>
-            <a:off x="772513" y="5588259"/>
-            <a:ext cx="538930" cy="830997"/>
-          </a:xfrm>
-          <a:prstGeom prst="rect">
-            <a:avLst/>
-          </a:prstGeom>
-          <a:noFill/>
-        </p:spPr>
-        <p:txBody>
-          <a:bodyPr wrap="none" rtlCol="0">
-            <a:spAutoFit/>
-          </a:bodyPr>
-          <a:lstStyle/>
-          <a:p>
-            <a:r>
-              <a:rPr lang="en-US" sz="4800" b="1" dirty="0">
+            <a:r>
+              <a:rPr lang="en-US" sz="4400" b="1" dirty="0">
                 <a:solidFill>
                   <a:srgbClr val="FFFFFF"/>
                 </a:solidFill>
               </a:rPr>
-              <a:t>0</a:t>
-            </a:r>
-          </a:p>
-        </p:txBody>
-      </p:sp>
-      <p:sp>
-        <p:nvSpPr>
-          <p:cNvPr id="7" name="TextBox 6">
-            <a:extLst>
-              <a:ext uri="{FF2B5EF4-FFF2-40B4-BE49-F238E27FC236}">
-                <a16:creationId xmlns:a16="http://schemas.microsoft.com/office/drawing/2014/main" id="{9F64FC8C-0292-4EC9-A622-76089CA49134}"/>
-              </a:ext>
-            </a:extLst>
-          </p:cNvPr>
-          <p:cNvSpPr txBox="1"/>
-          <p:nvPr/>
-        </p:nvSpPr>
-        <p:spPr>
-          <a:xfrm>
-            <a:off x="10062411" y="5564195"/>
-            <a:ext cx="1247457" cy="830997"/>
-          </a:xfrm>
-          <a:prstGeom prst="rect">
-            <a:avLst/>
-          </a:prstGeom>
-          <a:noFill/>
-        </p:spPr>
-        <p:txBody>
-          <a:bodyPr wrap="none" rtlCol="0">
-            <a:spAutoFit/>
-          </a:bodyPr>
-          <a:lstStyle/>
-          <a:p>
-            <a:r>
-              <a:rPr lang="en-US" sz="4800" b="1" dirty="0">
+              <a:t>Open your notebook</a:t>
+            </a:r>
+          </a:p>
+          <a:p>
+            <a:endParaRPr lang="en-US" sz="4400" b="1" dirty="0">
+              <a:solidFill>
+                <a:srgbClr val="FFFFFF"/>
+              </a:solidFill>
+            </a:endParaRPr>
+          </a:p>
+          <a:p>
+            <a:r>
+              <a:rPr lang="en-US" sz="2800" b="1" dirty="0">
                 <a:solidFill>
                   <a:srgbClr val="FFFFFF"/>
                 </a:solidFill>
               </a:rPr>
-              <a:t>100</a:t>
-            </a:r>
-          </a:p>
-        </p:txBody>
-      </p:sp>
-      <p:sp>
-        <p:nvSpPr>
-          <p:cNvPr id="6" name="Arrow: Down 5">
-            <a:extLst>
-              <a:ext uri="{FF2B5EF4-FFF2-40B4-BE49-F238E27FC236}">
-                <a16:creationId xmlns:a16="http://schemas.microsoft.com/office/drawing/2014/main" id="{733B50B0-CDBA-4289-A206-53669331BC72}"/>
-              </a:ext>
-            </a:extLst>
-          </p:cNvPr>
-          <p:cNvSpPr/>
-          <p:nvPr/>
-        </p:nvSpPr>
-        <p:spPr>
-          <a:xfrm>
-            <a:off x="5807242" y="4914900"/>
-            <a:ext cx="577516" cy="733926"/>
-          </a:xfrm>
-          <a:prstGeom prst="downArrow">
-            <a:avLst/>
-          </a:prstGeom>
-          <a:solidFill>
-            <a:schemeClr val="accent6"/>
-          </a:solidFill>
-        </p:spPr>
-        <p:style>
-          <a:lnRef idx="2">
-            <a:schemeClr val="accent1">
-              <a:shade val="50000"/>
-            </a:schemeClr>
-          </a:lnRef>
-          <a:fillRef idx="1">
-            <a:schemeClr val="accent1"/>
-          </a:fillRef>
-          <a:effectRef idx="0">
-            <a:schemeClr val="accent1"/>
-          </a:effectRef>
-          <a:fontRef idx="minor">
-            <a:schemeClr val="lt1"/>
-          </a:fontRef>
-        </p:style>
-        <p:txBody>
-          <a:bodyPr rtlCol="0" anchor="ctr"/>
-          <a:lstStyle/>
-          <a:p>
-            <a:pPr algn="ctr"/>
-            <a:endParaRPr lang="en-US"/>
-          </a:p>
-        </p:txBody>
-      </p:sp>
-      <p:sp>
-        <p:nvSpPr>
-          <p:cNvPr id="9" name="TextBox 8">
-            <a:extLst>
-              <a:ext uri="{FF2B5EF4-FFF2-40B4-BE49-F238E27FC236}">
-                <a16:creationId xmlns:a16="http://schemas.microsoft.com/office/drawing/2014/main" id="{0447DA6F-ABB0-4FBD-998C-3A0D0F70597C}"/>
-              </a:ext>
-            </a:extLst>
-          </p:cNvPr>
-          <p:cNvSpPr txBox="1"/>
-          <p:nvPr/>
-        </p:nvSpPr>
-        <p:spPr>
-          <a:xfrm>
-            <a:off x="5652746" y="4102767"/>
-            <a:ext cx="893193" cy="830997"/>
-          </a:xfrm>
-          <a:prstGeom prst="rect">
-            <a:avLst/>
-          </a:prstGeom>
-          <a:noFill/>
-        </p:spPr>
-        <p:txBody>
-          <a:bodyPr wrap="none" rtlCol="0">
-            <a:spAutoFit/>
-          </a:bodyPr>
-          <a:lstStyle/>
-          <a:p>
-            <a:r>
-              <a:rPr lang="en-US" sz="4800" b="1" dirty="0">
-                <a:solidFill>
-                  <a:srgbClr val="FFFFFF"/>
-                </a:solidFill>
-              </a:rPr>
-              <a:t>45</a:t>
+              <a:t>Click Link</a:t>
+            </a:r>
+            <a:r>
+              <a:rPr lang="en-US" sz="2800" b="1" dirty="0">
+                <a:solidFill>
+                  <a:schemeClr val="accent6"/>
+                </a:solidFill>
+              </a:rPr>
+              <a:t>:</a:t>
+            </a:r>
+          </a:p>
+          <a:p>
+            <a:r>
+              <a:rPr lang="en-US" sz="2800" b="1" dirty="0">
+                <a:solidFill>
+                  <a:schemeClr val="accent6"/>
+                </a:solidFill>
+              </a:rPr>
+              <a:t>4. </a:t>
+            </a:r>
+            <a:r>
+              <a:rPr lang="en-US" sz="2600" b="1" dirty="0">
+                <a:solidFill>
+                  <a:schemeClr val="accent6"/>
+                </a:solidFill>
+              </a:rPr>
+              <a:t>Breakout Session 1</a:t>
             </a:r>
           </a:p>
         </p:txBody>
@@ -8096,7 +9163,7 @@
     </p:spTree>
     <p:extLst>
       <p:ext uri="{BB962C8B-B14F-4D97-AF65-F5344CB8AC3E}">
-        <p14:creationId xmlns:p14="http://schemas.microsoft.com/office/powerpoint/2010/main" val="274963191"/>
+        <p14:creationId xmlns:p14="http://schemas.microsoft.com/office/powerpoint/2010/main" val="1488241433"/>
       </p:ext>
     </p:extLst>
   </p:cSld>

--- a/lectures/week4/lecture2/slides/week4_lecture2.pptx
+++ b/lectures/week4/lecture2/slides/week4_lecture2.pptx
@@ -5395,7 +5395,7 @@
                   <a:schemeClr val="accent6"/>
                 </a:solidFill>
               </a:rPr>
-              <a:t>False</a:t>
+              <a:t>True</a:t>
             </a:r>
             <a:r>
               <a:rPr lang="en-US" dirty="0">

--- a/lectures/week4/lecture2/slides/week4_lecture2.pptx
+++ b/lectures/week4/lecture2/slides/week4_lecture2.pptx
@@ -9032,7 +9032,7 @@
           <a:p>
             <a:r>
               <a:rPr lang="en-US" sz="3200" dirty="0"/>
-              <a:t>Write code to print all the numbers from 0 to 20 that aren’t evenly divisible by either 3 or 5</a:t>
+              <a:t>Write some code to allow someone to play Rock</a:t>
             </a:r>
             <a:r>
               <a:rPr lang="en-US" sz="3200" dirty="0">
@@ -9040,13 +9040,71 @@
                   <a:schemeClr val="accent2"/>
                 </a:solidFill>
               </a:rPr>
-              <a:t>.</a:t>
-            </a:r>
-          </a:p>
-          <a:p>
+              <a:t>,</a:t>
+            </a:r>
             <a:r>
               <a:rPr lang="en-US" sz="3200" dirty="0"/>
-              <a:t>Zero is divisible by everything and should not appear in the output</a:t>
+              <a:t> Paper</a:t>
+            </a:r>
+            <a:r>
+              <a:rPr lang="en-US" sz="3200" dirty="0">
+                <a:solidFill>
+                  <a:schemeClr val="accent2"/>
+                </a:solidFill>
+              </a:rPr>
+              <a:t>,</a:t>
+            </a:r>
+            <a:r>
+              <a:rPr lang="en-US" sz="3200" dirty="0"/>
+              <a:t> Scissors</a:t>
+            </a:r>
+            <a:r>
+              <a:rPr lang="en-US" sz="3200" dirty="0">
+                <a:solidFill>
+                  <a:schemeClr val="accent2"/>
+                </a:solidFill>
+              </a:rPr>
+              <a:t>,</a:t>
+            </a:r>
+            <a:r>
+              <a:rPr lang="en-US" sz="3200" dirty="0"/>
+              <a:t> Lizard</a:t>
+            </a:r>
+            <a:r>
+              <a:rPr lang="en-US" sz="3200" dirty="0">
+                <a:solidFill>
+                  <a:schemeClr val="accent2"/>
+                </a:solidFill>
+              </a:rPr>
+              <a:t>,</a:t>
+            </a:r>
+            <a:r>
+              <a:rPr lang="en-US" sz="3200" dirty="0"/>
+              <a:t> Spock repeatedly until they beat the computer </a:t>
+            </a:r>
+            <a:r>
+              <a:rPr lang="en-US" sz="3200" dirty="0">
+                <a:solidFill>
+                  <a:schemeClr val="accent2"/>
+                </a:solidFill>
+              </a:rPr>
+              <a:t>`</a:t>
+            </a:r>
+            <a:r>
+              <a:rPr lang="en-US" sz="3200" dirty="0"/>
+              <a:t>3</a:t>
+            </a:r>
+            <a:r>
+              <a:rPr lang="en-US" sz="3200" dirty="0">
+                <a:solidFill>
+                  <a:schemeClr val="accent2"/>
+                </a:solidFill>
+              </a:rPr>
+              <a:t>`</a:t>
+            </a:r>
+            <a:r>
+              <a:rPr lang="en-US" sz="3200" dirty="0"/>
+              <a:t> times</a:t>
             </a:r>
             <a:r>
               <a:rPr lang="en-US" sz="3200" dirty="0">
@@ -9160,6 +9218,144 @@
           </a:p>
         </p:txBody>
       </p:sp>
+      <p:pic>
+        <p:nvPicPr>
+          <p:cNvPr id="1026" name="Picture 2" descr="Spock (Character) - Comic Vine">
+            <a:extLst>
+              <a:ext uri="{FF2B5EF4-FFF2-40B4-BE49-F238E27FC236}">
+                <a16:creationId xmlns:a16="http://schemas.microsoft.com/office/drawing/2014/main" id="{906D33B3-7CFB-2914-A234-0F3FDAC17A45}"/>
+              </a:ext>
+            </a:extLst>
+          </p:cNvPr>
+          <p:cNvPicPr>
+            <a:picLocks noChangeAspect="1" noChangeArrowheads="1"/>
+          </p:cNvPicPr>
+          <p:nvPr/>
+        </p:nvPicPr>
+        <p:blipFill>
+          <a:blip r:embed="rId2">
+            <a:extLst>
+              <a:ext uri="{28A0092B-C50C-407E-A947-70E740481C1C}">
+                <a14:useLocalDpi xmlns:a14="http://schemas.microsoft.com/office/drawing/2010/main" val="0"/>
+              </a:ext>
+            </a:extLst>
+          </a:blip>
+          <a:srcRect/>
+          <a:stretch>
+            <a:fillRect/>
+          </a:stretch>
+        </p:blipFill>
+        <p:spPr bwMode="auto">
+          <a:xfrm flipH="1">
+            <a:off x="1181191" y="4317165"/>
+            <a:ext cx="1757501" cy="2222926"/>
+          </a:xfrm>
+          <a:prstGeom prst="roundRect">
+            <a:avLst>
+              <a:gd name="adj" fmla="val 16667"/>
+            </a:avLst>
+          </a:prstGeom>
+          <a:ln>
+            <a:noFill/>
+          </a:ln>
+          <a:effectLst>
+            <a:outerShdw blurRad="76200" dist="38100" dir="7800000" algn="tl" rotWithShape="0">
+              <a:srgbClr val="000000">
+                <a:alpha val="40000"/>
+              </a:srgbClr>
+            </a:outerShdw>
+          </a:effectLst>
+          <a:scene3d>
+            <a:camera prst="orthographicFront"/>
+            <a:lightRig rig="contrasting" dir="t">
+              <a:rot lat="0" lon="0" rev="4200000"/>
+            </a:lightRig>
+          </a:scene3d>
+          <a:sp3d prstMaterial="plastic">
+            <a:bevelT w="381000" h="114300" prst="relaxedInset"/>
+            <a:contourClr>
+              <a:srgbClr val="969696"/>
+            </a:contourClr>
+          </a:sp3d>
+          <a:extLst>
+            <a:ext uri="{909E8E84-426E-40DD-AFC4-6F175D3DCCD1}">
+              <a14:hiddenFill xmlns:a14="http://schemas.microsoft.com/office/drawing/2010/main">
+                <a:solidFill>
+                  <a:srgbClr val="FFFFFF"/>
+                </a:solidFill>
+              </a14:hiddenFill>
+            </a:ext>
+          </a:extLst>
+        </p:spPr>
+      </p:pic>
+      <p:pic>
+        <p:nvPicPr>
+          <p:cNvPr id="1028" name="Picture 4" descr="Komodo dragons">
+            <a:extLst>
+              <a:ext uri="{FF2B5EF4-FFF2-40B4-BE49-F238E27FC236}">
+                <a16:creationId xmlns:a16="http://schemas.microsoft.com/office/drawing/2014/main" id="{833F8489-F331-406C-3953-9BC6B9723BCB}"/>
+              </a:ext>
+            </a:extLst>
+          </p:cNvPr>
+          <p:cNvPicPr>
+            <a:picLocks noChangeAspect="1" noChangeArrowheads="1"/>
+          </p:cNvPicPr>
+          <p:nvPr/>
+        </p:nvPicPr>
+        <p:blipFill rotWithShape="1">
+          <a:blip r:embed="rId3">
+            <a:extLst>
+              <a:ext uri="{28A0092B-C50C-407E-A947-70E740481C1C}">
+                <a14:useLocalDpi xmlns:a14="http://schemas.microsoft.com/office/drawing/2010/main" val="0"/>
+              </a:ext>
+            </a:extLst>
+          </a:blip>
+          <a:srcRect l="16019" r="25321"/>
+          <a:stretch/>
+        </p:blipFill>
+        <p:spPr bwMode="auto">
+          <a:xfrm>
+            <a:off x="3335982" y="4317165"/>
+            <a:ext cx="2175641" cy="2225312"/>
+          </a:xfrm>
+          <a:prstGeom prst="roundRect">
+            <a:avLst>
+              <a:gd name="adj" fmla="val 16667"/>
+            </a:avLst>
+          </a:prstGeom>
+          <a:ln>
+            <a:noFill/>
+          </a:ln>
+          <a:effectLst>
+            <a:outerShdw blurRad="76200" dist="38100" dir="7800000" algn="tl" rotWithShape="0">
+              <a:srgbClr val="000000">
+                <a:alpha val="40000"/>
+              </a:srgbClr>
+            </a:outerShdw>
+          </a:effectLst>
+          <a:scene3d>
+            <a:camera prst="orthographicFront"/>
+            <a:lightRig rig="contrasting" dir="t">
+              <a:rot lat="0" lon="0" rev="4200000"/>
+            </a:lightRig>
+          </a:scene3d>
+          <a:sp3d prstMaterial="plastic">
+            <a:bevelT w="381000" h="114300" prst="relaxedInset"/>
+            <a:contourClr>
+              <a:srgbClr val="969696"/>
+            </a:contourClr>
+          </a:sp3d>
+          <a:extLst>
+            <a:ext uri="{909E8E84-426E-40DD-AFC4-6F175D3DCCD1}">
+              <a14:hiddenFill xmlns:a14="http://schemas.microsoft.com/office/drawing/2010/main">
+                <a:solidFill>
+                  <a:srgbClr val="FFFFFF"/>
+                </a:solidFill>
+              </a14:hiddenFill>
+            </a:ext>
+          </a:extLst>
+        </p:spPr>
+      </p:pic>
     </p:spTree>
     <p:extLst>
       <p:ext uri="{BB962C8B-B14F-4D97-AF65-F5344CB8AC3E}">
